--- a/Chapter2/Figures/Fig1.pptx
+++ b/Chapter2/Figures/Fig1.pptx
@@ -10,14 +10,14 @@
   <p:sldIdLst>
     <p:sldId id="256" r:id="rId2"/>
   </p:sldIdLst>
-  <p:sldSz cx="9001125" cy="7021513"/>
+  <p:sldSz cx="8640763" cy="9361488"/>
   <p:notesSz cx="6858000" cy="9144000"/>
   <p:defaultTextStyle>
     <a:defPPr>
       <a:defRPr lang="en-US"/>
     </a:defPPr>
-    <a:lvl1pPr marL="0" algn="l" defTabSz="914400" rtl="0" eaLnBrk="1" latinLnBrk="0" hangingPunct="1">
-      <a:defRPr sz="1800" kern="1200">
+    <a:lvl1pPr marL="0" algn="l" defTabSz="831190" rtl="0" eaLnBrk="1" latinLnBrk="0" hangingPunct="1">
+      <a:defRPr sz="1600" kern="1200">
         <a:solidFill>
           <a:schemeClr val="tx1"/>
         </a:solidFill>
@@ -26,8 +26,8 @@
         <a:cs typeface="+mn-cs"/>
       </a:defRPr>
     </a:lvl1pPr>
-    <a:lvl2pPr marL="457200" algn="l" defTabSz="914400" rtl="0" eaLnBrk="1" latinLnBrk="0" hangingPunct="1">
-      <a:defRPr sz="1800" kern="1200">
+    <a:lvl2pPr marL="415595" algn="l" defTabSz="831190" rtl="0" eaLnBrk="1" latinLnBrk="0" hangingPunct="1">
+      <a:defRPr sz="1600" kern="1200">
         <a:solidFill>
           <a:schemeClr val="tx1"/>
         </a:solidFill>
@@ -36,8 +36,8 @@
         <a:cs typeface="+mn-cs"/>
       </a:defRPr>
     </a:lvl2pPr>
-    <a:lvl3pPr marL="914400" algn="l" defTabSz="914400" rtl="0" eaLnBrk="1" latinLnBrk="0" hangingPunct="1">
-      <a:defRPr sz="1800" kern="1200">
+    <a:lvl3pPr marL="831190" algn="l" defTabSz="831190" rtl="0" eaLnBrk="1" latinLnBrk="0" hangingPunct="1">
+      <a:defRPr sz="1600" kern="1200">
         <a:solidFill>
           <a:schemeClr val="tx1"/>
         </a:solidFill>
@@ -46,8 +46,8 @@
         <a:cs typeface="+mn-cs"/>
       </a:defRPr>
     </a:lvl3pPr>
-    <a:lvl4pPr marL="1371600" algn="l" defTabSz="914400" rtl="0" eaLnBrk="1" latinLnBrk="0" hangingPunct="1">
-      <a:defRPr sz="1800" kern="1200">
+    <a:lvl4pPr marL="1246784" algn="l" defTabSz="831190" rtl="0" eaLnBrk="1" latinLnBrk="0" hangingPunct="1">
+      <a:defRPr sz="1600" kern="1200">
         <a:solidFill>
           <a:schemeClr val="tx1"/>
         </a:solidFill>
@@ -56,8 +56,8 @@
         <a:cs typeface="+mn-cs"/>
       </a:defRPr>
     </a:lvl4pPr>
-    <a:lvl5pPr marL="1828800" algn="l" defTabSz="914400" rtl="0" eaLnBrk="1" latinLnBrk="0" hangingPunct="1">
-      <a:defRPr sz="1800" kern="1200">
+    <a:lvl5pPr marL="1662379" algn="l" defTabSz="831190" rtl="0" eaLnBrk="1" latinLnBrk="0" hangingPunct="1">
+      <a:defRPr sz="1600" kern="1200">
         <a:solidFill>
           <a:schemeClr val="tx1"/>
         </a:solidFill>
@@ -66,8 +66,8 @@
         <a:cs typeface="+mn-cs"/>
       </a:defRPr>
     </a:lvl5pPr>
-    <a:lvl6pPr marL="2286000" algn="l" defTabSz="914400" rtl="0" eaLnBrk="1" latinLnBrk="0" hangingPunct="1">
-      <a:defRPr sz="1800" kern="1200">
+    <a:lvl6pPr marL="2077974" algn="l" defTabSz="831190" rtl="0" eaLnBrk="1" latinLnBrk="0" hangingPunct="1">
+      <a:defRPr sz="1600" kern="1200">
         <a:solidFill>
           <a:schemeClr val="tx1"/>
         </a:solidFill>
@@ -76,8 +76,8 @@
         <a:cs typeface="+mn-cs"/>
       </a:defRPr>
     </a:lvl6pPr>
-    <a:lvl7pPr marL="2743200" algn="l" defTabSz="914400" rtl="0" eaLnBrk="1" latinLnBrk="0" hangingPunct="1">
-      <a:defRPr sz="1800" kern="1200">
+    <a:lvl7pPr marL="2493569" algn="l" defTabSz="831190" rtl="0" eaLnBrk="1" latinLnBrk="0" hangingPunct="1">
+      <a:defRPr sz="1600" kern="1200">
         <a:solidFill>
           <a:schemeClr val="tx1"/>
         </a:solidFill>
@@ -86,8 +86,8 @@
         <a:cs typeface="+mn-cs"/>
       </a:defRPr>
     </a:lvl7pPr>
-    <a:lvl8pPr marL="3200400" algn="l" defTabSz="914400" rtl="0" eaLnBrk="1" latinLnBrk="0" hangingPunct="1">
-      <a:defRPr sz="1800" kern="1200">
+    <a:lvl8pPr marL="2909164" algn="l" defTabSz="831190" rtl="0" eaLnBrk="1" latinLnBrk="0" hangingPunct="1">
+      <a:defRPr sz="1600" kern="1200">
         <a:solidFill>
           <a:schemeClr val="tx1"/>
         </a:solidFill>
@@ -96,8 +96,8 @@
         <a:cs typeface="+mn-cs"/>
       </a:defRPr>
     </a:lvl8pPr>
-    <a:lvl9pPr marL="3657600" algn="l" defTabSz="914400" rtl="0" eaLnBrk="1" latinLnBrk="0" hangingPunct="1">
-      <a:defRPr sz="1800" kern="1200">
+    <a:lvl9pPr marL="3324758" algn="l" defTabSz="831190" rtl="0" eaLnBrk="1" latinLnBrk="0" hangingPunct="1">
+      <a:defRPr sz="1600" kern="1200">
         <a:solidFill>
           <a:schemeClr val="tx1"/>
         </a:solidFill>
@@ -192,7 +192,7 @@
           <a:p>
             <a:fld id="{05FA83E1-7CE7-4EF2-A677-370A5994ADD2}" type="datetimeFigureOut">
               <a:rPr lang="en-GB" smtClean="0"/>
-              <a:t>22/06/2014</a:t>
+              <a:t>08/07/2014</a:t>
             </a:fld>
             <a:endParaRPr lang="en-GB"/>
           </a:p>
@@ -210,8 +210,8 @@
         </p:nvSpPr>
         <p:spPr>
           <a:xfrm>
-            <a:off x="1231900" y="685800"/>
-            <a:ext cx="4394200" cy="3429000"/>
+            <a:off x="1847850" y="685800"/>
+            <a:ext cx="3162300" cy="3429000"/>
           </a:xfrm>
           <a:prstGeom prst="rect">
             <a:avLst/>
@@ -366,8 +366,8 @@
   </p:cSld>
   <p:clrMap bg1="lt1" tx1="dk1" bg2="lt2" tx2="dk2" accent1="accent1" accent2="accent2" accent3="accent3" accent4="accent4" accent5="accent5" accent6="accent6" hlink="hlink" folHlink="folHlink"/>
   <p:notesStyle>
-    <a:lvl1pPr marL="0" algn="l" defTabSz="914400" rtl="0" eaLnBrk="1" latinLnBrk="0" hangingPunct="1">
-      <a:defRPr sz="1200" kern="1200">
+    <a:lvl1pPr marL="0" algn="l" defTabSz="831190" rtl="0" eaLnBrk="1" latinLnBrk="0" hangingPunct="1">
+      <a:defRPr sz="1100" kern="1200">
         <a:solidFill>
           <a:schemeClr val="tx1"/>
         </a:solidFill>
@@ -376,8 +376,8 @@
         <a:cs typeface="+mn-cs"/>
       </a:defRPr>
     </a:lvl1pPr>
-    <a:lvl2pPr marL="457200" algn="l" defTabSz="914400" rtl="0" eaLnBrk="1" latinLnBrk="0" hangingPunct="1">
-      <a:defRPr sz="1200" kern="1200">
+    <a:lvl2pPr marL="415595" algn="l" defTabSz="831190" rtl="0" eaLnBrk="1" latinLnBrk="0" hangingPunct="1">
+      <a:defRPr sz="1100" kern="1200">
         <a:solidFill>
           <a:schemeClr val="tx1"/>
         </a:solidFill>
@@ -386,8 +386,8 @@
         <a:cs typeface="+mn-cs"/>
       </a:defRPr>
     </a:lvl2pPr>
-    <a:lvl3pPr marL="914400" algn="l" defTabSz="914400" rtl="0" eaLnBrk="1" latinLnBrk="0" hangingPunct="1">
-      <a:defRPr sz="1200" kern="1200">
+    <a:lvl3pPr marL="831190" algn="l" defTabSz="831190" rtl="0" eaLnBrk="1" latinLnBrk="0" hangingPunct="1">
+      <a:defRPr sz="1100" kern="1200">
         <a:solidFill>
           <a:schemeClr val="tx1"/>
         </a:solidFill>
@@ -396,8 +396,8 @@
         <a:cs typeface="+mn-cs"/>
       </a:defRPr>
     </a:lvl3pPr>
-    <a:lvl4pPr marL="1371600" algn="l" defTabSz="914400" rtl="0" eaLnBrk="1" latinLnBrk="0" hangingPunct="1">
-      <a:defRPr sz="1200" kern="1200">
+    <a:lvl4pPr marL="1246784" algn="l" defTabSz="831190" rtl="0" eaLnBrk="1" latinLnBrk="0" hangingPunct="1">
+      <a:defRPr sz="1100" kern="1200">
         <a:solidFill>
           <a:schemeClr val="tx1"/>
         </a:solidFill>
@@ -406,8 +406,8 @@
         <a:cs typeface="+mn-cs"/>
       </a:defRPr>
     </a:lvl4pPr>
-    <a:lvl5pPr marL="1828800" algn="l" defTabSz="914400" rtl="0" eaLnBrk="1" latinLnBrk="0" hangingPunct="1">
-      <a:defRPr sz="1200" kern="1200">
+    <a:lvl5pPr marL="1662379" algn="l" defTabSz="831190" rtl="0" eaLnBrk="1" latinLnBrk="0" hangingPunct="1">
+      <a:defRPr sz="1100" kern="1200">
         <a:solidFill>
           <a:schemeClr val="tx1"/>
         </a:solidFill>
@@ -416,8 +416,8 @@
         <a:cs typeface="+mn-cs"/>
       </a:defRPr>
     </a:lvl5pPr>
-    <a:lvl6pPr marL="2286000" algn="l" defTabSz="914400" rtl="0" eaLnBrk="1" latinLnBrk="0" hangingPunct="1">
-      <a:defRPr sz="1200" kern="1200">
+    <a:lvl6pPr marL="2077974" algn="l" defTabSz="831190" rtl="0" eaLnBrk="1" latinLnBrk="0" hangingPunct="1">
+      <a:defRPr sz="1100" kern="1200">
         <a:solidFill>
           <a:schemeClr val="tx1"/>
         </a:solidFill>
@@ -426,8 +426,8 @@
         <a:cs typeface="+mn-cs"/>
       </a:defRPr>
     </a:lvl6pPr>
-    <a:lvl7pPr marL="2743200" algn="l" defTabSz="914400" rtl="0" eaLnBrk="1" latinLnBrk="0" hangingPunct="1">
-      <a:defRPr sz="1200" kern="1200">
+    <a:lvl7pPr marL="2493569" algn="l" defTabSz="831190" rtl="0" eaLnBrk="1" latinLnBrk="0" hangingPunct="1">
+      <a:defRPr sz="1100" kern="1200">
         <a:solidFill>
           <a:schemeClr val="tx1"/>
         </a:solidFill>
@@ -436,8 +436,8 @@
         <a:cs typeface="+mn-cs"/>
       </a:defRPr>
     </a:lvl7pPr>
-    <a:lvl8pPr marL="3200400" algn="l" defTabSz="914400" rtl="0" eaLnBrk="1" latinLnBrk="0" hangingPunct="1">
-      <a:defRPr sz="1200" kern="1200">
+    <a:lvl8pPr marL="2909164" algn="l" defTabSz="831190" rtl="0" eaLnBrk="1" latinLnBrk="0" hangingPunct="1">
+      <a:defRPr sz="1100" kern="1200">
         <a:solidFill>
           <a:schemeClr val="tx1"/>
         </a:solidFill>
@@ -446,8 +446,8 @@
         <a:cs typeface="+mn-cs"/>
       </a:defRPr>
     </a:lvl8pPr>
-    <a:lvl9pPr marL="3657600" algn="l" defTabSz="914400" rtl="0" eaLnBrk="1" latinLnBrk="0" hangingPunct="1">
-      <a:defRPr sz="1200" kern="1200">
+    <a:lvl9pPr marL="3324758" algn="l" defTabSz="831190" rtl="0" eaLnBrk="1" latinLnBrk="0" hangingPunct="1">
+      <a:defRPr sz="1100" kern="1200">
         <a:solidFill>
           <a:schemeClr val="tx1"/>
         </a:solidFill>
@@ -489,8 +489,8 @@
         </p:nvSpPr>
         <p:spPr>
           <a:xfrm>
-            <a:off x="1231900" y="685800"/>
-            <a:ext cx="4394200" cy="3429000"/>
+            <a:off x="1847850" y="685800"/>
+            <a:ext cx="3162300" cy="3429000"/>
           </a:xfrm>
         </p:spPr>
       </p:sp>
@@ -578,8 +578,8 @@
         </p:nvSpPr>
         <p:spPr>
           <a:xfrm>
-            <a:off x="675085" y="2181221"/>
-            <a:ext cx="7650956" cy="1505074"/>
+            <a:off x="648058" y="2908131"/>
+            <a:ext cx="7344648" cy="2006652"/>
           </a:xfrm>
         </p:spPr>
         <p:txBody>
@@ -606,8 +606,8 @@
         </p:nvSpPr>
         <p:spPr>
           <a:xfrm>
-            <a:off x="1350169" y="3978858"/>
-            <a:ext cx="6300788" cy="1794386"/>
+            <a:off x="1296114" y="5304844"/>
+            <a:ext cx="6048535" cy="2392379"/>
           </a:xfrm>
         </p:spPr>
         <p:txBody>
@@ -623,7 +623,7 @@
                 </a:solidFill>
               </a:defRPr>
             </a:lvl1pPr>
-            <a:lvl2pPr marL="457200" indent="0" algn="ctr">
+            <a:lvl2pPr marL="415595" indent="0" algn="ctr">
               <a:buNone/>
               <a:defRPr>
                 <a:solidFill>
@@ -633,7 +633,7 @@
                 </a:solidFill>
               </a:defRPr>
             </a:lvl2pPr>
-            <a:lvl3pPr marL="914400" indent="0" algn="ctr">
+            <a:lvl3pPr marL="831190" indent="0" algn="ctr">
               <a:buNone/>
               <a:defRPr>
                 <a:solidFill>
@@ -643,7 +643,7 @@
                 </a:solidFill>
               </a:defRPr>
             </a:lvl3pPr>
-            <a:lvl4pPr marL="1371600" indent="0" algn="ctr">
+            <a:lvl4pPr marL="1246784" indent="0" algn="ctr">
               <a:buNone/>
               <a:defRPr>
                 <a:solidFill>
@@ -653,7 +653,7 @@
                 </a:solidFill>
               </a:defRPr>
             </a:lvl4pPr>
-            <a:lvl5pPr marL="1828800" indent="0" algn="ctr">
+            <a:lvl5pPr marL="1662379" indent="0" algn="ctr">
               <a:buNone/>
               <a:defRPr>
                 <a:solidFill>
@@ -663,7 +663,7 @@
                 </a:solidFill>
               </a:defRPr>
             </a:lvl5pPr>
-            <a:lvl6pPr marL="2286000" indent="0" algn="ctr">
+            <a:lvl6pPr marL="2077974" indent="0" algn="ctr">
               <a:buNone/>
               <a:defRPr>
                 <a:solidFill>
@@ -673,7 +673,7 @@
                 </a:solidFill>
               </a:defRPr>
             </a:lvl6pPr>
-            <a:lvl7pPr marL="2743200" indent="0" algn="ctr">
+            <a:lvl7pPr marL="2493569" indent="0" algn="ctr">
               <a:buNone/>
               <a:defRPr>
                 <a:solidFill>
@@ -683,7 +683,7 @@
                 </a:solidFill>
               </a:defRPr>
             </a:lvl7pPr>
-            <a:lvl8pPr marL="3200400" indent="0" algn="ctr">
+            <a:lvl8pPr marL="2909164" indent="0" algn="ctr">
               <a:buNone/>
               <a:defRPr>
                 <a:solidFill>
@@ -693,7 +693,7 @@
                 </a:solidFill>
               </a:defRPr>
             </a:lvl8pPr>
-            <a:lvl9pPr marL="3657600" indent="0" algn="ctr">
+            <a:lvl9pPr marL="3324758" indent="0" algn="ctr">
               <a:buNone/>
               <a:defRPr>
                 <a:solidFill>
@@ -730,7 +730,7 @@
           <a:p>
             <a:fld id="{FBA5243F-5F84-4526-99E0-A0D09F3BFEDC}" type="datetimeFigureOut">
               <a:rPr lang="en-GB" smtClean="0"/>
-              <a:t>22/06/2014</a:t>
+              <a:t>08/07/2014</a:t>
             </a:fld>
             <a:endParaRPr lang="en-GB"/>
           </a:p>
@@ -900,7 +900,7 @@
           <a:p>
             <a:fld id="{FBA5243F-5F84-4526-99E0-A0D09F3BFEDC}" type="datetimeFigureOut">
               <a:rPr lang="en-GB" smtClean="0"/>
-              <a:t>22/06/2014</a:t>
+              <a:t>08/07/2014</a:t>
             </a:fld>
             <a:endParaRPr lang="en-GB"/>
           </a:p>
@@ -990,8 +990,8 @@
         </p:nvSpPr>
         <p:spPr>
           <a:xfrm>
-            <a:off x="6525816" y="281188"/>
-            <a:ext cx="2025253" cy="5991041"/>
+            <a:off x="6264554" y="374897"/>
+            <a:ext cx="1944172" cy="7987603"/>
           </a:xfrm>
         </p:spPr>
         <p:txBody>
@@ -1018,8 +1018,8 @@
         </p:nvSpPr>
         <p:spPr>
           <a:xfrm>
-            <a:off x="450059" y="281188"/>
-            <a:ext cx="5925741" cy="5991041"/>
+            <a:off x="432042" y="374897"/>
+            <a:ext cx="5688503" cy="7987603"/>
           </a:xfrm>
         </p:spPr>
         <p:txBody>
@@ -1080,7 +1080,7 @@
           <a:p>
             <a:fld id="{FBA5243F-5F84-4526-99E0-A0D09F3BFEDC}" type="datetimeFigureOut">
               <a:rPr lang="en-GB" smtClean="0"/>
-              <a:t>22/06/2014</a:t>
+              <a:t>08/07/2014</a:t>
             </a:fld>
             <a:endParaRPr lang="en-GB"/>
           </a:p>
@@ -1250,7 +1250,7 @@
           <a:p>
             <a:fld id="{FBA5243F-5F84-4526-99E0-A0D09F3BFEDC}" type="datetimeFigureOut">
               <a:rPr lang="en-GB" smtClean="0"/>
-              <a:t>22/06/2014</a:t>
+              <a:t>08/07/2014</a:t>
             </a:fld>
             <a:endParaRPr lang="en-GB"/>
           </a:p>
@@ -1340,15 +1340,15 @@
         </p:nvSpPr>
         <p:spPr>
           <a:xfrm>
-            <a:off x="711027" y="4511973"/>
-            <a:ext cx="7650956" cy="1394550"/>
+            <a:off x="682561" y="6015624"/>
+            <a:ext cx="7344648" cy="1859295"/>
           </a:xfrm>
         </p:spPr>
         <p:txBody>
           <a:bodyPr anchor="t"/>
           <a:lstStyle>
             <a:lvl1pPr algn="l">
-              <a:defRPr sz="4000" b="1" cap="all"/>
+              <a:defRPr sz="3600" b="1" cap="all"/>
             </a:lvl1pPr>
           </a:lstStyle>
           <a:p>
@@ -1372,24 +1372,14 @@
         </p:nvSpPr>
         <p:spPr>
           <a:xfrm>
-            <a:off x="711027" y="2976019"/>
-            <a:ext cx="7650956" cy="1535955"/>
+            <a:off x="682561" y="3967802"/>
+            <a:ext cx="7344648" cy="2047824"/>
           </a:xfrm>
         </p:spPr>
         <p:txBody>
           <a:bodyPr anchor="b"/>
           <a:lstStyle>
             <a:lvl1pPr marL="0" indent="0">
-              <a:buNone/>
-              <a:defRPr sz="2000">
-                <a:solidFill>
-                  <a:schemeClr val="tx1">
-                    <a:tint val="75000"/>
-                  </a:schemeClr>
-                </a:solidFill>
-              </a:defRPr>
-            </a:lvl1pPr>
-            <a:lvl2pPr marL="457200" indent="0">
               <a:buNone/>
               <a:defRPr sz="1800">
                 <a:solidFill>
@@ -1398,8 +1388,8 @@
                   </a:schemeClr>
                 </a:solidFill>
               </a:defRPr>
-            </a:lvl2pPr>
-            <a:lvl3pPr marL="914400" indent="0">
+            </a:lvl1pPr>
+            <a:lvl2pPr marL="415595" indent="0">
               <a:buNone/>
               <a:defRPr sz="1600">
                 <a:solidFill>
@@ -1408,10 +1398,20 @@
                   </a:schemeClr>
                 </a:solidFill>
               </a:defRPr>
+            </a:lvl2pPr>
+            <a:lvl3pPr marL="831190" indent="0">
+              <a:buNone/>
+              <a:defRPr sz="1500">
+                <a:solidFill>
+                  <a:schemeClr val="tx1">
+                    <a:tint val="75000"/>
+                  </a:schemeClr>
+                </a:solidFill>
+              </a:defRPr>
             </a:lvl3pPr>
-            <a:lvl4pPr marL="1371600" indent="0">
+            <a:lvl4pPr marL="1246784" indent="0">
               <a:buNone/>
-              <a:defRPr sz="1400">
+              <a:defRPr sz="1300">
                 <a:solidFill>
                   <a:schemeClr val="tx1">
                     <a:tint val="75000"/>
@@ -1419,9 +1419,9 @@
                 </a:solidFill>
               </a:defRPr>
             </a:lvl4pPr>
-            <a:lvl5pPr marL="1828800" indent="0">
+            <a:lvl5pPr marL="1662379" indent="0">
               <a:buNone/>
-              <a:defRPr sz="1400">
+              <a:defRPr sz="1300">
                 <a:solidFill>
                   <a:schemeClr val="tx1">
                     <a:tint val="75000"/>
@@ -1429,9 +1429,9 @@
                 </a:solidFill>
               </a:defRPr>
             </a:lvl5pPr>
-            <a:lvl6pPr marL="2286000" indent="0">
+            <a:lvl6pPr marL="2077974" indent="0">
               <a:buNone/>
-              <a:defRPr sz="1400">
+              <a:defRPr sz="1300">
                 <a:solidFill>
                   <a:schemeClr val="tx1">
                     <a:tint val="75000"/>
@@ -1439,9 +1439,9 @@
                 </a:solidFill>
               </a:defRPr>
             </a:lvl6pPr>
-            <a:lvl7pPr marL="2743200" indent="0">
+            <a:lvl7pPr marL="2493569" indent="0">
               <a:buNone/>
-              <a:defRPr sz="1400">
+              <a:defRPr sz="1300">
                 <a:solidFill>
                   <a:schemeClr val="tx1">
                     <a:tint val="75000"/>
@@ -1449,9 +1449,9 @@
                 </a:solidFill>
               </a:defRPr>
             </a:lvl7pPr>
-            <a:lvl8pPr marL="3200400" indent="0">
+            <a:lvl8pPr marL="2909164" indent="0">
               <a:buNone/>
-              <a:defRPr sz="1400">
+              <a:defRPr sz="1300">
                 <a:solidFill>
                   <a:schemeClr val="tx1">
                     <a:tint val="75000"/>
@@ -1459,9 +1459,9 @@
                 </a:solidFill>
               </a:defRPr>
             </a:lvl8pPr>
-            <a:lvl9pPr marL="3657600" indent="0">
+            <a:lvl9pPr marL="3324758" indent="0">
               <a:buNone/>
-              <a:defRPr sz="1400">
+              <a:defRPr sz="1300">
                 <a:solidFill>
                   <a:schemeClr val="tx1">
                     <a:tint val="75000"/>
@@ -1496,7 +1496,7 @@
           <a:p>
             <a:fld id="{FBA5243F-5F84-4526-99E0-A0D09F3BFEDC}" type="datetimeFigureOut">
               <a:rPr lang="en-GB" smtClean="0"/>
-              <a:t>22/06/2014</a:t>
+              <a:t>08/07/2014</a:t>
             </a:fld>
             <a:endParaRPr lang="en-GB"/>
           </a:p>
@@ -1609,39 +1609,39 @@
         </p:nvSpPr>
         <p:spPr>
           <a:xfrm>
-            <a:off x="450059" y="1638354"/>
-            <a:ext cx="3975497" cy="4633874"/>
+            <a:off x="432042" y="2184348"/>
+            <a:ext cx="3816337" cy="6178150"/>
           </a:xfrm>
         </p:spPr>
         <p:txBody>
           <a:bodyPr/>
           <a:lstStyle>
             <a:lvl1pPr>
-              <a:defRPr sz="2800"/>
+              <a:defRPr sz="2500"/>
             </a:lvl1pPr>
             <a:lvl2pPr>
-              <a:defRPr sz="2400"/>
+              <a:defRPr sz="2200"/>
             </a:lvl2pPr>
             <a:lvl3pPr>
-              <a:defRPr sz="2000"/>
+              <a:defRPr sz="1800"/>
             </a:lvl3pPr>
             <a:lvl4pPr>
-              <a:defRPr sz="1800"/>
+              <a:defRPr sz="1600"/>
             </a:lvl4pPr>
             <a:lvl5pPr>
-              <a:defRPr sz="1800"/>
+              <a:defRPr sz="1600"/>
             </a:lvl5pPr>
             <a:lvl6pPr>
-              <a:defRPr sz="1800"/>
+              <a:defRPr sz="1600"/>
             </a:lvl6pPr>
             <a:lvl7pPr>
-              <a:defRPr sz="1800"/>
+              <a:defRPr sz="1600"/>
             </a:lvl7pPr>
             <a:lvl8pPr>
-              <a:defRPr sz="1800"/>
+              <a:defRPr sz="1600"/>
             </a:lvl8pPr>
             <a:lvl9pPr>
-              <a:defRPr sz="1800"/>
+              <a:defRPr sz="1600"/>
             </a:lvl9pPr>
           </a:lstStyle>
           <a:p>
@@ -1694,39 +1694,39 @@
         </p:nvSpPr>
         <p:spPr>
           <a:xfrm>
-            <a:off x="4575575" y="1638354"/>
-            <a:ext cx="3975497" cy="4633874"/>
+            <a:off x="4392392" y="2184348"/>
+            <a:ext cx="3816337" cy="6178150"/>
           </a:xfrm>
         </p:spPr>
         <p:txBody>
           <a:bodyPr/>
           <a:lstStyle>
             <a:lvl1pPr>
-              <a:defRPr sz="2800"/>
+              <a:defRPr sz="2500"/>
             </a:lvl1pPr>
             <a:lvl2pPr>
-              <a:defRPr sz="2400"/>
+              <a:defRPr sz="2200"/>
             </a:lvl2pPr>
             <a:lvl3pPr>
-              <a:defRPr sz="2000"/>
+              <a:defRPr sz="1800"/>
             </a:lvl3pPr>
             <a:lvl4pPr>
-              <a:defRPr sz="1800"/>
+              <a:defRPr sz="1600"/>
             </a:lvl4pPr>
             <a:lvl5pPr>
-              <a:defRPr sz="1800"/>
+              <a:defRPr sz="1600"/>
             </a:lvl5pPr>
             <a:lvl6pPr>
-              <a:defRPr sz="1800"/>
+              <a:defRPr sz="1600"/>
             </a:lvl6pPr>
             <a:lvl7pPr>
-              <a:defRPr sz="1800"/>
+              <a:defRPr sz="1600"/>
             </a:lvl7pPr>
             <a:lvl8pPr>
-              <a:defRPr sz="1800"/>
+              <a:defRPr sz="1600"/>
             </a:lvl8pPr>
             <a:lvl9pPr>
-              <a:defRPr sz="1800"/>
+              <a:defRPr sz="1600"/>
             </a:lvl9pPr>
           </a:lstStyle>
           <a:p>
@@ -1784,7 +1784,7 @@
           <a:p>
             <a:fld id="{FBA5243F-5F84-4526-99E0-A0D09F3BFEDC}" type="datetimeFigureOut">
               <a:rPr lang="en-GB" smtClean="0"/>
-              <a:t>22/06/2014</a:t>
+              <a:t>08/07/2014</a:t>
             </a:fld>
             <a:endParaRPr lang="en-GB"/>
           </a:p>
@@ -1901,8 +1901,8 @@
         </p:nvSpPr>
         <p:spPr>
           <a:xfrm>
-            <a:off x="450056" y="1571715"/>
-            <a:ext cx="3977060" cy="655016"/>
+            <a:off x="432038" y="2095501"/>
+            <a:ext cx="3817838" cy="873306"/>
           </a:xfrm>
         </p:spPr>
         <p:txBody>
@@ -1910,39 +1910,39 @@
           <a:lstStyle>
             <a:lvl1pPr marL="0" indent="0">
               <a:buNone/>
-              <a:defRPr sz="2400" b="1"/>
+              <a:defRPr sz="2200" b="1"/>
             </a:lvl1pPr>
-            <a:lvl2pPr marL="457200" indent="0">
-              <a:buNone/>
-              <a:defRPr sz="2000" b="1"/>
-            </a:lvl2pPr>
-            <a:lvl3pPr marL="914400" indent="0">
+            <a:lvl2pPr marL="415595" indent="0">
               <a:buNone/>
               <a:defRPr sz="1800" b="1"/>
-            </a:lvl3pPr>
-            <a:lvl4pPr marL="1371600" indent="0">
+            </a:lvl2pPr>
+            <a:lvl3pPr marL="831190" indent="0">
               <a:buNone/>
               <a:defRPr sz="1600" b="1"/>
+            </a:lvl3pPr>
+            <a:lvl4pPr marL="1246784" indent="0">
+              <a:buNone/>
+              <a:defRPr sz="1500" b="1"/>
             </a:lvl4pPr>
-            <a:lvl5pPr marL="1828800" indent="0">
+            <a:lvl5pPr marL="1662379" indent="0">
               <a:buNone/>
-              <a:defRPr sz="1600" b="1"/>
+              <a:defRPr sz="1500" b="1"/>
             </a:lvl5pPr>
-            <a:lvl6pPr marL="2286000" indent="0">
+            <a:lvl6pPr marL="2077974" indent="0">
               <a:buNone/>
-              <a:defRPr sz="1600" b="1"/>
+              <a:defRPr sz="1500" b="1"/>
             </a:lvl6pPr>
-            <a:lvl7pPr marL="2743200" indent="0">
+            <a:lvl7pPr marL="2493569" indent="0">
               <a:buNone/>
-              <a:defRPr sz="1600" b="1"/>
+              <a:defRPr sz="1500" b="1"/>
             </a:lvl7pPr>
-            <a:lvl8pPr marL="3200400" indent="0">
+            <a:lvl8pPr marL="2909164" indent="0">
               <a:buNone/>
-              <a:defRPr sz="1600" b="1"/>
+              <a:defRPr sz="1500" b="1"/>
             </a:lvl8pPr>
-            <a:lvl9pPr marL="3657600" indent="0">
+            <a:lvl9pPr marL="3324758" indent="0">
               <a:buNone/>
-              <a:defRPr sz="1600" b="1"/>
+              <a:defRPr sz="1500" b="1"/>
             </a:lvl9pPr>
           </a:lstStyle>
           <a:p>
@@ -1966,39 +1966,39 @@
         </p:nvSpPr>
         <p:spPr>
           <a:xfrm>
-            <a:off x="450056" y="2226730"/>
-            <a:ext cx="3977060" cy="4045498"/>
+            <a:off x="432038" y="2968805"/>
+            <a:ext cx="3817838" cy="5393693"/>
           </a:xfrm>
         </p:spPr>
         <p:txBody>
           <a:bodyPr/>
           <a:lstStyle>
             <a:lvl1pPr>
-              <a:defRPr sz="2400"/>
+              <a:defRPr sz="2200"/>
             </a:lvl1pPr>
             <a:lvl2pPr>
-              <a:defRPr sz="2000"/>
+              <a:defRPr sz="1800"/>
             </a:lvl2pPr>
             <a:lvl3pPr>
-              <a:defRPr sz="1800"/>
+              <a:defRPr sz="1600"/>
             </a:lvl3pPr>
             <a:lvl4pPr>
-              <a:defRPr sz="1600"/>
+              <a:defRPr sz="1500"/>
             </a:lvl4pPr>
             <a:lvl5pPr>
-              <a:defRPr sz="1600"/>
+              <a:defRPr sz="1500"/>
             </a:lvl5pPr>
             <a:lvl6pPr>
-              <a:defRPr sz="1600"/>
+              <a:defRPr sz="1500"/>
             </a:lvl6pPr>
             <a:lvl7pPr>
-              <a:defRPr sz="1600"/>
+              <a:defRPr sz="1500"/>
             </a:lvl7pPr>
             <a:lvl8pPr>
-              <a:defRPr sz="1600"/>
+              <a:defRPr sz="1500"/>
             </a:lvl8pPr>
             <a:lvl9pPr>
-              <a:defRPr sz="1600"/>
+              <a:defRPr sz="1500"/>
             </a:lvl9pPr>
           </a:lstStyle>
           <a:p>
@@ -2051,8 +2051,8 @@
         </p:nvSpPr>
         <p:spPr>
           <a:xfrm>
-            <a:off x="4572447" y="1571715"/>
-            <a:ext cx="3978622" cy="655016"/>
+            <a:off x="4389388" y="2095501"/>
+            <a:ext cx="3819337" cy="873306"/>
           </a:xfrm>
         </p:spPr>
         <p:txBody>
@@ -2060,39 +2060,39 @@
           <a:lstStyle>
             <a:lvl1pPr marL="0" indent="0">
               <a:buNone/>
-              <a:defRPr sz="2400" b="1"/>
+              <a:defRPr sz="2200" b="1"/>
             </a:lvl1pPr>
-            <a:lvl2pPr marL="457200" indent="0">
-              <a:buNone/>
-              <a:defRPr sz="2000" b="1"/>
-            </a:lvl2pPr>
-            <a:lvl3pPr marL="914400" indent="0">
+            <a:lvl2pPr marL="415595" indent="0">
               <a:buNone/>
               <a:defRPr sz="1800" b="1"/>
-            </a:lvl3pPr>
-            <a:lvl4pPr marL="1371600" indent="0">
+            </a:lvl2pPr>
+            <a:lvl3pPr marL="831190" indent="0">
               <a:buNone/>
               <a:defRPr sz="1600" b="1"/>
+            </a:lvl3pPr>
+            <a:lvl4pPr marL="1246784" indent="0">
+              <a:buNone/>
+              <a:defRPr sz="1500" b="1"/>
             </a:lvl4pPr>
-            <a:lvl5pPr marL="1828800" indent="0">
+            <a:lvl5pPr marL="1662379" indent="0">
               <a:buNone/>
-              <a:defRPr sz="1600" b="1"/>
+              <a:defRPr sz="1500" b="1"/>
             </a:lvl5pPr>
-            <a:lvl6pPr marL="2286000" indent="0">
+            <a:lvl6pPr marL="2077974" indent="0">
               <a:buNone/>
-              <a:defRPr sz="1600" b="1"/>
+              <a:defRPr sz="1500" b="1"/>
             </a:lvl6pPr>
-            <a:lvl7pPr marL="2743200" indent="0">
+            <a:lvl7pPr marL="2493569" indent="0">
               <a:buNone/>
-              <a:defRPr sz="1600" b="1"/>
+              <a:defRPr sz="1500" b="1"/>
             </a:lvl7pPr>
-            <a:lvl8pPr marL="3200400" indent="0">
+            <a:lvl8pPr marL="2909164" indent="0">
               <a:buNone/>
-              <a:defRPr sz="1600" b="1"/>
+              <a:defRPr sz="1500" b="1"/>
             </a:lvl8pPr>
-            <a:lvl9pPr marL="3657600" indent="0">
+            <a:lvl9pPr marL="3324758" indent="0">
               <a:buNone/>
-              <a:defRPr sz="1600" b="1"/>
+              <a:defRPr sz="1500" b="1"/>
             </a:lvl9pPr>
           </a:lstStyle>
           <a:p>
@@ -2116,39 +2116,39 @@
         </p:nvSpPr>
         <p:spPr>
           <a:xfrm>
-            <a:off x="4572447" y="2226730"/>
-            <a:ext cx="3978622" cy="4045498"/>
+            <a:off x="4389388" y="2968805"/>
+            <a:ext cx="3819337" cy="5393693"/>
           </a:xfrm>
         </p:spPr>
         <p:txBody>
           <a:bodyPr/>
           <a:lstStyle>
             <a:lvl1pPr>
-              <a:defRPr sz="2400"/>
+              <a:defRPr sz="2200"/>
             </a:lvl1pPr>
             <a:lvl2pPr>
-              <a:defRPr sz="2000"/>
+              <a:defRPr sz="1800"/>
             </a:lvl2pPr>
             <a:lvl3pPr>
-              <a:defRPr sz="1800"/>
+              <a:defRPr sz="1600"/>
             </a:lvl3pPr>
             <a:lvl4pPr>
-              <a:defRPr sz="1600"/>
+              <a:defRPr sz="1500"/>
             </a:lvl4pPr>
             <a:lvl5pPr>
-              <a:defRPr sz="1600"/>
+              <a:defRPr sz="1500"/>
             </a:lvl5pPr>
             <a:lvl6pPr>
-              <a:defRPr sz="1600"/>
+              <a:defRPr sz="1500"/>
             </a:lvl6pPr>
             <a:lvl7pPr>
-              <a:defRPr sz="1600"/>
+              <a:defRPr sz="1500"/>
             </a:lvl7pPr>
             <a:lvl8pPr>
-              <a:defRPr sz="1600"/>
+              <a:defRPr sz="1500"/>
             </a:lvl8pPr>
             <a:lvl9pPr>
-              <a:defRPr sz="1600"/>
+              <a:defRPr sz="1500"/>
             </a:lvl9pPr>
           </a:lstStyle>
           <a:p>
@@ -2206,7 +2206,7 @@
           <a:p>
             <a:fld id="{FBA5243F-5F84-4526-99E0-A0D09F3BFEDC}" type="datetimeFigureOut">
               <a:rPr lang="en-GB" smtClean="0"/>
-              <a:t>22/06/2014</a:t>
+              <a:t>08/07/2014</a:t>
             </a:fld>
             <a:endParaRPr lang="en-GB"/>
           </a:p>
@@ -2324,7 +2324,7 @@
           <a:p>
             <a:fld id="{FBA5243F-5F84-4526-99E0-A0D09F3BFEDC}" type="datetimeFigureOut">
               <a:rPr lang="en-GB" smtClean="0"/>
-              <a:t>22/06/2014</a:t>
+              <a:t>08/07/2014</a:t>
             </a:fld>
             <a:endParaRPr lang="en-GB"/>
           </a:p>
@@ -2419,7 +2419,7 @@
           <a:p>
             <a:fld id="{FBA5243F-5F84-4526-99E0-A0D09F3BFEDC}" type="datetimeFigureOut">
               <a:rPr lang="en-GB" smtClean="0"/>
-              <a:t>22/06/2014</a:t>
+              <a:t>08/07/2014</a:t>
             </a:fld>
             <a:endParaRPr lang="en-GB"/>
           </a:p>
@@ -2509,15 +2509,15 @@
         </p:nvSpPr>
         <p:spPr>
           <a:xfrm>
-            <a:off x="450057" y="279562"/>
-            <a:ext cx="2961308" cy="1189757"/>
+            <a:off x="432039" y="372729"/>
+            <a:ext cx="2842751" cy="1586253"/>
           </a:xfrm>
         </p:spPr>
         <p:txBody>
           <a:bodyPr anchor="b"/>
           <a:lstStyle>
             <a:lvl1pPr algn="l">
-              <a:defRPr sz="2000" b="1"/>
+              <a:defRPr sz="1800" b="1"/>
             </a:lvl1pPr>
           </a:lstStyle>
           <a:p>
@@ -2541,39 +2541,39 @@
         </p:nvSpPr>
         <p:spPr>
           <a:xfrm>
-            <a:off x="3519192" y="279563"/>
-            <a:ext cx="5031879" cy="5992667"/>
+            <a:off x="3378301" y="372731"/>
+            <a:ext cx="4830427" cy="7989771"/>
           </a:xfrm>
         </p:spPr>
         <p:txBody>
           <a:bodyPr/>
           <a:lstStyle>
             <a:lvl1pPr>
-              <a:defRPr sz="3200"/>
+              <a:defRPr sz="2900"/>
             </a:lvl1pPr>
             <a:lvl2pPr>
-              <a:defRPr sz="2800"/>
+              <a:defRPr sz="2500"/>
             </a:lvl2pPr>
             <a:lvl3pPr>
-              <a:defRPr sz="2400"/>
+              <a:defRPr sz="2200"/>
             </a:lvl3pPr>
             <a:lvl4pPr>
-              <a:defRPr sz="2000"/>
+              <a:defRPr sz="1800"/>
             </a:lvl4pPr>
             <a:lvl5pPr>
-              <a:defRPr sz="2000"/>
+              <a:defRPr sz="1800"/>
             </a:lvl5pPr>
             <a:lvl6pPr>
-              <a:defRPr sz="2000"/>
+              <a:defRPr sz="1800"/>
             </a:lvl6pPr>
             <a:lvl7pPr>
-              <a:defRPr sz="2000"/>
+              <a:defRPr sz="1800"/>
             </a:lvl7pPr>
             <a:lvl8pPr>
-              <a:defRPr sz="2000"/>
+              <a:defRPr sz="1800"/>
             </a:lvl8pPr>
             <a:lvl9pPr>
-              <a:defRPr sz="2000"/>
+              <a:defRPr sz="1800"/>
             </a:lvl9pPr>
           </a:lstStyle>
           <a:p>
@@ -2626,8 +2626,8 @@
         </p:nvSpPr>
         <p:spPr>
           <a:xfrm>
-            <a:off x="450057" y="1469318"/>
-            <a:ext cx="2961308" cy="4802910"/>
+            <a:off x="432039" y="1958980"/>
+            <a:ext cx="2842751" cy="6403518"/>
           </a:xfrm>
         </p:spPr>
         <p:txBody>
@@ -2635,39 +2635,39 @@
           <a:lstStyle>
             <a:lvl1pPr marL="0" indent="0">
               <a:buNone/>
-              <a:defRPr sz="1400"/>
+              <a:defRPr sz="1300"/>
             </a:lvl1pPr>
-            <a:lvl2pPr marL="457200" indent="0">
+            <a:lvl2pPr marL="415595" indent="0">
               <a:buNone/>
-              <a:defRPr sz="1200"/>
+              <a:defRPr sz="1100"/>
             </a:lvl2pPr>
-            <a:lvl3pPr marL="914400" indent="0">
-              <a:buNone/>
-              <a:defRPr sz="1000"/>
-            </a:lvl3pPr>
-            <a:lvl4pPr marL="1371600" indent="0">
+            <a:lvl3pPr marL="831190" indent="0">
               <a:buNone/>
               <a:defRPr sz="900"/>
+            </a:lvl3pPr>
+            <a:lvl4pPr marL="1246784" indent="0">
+              <a:buNone/>
+              <a:defRPr sz="800"/>
             </a:lvl4pPr>
-            <a:lvl5pPr marL="1828800" indent="0">
+            <a:lvl5pPr marL="1662379" indent="0">
               <a:buNone/>
-              <a:defRPr sz="900"/>
+              <a:defRPr sz="800"/>
             </a:lvl5pPr>
-            <a:lvl6pPr marL="2286000" indent="0">
+            <a:lvl6pPr marL="2077974" indent="0">
               <a:buNone/>
-              <a:defRPr sz="900"/>
+              <a:defRPr sz="800"/>
             </a:lvl6pPr>
-            <a:lvl7pPr marL="2743200" indent="0">
+            <a:lvl7pPr marL="2493569" indent="0">
               <a:buNone/>
-              <a:defRPr sz="900"/>
+              <a:defRPr sz="800"/>
             </a:lvl7pPr>
-            <a:lvl8pPr marL="3200400" indent="0">
+            <a:lvl8pPr marL="2909164" indent="0">
               <a:buNone/>
-              <a:defRPr sz="900"/>
+              <a:defRPr sz="800"/>
             </a:lvl8pPr>
-            <a:lvl9pPr marL="3657600" indent="0">
+            <a:lvl9pPr marL="3324758" indent="0">
               <a:buNone/>
-              <a:defRPr sz="900"/>
+              <a:defRPr sz="800"/>
             </a:lvl9pPr>
           </a:lstStyle>
           <a:p>
@@ -2696,7 +2696,7 @@
           <a:p>
             <a:fld id="{FBA5243F-5F84-4526-99E0-A0D09F3BFEDC}" type="datetimeFigureOut">
               <a:rPr lang="en-GB" smtClean="0"/>
-              <a:t>22/06/2014</a:t>
+              <a:t>08/07/2014</a:t>
             </a:fld>
             <a:endParaRPr lang="en-GB"/>
           </a:p>
@@ -2786,15 +2786,15 @@
         </p:nvSpPr>
         <p:spPr>
           <a:xfrm>
-            <a:off x="1764287" y="4915060"/>
-            <a:ext cx="5400675" cy="580251"/>
+            <a:off x="1693655" y="6553044"/>
+            <a:ext cx="5184458" cy="773624"/>
           </a:xfrm>
         </p:spPr>
         <p:txBody>
           <a:bodyPr anchor="b"/>
           <a:lstStyle>
             <a:lvl1pPr algn="l">
-              <a:defRPr sz="2000" b="1"/>
+              <a:defRPr sz="1800" b="1"/>
             </a:lvl1pPr>
           </a:lstStyle>
           <a:p>
@@ -2818,8 +2818,8 @@
         </p:nvSpPr>
         <p:spPr>
           <a:xfrm>
-            <a:off x="1764287" y="627386"/>
-            <a:ext cx="5400675" cy="4212908"/>
+            <a:off x="1693655" y="836467"/>
+            <a:ext cx="5184458" cy="5616893"/>
           </a:xfrm>
         </p:spPr>
         <p:txBody>
@@ -2827,39 +2827,39 @@
           <a:lstStyle>
             <a:lvl1pPr marL="0" indent="0">
               <a:buNone/>
-              <a:defRPr sz="3200"/>
+              <a:defRPr sz="2900"/>
             </a:lvl1pPr>
-            <a:lvl2pPr marL="457200" indent="0">
+            <a:lvl2pPr marL="415595" indent="0">
               <a:buNone/>
-              <a:defRPr sz="2800"/>
+              <a:defRPr sz="2500"/>
             </a:lvl2pPr>
-            <a:lvl3pPr marL="914400" indent="0">
+            <a:lvl3pPr marL="831190" indent="0">
               <a:buNone/>
-              <a:defRPr sz="2400"/>
+              <a:defRPr sz="2200"/>
             </a:lvl3pPr>
-            <a:lvl4pPr marL="1371600" indent="0">
+            <a:lvl4pPr marL="1246784" indent="0">
               <a:buNone/>
-              <a:defRPr sz="2000"/>
+              <a:defRPr sz="1800"/>
             </a:lvl4pPr>
-            <a:lvl5pPr marL="1828800" indent="0">
+            <a:lvl5pPr marL="1662379" indent="0">
               <a:buNone/>
-              <a:defRPr sz="2000"/>
+              <a:defRPr sz="1800"/>
             </a:lvl5pPr>
-            <a:lvl6pPr marL="2286000" indent="0">
+            <a:lvl6pPr marL="2077974" indent="0">
               <a:buNone/>
-              <a:defRPr sz="2000"/>
+              <a:defRPr sz="1800"/>
             </a:lvl6pPr>
-            <a:lvl7pPr marL="2743200" indent="0">
+            <a:lvl7pPr marL="2493569" indent="0">
               <a:buNone/>
-              <a:defRPr sz="2000"/>
+              <a:defRPr sz="1800"/>
             </a:lvl7pPr>
-            <a:lvl8pPr marL="3200400" indent="0">
+            <a:lvl8pPr marL="2909164" indent="0">
               <a:buNone/>
-              <a:defRPr sz="2000"/>
+              <a:defRPr sz="1800"/>
             </a:lvl8pPr>
-            <a:lvl9pPr marL="3657600" indent="0">
+            <a:lvl9pPr marL="3324758" indent="0">
               <a:buNone/>
-              <a:defRPr sz="2000"/>
+              <a:defRPr sz="1800"/>
             </a:lvl9pPr>
           </a:lstStyle>
           <a:p>
@@ -2879,8 +2879,8 @@
         </p:nvSpPr>
         <p:spPr>
           <a:xfrm>
-            <a:off x="1764287" y="5495311"/>
-            <a:ext cx="5400675" cy="824052"/>
+            <a:off x="1693655" y="7326667"/>
+            <a:ext cx="5184458" cy="1098674"/>
           </a:xfrm>
         </p:spPr>
         <p:txBody>
@@ -2888,39 +2888,39 @@
           <a:lstStyle>
             <a:lvl1pPr marL="0" indent="0">
               <a:buNone/>
-              <a:defRPr sz="1400"/>
+              <a:defRPr sz="1300"/>
             </a:lvl1pPr>
-            <a:lvl2pPr marL="457200" indent="0">
+            <a:lvl2pPr marL="415595" indent="0">
               <a:buNone/>
-              <a:defRPr sz="1200"/>
+              <a:defRPr sz="1100"/>
             </a:lvl2pPr>
-            <a:lvl3pPr marL="914400" indent="0">
-              <a:buNone/>
-              <a:defRPr sz="1000"/>
-            </a:lvl3pPr>
-            <a:lvl4pPr marL="1371600" indent="0">
+            <a:lvl3pPr marL="831190" indent="0">
               <a:buNone/>
               <a:defRPr sz="900"/>
+            </a:lvl3pPr>
+            <a:lvl4pPr marL="1246784" indent="0">
+              <a:buNone/>
+              <a:defRPr sz="800"/>
             </a:lvl4pPr>
-            <a:lvl5pPr marL="1828800" indent="0">
+            <a:lvl5pPr marL="1662379" indent="0">
               <a:buNone/>
-              <a:defRPr sz="900"/>
+              <a:defRPr sz="800"/>
             </a:lvl5pPr>
-            <a:lvl6pPr marL="2286000" indent="0">
+            <a:lvl6pPr marL="2077974" indent="0">
               <a:buNone/>
-              <a:defRPr sz="900"/>
+              <a:defRPr sz="800"/>
             </a:lvl6pPr>
-            <a:lvl7pPr marL="2743200" indent="0">
+            <a:lvl7pPr marL="2493569" indent="0">
               <a:buNone/>
-              <a:defRPr sz="900"/>
+              <a:defRPr sz="800"/>
             </a:lvl7pPr>
-            <a:lvl8pPr marL="3200400" indent="0">
+            <a:lvl8pPr marL="2909164" indent="0">
               <a:buNone/>
-              <a:defRPr sz="900"/>
+              <a:defRPr sz="800"/>
             </a:lvl8pPr>
-            <a:lvl9pPr marL="3657600" indent="0">
+            <a:lvl9pPr marL="3324758" indent="0">
               <a:buNone/>
-              <a:defRPr sz="900"/>
+              <a:defRPr sz="800"/>
             </a:lvl9pPr>
           </a:lstStyle>
           <a:p>
@@ -2949,7 +2949,7 @@
           <a:p>
             <a:fld id="{FBA5243F-5F84-4526-99E0-A0D09F3BFEDC}" type="datetimeFigureOut">
               <a:rPr lang="en-GB" smtClean="0"/>
-              <a:t>22/06/2014</a:t>
+              <a:t>08/07/2014</a:t>
             </a:fld>
             <a:endParaRPr lang="en-GB"/>
           </a:p>
@@ -3044,15 +3044,15 @@
         </p:nvSpPr>
         <p:spPr>
           <a:xfrm>
-            <a:off x="450059" y="281186"/>
-            <a:ext cx="8101013" cy="1170253"/>
+            <a:off x="432042" y="374895"/>
+            <a:ext cx="7776687" cy="1560249"/>
           </a:xfrm>
           <a:prstGeom prst="rect">
             <a:avLst/>
           </a:prstGeom>
         </p:spPr>
         <p:txBody>
-          <a:bodyPr vert="horz" lIns="91440" tIns="45720" rIns="91440" bIns="45720" rtlCol="0" anchor="ctr">
+          <a:bodyPr vert="horz" lIns="83119" tIns="41559" rIns="83119" bIns="41559" rtlCol="0" anchor="ctr">
             <a:normAutofit/>
           </a:bodyPr>
           <a:lstStyle/>
@@ -3077,15 +3077,15 @@
         </p:nvSpPr>
         <p:spPr>
           <a:xfrm>
-            <a:off x="450059" y="1638354"/>
-            <a:ext cx="8101013" cy="4633874"/>
+            <a:off x="432042" y="2184348"/>
+            <a:ext cx="7776687" cy="6178150"/>
           </a:xfrm>
           <a:prstGeom prst="rect">
             <a:avLst/>
           </a:prstGeom>
         </p:spPr>
         <p:txBody>
-          <a:bodyPr vert="horz" lIns="91440" tIns="45720" rIns="91440" bIns="45720" rtlCol="0">
+          <a:bodyPr vert="horz" lIns="83119" tIns="41559" rIns="83119" bIns="41559" rtlCol="0">
             <a:normAutofit/>
           </a:bodyPr>
           <a:lstStyle/>
@@ -3139,18 +3139,18 @@
         </p:nvSpPr>
         <p:spPr>
           <a:xfrm>
-            <a:off x="450059" y="6507903"/>
-            <a:ext cx="2100263" cy="373831"/>
+            <a:off x="432042" y="8676714"/>
+            <a:ext cx="2016179" cy="498414"/>
           </a:xfrm>
           <a:prstGeom prst="rect">
             <a:avLst/>
           </a:prstGeom>
         </p:spPr>
         <p:txBody>
-          <a:bodyPr vert="horz" lIns="91440" tIns="45720" rIns="91440" bIns="45720" rtlCol="0" anchor="ctr"/>
+          <a:bodyPr vert="horz" lIns="83119" tIns="41559" rIns="83119" bIns="41559" rtlCol="0" anchor="ctr"/>
           <a:lstStyle>
             <a:lvl1pPr algn="l">
-              <a:defRPr sz="1200">
+              <a:defRPr sz="1100">
                 <a:solidFill>
                   <a:schemeClr val="tx1">
                     <a:tint val="75000"/>
@@ -3162,7 +3162,7 @@
           <a:p>
             <a:fld id="{FBA5243F-5F84-4526-99E0-A0D09F3BFEDC}" type="datetimeFigureOut">
               <a:rPr lang="en-GB" smtClean="0"/>
-              <a:t>22/06/2014</a:t>
+              <a:t>08/07/2014</a:t>
             </a:fld>
             <a:endParaRPr lang="en-GB"/>
           </a:p>
@@ -3180,18 +3180,18 @@
         </p:nvSpPr>
         <p:spPr>
           <a:xfrm>
-            <a:off x="3075385" y="6507903"/>
-            <a:ext cx="2850356" cy="373831"/>
+            <a:off x="2952261" y="8676714"/>
+            <a:ext cx="2736241" cy="498414"/>
           </a:xfrm>
           <a:prstGeom prst="rect">
             <a:avLst/>
           </a:prstGeom>
         </p:spPr>
         <p:txBody>
-          <a:bodyPr vert="horz" lIns="91440" tIns="45720" rIns="91440" bIns="45720" rtlCol="0" anchor="ctr"/>
+          <a:bodyPr vert="horz" lIns="83119" tIns="41559" rIns="83119" bIns="41559" rtlCol="0" anchor="ctr"/>
           <a:lstStyle>
             <a:lvl1pPr algn="ctr">
-              <a:defRPr sz="1200">
+              <a:defRPr sz="1100">
                 <a:solidFill>
                   <a:schemeClr val="tx1">
                     <a:tint val="75000"/>
@@ -3217,18 +3217,18 @@
         </p:nvSpPr>
         <p:spPr>
           <a:xfrm>
-            <a:off x="6450809" y="6507903"/>
-            <a:ext cx="2100263" cy="373831"/>
+            <a:off x="6192551" y="8676714"/>
+            <a:ext cx="2016179" cy="498414"/>
           </a:xfrm>
           <a:prstGeom prst="rect">
             <a:avLst/>
           </a:prstGeom>
         </p:spPr>
         <p:txBody>
-          <a:bodyPr vert="horz" lIns="91440" tIns="45720" rIns="91440" bIns="45720" rtlCol="0" anchor="ctr"/>
+          <a:bodyPr vert="horz" lIns="83119" tIns="41559" rIns="83119" bIns="41559" rtlCol="0" anchor="ctr"/>
           <a:lstStyle>
             <a:lvl1pPr algn="r">
-              <a:defRPr sz="1200">
+              <a:defRPr sz="1100">
                 <a:solidFill>
                   <a:schemeClr val="tx1">
                     <a:tint val="75000"/>
@@ -3269,12 +3269,12 @@
   </p:sldLayoutIdLst>
   <p:txStyles>
     <p:titleStyle>
-      <a:lvl1pPr algn="ctr" defTabSz="914400" rtl="0" eaLnBrk="1" latinLnBrk="0" hangingPunct="1">
+      <a:lvl1pPr algn="ctr" defTabSz="831190" rtl="0" eaLnBrk="1" latinLnBrk="0" hangingPunct="1">
         <a:spcBef>
           <a:spcPct val="0"/>
         </a:spcBef>
         <a:buNone/>
-        <a:defRPr sz="4400" kern="1200">
+        <a:defRPr sz="4000" kern="1200">
           <a:solidFill>
             <a:schemeClr val="tx1"/>
           </a:solidFill>
@@ -3285,13 +3285,13 @@
       </a:lvl1pPr>
     </p:titleStyle>
     <p:bodyStyle>
-      <a:lvl1pPr marL="342900" indent="-342900" algn="l" defTabSz="914400" rtl="0" eaLnBrk="1" latinLnBrk="0" hangingPunct="1">
+      <a:lvl1pPr marL="311696" indent="-311696" algn="l" defTabSz="831190" rtl="0" eaLnBrk="1" latinLnBrk="0" hangingPunct="1">
         <a:spcBef>
           <a:spcPct val="20000"/>
         </a:spcBef>
         <a:buFont typeface="Arial" panose="020B0604020202020204" pitchFamily="34" charset="0"/>
         <a:buChar char="•"/>
-        <a:defRPr sz="3200" kern="1200">
+        <a:defRPr sz="2900" kern="1200">
           <a:solidFill>
             <a:schemeClr val="tx1"/>
           </a:solidFill>
@@ -3300,13 +3300,13 @@
           <a:cs typeface="+mn-cs"/>
         </a:defRPr>
       </a:lvl1pPr>
-      <a:lvl2pPr marL="742950" indent="-285750" algn="l" defTabSz="914400" rtl="0" eaLnBrk="1" latinLnBrk="0" hangingPunct="1">
+      <a:lvl2pPr marL="675342" indent="-259747" algn="l" defTabSz="831190" rtl="0" eaLnBrk="1" latinLnBrk="0" hangingPunct="1">
         <a:spcBef>
           <a:spcPct val="20000"/>
         </a:spcBef>
         <a:buFont typeface="Arial" panose="020B0604020202020204" pitchFamily="34" charset="0"/>
         <a:buChar char="–"/>
-        <a:defRPr sz="2800" kern="1200">
+        <a:defRPr sz="2500" kern="1200">
           <a:solidFill>
             <a:schemeClr val="tx1"/>
           </a:solidFill>
@@ -3315,13 +3315,13 @@
           <a:cs typeface="+mn-cs"/>
         </a:defRPr>
       </a:lvl2pPr>
-      <a:lvl3pPr marL="1143000" indent="-228600" algn="l" defTabSz="914400" rtl="0" eaLnBrk="1" latinLnBrk="0" hangingPunct="1">
+      <a:lvl3pPr marL="1038987" indent="-207797" algn="l" defTabSz="831190" rtl="0" eaLnBrk="1" latinLnBrk="0" hangingPunct="1">
         <a:spcBef>
           <a:spcPct val="20000"/>
         </a:spcBef>
         <a:buFont typeface="Arial" panose="020B0604020202020204" pitchFamily="34" charset="0"/>
         <a:buChar char="•"/>
-        <a:defRPr sz="2400" kern="1200">
+        <a:defRPr sz="2200" kern="1200">
           <a:solidFill>
             <a:schemeClr val="tx1"/>
           </a:solidFill>
@@ -3330,13 +3330,13 @@
           <a:cs typeface="+mn-cs"/>
         </a:defRPr>
       </a:lvl3pPr>
-      <a:lvl4pPr marL="1600200" indent="-228600" algn="l" defTabSz="914400" rtl="0" eaLnBrk="1" latinLnBrk="0" hangingPunct="1">
+      <a:lvl4pPr marL="1454582" indent="-207797" algn="l" defTabSz="831190" rtl="0" eaLnBrk="1" latinLnBrk="0" hangingPunct="1">
         <a:spcBef>
           <a:spcPct val="20000"/>
         </a:spcBef>
         <a:buFont typeface="Arial" panose="020B0604020202020204" pitchFamily="34" charset="0"/>
         <a:buChar char="–"/>
-        <a:defRPr sz="2000" kern="1200">
+        <a:defRPr sz="1800" kern="1200">
           <a:solidFill>
             <a:schemeClr val="tx1"/>
           </a:solidFill>
@@ -3345,13 +3345,13 @@
           <a:cs typeface="+mn-cs"/>
         </a:defRPr>
       </a:lvl4pPr>
-      <a:lvl5pPr marL="2057400" indent="-228600" algn="l" defTabSz="914400" rtl="0" eaLnBrk="1" latinLnBrk="0" hangingPunct="1">
+      <a:lvl5pPr marL="1870177" indent="-207797" algn="l" defTabSz="831190" rtl="0" eaLnBrk="1" latinLnBrk="0" hangingPunct="1">
         <a:spcBef>
           <a:spcPct val="20000"/>
         </a:spcBef>
         <a:buFont typeface="Arial" panose="020B0604020202020204" pitchFamily="34" charset="0"/>
         <a:buChar char="»"/>
-        <a:defRPr sz="2000" kern="1200">
+        <a:defRPr sz="1800" kern="1200">
           <a:solidFill>
             <a:schemeClr val="tx1"/>
           </a:solidFill>
@@ -3360,13 +3360,13 @@
           <a:cs typeface="+mn-cs"/>
         </a:defRPr>
       </a:lvl5pPr>
-      <a:lvl6pPr marL="2514600" indent="-228600" algn="l" defTabSz="914400" rtl="0" eaLnBrk="1" latinLnBrk="0" hangingPunct="1">
+      <a:lvl6pPr marL="2285771" indent="-207797" algn="l" defTabSz="831190" rtl="0" eaLnBrk="1" latinLnBrk="0" hangingPunct="1">
         <a:spcBef>
           <a:spcPct val="20000"/>
         </a:spcBef>
         <a:buFont typeface="Arial" panose="020B0604020202020204" pitchFamily="34" charset="0"/>
         <a:buChar char="•"/>
-        <a:defRPr sz="2000" kern="1200">
+        <a:defRPr sz="1800" kern="1200">
           <a:solidFill>
             <a:schemeClr val="tx1"/>
           </a:solidFill>
@@ -3375,13 +3375,13 @@
           <a:cs typeface="+mn-cs"/>
         </a:defRPr>
       </a:lvl6pPr>
-      <a:lvl7pPr marL="2971800" indent="-228600" algn="l" defTabSz="914400" rtl="0" eaLnBrk="1" latinLnBrk="0" hangingPunct="1">
+      <a:lvl7pPr marL="2701366" indent="-207797" algn="l" defTabSz="831190" rtl="0" eaLnBrk="1" latinLnBrk="0" hangingPunct="1">
         <a:spcBef>
           <a:spcPct val="20000"/>
         </a:spcBef>
         <a:buFont typeface="Arial" panose="020B0604020202020204" pitchFamily="34" charset="0"/>
         <a:buChar char="•"/>
-        <a:defRPr sz="2000" kern="1200">
+        <a:defRPr sz="1800" kern="1200">
           <a:solidFill>
             <a:schemeClr val="tx1"/>
           </a:solidFill>
@@ -3390,13 +3390,13 @@
           <a:cs typeface="+mn-cs"/>
         </a:defRPr>
       </a:lvl7pPr>
-      <a:lvl8pPr marL="3429000" indent="-228600" algn="l" defTabSz="914400" rtl="0" eaLnBrk="1" latinLnBrk="0" hangingPunct="1">
+      <a:lvl8pPr marL="3116961" indent="-207797" algn="l" defTabSz="831190" rtl="0" eaLnBrk="1" latinLnBrk="0" hangingPunct="1">
         <a:spcBef>
           <a:spcPct val="20000"/>
         </a:spcBef>
         <a:buFont typeface="Arial" panose="020B0604020202020204" pitchFamily="34" charset="0"/>
         <a:buChar char="•"/>
-        <a:defRPr sz="2000" kern="1200">
+        <a:defRPr sz="1800" kern="1200">
           <a:solidFill>
             <a:schemeClr val="tx1"/>
           </a:solidFill>
@@ -3405,13 +3405,13 @@
           <a:cs typeface="+mn-cs"/>
         </a:defRPr>
       </a:lvl8pPr>
-      <a:lvl9pPr marL="3886200" indent="-228600" algn="l" defTabSz="914400" rtl="0" eaLnBrk="1" latinLnBrk="0" hangingPunct="1">
+      <a:lvl9pPr marL="3532556" indent="-207797" algn="l" defTabSz="831190" rtl="0" eaLnBrk="1" latinLnBrk="0" hangingPunct="1">
         <a:spcBef>
           <a:spcPct val="20000"/>
         </a:spcBef>
         <a:buFont typeface="Arial" panose="020B0604020202020204" pitchFamily="34" charset="0"/>
         <a:buChar char="•"/>
-        <a:defRPr sz="2000" kern="1200">
+        <a:defRPr sz="1800" kern="1200">
           <a:solidFill>
             <a:schemeClr val="tx1"/>
           </a:solidFill>
@@ -3425,8 +3425,8 @@
       <a:defPPr>
         <a:defRPr lang="en-US"/>
       </a:defPPr>
-      <a:lvl1pPr marL="0" algn="l" defTabSz="914400" rtl="0" eaLnBrk="1" latinLnBrk="0" hangingPunct="1">
-        <a:defRPr sz="1800" kern="1200">
+      <a:lvl1pPr marL="0" algn="l" defTabSz="831190" rtl="0" eaLnBrk="1" latinLnBrk="0" hangingPunct="1">
+        <a:defRPr sz="1600" kern="1200">
           <a:solidFill>
             <a:schemeClr val="tx1"/>
           </a:solidFill>
@@ -3435,8 +3435,8 @@
           <a:cs typeface="+mn-cs"/>
         </a:defRPr>
       </a:lvl1pPr>
-      <a:lvl2pPr marL="457200" algn="l" defTabSz="914400" rtl="0" eaLnBrk="1" latinLnBrk="0" hangingPunct="1">
-        <a:defRPr sz="1800" kern="1200">
+      <a:lvl2pPr marL="415595" algn="l" defTabSz="831190" rtl="0" eaLnBrk="1" latinLnBrk="0" hangingPunct="1">
+        <a:defRPr sz="1600" kern="1200">
           <a:solidFill>
             <a:schemeClr val="tx1"/>
           </a:solidFill>
@@ -3445,8 +3445,8 @@
           <a:cs typeface="+mn-cs"/>
         </a:defRPr>
       </a:lvl2pPr>
-      <a:lvl3pPr marL="914400" algn="l" defTabSz="914400" rtl="0" eaLnBrk="1" latinLnBrk="0" hangingPunct="1">
-        <a:defRPr sz="1800" kern="1200">
+      <a:lvl3pPr marL="831190" algn="l" defTabSz="831190" rtl="0" eaLnBrk="1" latinLnBrk="0" hangingPunct="1">
+        <a:defRPr sz="1600" kern="1200">
           <a:solidFill>
             <a:schemeClr val="tx1"/>
           </a:solidFill>
@@ -3455,8 +3455,8 @@
           <a:cs typeface="+mn-cs"/>
         </a:defRPr>
       </a:lvl3pPr>
-      <a:lvl4pPr marL="1371600" algn="l" defTabSz="914400" rtl="0" eaLnBrk="1" latinLnBrk="0" hangingPunct="1">
-        <a:defRPr sz="1800" kern="1200">
+      <a:lvl4pPr marL="1246784" algn="l" defTabSz="831190" rtl="0" eaLnBrk="1" latinLnBrk="0" hangingPunct="1">
+        <a:defRPr sz="1600" kern="1200">
           <a:solidFill>
             <a:schemeClr val="tx1"/>
           </a:solidFill>
@@ -3465,8 +3465,8 @@
           <a:cs typeface="+mn-cs"/>
         </a:defRPr>
       </a:lvl4pPr>
-      <a:lvl5pPr marL="1828800" algn="l" defTabSz="914400" rtl="0" eaLnBrk="1" latinLnBrk="0" hangingPunct="1">
-        <a:defRPr sz="1800" kern="1200">
+      <a:lvl5pPr marL="1662379" algn="l" defTabSz="831190" rtl="0" eaLnBrk="1" latinLnBrk="0" hangingPunct="1">
+        <a:defRPr sz="1600" kern="1200">
           <a:solidFill>
             <a:schemeClr val="tx1"/>
           </a:solidFill>
@@ -3475,8 +3475,8 @@
           <a:cs typeface="+mn-cs"/>
         </a:defRPr>
       </a:lvl5pPr>
-      <a:lvl6pPr marL="2286000" algn="l" defTabSz="914400" rtl="0" eaLnBrk="1" latinLnBrk="0" hangingPunct="1">
-        <a:defRPr sz="1800" kern="1200">
+      <a:lvl6pPr marL="2077974" algn="l" defTabSz="831190" rtl="0" eaLnBrk="1" latinLnBrk="0" hangingPunct="1">
+        <a:defRPr sz="1600" kern="1200">
           <a:solidFill>
             <a:schemeClr val="tx1"/>
           </a:solidFill>
@@ -3485,8 +3485,8 @@
           <a:cs typeface="+mn-cs"/>
         </a:defRPr>
       </a:lvl6pPr>
-      <a:lvl7pPr marL="2743200" algn="l" defTabSz="914400" rtl="0" eaLnBrk="1" latinLnBrk="0" hangingPunct="1">
-        <a:defRPr sz="1800" kern="1200">
+      <a:lvl7pPr marL="2493569" algn="l" defTabSz="831190" rtl="0" eaLnBrk="1" latinLnBrk="0" hangingPunct="1">
+        <a:defRPr sz="1600" kern="1200">
           <a:solidFill>
             <a:schemeClr val="tx1"/>
           </a:solidFill>
@@ -3495,8 +3495,8 @@
           <a:cs typeface="+mn-cs"/>
         </a:defRPr>
       </a:lvl7pPr>
-      <a:lvl8pPr marL="3200400" algn="l" defTabSz="914400" rtl="0" eaLnBrk="1" latinLnBrk="0" hangingPunct="1">
-        <a:defRPr sz="1800" kern="1200">
+      <a:lvl8pPr marL="2909164" algn="l" defTabSz="831190" rtl="0" eaLnBrk="1" latinLnBrk="0" hangingPunct="1">
+        <a:defRPr sz="1600" kern="1200">
           <a:solidFill>
             <a:schemeClr val="tx1"/>
           </a:solidFill>
@@ -3505,8 +3505,8 @@
           <a:cs typeface="+mn-cs"/>
         </a:defRPr>
       </a:lvl8pPr>
-      <a:lvl9pPr marL="3657600" algn="l" defTabSz="914400" rtl="0" eaLnBrk="1" latinLnBrk="0" hangingPunct="1">
-        <a:defRPr sz="1800" kern="1200">
+      <a:lvl9pPr marL="3324758" algn="l" defTabSz="831190" rtl="0" eaLnBrk="1" latinLnBrk="0" hangingPunct="1">
+        <a:defRPr sz="1600" kern="1200">
           <a:solidFill>
             <a:schemeClr val="tx1"/>
           </a:solidFill>
@@ -3537,1166 +3537,15 @@
           <a:chExt cx="0" cy="0"/>
         </a:xfrm>
       </p:grpSpPr>
-      <p:grpSp>
-        <p:nvGrpSpPr>
-          <p:cNvPr id="245" name="Group 244"/>
-          <p:cNvGrpSpPr/>
-          <p:nvPr/>
-        </p:nvGrpSpPr>
-        <p:grpSpPr>
-          <a:xfrm>
-            <a:off x="882774" y="397965"/>
-            <a:ext cx="504056" cy="2736304"/>
-            <a:chOff x="755576" y="764704"/>
-            <a:chExt cx="504056" cy="2736304"/>
-          </a:xfrm>
-        </p:grpSpPr>
-        <p:sp>
-          <p:nvSpPr>
-            <p:cNvPr id="246" name="Rectangle 3"/>
-            <p:cNvSpPr/>
-            <p:nvPr/>
-          </p:nvSpPr>
-          <p:spPr>
-            <a:xfrm>
-              <a:off x="755576" y="764704"/>
-              <a:ext cx="504056" cy="864096"/>
-            </a:xfrm>
-            <a:custGeom>
-              <a:avLst/>
-              <a:gdLst>
-                <a:gd name="connsiteX0" fmla="*/ 0 w 504056"/>
-                <a:gd name="connsiteY0" fmla="*/ 0 h 864096"/>
-                <a:gd name="connsiteX1" fmla="*/ 504056 w 504056"/>
-                <a:gd name="connsiteY1" fmla="*/ 0 h 864096"/>
-                <a:gd name="connsiteX2" fmla="*/ 504056 w 504056"/>
-                <a:gd name="connsiteY2" fmla="*/ 864096 h 864096"/>
-                <a:gd name="connsiteX3" fmla="*/ 0 w 504056"/>
-                <a:gd name="connsiteY3" fmla="*/ 864096 h 864096"/>
-                <a:gd name="connsiteX4" fmla="*/ 0 w 504056"/>
-                <a:gd name="connsiteY4" fmla="*/ 0 h 864096"/>
-                <a:gd name="connsiteX0" fmla="*/ 504056 w 595496"/>
-                <a:gd name="connsiteY0" fmla="*/ 0 h 864096"/>
-                <a:gd name="connsiteX1" fmla="*/ 504056 w 595496"/>
-                <a:gd name="connsiteY1" fmla="*/ 864096 h 864096"/>
-                <a:gd name="connsiteX2" fmla="*/ 0 w 595496"/>
-                <a:gd name="connsiteY2" fmla="*/ 864096 h 864096"/>
-                <a:gd name="connsiteX3" fmla="*/ 0 w 595496"/>
-                <a:gd name="connsiteY3" fmla="*/ 0 h 864096"/>
-                <a:gd name="connsiteX4" fmla="*/ 595496 w 595496"/>
-                <a:gd name="connsiteY4" fmla="*/ 91440 h 864096"/>
-                <a:gd name="connsiteX0" fmla="*/ 504056 w 504056"/>
-                <a:gd name="connsiteY0" fmla="*/ 0 h 864096"/>
-                <a:gd name="connsiteX1" fmla="*/ 504056 w 504056"/>
-                <a:gd name="connsiteY1" fmla="*/ 864096 h 864096"/>
-                <a:gd name="connsiteX2" fmla="*/ 0 w 504056"/>
-                <a:gd name="connsiteY2" fmla="*/ 864096 h 864096"/>
-                <a:gd name="connsiteX3" fmla="*/ 0 w 504056"/>
-                <a:gd name="connsiteY3" fmla="*/ 0 h 864096"/>
-              </a:gdLst>
-              <a:ahLst/>
-              <a:cxnLst>
-                <a:cxn ang="0">
-                  <a:pos x="connsiteX0" y="connsiteY0"/>
-                </a:cxn>
-                <a:cxn ang="0">
-                  <a:pos x="connsiteX1" y="connsiteY1"/>
-                </a:cxn>
-                <a:cxn ang="0">
-                  <a:pos x="connsiteX2" y="connsiteY2"/>
-                </a:cxn>
-                <a:cxn ang="0">
-                  <a:pos x="connsiteX3" y="connsiteY3"/>
-                </a:cxn>
-              </a:cxnLst>
-              <a:rect l="l" t="t" r="r" b="b"/>
-              <a:pathLst>
-                <a:path w="504056" h="864096">
-                  <a:moveTo>
-                    <a:pt x="504056" y="0"/>
-                  </a:moveTo>
-                  <a:lnTo>
-                    <a:pt x="504056" y="864096"/>
-                  </a:lnTo>
-                  <a:lnTo>
-                    <a:pt x="0" y="864096"/>
-                  </a:lnTo>
-                  <a:lnTo>
-                    <a:pt x="0" y="0"/>
-                  </a:lnTo>
-                </a:path>
-              </a:pathLst>
-            </a:custGeom>
-            <a:noFill/>
-            <a:ln>
-              <a:solidFill>
-                <a:schemeClr val="tx1"/>
-              </a:solidFill>
-            </a:ln>
-          </p:spPr>
-          <p:style>
-            <a:lnRef idx="2">
-              <a:schemeClr val="accent1">
-                <a:shade val="50000"/>
-              </a:schemeClr>
-            </a:lnRef>
-            <a:fillRef idx="1">
-              <a:schemeClr val="accent1"/>
-            </a:fillRef>
-            <a:effectRef idx="0">
-              <a:schemeClr val="accent1"/>
-            </a:effectRef>
-            <a:fontRef idx="minor">
-              <a:schemeClr val="lt1"/>
-            </a:fontRef>
-          </p:style>
-          <p:txBody>
-            <a:bodyPr rtlCol="0" anchor="ctr"/>
-            <a:lstStyle/>
-            <a:p>
-              <a:pPr algn="ctr"/>
-              <a:endParaRPr lang="en-GB"/>
-            </a:p>
-          </p:txBody>
-        </p:sp>
-        <p:sp>
-          <p:nvSpPr>
-            <p:cNvPr id="247" name="Rectangle 3"/>
-            <p:cNvSpPr/>
-            <p:nvPr/>
-          </p:nvSpPr>
-          <p:spPr>
-            <a:xfrm flipV="1">
-              <a:off x="755576" y="2636912"/>
-              <a:ext cx="504056" cy="864096"/>
-            </a:xfrm>
-            <a:custGeom>
-              <a:avLst/>
-              <a:gdLst>
-                <a:gd name="connsiteX0" fmla="*/ 0 w 504056"/>
-                <a:gd name="connsiteY0" fmla="*/ 0 h 864096"/>
-                <a:gd name="connsiteX1" fmla="*/ 504056 w 504056"/>
-                <a:gd name="connsiteY1" fmla="*/ 0 h 864096"/>
-                <a:gd name="connsiteX2" fmla="*/ 504056 w 504056"/>
-                <a:gd name="connsiteY2" fmla="*/ 864096 h 864096"/>
-                <a:gd name="connsiteX3" fmla="*/ 0 w 504056"/>
-                <a:gd name="connsiteY3" fmla="*/ 864096 h 864096"/>
-                <a:gd name="connsiteX4" fmla="*/ 0 w 504056"/>
-                <a:gd name="connsiteY4" fmla="*/ 0 h 864096"/>
-                <a:gd name="connsiteX0" fmla="*/ 504056 w 595496"/>
-                <a:gd name="connsiteY0" fmla="*/ 0 h 864096"/>
-                <a:gd name="connsiteX1" fmla="*/ 504056 w 595496"/>
-                <a:gd name="connsiteY1" fmla="*/ 864096 h 864096"/>
-                <a:gd name="connsiteX2" fmla="*/ 0 w 595496"/>
-                <a:gd name="connsiteY2" fmla="*/ 864096 h 864096"/>
-                <a:gd name="connsiteX3" fmla="*/ 0 w 595496"/>
-                <a:gd name="connsiteY3" fmla="*/ 0 h 864096"/>
-                <a:gd name="connsiteX4" fmla="*/ 595496 w 595496"/>
-                <a:gd name="connsiteY4" fmla="*/ 91440 h 864096"/>
-                <a:gd name="connsiteX0" fmla="*/ 504056 w 504056"/>
-                <a:gd name="connsiteY0" fmla="*/ 0 h 864096"/>
-                <a:gd name="connsiteX1" fmla="*/ 504056 w 504056"/>
-                <a:gd name="connsiteY1" fmla="*/ 864096 h 864096"/>
-                <a:gd name="connsiteX2" fmla="*/ 0 w 504056"/>
-                <a:gd name="connsiteY2" fmla="*/ 864096 h 864096"/>
-                <a:gd name="connsiteX3" fmla="*/ 0 w 504056"/>
-                <a:gd name="connsiteY3" fmla="*/ 0 h 864096"/>
-              </a:gdLst>
-              <a:ahLst/>
-              <a:cxnLst>
-                <a:cxn ang="0">
-                  <a:pos x="connsiteX0" y="connsiteY0"/>
-                </a:cxn>
-                <a:cxn ang="0">
-                  <a:pos x="connsiteX1" y="connsiteY1"/>
-                </a:cxn>
-                <a:cxn ang="0">
-                  <a:pos x="connsiteX2" y="connsiteY2"/>
-                </a:cxn>
-                <a:cxn ang="0">
-                  <a:pos x="connsiteX3" y="connsiteY3"/>
-                </a:cxn>
-              </a:cxnLst>
-              <a:rect l="l" t="t" r="r" b="b"/>
-              <a:pathLst>
-                <a:path w="504056" h="864096">
-                  <a:moveTo>
-                    <a:pt x="504056" y="0"/>
-                  </a:moveTo>
-                  <a:lnTo>
-                    <a:pt x="504056" y="864096"/>
-                  </a:lnTo>
-                  <a:lnTo>
-                    <a:pt x="0" y="864096"/>
-                  </a:lnTo>
-                  <a:lnTo>
-                    <a:pt x="0" y="0"/>
-                  </a:lnTo>
-                </a:path>
-              </a:pathLst>
-            </a:custGeom>
-            <a:solidFill>
-              <a:schemeClr val="bg1">
-                <a:lumMod val="65000"/>
-              </a:schemeClr>
-            </a:solidFill>
-            <a:ln>
-              <a:solidFill>
-                <a:schemeClr val="tx1"/>
-              </a:solidFill>
-            </a:ln>
-          </p:spPr>
-          <p:style>
-            <a:lnRef idx="2">
-              <a:schemeClr val="accent1">
-                <a:shade val="50000"/>
-              </a:schemeClr>
-            </a:lnRef>
-            <a:fillRef idx="1">
-              <a:schemeClr val="accent1"/>
-            </a:fillRef>
-            <a:effectRef idx="0">
-              <a:schemeClr val="accent1"/>
-            </a:effectRef>
-            <a:fontRef idx="minor">
-              <a:schemeClr val="lt1"/>
-            </a:fontRef>
-          </p:style>
-          <p:txBody>
-            <a:bodyPr rtlCol="0" anchor="ctr"/>
-            <a:lstStyle/>
-            <a:p>
-              <a:pPr algn="ctr"/>
-              <a:endParaRPr lang="en-GB"/>
-            </a:p>
-          </p:txBody>
-        </p:sp>
-      </p:grpSp>
-      <p:grpSp>
-        <p:nvGrpSpPr>
-          <p:cNvPr id="248" name="Group 247"/>
-          <p:cNvGrpSpPr/>
-          <p:nvPr/>
-        </p:nvGrpSpPr>
-        <p:grpSpPr>
-          <a:xfrm>
-            <a:off x="2441532" y="758005"/>
-            <a:ext cx="504056" cy="2016224"/>
-            <a:chOff x="1619672" y="1124744"/>
-            <a:chExt cx="504056" cy="2016224"/>
-          </a:xfrm>
-        </p:grpSpPr>
-        <p:sp>
-          <p:nvSpPr>
-            <p:cNvPr id="249" name="Rectangle 3"/>
-            <p:cNvSpPr/>
-            <p:nvPr/>
-          </p:nvSpPr>
-          <p:spPr>
-            <a:xfrm>
-              <a:off x="1619672" y="1124744"/>
-              <a:ext cx="504056" cy="864096"/>
-            </a:xfrm>
-            <a:custGeom>
-              <a:avLst/>
-              <a:gdLst>
-                <a:gd name="connsiteX0" fmla="*/ 0 w 504056"/>
-                <a:gd name="connsiteY0" fmla="*/ 0 h 864096"/>
-                <a:gd name="connsiteX1" fmla="*/ 504056 w 504056"/>
-                <a:gd name="connsiteY1" fmla="*/ 0 h 864096"/>
-                <a:gd name="connsiteX2" fmla="*/ 504056 w 504056"/>
-                <a:gd name="connsiteY2" fmla="*/ 864096 h 864096"/>
-                <a:gd name="connsiteX3" fmla="*/ 0 w 504056"/>
-                <a:gd name="connsiteY3" fmla="*/ 864096 h 864096"/>
-                <a:gd name="connsiteX4" fmla="*/ 0 w 504056"/>
-                <a:gd name="connsiteY4" fmla="*/ 0 h 864096"/>
-                <a:gd name="connsiteX0" fmla="*/ 504056 w 595496"/>
-                <a:gd name="connsiteY0" fmla="*/ 0 h 864096"/>
-                <a:gd name="connsiteX1" fmla="*/ 504056 w 595496"/>
-                <a:gd name="connsiteY1" fmla="*/ 864096 h 864096"/>
-                <a:gd name="connsiteX2" fmla="*/ 0 w 595496"/>
-                <a:gd name="connsiteY2" fmla="*/ 864096 h 864096"/>
-                <a:gd name="connsiteX3" fmla="*/ 0 w 595496"/>
-                <a:gd name="connsiteY3" fmla="*/ 0 h 864096"/>
-                <a:gd name="connsiteX4" fmla="*/ 595496 w 595496"/>
-                <a:gd name="connsiteY4" fmla="*/ 91440 h 864096"/>
-                <a:gd name="connsiteX0" fmla="*/ 504056 w 504056"/>
-                <a:gd name="connsiteY0" fmla="*/ 0 h 864096"/>
-                <a:gd name="connsiteX1" fmla="*/ 504056 w 504056"/>
-                <a:gd name="connsiteY1" fmla="*/ 864096 h 864096"/>
-                <a:gd name="connsiteX2" fmla="*/ 0 w 504056"/>
-                <a:gd name="connsiteY2" fmla="*/ 864096 h 864096"/>
-                <a:gd name="connsiteX3" fmla="*/ 0 w 504056"/>
-                <a:gd name="connsiteY3" fmla="*/ 0 h 864096"/>
-              </a:gdLst>
-              <a:ahLst/>
-              <a:cxnLst>
-                <a:cxn ang="0">
-                  <a:pos x="connsiteX0" y="connsiteY0"/>
-                </a:cxn>
-                <a:cxn ang="0">
-                  <a:pos x="connsiteX1" y="connsiteY1"/>
-                </a:cxn>
-                <a:cxn ang="0">
-                  <a:pos x="connsiteX2" y="connsiteY2"/>
-                </a:cxn>
-                <a:cxn ang="0">
-                  <a:pos x="connsiteX3" y="connsiteY3"/>
-                </a:cxn>
-              </a:cxnLst>
-              <a:rect l="l" t="t" r="r" b="b"/>
-              <a:pathLst>
-                <a:path w="504056" h="864096">
-                  <a:moveTo>
-                    <a:pt x="504056" y="0"/>
-                  </a:moveTo>
-                  <a:lnTo>
-                    <a:pt x="504056" y="864096"/>
-                  </a:lnTo>
-                  <a:lnTo>
-                    <a:pt x="0" y="864096"/>
-                  </a:lnTo>
-                  <a:lnTo>
-                    <a:pt x="0" y="0"/>
-                  </a:lnTo>
-                </a:path>
-              </a:pathLst>
-            </a:custGeom>
-            <a:noFill/>
-            <a:ln>
-              <a:solidFill>
-                <a:schemeClr val="tx1"/>
-              </a:solidFill>
-            </a:ln>
-          </p:spPr>
-          <p:style>
-            <a:lnRef idx="2">
-              <a:schemeClr val="accent1">
-                <a:shade val="50000"/>
-              </a:schemeClr>
-            </a:lnRef>
-            <a:fillRef idx="1">
-              <a:schemeClr val="accent1"/>
-            </a:fillRef>
-            <a:effectRef idx="0">
-              <a:schemeClr val="accent1"/>
-            </a:effectRef>
-            <a:fontRef idx="minor">
-              <a:schemeClr val="lt1"/>
-            </a:fontRef>
-          </p:style>
-          <p:txBody>
-            <a:bodyPr rtlCol="0" anchor="ctr"/>
-            <a:lstStyle/>
-            <a:p>
-              <a:pPr algn="ctr"/>
-              <a:endParaRPr lang="en-GB"/>
-            </a:p>
-          </p:txBody>
-        </p:sp>
-        <p:sp>
-          <p:nvSpPr>
-            <p:cNvPr id="250" name="Rectangle 3"/>
-            <p:cNvSpPr/>
-            <p:nvPr/>
-          </p:nvSpPr>
-          <p:spPr>
-            <a:xfrm flipV="1">
-              <a:off x="1619672" y="2276872"/>
-              <a:ext cx="504056" cy="864096"/>
-            </a:xfrm>
-            <a:custGeom>
-              <a:avLst/>
-              <a:gdLst>
-                <a:gd name="connsiteX0" fmla="*/ 0 w 504056"/>
-                <a:gd name="connsiteY0" fmla="*/ 0 h 864096"/>
-                <a:gd name="connsiteX1" fmla="*/ 504056 w 504056"/>
-                <a:gd name="connsiteY1" fmla="*/ 0 h 864096"/>
-                <a:gd name="connsiteX2" fmla="*/ 504056 w 504056"/>
-                <a:gd name="connsiteY2" fmla="*/ 864096 h 864096"/>
-                <a:gd name="connsiteX3" fmla="*/ 0 w 504056"/>
-                <a:gd name="connsiteY3" fmla="*/ 864096 h 864096"/>
-                <a:gd name="connsiteX4" fmla="*/ 0 w 504056"/>
-                <a:gd name="connsiteY4" fmla="*/ 0 h 864096"/>
-                <a:gd name="connsiteX0" fmla="*/ 504056 w 595496"/>
-                <a:gd name="connsiteY0" fmla="*/ 0 h 864096"/>
-                <a:gd name="connsiteX1" fmla="*/ 504056 w 595496"/>
-                <a:gd name="connsiteY1" fmla="*/ 864096 h 864096"/>
-                <a:gd name="connsiteX2" fmla="*/ 0 w 595496"/>
-                <a:gd name="connsiteY2" fmla="*/ 864096 h 864096"/>
-                <a:gd name="connsiteX3" fmla="*/ 0 w 595496"/>
-                <a:gd name="connsiteY3" fmla="*/ 0 h 864096"/>
-                <a:gd name="connsiteX4" fmla="*/ 595496 w 595496"/>
-                <a:gd name="connsiteY4" fmla="*/ 91440 h 864096"/>
-                <a:gd name="connsiteX0" fmla="*/ 504056 w 504056"/>
-                <a:gd name="connsiteY0" fmla="*/ 0 h 864096"/>
-                <a:gd name="connsiteX1" fmla="*/ 504056 w 504056"/>
-                <a:gd name="connsiteY1" fmla="*/ 864096 h 864096"/>
-                <a:gd name="connsiteX2" fmla="*/ 0 w 504056"/>
-                <a:gd name="connsiteY2" fmla="*/ 864096 h 864096"/>
-                <a:gd name="connsiteX3" fmla="*/ 0 w 504056"/>
-                <a:gd name="connsiteY3" fmla="*/ 0 h 864096"/>
-              </a:gdLst>
-              <a:ahLst/>
-              <a:cxnLst>
-                <a:cxn ang="0">
-                  <a:pos x="connsiteX0" y="connsiteY0"/>
-                </a:cxn>
-                <a:cxn ang="0">
-                  <a:pos x="connsiteX1" y="connsiteY1"/>
-                </a:cxn>
-                <a:cxn ang="0">
-                  <a:pos x="connsiteX2" y="connsiteY2"/>
-                </a:cxn>
-                <a:cxn ang="0">
-                  <a:pos x="connsiteX3" y="connsiteY3"/>
-                </a:cxn>
-              </a:cxnLst>
-              <a:rect l="l" t="t" r="r" b="b"/>
-              <a:pathLst>
-                <a:path w="504056" h="864096">
-                  <a:moveTo>
-                    <a:pt x="504056" y="0"/>
-                  </a:moveTo>
-                  <a:lnTo>
-                    <a:pt x="504056" y="864096"/>
-                  </a:lnTo>
-                  <a:lnTo>
-                    <a:pt x="0" y="864096"/>
-                  </a:lnTo>
-                  <a:lnTo>
-                    <a:pt x="0" y="0"/>
-                  </a:lnTo>
-                </a:path>
-              </a:pathLst>
-            </a:custGeom>
-            <a:solidFill>
-              <a:schemeClr val="bg1">
-                <a:lumMod val="65000"/>
-              </a:schemeClr>
-            </a:solidFill>
-            <a:ln>
-              <a:solidFill>
-                <a:schemeClr val="tx1"/>
-              </a:solidFill>
-            </a:ln>
-          </p:spPr>
-          <p:style>
-            <a:lnRef idx="2">
-              <a:schemeClr val="accent1">
-                <a:shade val="50000"/>
-              </a:schemeClr>
-            </a:lnRef>
-            <a:fillRef idx="1">
-              <a:schemeClr val="accent1"/>
-            </a:fillRef>
-            <a:effectRef idx="0">
-              <a:schemeClr val="accent1"/>
-            </a:effectRef>
-            <a:fontRef idx="minor">
-              <a:schemeClr val="lt1"/>
-            </a:fontRef>
-          </p:style>
-          <p:txBody>
-            <a:bodyPr rtlCol="0" anchor="ctr"/>
-            <a:lstStyle/>
-            <a:p>
-              <a:pPr algn="ctr"/>
-              <a:endParaRPr lang="en-GB"/>
-            </a:p>
-          </p:txBody>
-        </p:sp>
-      </p:grpSp>
-      <p:grpSp>
-        <p:nvGrpSpPr>
-          <p:cNvPr id="251" name="Group 250"/>
-          <p:cNvGrpSpPr/>
-          <p:nvPr/>
-        </p:nvGrpSpPr>
-        <p:grpSpPr>
-          <a:xfrm>
-            <a:off x="4051126" y="1046037"/>
-            <a:ext cx="504056" cy="1512168"/>
-            <a:chOff x="2627784" y="1412776"/>
-            <a:chExt cx="504056" cy="1512168"/>
-          </a:xfrm>
-        </p:grpSpPr>
-        <p:sp>
-          <p:nvSpPr>
-            <p:cNvPr id="252" name="Rectangle 3"/>
-            <p:cNvSpPr/>
-            <p:nvPr/>
-          </p:nvSpPr>
-          <p:spPr>
-            <a:xfrm>
-              <a:off x="2627784" y="1412776"/>
-              <a:ext cx="504056" cy="864096"/>
-            </a:xfrm>
-            <a:custGeom>
-              <a:avLst/>
-              <a:gdLst>
-                <a:gd name="connsiteX0" fmla="*/ 0 w 504056"/>
-                <a:gd name="connsiteY0" fmla="*/ 0 h 864096"/>
-                <a:gd name="connsiteX1" fmla="*/ 504056 w 504056"/>
-                <a:gd name="connsiteY1" fmla="*/ 0 h 864096"/>
-                <a:gd name="connsiteX2" fmla="*/ 504056 w 504056"/>
-                <a:gd name="connsiteY2" fmla="*/ 864096 h 864096"/>
-                <a:gd name="connsiteX3" fmla="*/ 0 w 504056"/>
-                <a:gd name="connsiteY3" fmla="*/ 864096 h 864096"/>
-                <a:gd name="connsiteX4" fmla="*/ 0 w 504056"/>
-                <a:gd name="connsiteY4" fmla="*/ 0 h 864096"/>
-                <a:gd name="connsiteX0" fmla="*/ 504056 w 595496"/>
-                <a:gd name="connsiteY0" fmla="*/ 0 h 864096"/>
-                <a:gd name="connsiteX1" fmla="*/ 504056 w 595496"/>
-                <a:gd name="connsiteY1" fmla="*/ 864096 h 864096"/>
-                <a:gd name="connsiteX2" fmla="*/ 0 w 595496"/>
-                <a:gd name="connsiteY2" fmla="*/ 864096 h 864096"/>
-                <a:gd name="connsiteX3" fmla="*/ 0 w 595496"/>
-                <a:gd name="connsiteY3" fmla="*/ 0 h 864096"/>
-                <a:gd name="connsiteX4" fmla="*/ 595496 w 595496"/>
-                <a:gd name="connsiteY4" fmla="*/ 91440 h 864096"/>
-                <a:gd name="connsiteX0" fmla="*/ 504056 w 504056"/>
-                <a:gd name="connsiteY0" fmla="*/ 0 h 864096"/>
-                <a:gd name="connsiteX1" fmla="*/ 504056 w 504056"/>
-                <a:gd name="connsiteY1" fmla="*/ 864096 h 864096"/>
-                <a:gd name="connsiteX2" fmla="*/ 0 w 504056"/>
-                <a:gd name="connsiteY2" fmla="*/ 864096 h 864096"/>
-                <a:gd name="connsiteX3" fmla="*/ 0 w 504056"/>
-                <a:gd name="connsiteY3" fmla="*/ 0 h 864096"/>
-              </a:gdLst>
-              <a:ahLst/>
-              <a:cxnLst>
-                <a:cxn ang="0">
-                  <a:pos x="connsiteX0" y="connsiteY0"/>
-                </a:cxn>
-                <a:cxn ang="0">
-                  <a:pos x="connsiteX1" y="connsiteY1"/>
-                </a:cxn>
-                <a:cxn ang="0">
-                  <a:pos x="connsiteX2" y="connsiteY2"/>
-                </a:cxn>
-                <a:cxn ang="0">
-                  <a:pos x="connsiteX3" y="connsiteY3"/>
-                </a:cxn>
-              </a:cxnLst>
-              <a:rect l="l" t="t" r="r" b="b"/>
-              <a:pathLst>
-                <a:path w="504056" h="864096">
-                  <a:moveTo>
-                    <a:pt x="504056" y="0"/>
-                  </a:moveTo>
-                  <a:lnTo>
-                    <a:pt x="504056" y="864096"/>
-                  </a:lnTo>
-                  <a:lnTo>
-                    <a:pt x="0" y="864096"/>
-                  </a:lnTo>
-                  <a:lnTo>
-                    <a:pt x="0" y="0"/>
-                  </a:lnTo>
-                </a:path>
-              </a:pathLst>
-            </a:custGeom>
-            <a:noFill/>
-            <a:ln>
-              <a:solidFill>
-                <a:schemeClr val="tx1"/>
-              </a:solidFill>
-            </a:ln>
-          </p:spPr>
-          <p:style>
-            <a:lnRef idx="2">
-              <a:schemeClr val="accent1">
-                <a:shade val="50000"/>
-              </a:schemeClr>
-            </a:lnRef>
-            <a:fillRef idx="1">
-              <a:schemeClr val="accent1"/>
-            </a:fillRef>
-            <a:effectRef idx="0">
-              <a:schemeClr val="accent1"/>
-            </a:effectRef>
-            <a:fontRef idx="minor">
-              <a:schemeClr val="lt1"/>
-            </a:fontRef>
-          </p:style>
-          <p:txBody>
-            <a:bodyPr rtlCol="0" anchor="ctr"/>
-            <a:lstStyle/>
-            <a:p>
-              <a:pPr algn="ctr"/>
-              <a:endParaRPr lang="en-GB"/>
-            </a:p>
-          </p:txBody>
-        </p:sp>
-        <p:sp>
-          <p:nvSpPr>
-            <p:cNvPr id="253" name="Rectangle 3"/>
-            <p:cNvSpPr/>
-            <p:nvPr/>
-          </p:nvSpPr>
-          <p:spPr>
-            <a:xfrm flipV="1">
-              <a:off x="2627784" y="2060848"/>
-              <a:ext cx="504056" cy="864096"/>
-            </a:xfrm>
-            <a:custGeom>
-              <a:avLst/>
-              <a:gdLst>
-                <a:gd name="connsiteX0" fmla="*/ 0 w 504056"/>
-                <a:gd name="connsiteY0" fmla="*/ 0 h 864096"/>
-                <a:gd name="connsiteX1" fmla="*/ 504056 w 504056"/>
-                <a:gd name="connsiteY1" fmla="*/ 0 h 864096"/>
-                <a:gd name="connsiteX2" fmla="*/ 504056 w 504056"/>
-                <a:gd name="connsiteY2" fmla="*/ 864096 h 864096"/>
-                <a:gd name="connsiteX3" fmla="*/ 0 w 504056"/>
-                <a:gd name="connsiteY3" fmla="*/ 864096 h 864096"/>
-                <a:gd name="connsiteX4" fmla="*/ 0 w 504056"/>
-                <a:gd name="connsiteY4" fmla="*/ 0 h 864096"/>
-                <a:gd name="connsiteX0" fmla="*/ 504056 w 595496"/>
-                <a:gd name="connsiteY0" fmla="*/ 0 h 864096"/>
-                <a:gd name="connsiteX1" fmla="*/ 504056 w 595496"/>
-                <a:gd name="connsiteY1" fmla="*/ 864096 h 864096"/>
-                <a:gd name="connsiteX2" fmla="*/ 0 w 595496"/>
-                <a:gd name="connsiteY2" fmla="*/ 864096 h 864096"/>
-                <a:gd name="connsiteX3" fmla="*/ 0 w 595496"/>
-                <a:gd name="connsiteY3" fmla="*/ 0 h 864096"/>
-                <a:gd name="connsiteX4" fmla="*/ 595496 w 595496"/>
-                <a:gd name="connsiteY4" fmla="*/ 91440 h 864096"/>
-                <a:gd name="connsiteX0" fmla="*/ 504056 w 504056"/>
-                <a:gd name="connsiteY0" fmla="*/ 0 h 864096"/>
-                <a:gd name="connsiteX1" fmla="*/ 504056 w 504056"/>
-                <a:gd name="connsiteY1" fmla="*/ 864096 h 864096"/>
-                <a:gd name="connsiteX2" fmla="*/ 0 w 504056"/>
-                <a:gd name="connsiteY2" fmla="*/ 864096 h 864096"/>
-                <a:gd name="connsiteX3" fmla="*/ 0 w 504056"/>
-                <a:gd name="connsiteY3" fmla="*/ 0 h 864096"/>
-              </a:gdLst>
-              <a:ahLst/>
-              <a:cxnLst>
-                <a:cxn ang="0">
-                  <a:pos x="connsiteX0" y="connsiteY0"/>
-                </a:cxn>
-                <a:cxn ang="0">
-                  <a:pos x="connsiteX1" y="connsiteY1"/>
-                </a:cxn>
-                <a:cxn ang="0">
-                  <a:pos x="connsiteX2" y="connsiteY2"/>
-                </a:cxn>
-                <a:cxn ang="0">
-                  <a:pos x="connsiteX3" y="connsiteY3"/>
-                </a:cxn>
-              </a:cxnLst>
-              <a:rect l="l" t="t" r="r" b="b"/>
-              <a:pathLst>
-                <a:path w="504056" h="864096">
-                  <a:moveTo>
-                    <a:pt x="504056" y="0"/>
-                  </a:moveTo>
-                  <a:lnTo>
-                    <a:pt x="504056" y="864096"/>
-                  </a:lnTo>
-                  <a:lnTo>
-                    <a:pt x="0" y="864096"/>
-                  </a:lnTo>
-                  <a:lnTo>
-                    <a:pt x="0" y="0"/>
-                  </a:lnTo>
-                </a:path>
-              </a:pathLst>
-            </a:custGeom>
-            <a:solidFill>
-              <a:schemeClr val="bg1">
-                <a:lumMod val="65000"/>
-              </a:schemeClr>
-            </a:solidFill>
-            <a:ln>
-              <a:solidFill>
-                <a:schemeClr val="tx1"/>
-              </a:solidFill>
-            </a:ln>
-          </p:spPr>
-          <p:style>
-            <a:lnRef idx="2">
-              <a:schemeClr val="accent1">
-                <a:shade val="50000"/>
-              </a:schemeClr>
-            </a:lnRef>
-            <a:fillRef idx="1">
-              <a:schemeClr val="accent1"/>
-            </a:fillRef>
-            <a:effectRef idx="0">
-              <a:schemeClr val="accent1"/>
-            </a:effectRef>
-            <a:fontRef idx="minor">
-              <a:schemeClr val="lt1"/>
-            </a:fontRef>
-          </p:style>
-          <p:txBody>
-            <a:bodyPr rtlCol="0" anchor="ctr"/>
-            <a:lstStyle/>
-            <a:p>
-              <a:pPr algn="ctr"/>
-              <a:endParaRPr lang="en-GB"/>
-            </a:p>
-          </p:txBody>
-        </p:sp>
-        <p:sp>
-          <p:nvSpPr>
-            <p:cNvPr id="254" name="Rectangle 3"/>
-            <p:cNvSpPr/>
-            <p:nvPr/>
-          </p:nvSpPr>
-          <p:spPr>
-            <a:xfrm flipV="1">
-              <a:off x="2647533" y="1971114"/>
-              <a:ext cx="475200" cy="282799"/>
-            </a:xfrm>
-            <a:custGeom>
-              <a:avLst/>
-              <a:gdLst>
-                <a:gd name="connsiteX0" fmla="*/ 0 w 504056"/>
-                <a:gd name="connsiteY0" fmla="*/ 0 h 864096"/>
-                <a:gd name="connsiteX1" fmla="*/ 504056 w 504056"/>
-                <a:gd name="connsiteY1" fmla="*/ 0 h 864096"/>
-                <a:gd name="connsiteX2" fmla="*/ 504056 w 504056"/>
-                <a:gd name="connsiteY2" fmla="*/ 864096 h 864096"/>
-                <a:gd name="connsiteX3" fmla="*/ 0 w 504056"/>
-                <a:gd name="connsiteY3" fmla="*/ 864096 h 864096"/>
-                <a:gd name="connsiteX4" fmla="*/ 0 w 504056"/>
-                <a:gd name="connsiteY4" fmla="*/ 0 h 864096"/>
-                <a:gd name="connsiteX0" fmla="*/ 504056 w 595496"/>
-                <a:gd name="connsiteY0" fmla="*/ 0 h 864096"/>
-                <a:gd name="connsiteX1" fmla="*/ 504056 w 595496"/>
-                <a:gd name="connsiteY1" fmla="*/ 864096 h 864096"/>
-                <a:gd name="connsiteX2" fmla="*/ 0 w 595496"/>
-                <a:gd name="connsiteY2" fmla="*/ 864096 h 864096"/>
-                <a:gd name="connsiteX3" fmla="*/ 0 w 595496"/>
-                <a:gd name="connsiteY3" fmla="*/ 0 h 864096"/>
-                <a:gd name="connsiteX4" fmla="*/ 595496 w 595496"/>
-                <a:gd name="connsiteY4" fmla="*/ 91440 h 864096"/>
-                <a:gd name="connsiteX0" fmla="*/ 504056 w 504056"/>
-                <a:gd name="connsiteY0" fmla="*/ 0 h 864096"/>
-                <a:gd name="connsiteX1" fmla="*/ 504056 w 504056"/>
-                <a:gd name="connsiteY1" fmla="*/ 864096 h 864096"/>
-                <a:gd name="connsiteX2" fmla="*/ 0 w 504056"/>
-                <a:gd name="connsiteY2" fmla="*/ 864096 h 864096"/>
-                <a:gd name="connsiteX3" fmla="*/ 0 w 504056"/>
-                <a:gd name="connsiteY3" fmla="*/ 0 h 864096"/>
-              </a:gdLst>
-              <a:ahLst/>
-              <a:cxnLst>
-                <a:cxn ang="0">
-                  <a:pos x="connsiteX0" y="connsiteY0"/>
-                </a:cxn>
-                <a:cxn ang="0">
-                  <a:pos x="connsiteX1" y="connsiteY1"/>
-                </a:cxn>
-                <a:cxn ang="0">
-                  <a:pos x="connsiteX2" y="connsiteY2"/>
-                </a:cxn>
-                <a:cxn ang="0">
-                  <a:pos x="connsiteX3" y="connsiteY3"/>
-                </a:cxn>
-              </a:cxnLst>
-              <a:rect l="l" t="t" r="r" b="b"/>
-              <a:pathLst>
-                <a:path w="504056" h="864096">
-                  <a:moveTo>
-                    <a:pt x="504056" y="0"/>
-                  </a:moveTo>
-                  <a:lnTo>
-                    <a:pt x="504056" y="864096"/>
-                  </a:lnTo>
-                  <a:lnTo>
-                    <a:pt x="0" y="864096"/>
-                  </a:lnTo>
-                  <a:lnTo>
-                    <a:pt x="0" y="0"/>
-                  </a:lnTo>
-                </a:path>
-              </a:pathLst>
-            </a:custGeom>
-            <a:solidFill>
-              <a:schemeClr val="bg1">
-                <a:lumMod val="65000"/>
-              </a:schemeClr>
-            </a:solidFill>
-            <a:ln>
-              <a:noFill/>
-            </a:ln>
-          </p:spPr>
-          <p:style>
-            <a:lnRef idx="2">
-              <a:schemeClr val="accent1">
-                <a:shade val="50000"/>
-              </a:schemeClr>
-            </a:lnRef>
-            <a:fillRef idx="1">
-              <a:schemeClr val="accent1"/>
-            </a:fillRef>
-            <a:effectRef idx="0">
-              <a:schemeClr val="accent1"/>
-            </a:effectRef>
-            <a:fontRef idx="minor">
-              <a:schemeClr val="lt1"/>
-            </a:fontRef>
-          </p:style>
-          <p:txBody>
-            <a:bodyPr rtlCol="0" anchor="ctr"/>
-            <a:lstStyle/>
-            <a:p>
-              <a:pPr algn="ctr"/>
-              <a:endParaRPr lang="en-GB"/>
-            </a:p>
-          </p:txBody>
-        </p:sp>
-      </p:grpSp>
-      <p:sp>
-        <p:nvSpPr>
-          <p:cNvPr id="255" name="TextBox 254"/>
+      <p:sp>
+        <p:nvSpPr>
+          <p:cNvPr id="243" name="TextBox 242"/>
           <p:cNvSpPr txBox="1"/>
           <p:nvPr/>
         </p:nvSpPr>
         <p:spPr>
           <a:xfrm>
-            <a:off x="522734" y="-41032"/>
-            <a:ext cx="1224136" cy="430887"/>
-          </a:xfrm>
-          <a:prstGeom prst="rect">
-            <a:avLst/>
-          </a:prstGeom>
-          <a:noFill/>
-        </p:spPr>
-        <p:txBody>
-          <a:bodyPr wrap="square" rtlCol="0">
-            <a:spAutoFit/>
-          </a:bodyPr>
-          <a:lstStyle/>
-          <a:p>
-            <a:r>
-              <a:rPr lang="en-GB" sz="2200" dirty="0" smtClean="0"/>
-              <a:t>Insulator</a:t>
-            </a:r>
-            <a:endParaRPr lang="en-GB" sz="2200" dirty="0"/>
-          </a:p>
-        </p:txBody>
-      </p:sp>
-      <p:sp>
-        <p:nvSpPr>
-          <p:cNvPr id="256" name="TextBox 255"/>
-          <p:cNvSpPr txBox="1"/>
-          <p:nvPr/>
-        </p:nvSpPr>
-        <p:spPr>
-          <a:xfrm>
-            <a:off x="1677292" y="356646"/>
-            <a:ext cx="2032535" cy="430887"/>
-          </a:xfrm>
-          <a:prstGeom prst="rect">
-            <a:avLst/>
-          </a:prstGeom>
-          <a:noFill/>
-        </p:spPr>
-        <p:txBody>
-          <a:bodyPr wrap="square" rtlCol="0">
-            <a:spAutoFit/>
-          </a:bodyPr>
-          <a:lstStyle/>
-          <a:p>
-            <a:r>
-              <a:rPr lang="en-GB" sz="2200" dirty="0" smtClean="0"/>
-              <a:t>Semiconductor</a:t>
-            </a:r>
-            <a:endParaRPr lang="en-GB" sz="2200" dirty="0"/>
-          </a:p>
-        </p:txBody>
-      </p:sp>
-      <p:cxnSp>
-        <p:nvCxnSpPr>
-          <p:cNvPr id="257" name="Straight Connector 256"/>
-          <p:cNvCxnSpPr/>
-          <p:nvPr/>
-        </p:nvCxnSpPr>
-        <p:spPr>
-          <a:xfrm>
-            <a:off x="594742" y="1766117"/>
-            <a:ext cx="4608000" cy="0"/>
-          </a:xfrm>
-          <a:prstGeom prst="line">
-            <a:avLst/>
-          </a:prstGeom>
-          <a:ln>
-            <a:solidFill>
-              <a:schemeClr val="tx1"/>
-            </a:solidFill>
-            <a:prstDash val="sysDot"/>
-          </a:ln>
-        </p:spPr>
-        <p:style>
-          <a:lnRef idx="1">
-            <a:schemeClr val="accent1"/>
-          </a:lnRef>
-          <a:fillRef idx="0">
-            <a:schemeClr val="accent1"/>
-          </a:fillRef>
-          <a:effectRef idx="0">
-            <a:schemeClr val="accent1"/>
-          </a:effectRef>
-          <a:fontRef idx="minor">
-            <a:schemeClr val="tx1"/>
-          </a:fontRef>
-        </p:style>
-      </p:cxnSp>
-      <p:sp>
-        <p:nvSpPr>
-          <p:cNvPr id="258" name="TextBox 257"/>
-          <p:cNvSpPr txBox="1"/>
-          <p:nvPr/>
-        </p:nvSpPr>
-        <p:spPr>
-          <a:xfrm>
-            <a:off x="3876427" y="614569"/>
-            <a:ext cx="864096" cy="430887"/>
-          </a:xfrm>
-          <a:prstGeom prst="rect">
-            <a:avLst/>
-          </a:prstGeom>
-          <a:noFill/>
-        </p:spPr>
-        <p:txBody>
-          <a:bodyPr wrap="square" rtlCol="0">
-            <a:spAutoFit/>
-          </a:bodyPr>
-          <a:lstStyle/>
-          <a:p>
-            <a:r>
-              <a:rPr lang="en-GB" sz="2200" dirty="0" smtClean="0"/>
-              <a:t>Metal</a:t>
-            </a:r>
-            <a:endParaRPr lang="en-GB" sz="2200" dirty="0"/>
-          </a:p>
-        </p:txBody>
-      </p:sp>
-      <p:sp>
-        <p:nvSpPr>
-          <p:cNvPr id="259" name="TextBox 258"/>
-          <p:cNvSpPr txBox="1"/>
-          <p:nvPr/>
-        </p:nvSpPr>
-        <p:spPr>
-          <a:xfrm>
-            <a:off x="234702" y="614569"/>
-            <a:ext cx="576064" cy="432048"/>
-          </a:xfrm>
-          <a:prstGeom prst="rect">
-            <a:avLst/>
-          </a:prstGeom>
-          <a:noFill/>
-        </p:spPr>
-        <p:txBody>
-          <a:bodyPr wrap="square" rtlCol="0">
-            <a:spAutoFit/>
-          </a:bodyPr>
-          <a:lstStyle/>
-          <a:p>
-            <a:r>
-              <a:rPr lang="en-GB" sz="2200" dirty="0"/>
-              <a:t>C</a:t>
-            </a:r>
-            <a:r>
-              <a:rPr lang="en-GB" sz="2200" dirty="0" smtClean="0"/>
-              <a:t>B</a:t>
-            </a:r>
-            <a:endParaRPr lang="en-GB" sz="2200" dirty="0"/>
-          </a:p>
-        </p:txBody>
-      </p:sp>
-      <p:sp>
-        <p:nvSpPr>
-          <p:cNvPr id="260" name="TextBox 259"/>
-          <p:cNvSpPr txBox="1"/>
-          <p:nvPr/>
-        </p:nvSpPr>
-        <p:spPr>
-          <a:xfrm>
-            <a:off x="213420" y="2486197"/>
-            <a:ext cx="576064" cy="432048"/>
-          </a:xfrm>
-          <a:prstGeom prst="rect">
-            <a:avLst/>
-          </a:prstGeom>
-          <a:noFill/>
-        </p:spPr>
-        <p:txBody>
-          <a:bodyPr wrap="square" rtlCol="0">
-            <a:spAutoFit/>
-          </a:bodyPr>
-          <a:lstStyle/>
-          <a:p>
-            <a:r>
-              <a:rPr lang="en-GB" sz="2200" dirty="0"/>
-              <a:t>V</a:t>
-            </a:r>
-            <a:r>
-              <a:rPr lang="en-GB" sz="2200" dirty="0" smtClean="0"/>
-              <a:t>B</a:t>
-            </a:r>
-            <a:endParaRPr lang="en-GB" sz="2200" dirty="0"/>
-          </a:p>
-        </p:txBody>
-      </p:sp>
-      <p:sp>
-        <p:nvSpPr>
-          <p:cNvPr id="261" name="TextBox 260"/>
-          <p:cNvSpPr txBox="1"/>
-          <p:nvPr/>
-        </p:nvSpPr>
-        <p:spPr>
-          <a:xfrm>
-            <a:off x="234702" y="1529750"/>
-            <a:ext cx="576064" cy="432048"/>
-          </a:xfrm>
-          <a:prstGeom prst="rect">
-            <a:avLst/>
-          </a:prstGeom>
-          <a:noFill/>
-        </p:spPr>
-        <p:txBody>
-          <a:bodyPr wrap="square" rtlCol="0">
-            <a:spAutoFit/>
-          </a:bodyPr>
-          <a:lstStyle/>
-          <a:p>
-            <a:r>
-              <a:rPr lang="en-GB" sz="2200" dirty="0" smtClean="0"/>
-              <a:t>E</a:t>
-            </a:r>
-            <a:r>
-              <a:rPr lang="en-GB" sz="2200" baseline="-25000" dirty="0" smtClean="0"/>
-              <a:t>F</a:t>
-            </a:r>
-            <a:endParaRPr lang="en-GB" sz="2200" dirty="0"/>
-          </a:p>
-        </p:txBody>
-      </p:sp>
-      <p:cxnSp>
-        <p:nvCxnSpPr>
-          <p:cNvPr id="262" name="Straight Arrow Connector 261"/>
-          <p:cNvCxnSpPr/>
-          <p:nvPr/>
-        </p:nvCxnSpPr>
-        <p:spPr>
-          <a:xfrm>
-            <a:off x="1134802" y="1262061"/>
-            <a:ext cx="0" cy="1008112"/>
-          </a:xfrm>
-          <a:prstGeom prst="straightConnector1">
-            <a:avLst/>
-          </a:prstGeom>
-          <a:ln w="12700">
-            <a:solidFill>
-              <a:schemeClr val="tx1"/>
-            </a:solidFill>
-            <a:headEnd type="triangle" w="med" len="med"/>
-            <a:tailEnd type="triangle" w="med" len="med"/>
-          </a:ln>
-        </p:spPr>
-        <p:style>
-          <a:lnRef idx="1">
-            <a:schemeClr val="accent1"/>
-          </a:lnRef>
-          <a:fillRef idx="0">
-            <a:schemeClr val="accent1"/>
-          </a:fillRef>
-          <a:effectRef idx="0">
-            <a:schemeClr val="accent1"/>
-          </a:effectRef>
-          <a:fontRef idx="minor">
-            <a:schemeClr val="tx1"/>
-          </a:fontRef>
-        </p:style>
-      </p:cxnSp>
-      <p:sp>
-        <p:nvSpPr>
-          <p:cNvPr id="263" name="TextBox 262"/>
-          <p:cNvSpPr txBox="1"/>
-          <p:nvPr/>
-        </p:nvSpPr>
-        <p:spPr>
-          <a:xfrm>
-            <a:off x="1098798" y="1694109"/>
-            <a:ext cx="576064" cy="432048"/>
-          </a:xfrm>
-          <a:prstGeom prst="rect">
-            <a:avLst/>
-          </a:prstGeom>
-          <a:noFill/>
-        </p:spPr>
-        <p:txBody>
-          <a:bodyPr wrap="square" rtlCol="0">
-            <a:spAutoFit/>
-          </a:bodyPr>
-          <a:lstStyle/>
-          <a:p>
-            <a:r>
-              <a:rPr lang="en-GB" sz="2200" dirty="0" err="1" smtClean="0"/>
-              <a:t>E</a:t>
-            </a:r>
-            <a:r>
-              <a:rPr lang="en-GB" sz="2200" baseline="-25000" dirty="0" err="1"/>
-              <a:t>g</a:t>
-            </a:r>
-            <a:endParaRPr lang="en-GB" sz="2200" dirty="0"/>
-          </a:p>
-        </p:txBody>
-      </p:sp>
-      <p:cxnSp>
-        <p:nvCxnSpPr>
-          <p:cNvPr id="264" name="Straight Arrow Connector 263"/>
-          <p:cNvCxnSpPr/>
-          <p:nvPr/>
-        </p:nvCxnSpPr>
-        <p:spPr>
-          <a:xfrm>
-            <a:off x="2679974" y="1622101"/>
-            <a:ext cx="0" cy="265073"/>
-          </a:xfrm>
-          <a:prstGeom prst="straightConnector1">
-            <a:avLst/>
-          </a:prstGeom>
-          <a:ln w="12700">
-            <a:solidFill>
-              <a:schemeClr val="tx1"/>
-            </a:solidFill>
-            <a:headEnd type="triangle" w="med" len="med"/>
-            <a:tailEnd type="triangle" w="med" len="med"/>
-          </a:ln>
-        </p:spPr>
-        <p:style>
-          <a:lnRef idx="1">
-            <a:schemeClr val="accent1"/>
-          </a:lnRef>
-          <a:fillRef idx="0">
-            <a:schemeClr val="accent1"/>
-          </a:fillRef>
-          <a:effectRef idx="0">
-            <a:schemeClr val="accent1"/>
-          </a:effectRef>
-          <a:fontRef idx="minor">
-            <a:schemeClr val="tx1"/>
-          </a:fontRef>
-        </p:style>
-      </p:cxnSp>
-      <p:sp>
-        <p:nvSpPr>
-          <p:cNvPr id="265" name="TextBox 264"/>
-          <p:cNvSpPr txBox="1"/>
-          <p:nvPr/>
-        </p:nvSpPr>
-        <p:spPr>
-          <a:xfrm>
-            <a:off x="-74612" y="-41032"/>
+            <a:off x="393279" y="-41032"/>
             <a:ext cx="576064" cy="477054"/>
           </a:xfrm>
           <a:prstGeom prst="rect">
@@ -4718,888 +3567,9 @@
           </a:p>
         </p:txBody>
       </p:sp>
-      <p:cxnSp>
-        <p:nvCxnSpPr>
-          <p:cNvPr id="266" name="Straight Arrow Connector 265"/>
-          <p:cNvCxnSpPr/>
-          <p:nvPr/>
-        </p:nvCxnSpPr>
-        <p:spPr>
-          <a:xfrm flipV="1">
-            <a:off x="5037956" y="265180"/>
-            <a:ext cx="0" cy="905996"/>
-          </a:xfrm>
-          <a:prstGeom prst="straightConnector1">
-            <a:avLst/>
-          </a:prstGeom>
-          <a:ln w="12700">
-            <a:solidFill>
-              <a:schemeClr val="tx1"/>
-            </a:solidFill>
-            <a:tailEnd type="arrow"/>
-          </a:ln>
-        </p:spPr>
-        <p:style>
-          <a:lnRef idx="1">
-            <a:schemeClr val="accent1"/>
-          </a:lnRef>
-          <a:fillRef idx="0">
-            <a:schemeClr val="accent1"/>
-          </a:fillRef>
-          <a:effectRef idx="0">
-            <a:schemeClr val="accent1"/>
-          </a:effectRef>
-          <a:fontRef idx="minor">
-            <a:schemeClr val="tx1"/>
-          </a:fontRef>
-        </p:style>
-      </p:cxnSp>
-      <p:sp>
-        <p:nvSpPr>
-          <p:cNvPr id="267" name="TextBox 266"/>
-          <p:cNvSpPr txBox="1"/>
-          <p:nvPr/>
-        </p:nvSpPr>
-        <p:spPr>
-          <a:xfrm>
-            <a:off x="4893940" y="-41032"/>
-            <a:ext cx="432048" cy="369332"/>
-          </a:xfrm>
-          <a:prstGeom prst="rect">
-            <a:avLst/>
-          </a:prstGeom>
-          <a:noFill/>
-        </p:spPr>
-        <p:txBody>
-          <a:bodyPr wrap="square" rtlCol="0">
-            <a:spAutoFit/>
-          </a:bodyPr>
-          <a:lstStyle/>
-          <a:p>
-            <a:r>
-              <a:rPr lang="en-GB" dirty="0" smtClean="0"/>
-              <a:t>E</a:t>
-            </a:r>
-            <a:endParaRPr lang="en-GB" dirty="0"/>
-          </a:p>
-        </p:txBody>
-      </p:sp>
-      <p:grpSp>
-        <p:nvGrpSpPr>
-          <p:cNvPr id="268" name="Group 267"/>
-          <p:cNvGrpSpPr/>
-          <p:nvPr/>
-        </p:nvGrpSpPr>
-        <p:grpSpPr>
-          <a:xfrm>
-            <a:off x="5902388" y="-50324"/>
-            <a:ext cx="3240024" cy="3465676"/>
-            <a:chOff x="6238280" y="-36676"/>
-            <a:chExt cx="3240024" cy="3465676"/>
-          </a:xfrm>
-        </p:grpSpPr>
-        <p:sp>
-          <p:nvSpPr>
-            <p:cNvPr id="269" name="Freeform 268"/>
-            <p:cNvSpPr/>
-            <p:nvPr/>
-          </p:nvSpPr>
-          <p:spPr>
-            <a:xfrm flipV="1">
-              <a:off x="6670280" y="211143"/>
-              <a:ext cx="2160000" cy="2171700"/>
-            </a:xfrm>
-            <a:custGeom>
-              <a:avLst/>
-              <a:gdLst>
-                <a:gd name="connsiteX0" fmla="*/ 0 w 2876550"/>
-                <a:gd name="connsiteY0" fmla="*/ 2171700 h 2171700"/>
-                <a:gd name="connsiteX1" fmla="*/ 1438275 w 2876550"/>
-                <a:gd name="connsiteY1" fmla="*/ 0 h 2171700"/>
-                <a:gd name="connsiteX2" fmla="*/ 2876550 w 2876550"/>
-                <a:gd name="connsiteY2" fmla="*/ 2171700 h 2171700"/>
-              </a:gdLst>
-              <a:ahLst/>
-              <a:cxnLst>
-                <a:cxn ang="0">
-                  <a:pos x="connsiteX0" y="connsiteY0"/>
-                </a:cxn>
-                <a:cxn ang="0">
-                  <a:pos x="connsiteX1" y="connsiteY1"/>
-                </a:cxn>
-                <a:cxn ang="0">
-                  <a:pos x="connsiteX2" y="connsiteY2"/>
-                </a:cxn>
-              </a:cxnLst>
-              <a:rect l="l" t="t" r="r" b="b"/>
-              <a:pathLst>
-                <a:path w="2876550" h="2171700">
-                  <a:moveTo>
-                    <a:pt x="0" y="2171700"/>
-                  </a:moveTo>
-                  <a:cubicBezTo>
-                    <a:pt x="479425" y="1085850"/>
-                    <a:pt x="958850" y="0"/>
-                    <a:pt x="1438275" y="0"/>
-                  </a:cubicBezTo>
-                  <a:cubicBezTo>
-                    <a:pt x="1917700" y="0"/>
-                    <a:pt x="2397125" y="1085850"/>
-                    <a:pt x="2876550" y="2171700"/>
-                  </a:cubicBezTo>
-                </a:path>
-              </a:pathLst>
-            </a:custGeom>
-            <a:noFill/>
-            <a:ln>
-              <a:solidFill>
-                <a:schemeClr val="tx1"/>
-              </a:solidFill>
-            </a:ln>
-          </p:spPr>
-          <p:style>
-            <a:lnRef idx="2">
-              <a:schemeClr val="accent1">
-                <a:shade val="50000"/>
-              </a:schemeClr>
-            </a:lnRef>
-            <a:fillRef idx="1">
-              <a:schemeClr val="accent1"/>
-            </a:fillRef>
-            <a:effectRef idx="0">
-              <a:schemeClr val="accent1"/>
-            </a:effectRef>
-            <a:fontRef idx="minor">
-              <a:schemeClr val="lt1"/>
-            </a:fontRef>
-          </p:style>
-          <p:txBody>
-            <a:bodyPr rtlCol="0" anchor="ctr"/>
-            <a:lstStyle/>
-            <a:p>
-              <a:pPr algn="ctr"/>
-              <a:endParaRPr lang="en-GB"/>
-            </a:p>
-          </p:txBody>
-        </p:sp>
-        <p:grpSp>
-          <p:nvGrpSpPr>
-            <p:cNvPr id="270" name="Group 269"/>
-            <p:cNvGrpSpPr/>
-            <p:nvPr/>
-          </p:nvGrpSpPr>
-          <p:grpSpPr>
-            <a:xfrm>
-              <a:off x="6238280" y="116632"/>
-              <a:ext cx="3024000" cy="2956659"/>
-              <a:chOff x="4495800" y="1855351"/>
-              <a:chExt cx="3024000" cy="2956659"/>
-            </a:xfrm>
-          </p:grpSpPr>
-          <p:cxnSp>
-            <p:nvCxnSpPr>
-              <p:cNvPr id="279" name="Straight Arrow Connector 278"/>
-              <p:cNvCxnSpPr/>
-              <p:nvPr/>
-            </p:nvCxnSpPr>
-            <p:spPr>
-              <a:xfrm flipV="1">
-                <a:off x="6012160" y="1855351"/>
-                <a:ext cx="0" cy="2952000"/>
-              </a:xfrm>
-              <a:prstGeom prst="straightConnector1">
-                <a:avLst/>
-              </a:prstGeom>
-              <a:ln w="12700">
-                <a:solidFill>
-                  <a:schemeClr val="tx1"/>
-                </a:solidFill>
-                <a:tailEnd type="arrow"/>
-              </a:ln>
-            </p:spPr>
-            <p:style>
-              <a:lnRef idx="1">
-                <a:schemeClr val="accent1"/>
-              </a:lnRef>
-              <a:fillRef idx="0">
-                <a:schemeClr val="accent1"/>
-              </a:fillRef>
-              <a:effectRef idx="0">
-                <a:schemeClr val="accent1"/>
-              </a:effectRef>
-              <a:fontRef idx="minor">
-                <a:schemeClr val="tx1"/>
-              </a:fontRef>
-            </p:style>
-          </p:cxnSp>
-          <p:cxnSp>
-            <p:nvCxnSpPr>
-              <p:cNvPr id="280" name="Straight Arrow Connector 279"/>
-              <p:cNvCxnSpPr/>
-              <p:nvPr/>
-            </p:nvCxnSpPr>
-            <p:spPr>
-              <a:xfrm rot="5400000" flipV="1">
-                <a:off x="6007800" y="3300010"/>
-                <a:ext cx="0" cy="3024000"/>
-              </a:xfrm>
-              <a:prstGeom prst="straightConnector1">
-                <a:avLst/>
-              </a:prstGeom>
-              <a:ln w="12700">
-                <a:solidFill>
-                  <a:schemeClr val="tx1"/>
-                </a:solidFill>
-                <a:headEnd type="arrow" w="med" len="med"/>
-                <a:tailEnd type="arrow" w="med" len="med"/>
-              </a:ln>
-            </p:spPr>
-            <p:style>
-              <a:lnRef idx="1">
-                <a:schemeClr val="accent1"/>
-              </a:lnRef>
-              <a:fillRef idx="0">
-                <a:schemeClr val="accent1"/>
-              </a:fillRef>
-              <a:effectRef idx="0">
-                <a:schemeClr val="accent1"/>
-              </a:effectRef>
-              <a:fontRef idx="minor">
-                <a:schemeClr val="tx1"/>
-              </a:fontRef>
-            </p:style>
-          </p:cxnSp>
-        </p:grpSp>
-        <p:sp>
-          <p:nvSpPr>
-            <p:cNvPr id="271" name="Freeform 270"/>
-            <p:cNvSpPr/>
-            <p:nvPr/>
-          </p:nvSpPr>
-          <p:spPr>
-            <a:xfrm flipV="1">
-              <a:off x="7237491" y="1912658"/>
-              <a:ext cx="1020903" cy="535082"/>
-            </a:xfrm>
-            <a:custGeom>
-              <a:avLst/>
-              <a:gdLst>
-                <a:gd name="connsiteX0" fmla="*/ 0 w 2876550"/>
-                <a:gd name="connsiteY0" fmla="*/ 2171700 h 2171700"/>
-                <a:gd name="connsiteX1" fmla="*/ 1438275 w 2876550"/>
-                <a:gd name="connsiteY1" fmla="*/ 0 h 2171700"/>
-                <a:gd name="connsiteX2" fmla="*/ 2876550 w 2876550"/>
-                <a:gd name="connsiteY2" fmla="*/ 2171700 h 2171700"/>
-                <a:gd name="connsiteX0" fmla="*/ 0 w 2810557"/>
-                <a:gd name="connsiteY0" fmla="*/ 2202460 h 2202460"/>
-                <a:gd name="connsiteX1" fmla="*/ 1372282 w 2810557"/>
-                <a:gd name="connsiteY1" fmla="*/ 17 h 2202460"/>
-                <a:gd name="connsiteX2" fmla="*/ 2810557 w 2810557"/>
-                <a:gd name="connsiteY2" fmla="*/ 2171717 h 2202460"/>
-                <a:gd name="connsiteX0" fmla="*/ 0 w 2706854"/>
-                <a:gd name="connsiteY0" fmla="*/ 2202515 h 2202515"/>
-                <a:gd name="connsiteX1" fmla="*/ 1372282 w 2706854"/>
-                <a:gd name="connsiteY1" fmla="*/ 72 h 2202515"/>
-                <a:gd name="connsiteX2" fmla="*/ 2706854 w 2706854"/>
-                <a:gd name="connsiteY2" fmla="*/ 2141025 h 2202515"/>
-                <a:gd name="connsiteX0" fmla="*/ 0 w 2706854"/>
-                <a:gd name="connsiteY0" fmla="*/ 2202515 h 2202515"/>
-                <a:gd name="connsiteX1" fmla="*/ 1372282 w 2706854"/>
-                <a:gd name="connsiteY1" fmla="*/ 72 h 2202515"/>
-                <a:gd name="connsiteX2" fmla="*/ 2706854 w 2706854"/>
-                <a:gd name="connsiteY2" fmla="*/ 2141025 h 2202515"/>
-                <a:gd name="connsiteX0" fmla="*/ 0 w 2706854"/>
-                <a:gd name="connsiteY0" fmla="*/ 2202515 h 2202515"/>
-                <a:gd name="connsiteX1" fmla="*/ 1372282 w 2706854"/>
-                <a:gd name="connsiteY1" fmla="*/ 72 h 2202515"/>
-                <a:gd name="connsiteX2" fmla="*/ 2706854 w 2706854"/>
-                <a:gd name="connsiteY2" fmla="*/ 2141025 h 2202515"/>
-                <a:gd name="connsiteX0" fmla="*/ 0 w 2669144"/>
-                <a:gd name="connsiteY0" fmla="*/ 2248779 h 2248779"/>
-                <a:gd name="connsiteX1" fmla="*/ 1334572 w 2669144"/>
-                <a:gd name="connsiteY1" fmla="*/ 219 h 2248779"/>
-                <a:gd name="connsiteX2" fmla="*/ 2669144 w 2669144"/>
-                <a:gd name="connsiteY2" fmla="*/ 2141172 h 2248779"/>
-                <a:gd name="connsiteX0" fmla="*/ 0 w 2631432"/>
-                <a:gd name="connsiteY0" fmla="*/ 2248779 h 2248779"/>
-                <a:gd name="connsiteX1" fmla="*/ 1334572 w 2631432"/>
-                <a:gd name="connsiteY1" fmla="*/ 219 h 2248779"/>
-                <a:gd name="connsiteX2" fmla="*/ 2631432 w 2631432"/>
-                <a:gd name="connsiteY2" fmla="*/ 2141172 h 2248779"/>
-                <a:gd name="connsiteX0" fmla="*/ 0 w 2631432"/>
-                <a:gd name="connsiteY0" fmla="*/ 2248779 h 2248779"/>
-                <a:gd name="connsiteX1" fmla="*/ 1334572 w 2631432"/>
-                <a:gd name="connsiteY1" fmla="*/ 219 h 2248779"/>
-                <a:gd name="connsiteX2" fmla="*/ 2631432 w 2631432"/>
-                <a:gd name="connsiteY2" fmla="*/ 2141172 h 2248779"/>
-                <a:gd name="connsiteX0" fmla="*/ 0 w 2631432"/>
-                <a:gd name="connsiteY0" fmla="*/ 2248813 h 2248813"/>
-                <a:gd name="connsiteX1" fmla="*/ 1334572 w 2631432"/>
-                <a:gd name="connsiteY1" fmla="*/ 253 h 2248813"/>
-                <a:gd name="connsiteX2" fmla="*/ 2631432 w 2631432"/>
-                <a:gd name="connsiteY2" fmla="*/ 2141206 h 2248813"/>
-                <a:gd name="connsiteX0" fmla="*/ 0 w 2631432"/>
-                <a:gd name="connsiteY0" fmla="*/ 2248813 h 2248813"/>
-                <a:gd name="connsiteX1" fmla="*/ 1334572 w 2631432"/>
-                <a:gd name="connsiteY1" fmla="*/ 253 h 2248813"/>
-                <a:gd name="connsiteX2" fmla="*/ 2631432 w 2631432"/>
-                <a:gd name="connsiteY2" fmla="*/ 2141206 h 2248813"/>
-              </a:gdLst>
-              <a:ahLst/>
-              <a:cxnLst>
-                <a:cxn ang="0">
-                  <a:pos x="connsiteX0" y="connsiteY0"/>
-                </a:cxn>
-                <a:cxn ang="0">
-                  <a:pos x="connsiteX1" y="connsiteY1"/>
-                </a:cxn>
-                <a:cxn ang="0">
-                  <a:pos x="connsiteX2" y="connsiteY2"/>
-                </a:cxn>
-              </a:cxnLst>
-              <a:rect l="l" t="t" r="r" b="b"/>
-              <a:pathLst>
-                <a:path w="2631432" h="2248813">
-                  <a:moveTo>
-                    <a:pt x="0" y="2248813"/>
-                  </a:moveTo>
-                  <a:cubicBezTo>
-                    <a:pt x="460565" y="809411"/>
-                    <a:pt x="896000" y="18188"/>
-                    <a:pt x="1334572" y="253"/>
-                  </a:cubicBezTo>
-                  <a:cubicBezTo>
-                    <a:pt x="1773144" y="-17682"/>
-                    <a:pt x="2236855" y="917010"/>
-                    <a:pt x="2631432" y="2141206"/>
-                  </a:cubicBezTo>
-                </a:path>
-              </a:pathLst>
-            </a:custGeom>
-            <a:noFill/>
-            <a:ln w="12700">
-              <a:solidFill>
-                <a:schemeClr val="tx1"/>
-              </a:solidFill>
-              <a:prstDash val="sysDash"/>
-            </a:ln>
-          </p:spPr>
-          <p:style>
-            <a:lnRef idx="2">
-              <a:schemeClr val="accent1">
-                <a:shade val="50000"/>
-              </a:schemeClr>
-            </a:lnRef>
-            <a:fillRef idx="1">
-              <a:schemeClr val="accent1"/>
-            </a:fillRef>
-            <a:effectRef idx="0">
-              <a:schemeClr val="accent1"/>
-            </a:effectRef>
-            <a:fontRef idx="minor">
-              <a:schemeClr val="lt1"/>
-            </a:fontRef>
-          </p:style>
-          <p:txBody>
-            <a:bodyPr rtlCol="0" anchor="ctr"/>
-            <a:lstStyle/>
-            <a:p>
-              <a:pPr algn="ctr"/>
-              <a:endParaRPr lang="en-GB"/>
-            </a:p>
-          </p:txBody>
-        </p:sp>
-        <p:sp>
-          <p:nvSpPr>
-            <p:cNvPr id="272" name="Freeform 271"/>
-            <p:cNvSpPr/>
-            <p:nvPr/>
-          </p:nvSpPr>
-          <p:spPr>
-            <a:xfrm flipV="1">
-              <a:off x="7212848" y="2007986"/>
-              <a:ext cx="1080000" cy="516734"/>
-            </a:xfrm>
-            <a:custGeom>
-              <a:avLst/>
-              <a:gdLst>
-                <a:gd name="connsiteX0" fmla="*/ 0 w 2876550"/>
-                <a:gd name="connsiteY0" fmla="*/ 2171700 h 2171700"/>
-                <a:gd name="connsiteX1" fmla="*/ 1438275 w 2876550"/>
-                <a:gd name="connsiteY1" fmla="*/ 0 h 2171700"/>
-                <a:gd name="connsiteX2" fmla="*/ 2876550 w 2876550"/>
-                <a:gd name="connsiteY2" fmla="*/ 2171700 h 2171700"/>
-                <a:gd name="connsiteX0" fmla="*/ 0 w 2876550"/>
-                <a:gd name="connsiteY0" fmla="*/ 2171700 h 2171700"/>
-                <a:gd name="connsiteX1" fmla="*/ 1438275 w 2876550"/>
-                <a:gd name="connsiteY1" fmla="*/ 0 h 2171700"/>
-                <a:gd name="connsiteX2" fmla="*/ 2876550 w 2876550"/>
-                <a:gd name="connsiteY2" fmla="*/ 2171700 h 2171700"/>
-                <a:gd name="connsiteX0" fmla="*/ 0 w 2876550"/>
-                <a:gd name="connsiteY0" fmla="*/ 2171700 h 2171700"/>
-                <a:gd name="connsiteX1" fmla="*/ 1438275 w 2876550"/>
-                <a:gd name="connsiteY1" fmla="*/ 0 h 2171700"/>
-                <a:gd name="connsiteX2" fmla="*/ 2876550 w 2876550"/>
-                <a:gd name="connsiteY2" fmla="*/ 2171700 h 2171700"/>
-              </a:gdLst>
-              <a:ahLst/>
-              <a:cxnLst>
-                <a:cxn ang="0">
-                  <a:pos x="connsiteX0" y="connsiteY0"/>
-                </a:cxn>
-                <a:cxn ang="0">
-                  <a:pos x="connsiteX1" y="connsiteY1"/>
-                </a:cxn>
-                <a:cxn ang="0">
-                  <a:pos x="connsiteX2" y="connsiteY2"/>
-                </a:cxn>
-              </a:cxnLst>
-              <a:rect l="l" t="t" r="r" b="b"/>
-              <a:pathLst>
-                <a:path w="2876550" h="2171700">
-                  <a:moveTo>
-                    <a:pt x="0" y="2171700"/>
-                  </a:moveTo>
-                  <a:cubicBezTo>
-                    <a:pt x="420975" y="962878"/>
-                    <a:pt x="958850" y="0"/>
-                    <a:pt x="1438275" y="0"/>
-                  </a:cubicBezTo>
-                  <a:cubicBezTo>
-                    <a:pt x="1917700" y="0"/>
-                    <a:pt x="2494544" y="993617"/>
-                    <a:pt x="2876550" y="2171700"/>
-                  </a:cubicBezTo>
-                </a:path>
-              </a:pathLst>
-            </a:custGeom>
-            <a:noFill/>
-            <a:ln w="12700">
-              <a:solidFill>
-                <a:schemeClr val="tx1"/>
-              </a:solidFill>
-              <a:prstDash val="sysDash"/>
-            </a:ln>
-          </p:spPr>
-          <p:style>
-            <a:lnRef idx="2">
-              <a:schemeClr val="accent1">
-                <a:shade val="50000"/>
-              </a:schemeClr>
-            </a:lnRef>
-            <a:fillRef idx="1">
-              <a:schemeClr val="accent1"/>
-            </a:fillRef>
-            <a:effectRef idx="0">
-              <a:schemeClr val="accent1"/>
-            </a:effectRef>
-            <a:fontRef idx="minor">
-              <a:schemeClr val="lt1"/>
-            </a:fontRef>
-          </p:style>
-          <p:txBody>
-            <a:bodyPr rtlCol="0" anchor="ctr"/>
-            <a:lstStyle/>
-            <a:p>
-              <a:pPr algn="ctr"/>
-              <a:endParaRPr lang="en-GB"/>
-            </a:p>
-          </p:txBody>
-        </p:sp>
-        <p:sp>
-          <p:nvSpPr>
-            <p:cNvPr id="273" name="Freeform 272"/>
-            <p:cNvSpPr/>
-            <p:nvPr/>
-          </p:nvSpPr>
-          <p:spPr>
-            <a:xfrm flipV="1">
-              <a:off x="7067152" y="2403186"/>
-              <a:ext cx="1368000" cy="516734"/>
-            </a:xfrm>
-            <a:custGeom>
-              <a:avLst/>
-              <a:gdLst>
-                <a:gd name="connsiteX0" fmla="*/ 0 w 2876550"/>
-                <a:gd name="connsiteY0" fmla="*/ 2171700 h 2171700"/>
-                <a:gd name="connsiteX1" fmla="*/ 1438275 w 2876550"/>
-                <a:gd name="connsiteY1" fmla="*/ 0 h 2171700"/>
-                <a:gd name="connsiteX2" fmla="*/ 2876550 w 2876550"/>
-                <a:gd name="connsiteY2" fmla="*/ 2171700 h 2171700"/>
-              </a:gdLst>
-              <a:ahLst/>
-              <a:cxnLst>
-                <a:cxn ang="0">
-                  <a:pos x="connsiteX0" y="connsiteY0"/>
-                </a:cxn>
-                <a:cxn ang="0">
-                  <a:pos x="connsiteX1" y="connsiteY1"/>
-                </a:cxn>
-                <a:cxn ang="0">
-                  <a:pos x="connsiteX2" y="connsiteY2"/>
-                </a:cxn>
-              </a:cxnLst>
-              <a:rect l="l" t="t" r="r" b="b"/>
-              <a:pathLst>
-                <a:path w="2876550" h="2171700">
-                  <a:moveTo>
-                    <a:pt x="0" y="2171700"/>
-                  </a:moveTo>
-                  <a:cubicBezTo>
-                    <a:pt x="479425" y="1085850"/>
-                    <a:pt x="958850" y="0"/>
-                    <a:pt x="1438275" y="0"/>
-                  </a:cubicBezTo>
-                  <a:cubicBezTo>
-                    <a:pt x="1917700" y="0"/>
-                    <a:pt x="2397125" y="1085850"/>
-                    <a:pt x="2876550" y="2171700"/>
-                  </a:cubicBezTo>
-                </a:path>
-              </a:pathLst>
-            </a:custGeom>
-            <a:noFill/>
-            <a:ln w="12700">
-              <a:solidFill>
-                <a:schemeClr val="tx1"/>
-              </a:solidFill>
-              <a:prstDash val="sysDash"/>
-            </a:ln>
-          </p:spPr>
-          <p:style>
-            <a:lnRef idx="2">
-              <a:schemeClr val="accent1">
-                <a:shade val="50000"/>
-              </a:schemeClr>
-            </a:lnRef>
-            <a:fillRef idx="1">
-              <a:schemeClr val="accent1"/>
-            </a:fillRef>
-            <a:effectRef idx="0">
-              <a:schemeClr val="accent1"/>
-            </a:effectRef>
-            <a:fontRef idx="minor">
-              <a:schemeClr val="lt1"/>
-            </a:fontRef>
-          </p:style>
-          <p:txBody>
-            <a:bodyPr rtlCol="0" anchor="ctr"/>
-            <a:lstStyle/>
-            <a:p>
-              <a:pPr algn="ctr"/>
-              <a:endParaRPr lang="en-GB"/>
-            </a:p>
-          </p:txBody>
-        </p:sp>
-        <p:sp>
-          <p:nvSpPr>
-            <p:cNvPr id="274" name="TextBox 273"/>
-            <p:cNvSpPr txBox="1"/>
-            <p:nvPr/>
-          </p:nvSpPr>
-          <p:spPr>
-            <a:xfrm>
-              <a:off x="8186860" y="2446109"/>
-              <a:ext cx="802136" cy="430887"/>
-            </a:xfrm>
-            <a:prstGeom prst="rect">
-              <a:avLst/>
-            </a:prstGeom>
-            <a:noFill/>
-          </p:spPr>
-          <p:txBody>
-            <a:bodyPr wrap="square" rtlCol="0">
-              <a:spAutoFit/>
-            </a:bodyPr>
-            <a:lstStyle/>
-            <a:p>
-              <a:r>
-                <a:rPr lang="en-GB" sz="2200" dirty="0" smtClean="0"/>
-                <a:t>n = 1</a:t>
-              </a:r>
-              <a:endParaRPr lang="en-GB" sz="2200" dirty="0"/>
-            </a:p>
-          </p:txBody>
-        </p:sp>
-        <p:sp>
-          <p:nvSpPr>
-            <p:cNvPr id="275" name="TextBox 274"/>
-            <p:cNvSpPr txBox="1"/>
-            <p:nvPr/>
-          </p:nvSpPr>
-          <p:spPr>
-            <a:xfrm>
-              <a:off x="8184275" y="1990001"/>
-              <a:ext cx="802136" cy="430887"/>
-            </a:xfrm>
-            <a:prstGeom prst="rect">
-              <a:avLst/>
-            </a:prstGeom>
-            <a:noFill/>
-          </p:spPr>
-          <p:txBody>
-            <a:bodyPr wrap="square" rtlCol="0">
-              <a:spAutoFit/>
-            </a:bodyPr>
-            <a:lstStyle/>
-            <a:p>
-              <a:r>
-                <a:rPr lang="en-GB" sz="2200" dirty="0" smtClean="0"/>
-                <a:t>n = 2</a:t>
-              </a:r>
-              <a:endParaRPr lang="en-GB" sz="2200" dirty="0"/>
-            </a:p>
-          </p:txBody>
-        </p:sp>
-        <p:sp>
-          <p:nvSpPr>
-            <p:cNvPr id="276" name="TextBox 275"/>
-            <p:cNvSpPr txBox="1"/>
-            <p:nvPr/>
-          </p:nvSpPr>
-          <p:spPr>
-            <a:xfrm>
-              <a:off x="8186860" y="1654386"/>
-              <a:ext cx="802136" cy="430887"/>
-            </a:xfrm>
-            <a:prstGeom prst="rect">
-              <a:avLst/>
-            </a:prstGeom>
-            <a:noFill/>
-          </p:spPr>
-          <p:txBody>
-            <a:bodyPr wrap="square" rtlCol="0">
-              <a:spAutoFit/>
-            </a:bodyPr>
-            <a:lstStyle/>
-            <a:p>
-              <a:r>
-                <a:rPr lang="en-GB" sz="2200" dirty="0" smtClean="0"/>
-                <a:t>n = 3</a:t>
-              </a:r>
-              <a:endParaRPr lang="en-GB" sz="2200" dirty="0"/>
-            </a:p>
-          </p:txBody>
-        </p:sp>
-        <p:sp>
-          <p:nvSpPr>
-            <p:cNvPr id="277" name="TextBox 276"/>
-            <p:cNvSpPr txBox="1"/>
-            <p:nvPr/>
-          </p:nvSpPr>
-          <p:spPr>
-            <a:xfrm>
-              <a:off x="7750112" y="-36676"/>
-              <a:ext cx="432048" cy="369332"/>
-            </a:xfrm>
-            <a:prstGeom prst="rect">
-              <a:avLst/>
-            </a:prstGeom>
-            <a:noFill/>
-          </p:spPr>
-          <p:txBody>
-            <a:bodyPr wrap="square" rtlCol="0">
-              <a:spAutoFit/>
-            </a:bodyPr>
-            <a:lstStyle/>
-            <a:p>
-              <a:r>
-                <a:rPr lang="en-GB" dirty="0" smtClean="0"/>
-                <a:t>E</a:t>
-              </a:r>
-              <a:endParaRPr lang="en-GB" dirty="0"/>
-            </a:p>
-          </p:txBody>
-        </p:sp>
-        <p:sp>
-          <p:nvSpPr>
-            <p:cNvPr id="278" name="TextBox 277"/>
-            <p:cNvSpPr txBox="1"/>
-            <p:nvPr/>
-          </p:nvSpPr>
-          <p:spPr>
-            <a:xfrm>
-              <a:off x="9046256" y="3059668"/>
-              <a:ext cx="432048" cy="369332"/>
-            </a:xfrm>
-            <a:prstGeom prst="rect">
-              <a:avLst/>
-            </a:prstGeom>
-            <a:noFill/>
-          </p:spPr>
-          <p:txBody>
-            <a:bodyPr wrap="square" rtlCol="0">
-              <a:spAutoFit/>
-            </a:bodyPr>
-            <a:lstStyle/>
-            <a:p>
-              <a:r>
-                <a:rPr lang="en-GB" dirty="0" smtClean="0"/>
-                <a:t>k</a:t>
-              </a:r>
-              <a:endParaRPr lang="en-GB" dirty="0"/>
-            </a:p>
-          </p:txBody>
-        </p:sp>
-      </p:grpSp>
-      <p:cxnSp>
-        <p:nvCxnSpPr>
-          <p:cNvPr id="281" name="Straight Arrow Connector 280"/>
-          <p:cNvCxnSpPr/>
-          <p:nvPr/>
-        </p:nvCxnSpPr>
-        <p:spPr>
-          <a:xfrm>
-            <a:off x="7418748" y="2361584"/>
-            <a:ext cx="0" cy="540000"/>
-          </a:xfrm>
-          <a:prstGeom prst="straightConnector1">
-            <a:avLst/>
-          </a:prstGeom>
-          <a:ln w="19050">
-            <a:solidFill>
-              <a:srgbClr val="FF0000"/>
-            </a:solidFill>
-            <a:headEnd type="triangle" w="med" len="med"/>
-            <a:tailEnd type="triangle" w="med" len="med"/>
-          </a:ln>
-        </p:spPr>
-        <p:style>
-          <a:lnRef idx="1">
-            <a:schemeClr val="accent1"/>
-          </a:lnRef>
-          <a:fillRef idx="0">
-            <a:schemeClr val="accent1"/>
-          </a:fillRef>
-          <a:effectRef idx="0">
-            <a:schemeClr val="accent1"/>
-          </a:effectRef>
-          <a:fontRef idx="minor">
-            <a:schemeClr val="tx1"/>
-          </a:fontRef>
-        </p:style>
-      </p:cxnSp>
-      <p:sp>
-        <p:nvSpPr>
-          <p:cNvPr id="282" name="TextBox 281"/>
-          <p:cNvSpPr txBox="1"/>
-          <p:nvPr/>
-        </p:nvSpPr>
-        <p:spPr>
-          <a:xfrm>
-            <a:off x="6982172" y="2405000"/>
-            <a:ext cx="576064" cy="432048"/>
-          </a:xfrm>
-          <a:prstGeom prst="rect">
-            <a:avLst/>
-          </a:prstGeom>
-          <a:noFill/>
-        </p:spPr>
-        <p:txBody>
-          <a:bodyPr wrap="square" rtlCol="0">
-            <a:spAutoFit/>
-          </a:bodyPr>
-          <a:lstStyle/>
-          <a:p>
-            <a:r>
-              <a:rPr lang="en-GB" sz="2200" dirty="0" smtClean="0">
-                <a:solidFill>
-                  <a:srgbClr val="FF0000"/>
-                </a:solidFill>
-              </a:rPr>
-              <a:t>E</a:t>
-            </a:r>
-            <a:r>
-              <a:rPr lang="en-GB" sz="2200" baseline="-25000" dirty="0">
-                <a:solidFill>
-                  <a:srgbClr val="FF0000"/>
-                </a:solidFill>
-              </a:rPr>
-              <a:t> </a:t>
-            </a:r>
-            <a:r>
-              <a:rPr lang="en-GB" sz="2200" baseline="-25000" dirty="0" smtClean="0">
-                <a:solidFill>
-                  <a:srgbClr val="FF0000"/>
-                </a:solidFill>
-              </a:rPr>
-              <a:t>B</a:t>
-            </a:r>
-            <a:endParaRPr lang="en-GB" sz="2200" dirty="0">
-              <a:solidFill>
-                <a:srgbClr val="FF0000"/>
-              </a:solidFill>
-            </a:endParaRPr>
-          </a:p>
-        </p:txBody>
-      </p:sp>
-      <p:sp>
-        <p:nvSpPr>
-          <p:cNvPr id="283" name="TextBox 282"/>
-          <p:cNvSpPr txBox="1"/>
-          <p:nvPr/>
-        </p:nvSpPr>
-        <p:spPr>
-          <a:xfrm>
-            <a:off x="5758324" y="-41032"/>
-            <a:ext cx="576064" cy="477054"/>
-          </a:xfrm>
-          <a:prstGeom prst="rect">
-            <a:avLst/>
-          </a:prstGeom>
-          <a:noFill/>
-        </p:spPr>
-        <p:txBody>
-          <a:bodyPr wrap="square" rtlCol="0">
-            <a:spAutoFit/>
-          </a:bodyPr>
-          <a:lstStyle/>
-          <a:p>
-            <a:r>
-              <a:rPr lang="en-GB" sz="2500" dirty="0" smtClean="0"/>
-              <a:t>(b)</a:t>
-            </a:r>
-            <a:endParaRPr lang="en-GB" sz="2500" dirty="0"/>
-          </a:p>
-        </p:txBody>
-      </p:sp>
-      <p:sp>
-        <p:nvSpPr>
-          <p:cNvPr id="284" name="TextBox 283"/>
-          <p:cNvSpPr txBox="1"/>
-          <p:nvPr/>
-        </p:nvSpPr>
-        <p:spPr>
-          <a:xfrm>
-            <a:off x="6910164" y="1183104"/>
-            <a:ext cx="576064" cy="432048"/>
-          </a:xfrm>
-          <a:prstGeom prst="rect">
-            <a:avLst/>
-          </a:prstGeom>
-          <a:noFill/>
-        </p:spPr>
-        <p:txBody>
-          <a:bodyPr wrap="square" rtlCol="0">
-            <a:spAutoFit/>
-          </a:bodyPr>
-          <a:lstStyle/>
-          <a:p>
-            <a:r>
-              <a:rPr lang="en-GB" sz="2200" dirty="0"/>
-              <a:t>C</a:t>
-            </a:r>
-            <a:r>
-              <a:rPr lang="en-GB" sz="2200" dirty="0" smtClean="0"/>
-              <a:t>B</a:t>
-            </a:r>
-            <a:endParaRPr lang="en-GB" sz="2200" dirty="0"/>
-          </a:p>
-        </p:txBody>
-      </p:sp>
       <p:pic>
         <p:nvPicPr>
-          <p:cNvPr id="285" name="Picture 2"/>
+          <p:cNvPr id="244" name="Picture 2"/>
           <p:cNvPicPr>
             <a:picLocks noChangeAspect="1" noChangeArrowheads="1"/>
           </p:cNvPicPr>
@@ -5620,7 +3590,7 @@
         </p:blipFill>
         <p:spPr bwMode="auto">
           <a:xfrm>
-            <a:off x="4645058" y="3694826"/>
+            <a:off x="4468525" y="5959818"/>
             <a:ext cx="4320000" cy="3296000"/>
           </a:xfrm>
           <a:prstGeom prst="rect">
@@ -5653,13 +3623,13 @@
       </p:pic>
       <p:sp>
         <p:nvSpPr>
-          <p:cNvPr id="286" name="TextBox 285"/>
+          <p:cNvPr id="302" name="TextBox 301"/>
           <p:cNvSpPr txBox="1"/>
           <p:nvPr/>
         </p:nvSpPr>
         <p:spPr>
           <a:xfrm>
-            <a:off x="-90534" y="3672323"/>
+            <a:off x="-90534" y="5937315"/>
             <a:ext cx="576064" cy="477054"/>
           </a:xfrm>
           <a:prstGeom prst="rect">
@@ -5683,13 +3653,13 @@
       </p:sp>
       <p:grpSp>
         <p:nvGrpSpPr>
-          <p:cNvPr id="287" name="Group 286"/>
+          <p:cNvPr id="303" name="Group 302"/>
           <p:cNvGrpSpPr/>
           <p:nvPr/>
         </p:nvGrpSpPr>
         <p:grpSpPr>
           <a:xfrm>
-            <a:off x="612158" y="3910850"/>
+            <a:off x="612158" y="6175842"/>
             <a:ext cx="3713733" cy="2664296"/>
             <a:chOff x="594742" y="3780482"/>
             <a:chExt cx="3713733" cy="2664296"/>
@@ -5697,7 +3667,7 @@
         </p:grpSpPr>
         <p:cxnSp>
           <p:nvCxnSpPr>
-            <p:cNvPr id="288" name="Straight Arrow Connector 287"/>
+            <p:cNvPr id="304" name="Straight Arrow Connector 303"/>
             <p:cNvCxnSpPr/>
             <p:nvPr/>
           </p:nvCxnSpPr>
@@ -5733,7 +3703,7 @@
         </p:cxnSp>
         <p:cxnSp>
           <p:nvCxnSpPr>
-            <p:cNvPr id="289" name="Straight Arrow Connector 288"/>
+            <p:cNvPr id="305" name="Straight Arrow Connector 304"/>
             <p:cNvCxnSpPr/>
             <p:nvPr/>
           </p:nvCxnSpPr>
@@ -5770,13 +3740,13 @@
       </p:grpSp>
       <p:sp>
         <p:nvSpPr>
-          <p:cNvPr id="290" name="TextBox 289"/>
+          <p:cNvPr id="306" name="TextBox 305"/>
           <p:cNvSpPr txBox="1"/>
           <p:nvPr/>
         </p:nvSpPr>
         <p:spPr>
           <a:xfrm>
-            <a:off x="4317055" y="3672323"/>
+            <a:off x="4140522" y="5937315"/>
             <a:ext cx="576064" cy="477054"/>
           </a:xfrm>
           <a:prstGeom prst="rect">
@@ -5800,13 +3770,13 @@
       </p:sp>
       <p:cxnSp>
         <p:nvCxnSpPr>
-          <p:cNvPr id="291" name="Straight Connector 290"/>
+          <p:cNvPr id="307" name="Straight Connector 306"/>
           <p:cNvCxnSpPr/>
           <p:nvPr/>
         </p:nvCxnSpPr>
         <p:spPr>
           <a:xfrm>
-            <a:off x="1205610" y="4237455"/>
+            <a:off x="1205610" y="6502447"/>
             <a:ext cx="0" cy="2340000"/>
           </a:xfrm>
           <a:prstGeom prst="line">
@@ -5835,13 +3805,13 @@
       </p:cxnSp>
       <p:sp>
         <p:nvSpPr>
-          <p:cNvPr id="292" name="Freeform 291"/>
+          <p:cNvPr id="308" name="Freeform 307"/>
           <p:cNvSpPr/>
           <p:nvPr/>
         </p:nvSpPr>
         <p:spPr>
           <a:xfrm>
-            <a:off x="2825836" y="5778218"/>
+            <a:off x="2825836" y="8043210"/>
             <a:ext cx="1212112" cy="148856"/>
           </a:xfrm>
           <a:custGeom>
@@ -5919,13 +3889,13 @@
       </p:sp>
       <p:sp>
         <p:nvSpPr>
-          <p:cNvPr id="293" name="Freeform 292"/>
+          <p:cNvPr id="309" name="Freeform 308"/>
           <p:cNvSpPr/>
           <p:nvPr/>
         </p:nvSpPr>
         <p:spPr>
           <a:xfrm rot="5400000" flipV="1">
-            <a:off x="3136590" y="5637994"/>
+            <a:off x="3136590" y="7902986"/>
             <a:ext cx="650380" cy="1228544"/>
           </a:xfrm>
           <a:custGeom>
@@ -6003,13 +3973,13 @@
       </p:sp>
       <p:cxnSp>
         <p:nvCxnSpPr>
-          <p:cNvPr id="294" name="Straight Connector 293"/>
+          <p:cNvPr id="310" name="Straight Connector 309"/>
           <p:cNvCxnSpPr/>
           <p:nvPr/>
         </p:nvCxnSpPr>
         <p:spPr>
           <a:xfrm>
-            <a:off x="2457042" y="5062978"/>
+            <a:off x="2457042" y="7327970"/>
             <a:ext cx="0" cy="1512000"/>
           </a:xfrm>
           <a:prstGeom prst="line">
@@ -6038,13 +4008,13 @@
       </p:cxnSp>
       <p:cxnSp>
         <p:nvCxnSpPr>
-          <p:cNvPr id="295" name="Straight Connector 294"/>
+          <p:cNvPr id="311" name="Straight Connector 310"/>
           <p:cNvCxnSpPr/>
           <p:nvPr/>
         </p:nvCxnSpPr>
         <p:spPr>
           <a:xfrm>
-            <a:off x="2768382" y="5639146"/>
+            <a:off x="2768382" y="7904138"/>
             <a:ext cx="0" cy="936000"/>
           </a:xfrm>
           <a:prstGeom prst="line">
@@ -6073,13 +4043,13 @@
       </p:cxnSp>
       <p:sp>
         <p:nvSpPr>
-          <p:cNvPr id="296" name="TextBox 295"/>
+          <p:cNvPr id="312" name="TextBox 311"/>
           <p:cNvSpPr txBox="1"/>
           <p:nvPr/>
         </p:nvSpPr>
         <p:spPr>
           <a:xfrm>
-            <a:off x="838506" y="3767995"/>
+            <a:off x="838506" y="6032987"/>
             <a:ext cx="802136" cy="430887"/>
           </a:xfrm>
           <a:prstGeom prst="rect">
@@ -6103,13 +4073,13 @@
       </p:sp>
       <p:sp>
         <p:nvSpPr>
-          <p:cNvPr id="297" name="TextBox 296"/>
+          <p:cNvPr id="313" name="TextBox 312"/>
           <p:cNvSpPr txBox="1"/>
           <p:nvPr/>
         </p:nvSpPr>
         <p:spPr>
           <a:xfrm>
-            <a:off x="2285710" y="4596648"/>
+            <a:off x="2285710" y="6861640"/>
             <a:ext cx="401068" cy="430887"/>
           </a:xfrm>
           <a:prstGeom prst="rect">
@@ -6133,13 +4103,13 @@
       </p:sp>
       <p:sp>
         <p:nvSpPr>
-          <p:cNvPr id="298" name="TextBox 297"/>
+          <p:cNvPr id="314" name="TextBox 313"/>
           <p:cNvSpPr txBox="1"/>
           <p:nvPr/>
         </p:nvSpPr>
         <p:spPr>
           <a:xfrm>
-            <a:off x="2645770" y="5208259"/>
+            <a:off x="2645770" y="7473251"/>
             <a:ext cx="401068" cy="430887"/>
           </a:xfrm>
           <a:prstGeom prst="rect">
@@ -6163,13 +4133,13 @@
       </p:sp>
       <p:sp>
         <p:nvSpPr>
-          <p:cNvPr id="299" name="TextBox 298"/>
+          <p:cNvPr id="315" name="TextBox 314"/>
           <p:cNvSpPr txBox="1"/>
           <p:nvPr/>
         </p:nvSpPr>
         <p:spPr>
           <a:xfrm>
-            <a:off x="2686494" y="6516786"/>
+            <a:off x="2686494" y="8781778"/>
             <a:ext cx="576064" cy="432048"/>
           </a:xfrm>
           <a:prstGeom prst="rect">
@@ -6197,13 +4167,13 @@
       </p:sp>
       <p:sp>
         <p:nvSpPr>
-          <p:cNvPr id="300" name="TextBox 299"/>
+          <p:cNvPr id="316" name="TextBox 315"/>
           <p:cNvSpPr txBox="1"/>
           <p:nvPr/>
         </p:nvSpPr>
         <p:spPr>
           <a:xfrm>
-            <a:off x="4157940" y="6593228"/>
+            <a:off x="4157940" y="8858220"/>
             <a:ext cx="599999" cy="430887"/>
           </a:xfrm>
           <a:prstGeom prst="rect">
@@ -6227,13 +4197,13 @@
       </p:sp>
       <p:sp>
         <p:nvSpPr>
-          <p:cNvPr id="301" name="TextBox 300"/>
+          <p:cNvPr id="317" name="TextBox 316"/>
           <p:cNvSpPr txBox="1"/>
           <p:nvPr/>
         </p:nvSpPr>
         <p:spPr>
           <a:xfrm>
-            <a:off x="269506" y="3767995"/>
+            <a:off x="269506" y="6032987"/>
             <a:ext cx="599999" cy="430887"/>
           </a:xfrm>
           <a:prstGeom prst="rect">
@@ -6254,6 +4224,2516 @@
           </a:p>
         </p:txBody>
       </p:sp>
+      <p:grpSp>
+        <p:nvGrpSpPr>
+          <p:cNvPr id="23" name="Group 22"/>
+          <p:cNvGrpSpPr/>
+          <p:nvPr/>
+        </p:nvGrpSpPr>
+        <p:grpSpPr>
+          <a:xfrm>
+            <a:off x="795211" y="-36947"/>
+            <a:ext cx="7413602" cy="6085719"/>
+            <a:chOff x="327320" y="-36947"/>
+            <a:chExt cx="7413602" cy="6085719"/>
+          </a:xfrm>
+        </p:grpSpPr>
+        <p:cxnSp>
+          <p:nvCxnSpPr>
+            <p:cNvPr id="242" name="Straight Connector 241"/>
+            <p:cNvCxnSpPr/>
+            <p:nvPr/>
+          </p:nvCxnSpPr>
+          <p:spPr>
+            <a:xfrm>
+              <a:off x="828154" y="3190634"/>
+              <a:ext cx="6912768" cy="0"/>
+            </a:xfrm>
+            <a:prstGeom prst="line">
+              <a:avLst/>
+            </a:prstGeom>
+            <a:ln>
+              <a:solidFill>
+                <a:schemeClr val="tx1"/>
+              </a:solidFill>
+              <a:prstDash val="dash"/>
+            </a:ln>
+          </p:spPr>
+          <p:style>
+            <a:lnRef idx="1">
+              <a:schemeClr val="accent1"/>
+            </a:lnRef>
+            <a:fillRef idx="0">
+              <a:schemeClr val="accent1"/>
+            </a:fillRef>
+            <a:effectRef idx="0">
+              <a:schemeClr val="accent1"/>
+            </a:effectRef>
+            <a:fontRef idx="minor">
+              <a:schemeClr val="tx1"/>
+            </a:fontRef>
+          </p:style>
+        </p:cxnSp>
+        <p:grpSp>
+          <p:nvGrpSpPr>
+            <p:cNvPr id="318" name="Group 317"/>
+            <p:cNvGrpSpPr/>
+            <p:nvPr/>
+          </p:nvGrpSpPr>
+          <p:grpSpPr>
+            <a:xfrm>
+              <a:off x="4212866" y="360140"/>
+              <a:ext cx="3240024" cy="5688632"/>
+              <a:chOff x="8005947" y="-521692"/>
+              <a:chExt cx="3240024" cy="5688632"/>
+            </a:xfrm>
+          </p:grpSpPr>
+          <p:sp>
+            <p:nvSpPr>
+              <p:cNvPr id="319" name="Freeform 318"/>
+              <p:cNvSpPr>
+                <a:spLocks noChangeAspect="1"/>
+              </p:cNvSpPr>
+              <p:nvPr/>
+            </p:nvSpPr>
+            <p:spPr>
+              <a:xfrm>
+                <a:off x="8683029" y="3098634"/>
+                <a:ext cx="1615680" cy="1624432"/>
+              </a:xfrm>
+              <a:custGeom>
+                <a:avLst/>
+                <a:gdLst>
+                  <a:gd name="connsiteX0" fmla="*/ 0 w 2876550"/>
+                  <a:gd name="connsiteY0" fmla="*/ 2171700 h 2171700"/>
+                  <a:gd name="connsiteX1" fmla="*/ 1438275 w 2876550"/>
+                  <a:gd name="connsiteY1" fmla="*/ 0 h 2171700"/>
+                  <a:gd name="connsiteX2" fmla="*/ 2876550 w 2876550"/>
+                  <a:gd name="connsiteY2" fmla="*/ 2171700 h 2171700"/>
+                </a:gdLst>
+                <a:ahLst/>
+                <a:cxnLst>
+                  <a:cxn ang="0">
+                    <a:pos x="connsiteX0" y="connsiteY0"/>
+                  </a:cxn>
+                  <a:cxn ang="0">
+                    <a:pos x="connsiteX1" y="connsiteY1"/>
+                  </a:cxn>
+                  <a:cxn ang="0">
+                    <a:pos x="connsiteX2" y="connsiteY2"/>
+                  </a:cxn>
+                </a:cxnLst>
+                <a:rect l="l" t="t" r="r" b="b"/>
+                <a:pathLst>
+                  <a:path w="2876550" h="2171700">
+                    <a:moveTo>
+                      <a:pt x="0" y="2171700"/>
+                    </a:moveTo>
+                    <a:cubicBezTo>
+                      <a:pt x="479425" y="1085850"/>
+                      <a:pt x="958850" y="0"/>
+                      <a:pt x="1438275" y="0"/>
+                    </a:cubicBezTo>
+                    <a:cubicBezTo>
+                      <a:pt x="1917700" y="0"/>
+                      <a:pt x="2397125" y="1085850"/>
+                      <a:pt x="2876550" y="2171700"/>
+                    </a:cubicBezTo>
+                  </a:path>
+                </a:pathLst>
+              </a:custGeom>
+              <a:solidFill>
+                <a:schemeClr val="bg1">
+                  <a:lumMod val="85000"/>
+                </a:schemeClr>
+              </a:solidFill>
+              <a:ln>
+                <a:solidFill>
+                  <a:schemeClr val="tx1">
+                    <a:lumMod val="50000"/>
+                    <a:lumOff val="50000"/>
+                  </a:schemeClr>
+                </a:solidFill>
+              </a:ln>
+            </p:spPr>
+            <p:style>
+              <a:lnRef idx="2">
+                <a:schemeClr val="accent1">
+                  <a:shade val="50000"/>
+                </a:schemeClr>
+              </a:lnRef>
+              <a:fillRef idx="1">
+                <a:schemeClr val="accent1"/>
+              </a:fillRef>
+              <a:effectRef idx="0">
+                <a:schemeClr val="accent1"/>
+              </a:effectRef>
+              <a:fontRef idx="minor">
+                <a:schemeClr val="lt1"/>
+              </a:fontRef>
+            </p:style>
+            <p:txBody>
+              <a:bodyPr rtlCol="0" anchor="ctr"/>
+              <a:lstStyle/>
+              <a:p>
+                <a:pPr algn="ctr"/>
+                <a:endParaRPr lang="en-GB"/>
+              </a:p>
+            </p:txBody>
+          </p:sp>
+          <p:grpSp>
+            <p:nvGrpSpPr>
+              <p:cNvPr id="320" name="Group 319"/>
+              <p:cNvGrpSpPr/>
+              <p:nvPr/>
+            </p:nvGrpSpPr>
+            <p:grpSpPr>
+              <a:xfrm>
+                <a:off x="8005947" y="-521692"/>
+                <a:ext cx="3240024" cy="5688632"/>
+                <a:chOff x="5927128" y="408670"/>
+                <a:chExt cx="3240024" cy="5688632"/>
+              </a:xfrm>
+            </p:grpSpPr>
+            <p:grpSp>
+              <p:nvGrpSpPr>
+                <p:cNvPr id="321" name="Group 320"/>
+                <p:cNvGrpSpPr/>
+                <p:nvPr/>
+              </p:nvGrpSpPr>
+              <p:grpSpPr>
+                <a:xfrm>
+                  <a:off x="5927128" y="408670"/>
+                  <a:ext cx="3240024" cy="5688632"/>
+                  <a:chOff x="6263020" y="422318"/>
+                  <a:chExt cx="3240024" cy="5688632"/>
+                </a:xfrm>
+              </p:grpSpPr>
+              <p:sp>
+                <p:nvSpPr>
+                  <p:cNvPr id="325" name="Freeform 324"/>
+                  <p:cNvSpPr>
+                    <a:spLocks noChangeAspect="1"/>
+                  </p:cNvSpPr>
+                  <p:nvPr/>
+                </p:nvSpPr>
+                <p:spPr>
+                  <a:xfrm flipV="1">
+                    <a:off x="6946800" y="779375"/>
+                    <a:ext cx="1615680" cy="1624432"/>
+                  </a:xfrm>
+                  <a:custGeom>
+                    <a:avLst/>
+                    <a:gdLst>
+                      <a:gd name="connsiteX0" fmla="*/ 0 w 2876550"/>
+                      <a:gd name="connsiteY0" fmla="*/ 2171700 h 2171700"/>
+                      <a:gd name="connsiteX1" fmla="*/ 1438275 w 2876550"/>
+                      <a:gd name="connsiteY1" fmla="*/ 0 h 2171700"/>
+                      <a:gd name="connsiteX2" fmla="*/ 2876550 w 2876550"/>
+                      <a:gd name="connsiteY2" fmla="*/ 2171700 h 2171700"/>
+                    </a:gdLst>
+                    <a:ahLst/>
+                    <a:cxnLst>
+                      <a:cxn ang="0">
+                        <a:pos x="connsiteX0" y="connsiteY0"/>
+                      </a:cxn>
+                      <a:cxn ang="0">
+                        <a:pos x="connsiteX1" y="connsiteY1"/>
+                      </a:cxn>
+                      <a:cxn ang="0">
+                        <a:pos x="connsiteX2" y="connsiteY2"/>
+                      </a:cxn>
+                    </a:cxnLst>
+                    <a:rect l="l" t="t" r="r" b="b"/>
+                    <a:pathLst>
+                      <a:path w="2876550" h="2171700">
+                        <a:moveTo>
+                          <a:pt x="0" y="2171700"/>
+                        </a:moveTo>
+                        <a:cubicBezTo>
+                          <a:pt x="479425" y="1085850"/>
+                          <a:pt x="958850" y="0"/>
+                          <a:pt x="1438275" y="0"/>
+                        </a:cubicBezTo>
+                        <a:cubicBezTo>
+                          <a:pt x="1917700" y="0"/>
+                          <a:pt x="2397125" y="1085850"/>
+                          <a:pt x="2876550" y="2171700"/>
+                        </a:cubicBezTo>
+                      </a:path>
+                    </a:pathLst>
+                  </a:custGeom>
+                  <a:noFill/>
+                  <a:ln>
+                    <a:solidFill>
+                      <a:schemeClr val="tx1">
+                        <a:lumMod val="50000"/>
+                        <a:lumOff val="50000"/>
+                      </a:schemeClr>
+                    </a:solidFill>
+                  </a:ln>
+                </p:spPr>
+                <p:style>
+                  <a:lnRef idx="2">
+                    <a:schemeClr val="accent1">
+                      <a:shade val="50000"/>
+                    </a:schemeClr>
+                  </a:lnRef>
+                  <a:fillRef idx="1">
+                    <a:schemeClr val="accent1"/>
+                  </a:fillRef>
+                  <a:effectRef idx="0">
+                    <a:schemeClr val="accent1"/>
+                  </a:effectRef>
+                  <a:fontRef idx="minor">
+                    <a:schemeClr val="lt1"/>
+                  </a:fontRef>
+                </p:style>
+                <p:txBody>
+                  <a:bodyPr rtlCol="0" anchor="ctr"/>
+                  <a:lstStyle/>
+                  <a:p>
+                    <a:pPr algn="ctr"/>
+                    <a:endParaRPr lang="en-GB"/>
+                  </a:p>
+                </p:txBody>
+              </p:sp>
+              <p:grpSp>
+                <p:nvGrpSpPr>
+                  <p:cNvPr id="326" name="Group 325"/>
+                  <p:cNvGrpSpPr/>
+                  <p:nvPr/>
+                </p:nvGrpSpPr>
+                <p:grpSpPr>
+                  <a:xfrm>
+                    <a:off x="6263020" y="494326"/>
+                    <a:ext cx="3024000" cy="5261776"/>
+                    <a:chOff x="4520540" y="2233045"/>
+                    <a:chExt cx="3024000" cy="5261776"/>
+                  </a:xfrm>
+                </p:grpSpPr>
+                <p:cxnSp>
+                  <p:nvCxnSpPr>
+                    <p:cNvPr id="335" name="Straight Arrow Connector 334"/>
+                    <p:cNvCxnSpPr/>
+                    <p:nvPr/>
+                  </p:nvCxnSpPr>
+                  <p:spPr>
+                    <a:xfrm flipV="1">
+                      <a:off x="6012160" y="2233045"/>
+                      <a:ext cx="0" cy="5261776"/>
+                    </a:xfrm>
+                    <a:prstGeom prst="straightConnector1">
+                      <a:avLst/>
+                    </a:prstGeom>
+                    <a:ln w="12700">
+                      <a:solidFill>
+                        <a:schemeClr val="tx1"/>
+                      </a:solidFill>
+                      <a:tailEnd type="arrow"/>
+                    </a:ln>
+                  </p:spPr>
+                  <p:style>
+                    <a:lnRef idx="1">
+                      <a:schemeClr val="accent1"/>
+                    </a:lnRef>
+                    <a:fillRef idx="0">
+                      <a:schemeClr val="accent1"/>
+                    </a:fillRef>
+                    <a:effectRef idx="0">
+                      <a:schemeClr val="accent1"/>
+                    </a:effectRef>
+                    <a:fontRef idx="minor">
+                      <a:schemeClr val="tx1"/>
+                    </a:fontRef>
+                  </p:style>
+                </p:cxnSp>
+                <p:cxnSp>
+                  <p:nvCxnSpPr>
+                    <p:cNvPr id="336" name="Straight Arrow Connector 335"/>
+                    <p:cNvCxnSpPr/>
+                    <p:nvPr/>
+                  </p:nvCxnSpPr>
+                  <p:spPr>
+                    <a:xfrm rot="5400000" flipV="1">
+                      <a:off x="6032540" y="5982820"/>
+                      <a:ext cx="0" cy="3024000"/>
+                    </a:xfrm>
+                    <a:prstGeom prst="straightConnector1">
+                      <a:avLst/>
+                    </a:prstGeom>
+                    <a:ln w="12700">
+                      <a:solidFill>
+                        <a:schemeClr val="tx1"/>
+                      </a:solidFill>
+                      <a:headEnd type="arrow" w="med" len="med"/>
+                      <a:tailEnd type="arrow" w="med" len="med"/>
+                    </a:ln>
+                  </p:spPr>
+                  <p:style>
+                    <a:lnRef idx="1">
+                      <a:schemeClr val="accent1"/>
+                    </a:lnRef>
+                    <a:fillRef idx="0">
+                      <a:schemeClr val="accent1"/>
+                    </a:fillRef>
+                    <a:effectRef idx="0">
+                      <a:schemeClr val="accent1"/>
+                    </a:effectRef>
+                    <a:fontRef idx="minor">
+                      <a:schemeClr val="tx1"/>
+                    </a:fontRef>
+                  </p:style>
+                </p:cxnSp>
+              </p:grpSp>
+              <p:sp>
+                <p:nvSpPr>
+                  <p:cNvPr id="327" name="Freeform 326"/>
+                  <p:cNvSpPr/>
+                  <p:nvPr/>
+                </p:nvSpPr>
+                <p:spPr>
+                  <a:xfrm flipV="1">
+                    <a:off x="7237491" y="1912658"/>
+                    <a:ext cx="1020903" cy="535082"/>
+                  </a:xfrm>
+                  <a:custGeom>
+                    <a:avLst/>
+                    <a:gdLst>
+                      <a:gd name="connsiteX0" fmla="*/ 0 w 2876550"/>
+                      <a:gd name="connsiteY0" fmla="*/ 2171700 h 2171700"/>
+                      <a:gd name="connsiteX1" fmla="*/ 1438275 w 2876550"/>
+                      <a:gd name="connsiteY1" fmla="*/ 0 h 2171700"/>
+                      <a:gd name="connsiteX2" fmla="*/ 2876550 w 2876550"/>
+                      <a:gd name="connsiteY2" fmla="*/ 2171700 h 2171700"/>
+                      <a:gd name="connsiteX0" fmla="*/ 0 w 2810557"/>
+                      <a:gd name="connsiteY0" fmla="*/ 2202460 h 2202460"/>
+                      <a:gd name="connsiteX1" fmla="*/ 1372282 w 2810557"/>
+                      <a:gd name="connsiteY1" fmla="*/ 17 h 2202460"/>
+                      <a:gd name="connsiteX2" fmla="*/ 2810557 w 2810557"/>
+                      <a:gd name="connsiteY2" fmla="*/ 2171717 h 2202460"/>
+                      <a:gd name="connsiteX0" fmla="*/ 0 w 2706854"/>
+                      <a:gd name="connsiteY0" fmla="*/ 2202515 h 2202515"/>
+                      <a:gd name="connsiteX1" fmla="*/ 1372282 w 2706854"/>
+                      <a:gd name="connsiteY1" fmla="*/ 72 h 2202515"/>
+                      <a:gd name="connsiteX2" fmla="*/ 2706854 w 2706854"/>
+                      <a:gd name="connsiteY2" fmla="*/ 2141025 h 2202515"/>
+                      <a:gd name="connsiteX0" fmla="*/ 0 w 2706854"/>
+                      <a:gd name="connsiteY0" fmla="*/ 2202515 h 2202515"/>
+                      <a:gd name="connsiteX1" fmla="*/ 1372282 w 2706854"/>
+                      <a:gd name="connsiteY1" fmla="*/ 72 h 2202515"/>
+                      <a:gd name="connsiteX2" fmla="*/ 2706854 w 2706854"/>
+                      <a:gd name="connsiteY2" fmla="*/ 2141025 h 2202515"/>
+                      <a:gd name="connsiteX0" fmla="*/ 0 w 2706854"/>
+                      <a:gd name="connsiteY0" fmla="*/ 2202515 h 2202515"/>
+                      <a:gd name="connsiteX1" fmla="*/ 1372282 w 2706854"/>
+                      <a:gd name="connsiteY1" fmla="*/ 72 h 2202515"/>
+                      <a:gd name="connsiteX2" fmla="*/ 2706854 w 2706854"/>
+                      <a:gd name="connsiteY2" fmla="*/ 2141025 h 2202515"/>
+                      <a:gd name="connsiteX0" fmla="*/ 0 w 2669144"/>
+                      <a:gd name="connsiteY0" fmla="*/ 2248779 h 2248779"/>
+                      <a:gd name="connsiteX1" fmla="*/ 1334572 w 2669144"/>
+                      <a:gd name="connsiteY1" fmla="*/ 219 h 2248779"/>
+                      <a:gd name="connsiteX2" fmla="*/ 2669144 w 2669144"/>
+                      <a:gd name="connsiteY2" fmla="*/ 2141172 h 2248779"/>
+                      <a:gd name="connsiteX0" fmla="*/ 0 w 2631432"/>
+                      <a:gd name="connsiteY0" fmla="*/ 2248779 h 2248779"/>
+                      <a:gd name="connsiteX1" fmla="*/ 1334572 w 2631432"/>
+                      <a:gd name="connsiteY1" fmla="*/ 219 h 2248779"/>
+                      <a:gd name="connsiteX2" fmla="*/ 2631432 w 2631432"/>
+                      <a:gd name="connsiteY2" fmla="*/ 2141172 h 2248779"/>
+                      <a:gd name="connsiteX0" fmla="*/ 0 w 2631432"/>
+                      <a:gd name="connsiteY0" fmla="*/ 2248779 h 2248779"/>
+                      <a:gd name="connsiteX1" fmla="*/ 1334572 w 2631432"/>
+                      <a:gd name="connsiteY1" fmla="*/ 219 h 2248779"/>
+                      <a:gd name="connsiteX2" fmla="*/ 2631432 w 2631432"/>
+                      <a:gd name="connsiteY2" fmla="*/ 2141172 h 2248779"/>
+                      <a:gd name="connsiteX0" fmla="*/ 0 w 2631432"/>
+                      <a:gd name="connsiteY0" fmla="*/ 2248813 h 2248813"/>
+                      <a:gd name="connsiteX1" fmla="*/ 1334572 w 2631432"/>
+                      <a:gd name="connsiteY1" fmla="*/ 253 h 2248813"/>
+                      <a:gd name="connsiteX2" fmla="*/ 2631432 w 2631432"/>
+                      <a:gd name="connsiteY2" fmla="*/ 2141206 h 2248813"/>
+                      <a:gd name="connsiteX0" fmla="*/ 0 w 2631432"/>
+                      <a:gd name="connsiteY0" fmla="*/ 2248813 h 2248813"/>
+                      <a:gd name="connsiteX1" fmla="*/ 1334572 w 2631432"/>
+                      <a:gd name="connsiteY1" fmla="*/ 253 h 2248813"/>
+                      <a:gd name="connsiteX2" fmla="*/ 2631432 w 2631432"/>
+                      <a:gd name="connsiteY2" fmla="*/ 2141206 h 2248813"/>
+                    </a:gdLst>
+                    <a:ahLst/>
+                    <a:cxnLst>
+                      <a:cxn ang="0">
+                        <a:pos x="connsiteX0" y="connsiteY0"/>
+                      </a:cxn>
+                      <a:cxn ang="0">
+                        <a:pos x="connsiteX1" y="connsiteY1"/>
+                      </a:cxn>
+                      <a:cxn ang="0">
+                        <a:pos x="connsiteX2" y="connsiteY2"/>
+                      </a:cxn>
+                    </a:cxnLst>
+                    <a:rect l="l" t="t" r="r" b="b"/>
+                    <a:pathLst>
+                      <a:path w="2631432" h="2248813">
+                        <a:moveTo>
+                          <a:pt x="0" y="2248813"/>
+                        </a:moveTo>
+                        <a:cubicBezTo>
+                          <a:pt x="460565" y="809411"/>
+                          <a:pt x="896000" y="18188"/>
+                          <a:pt x="1334572" y="253"/>
+                        </a:cubicBezTo>
+                        <a:cubicBezTo>
+                          <a:pt x="1773144" y="-17682"/>
+                          <a:pt x="2236855" y="917010"/>
+                          <a:pt x="2631432" y="2141206"/>
+                        </a:cubicBezTo>
+                      </a:path>
+                    </a:pathLst>
+                  </a:custGeom>
+                  <a:noFill/>
+                  <a:ln w="19050">
+                    <a:solidFill>
+                      <a:schemeClr val="tx1"/>
+                    </a:solidFill>
+                    <a:prstDash val="solid"/>
+                  </a:ln>
+                </p:spPr>
+                <p:style>
+                  <a:lnRef idx="2">
+                    <a:schemeClr val="accent1">
+                      <a:shade val="50000"/>
+                    </a:schemeClr>
+                  </a:lnRef>
+                  <a:fillRef idx="1">
+                    <a:schemeClr val="accent1"/>
+                  </a:fillRef>
+                  <a:effectRef idx="0">
+                    <a:schemeClr val="accent1"/>
+                  </a:effectRef>
+                  <a:fontRef idx="minor">
+                    <a:schemeClr val="lt1"/>
+                  </a:fontRef>
+                </p:style>
+                <p:txBody>
+                  <a:bodyPr rtlCol="0" anchor="ctr"/>
+                  <a:lstStyle/>
+                  <a:p>
+                    <a:pPr algn="ctr"/>
+                    <a:endParaRPr lang="en-GB"/>
+                  </a:p>
+                </p:txBody>
+              </p:sp>
+              <p:sp>
+                <p:nvSpPr>
+                  <p:cNvPr id="328" name="Freeform 327"/>
+                  <p:cNvSpPr/>
+                  <p:nvPr/>
+                </p:nvSpPr>
+                <p:spPr>
+                  <a:xfrm flipV="1">
+                    <a:off x="7212848" y="2007986"/>
+                    <a:ext cx="1080000" cy="516734"/>
+                  </a:xfrm>
+                  <a:custGeom>
+                    <a:avLst/>
+                    <a:gdLst>
+                      <a:gd name="connsiteX0" fmla="*/ 0 w 2876550"/>
+                      <a:gd name="connsiteY0" fmla="*/ 2171700 h 2171700"/>
+                      <a:gd name="connsiteX1" fmla="*/ 1438275 w 2876550"/>
+                      <a:gd name="connsiteY1" fmla="*/ 0 h 2171700"/>
+                      <a:gd name="connsiteX2" fmla="*/ 2876550 w 2876550"/>
+                      <a:gd name="connsiteY2" fmla="*/ 2171700 h 2171700"/>
+                      <a:gd name="connsiteX0" fmla="*/ 0 w 2876550"/>
+                      <a:gd name="connsiteY0" fmla="*/ 2171700 h 2171700"/>
+                      <a:gd name="connsiteX1" fmla="*/ 1438275 w 2876550"/>
+                      <a:gd name="connsiteY1" fmla="*/ 0 h 2171700"/>
+                      <a:gd name="connsiteX2" fmla="*/ 2876550 w 2876550"/>
+                      <a:gd name="connsiteY2" fmla="*/ 2171700 h 2171700"/>
+                      <a:gd name="connsiteX0" fmla="*/ 0 w 2876550"/>
+                      <a:gd name="connsiteY0" fmla="*/ 2171700 h 2171700"/>
+                      <a:gd name="connsiteX1" fmla="*/ 1438275 w 2876550"/>
+                      <a:gd name="connsiteY1" fmla="*/ 0 h 2171700"/>
+                      <a:gd name="connsiteX2" fmla="*/ 2876550 w 2876550"/>
+                      <a:gd name="connsiteY2" fmla="*/ 2171700 h 2171700"/>
+                    </a:gdLst>
+                    <a:ahLst/>
+                    <a:cxnLst>
+                      <a:cxn ang="0">
+                        <a:pos x="connsiteX0" y="connsiteY0"/>
+                      </a:cxn>
+                      <a:cxn ang="0">
+                        <a:pos x="connsiteX1" y="connsiteY1"/>
+                      </a:cxn>
+                      <a:cxn ang="0">
+                        <a:pos x="connsiteX2" y="connsiteY2"/>
+                      </a:cxn>
+                    </a:cxnLst>
+                    <a:rect l="l" t="t" r="r" b="b"/>
+                    <a:pathLst>
+                      <a:path w="2876550" h="2171700">
+                        <a:moveTo>
+                          <a:pt x="0" y="2171700"/>
+                        </a:moveTo>
+                        <a:cubicBezTo>
+                          <a:pt x="420975" y="962878"/>
+                          <a:pt x="958850" y="0"/>
+                          <a:pt x="1438275" y="0"/>
+                        </a:cubicBezTo>
+                        <a:cubicBezTo>
+                          <a:pt x="1917700" y="0"/>
+                          <a:pt x="2494544" y="993617"/>
+                          <a:pt x="2876550" y="2171700"/>
+                        </a:cubicBezTo>
+                      </a:path>
+                    </a:pathLst>
+                  </a:custGeom>
+                  <a:noFill/>
+                  <a:ln w="19050">
+                    <a:solidFill>
+                      <a:schemeClr val="tx1"/>
+                    </a:solidFill>
+                    <a:prstDash val="solid"/>
+                  </a:ln>
+                </p:spPr>
+                <p:style>
+                  <a:lnRef idx="2">
+                    <a:schemeClr val="accent1">
+                      <a:shade val="50000"/>
+                    </a:schemeClr>
+                  </a:lnRef>
+                  <a:fillRef idx="1">
+                    <a:schemeClr val="accent1"/>
+                  </a:fillRef>
+                  <a:effectRef idx="0">
+                    <a:schemeClr val="accent1"/>
+                  </a:effectRef>
+                  <a:fontRef idx="minor">
+                    <a:schemeClr val="lt1"/>
+                  </a:fontRef>
+                </p:style>
+                <p:txBody>
+                  <a:bodyPr rtlCol="0" anchor="ctr"/>
+                  <a:lstStyle/>
+                  <a:p>
+                    <a:pPr algn="ctr"/>
+                    <a:endParaRPr lang="en-GB"/>
+                  </a:p>
+                </p:txBody>
+              </p:sp>
+              <p:sp>
+                <p:nvSpPr>
+                  <p:cNvPr id="329" name="Freeform 328"/>
+                  <p:cNvSpPr/>
+                  <p:nvPr/>
+                </p:nvSpPr>
+                <p:spPr>
+                  <a:xfrm flipV="1">
+                    <a:off x="7067152" y="2403186"/>
+                    <a:ext cx="1368000" cy="516734"/>
+                  </a:xfrm>
+                  <a:custGeom>
+                    <a:avLst/>
+                    <a:gdLst>
+                      <a:gd name="connsiteX0" fmla="*/ 0 w 2876550"/>
+                      <a:gd name="connsiteY0" fmla="*/ 2171700 h 2171700"/>
+                      <a:gd name="connsiteX1" fmla="*/ 1438275 w 2876550"/>
+                      <a:gd name="connsiteY1" fmla="*/ 0 h 2171700"/>
+                      <a:gd name="connsiteX2" fmla="*/ 2876550 w 2876550"/>
+                      <a:gd name="connsiteY2" fmla="*/ 2171700 h 2171700"/>
+                    </a:gdLst>
+                    <a:ahLst/>
+                    <a:cxnLst>
+                      <a:cxn ang="0">
+                        <a:pos x="connsiteX0" y="connsiteY0"/>
+                      </a:cxn>
+                      <a:cxn ang="0">
+                        <a:pos x="connsiteX1" y="connsiteY1"/>
+                      </a:cxn>
+                      <a:cxn ang="0">
+                        <a:pos x="connsiteX2" y="connsiteY2"/>
+                      </a:cxn>
+                    </a:cxnLst>
+                    <a:rect l="l" t="t" r="r" b="b"/>
+                    <a:pathLst>
+                      <a:path w="2876550" h="2171700">
+                        <a:moveTo>
+                          <a:pt x="0" y="2171700"/>
+                        </a:moveTo>
+                        <a:cubicBezTo>
+                          <a:pt x="479425" y="1085850"/>
+                          <a:pt x="958850" y="0"/>
+                          <a:pt x="1438275" y="0"/>
+                        </a:cubicBezTo>
+                        <a:cubicBezTo>
+                          <a:pt x="1917700" y="0"/>
+                          <a:pt x="2397125" y="1085850"/>
+                          <a:pt x="2876550" y="2171700"/>
+                        </a:cubicBezTo>
+                      </a:path>
+                    </a:pathLst>
+                  </a:custGeom>
+                  <a:noFill/>
+                  <a:ln w="19050">
+                    <a:solidFill>
+                      <a:schemeClr val="tx1"/>
+                    </a:solidFill>
+                    <a:prstDash val="solid"/>
+                  </a:ln>
+                </p:spPr>
+                <p:style>
+                  <a:lnRef idx="2">
+                    <a:schemeClr val="accent1">
+                      <a:shade val="50000"/>
+                    </a:schemeClr>
+                  </a:lnRef>
+                  <a:fillRef idx="1">
+                    <a:schemeClr val="accent1"/>
+                  </a:fillRef>
+                  <a:effectRef idx="0">
+                    <a:schemeClr val="accent1"/>
+                  </a:effectRef>
+                  <a:fontRef idx="minor">
+                    <a:schemeClr val="lt1"/>
+                  </a:fontRef>
+                </p:style>
+                <p:txBody>
+                  <a:bodyPr rtlCol="0" anchor="ctr"/>
+                  <a:lstStyle/>
+                  <a:p>
+                    <a:pPr algn="ctr"/>
+                    <a:endParaRPr lang="en-GB"/>
+                  </a:p>
+                </p:txBody>
+              </p:sp>
+              <p:sp>
+                <p:nvSpPr>
+                  <p:cNvPr id="330" name="TextBox 329"/>
+                  <p:cNvSpPr txBox="1"/>
+                  <p:nvPr/>
+                </p:nvSpPr>
+                <p:spPr>
+                  <a:xfrm>
+                    <a:off x="8206900" y="2397146"/>
+                    <a:ext cx="802136" cy="430887"/>
+                  </a:xfrm>
+                  <a:prstGeom prst="rect">
+                    <a:avLst/>
+                  </a:prstGeom>
+                  <a:noFill/>
+                </p:spPr>
+                <p:txBody>
+                  <a:bodyPr wrap="square" rtlCol="0">
+                    <a:spAutoFit/>
+                  </a:bodyPr>
+                  <a:lstStyle/>
+                  <a:p>
+                    <a:r>
+                      <a:rPr lang="en-GB" sz="2200" dirty="0" smtClean="0"/>
+                      <a:t>n = 1</a:t>
+                    </a:r>
+                    <a:endParaRPr lang="en-GB" sz="2200" dirty="0"/>
+                  </a:p>
+                </p:txBody>
+              </p:sp>
+              <p:sp>
+                <p:nvSpPr>
+                  <p:cNvPr id="331" name="TextBox 330"/>
+                  <p:cNvSpPr txBox="1"/>
+                  <p:nvPr/>
+                </p:nvSpPr>
+                <p:spPr>
+                  <a:xfrm>
+                    <a:off x="8184275" y="1990001"/>
+                    <a:ext cx="802136" cy="430887"/>
+                  </a:xfrm>
+                  <a:prstGeom prst="rect">
+                    <a:avLst/>
+                  </a:prstGeom>
+                  <a:noFill/>
+                </p:spPr>
+                <p:txBody>
+                  <a:bodyPr wrap="square" rtlCol="0">
+                    <a:spAutoFit/>
+                  </a:bodyPr>
+                  <a:lstStyle/>
+                  <a:p>
+                    <a:r>
+                      <a:rPr lang="en-GB" sz="2200" dirty="0" smtClean="0"/>
+                      <a:t>n = 2</a:t>
+                    </a:r>
+                    <a:endParaRPr lang="en-GB" sz="2200" dirty="0"/>
+                  </a:p>
+                </p:txBody>
+              </p:sp>
+              <p:sp>
+                <p:nvSpPr>
+                  <p:cNvPr id="332" name="TextBox 331"/>
+                  <p:cNvSpPr txBox="1"/>
+                  <p:nvPr/>
+                </p:nvSpPr>
+                <p:spPr>
+                  <a:xfrm>
+                    <a:off x="8186860" y="1654386"/>
+                    <a:ext cx="802136" cy="430887"/>
+                  </a:xfrm>
+                  <a:prstGeom prst="rect">
+                    <a:avLst/>
+                  </a:prstGeom>
+                  <a:noFill/>
+                </p:spPr>
+                <p:txBody>
+                  <a:bodyPr wrap="square" rtlCol="0">
+                    <a:spAutoFit/>
+                  </a:bodyPr>
+                  <a:lstStyle/>
+                  <a:p>
+                    <a:r>
+                      <a:rPr lang="en-GB" sz="2200" dirty="0" smtClean="0"/>
+                      <a:t>n = 3</a:t>
+                    </a:r>
+                    <a:endParaRPr lang="en-GB" sz="2200" dirty="0"/>
+                  </a:p>
+                </p:txBody>
+              </p:sp>
+              <p:sp>
+                <p:nvSpPr>
+                  <p:cNvPr id="333" name="TextBox 332"/>
+                  <p:cNvSpPr txBox="1"/>
+                  <p:nvPr/>
+                </p:nvSpPr>
+                <p:spPr>
+                  <a:xfrm>
+                    <a:off x="7438155" y="422318"/>
+                    <a:ext cx="432048" cy="369332"/>
+                  </a:xfrm>
+                  <a:prstGeom prst="rect">
+                    <a:avLst/>
+                  </a:prstGeom>
+                  <a:noFill/>
+                </p:spPr>
+                <p:txBody>
+                  <a:bodyPr wrap="square" rtlCol="0">
+                    <a:spAutoFit/>
+                  </a:bodyPr>
+                  <a:lstStyle/>
+                  <a:p>
+                    <a:r>
+                      <a:rPr lang="en-GB" dirty="0" smtClean="0"/>
+                      <a:t>E</a:t>
+                    </a:r>
+                    <a:endParaRPr lang="en-GB" dirty="0"/>
+                  </a:p>
+                </p:txBody>
+              </p:sp>
+              <p:sp>
+                <p:nvSpPr>
+                  <p:cNvPr id="334" name="TextBox 333"/>
+                  <p:cNvSpPr txBox="1"/>
+                  <p:nvPr/>
+                </p:nvSpPr>
+                <p:spPr>
+                  <a:xfrm>
+                    <a:off x="9070996" y="5741618"/>
+                    <a:ext cx="432048" cy="369332"/>
+                  </a:xfrm>
+                  <a:prstGeom prst="rect">
+                    <a:avLst/>
+                  </a:prstGeom>
+                  <a:noFill/>
+                </p:spPr>
+                <p:txBody>
+                  <a:bodyPr wrap="square" rtlCol="0">
+                    <a:spAutoFit/>
+                  </a:bodyPr>
+                  <a:lstStyle/>
+                  <a:p>
+                    <a:r>
+                      <a:rPr lang="en-GB" dirty="0" smtClean="0"/>
+                      <a:t>k</a:t>
+                    </a:r>
+                    <a:endParaRPr lang="en-GB" dirty="0"/>
+                  </a:p>
+                </p:txBody>
+              </p:sp>
+            </p:grpSp>
+            <p:cxnSp>
+              <p:nvCxnSpPr>
+                <p:cNvPr id="322" name="Straight Arrow Connector 321"/>
+                <p:cNvCxnSpPr/>
+                <p:nvPr/>
+              </p:nvCxnSpPr>
+              <p:spPr>
+                <a:xfrm>
+                  <a:off x="7427589" y="2397715"/>
+                  <a:ext cx="0" cy="504000"/>
+                </a:xfrm>
+                <a:prstGeom prst="straightConnector1">
+                  <a:avLst/>
+                </a:prstGeom>
+                <a:ln w="19050">
+                  <a:solidFill>
+                    <a:srgbClr val="0070C0"/>
+                  </a:solidFill>
+                  <a:headEnd type="triangle" w="med" len="med"/>
+                  <a:tailEnd type="triangle" w="med" len="med"/>
+                </a:ln>
+              </p:spPr>
+              <p:style>
+                <a:lnRef idx="1">
+                  <a:schemeClr val="accent1"/>
+                </a:lnRef>
+                <a:fillRef idx="0">
+                  <a:schemeClr val="accent1"/>
+                </a:fillRef>
+                <a:effectRef idx="0">
+                  <a:schemeClr val="accent1"/>
+                </a:effectRef>
+                <a:fontRef idx="minor">
+                  <a:schemeClr val="tx1"/>
+                </a:fontRef>
+              </p:style>
+            </p:cxnSp>
+            <p:sp>
+              <p:nvSpPr>
+                <p:cNvPr id="323" name="TextBox 322"/>
+                <p:cNvSpPr txBox="1"/>
+                <p:nvPr/>
+              </p:nvSpPr>
+              <p:spPr>
+                <a:xfrm>
+                  <a:off x="6982172" y="2395475"/>
+                  <a:ext cx="576064" cy="432048"/>
+                </a:xfrm>
+                <a:prstGeom prst="rect">
+                  <a:avLst/>
+                </a:prstGeom>
+                <a:noFill/>
+              </p:spPr>
+              <p:txBody>
+                <a:bodyPr wrap="square" rtlCol="0">
+                  <a:spAutoFit/>
+                </a:bodyPr>
+                <a:lstStyle/>
+                <a:p>
+                  <a:r>
+                    <a:rPr lang="en-GB" sz="2200" dirty="0" smtClean="0">
+                      <a:solidFill>
+                        <a:srgbClr val="0070C0"/>
+                      </a:solidFill>
+                    </a:rPr>
+                    <a:t>E</a:t>
+                  </a:r>
+                  <a:r>
+                    <a:rPr lang="en-GB" sz="2200" baseline="-25000" dirty="0" smtClean="0">
+                      <a:solidFill>
+                        <a:srgbClr val="0070C0"/>
+                      </a:solidFill>
+                    </a:rPr>
+                    <a:t>B</a:t>
+                  </a:r>
+                  <a:endParaRPr lang="en-GB" sz="2200" dirty="0">
+                    <a:solidFill>
+                      <a:srgbClr val="0070C0"/>
+                    </a:solidFill>
+                  </a:endParaRPr>
+                </a:p>
+              </p:txBody>
+            </p:sp>
+            <p:sp>
+              <p:nvSpPr>
+                <p:cNvPr id="324" name="TextBox 323"/>
+                <p:cNvSpPr txBox="1"/>
+                <p:nvPr/>
+              </p:nvSpPr>
+              <p:spPr>
+                <a:xfrm>
+                  <a:off x="6214824" y="1183104"/>
+                  <a:ext cx="576064" cy="432048"/>
+                </a:xfrm>
+                <a:prstGeom prst="rect">
+                  <a:avLst/>
+                </a:prstGeom>
+                <a:noFill/>
+              </p:spPr>
+              <p:txBody>
+                <a:bodyPr wrap="square" rtlCol="0">
+                  <a:spAutoFit/>
+                </a:bodyPr>
+                <a:lstStyle/>
+                <a:p>
+                  <a:r>
+                    <a:rPr lang="en-GB" sz="2200" dirty="0"/>
+                    <a:t>C</a:t>
+                  </a:r>
+                  <a:r>
+                    <a:rPr lang="en-GB" sz="2200" dirty="0" smtClean="0"/>
+                    <a:t>B</a:t>
+                  </a:r>
+                  <a:endParaRPr lang="en-GB" sz="2200" dirty="0"/>
+                </a:p>
+              </p:txBody>
+            </p:sp>
+          </p:grpSp>
+        </p:grpSp>
+        <p:grpSp>
+          <p:nvGrpSpPr>
+            <p:cNvPr id="337" name="Group 336"/>
+            <p:cNvGrpSpPr/>
+            <p:nvPr/>
+          </p:nvGrpSpPr>
+          <p:grpSpPr>
+            <a:xfrm>
+              <a:off x="335194" y="360115"/>
+              <a:ext cx="3240024" cy="5688632"/>
+              <a:chOff x="8005947" y="-521692"/>
+              <a:chExt cx="3240024" cy="5688632"/>
+            </a:xfrm>
+          </p:grpSpPr>
+          <p:sp>
+            <p:nvSpPr>
+              <p:cNvPr id="338" name="Freeform 337"/>
+              <p:cNvSpPr>
+                <a:spLocks noChangeAspect="1"/>
+              </p:cNvSpPr>
+              <p:nvPr/>
+            </p:nvSpPr>
+            <p:spPr>
+              <a:xfrm>
+                <a:off x="8683029" y="3098634"/>
+                <a:ext cx="1615680" cy="1624432"/>
+              </a:xfrm>
+              <a:custGeom>
+                <a:avLst/>
+                <a:gdLst>
+                  <a:gd name="connsiteX0" fmla="*/ 0 w 2876550"/>
+                  <a:gd name="connsiteY0" fmla="*/ 2171700 h 2171700"/>
+                  <a:gd name="connsiteX1" fmla="*/ 1438275 w 2876550"/>
+                  <a:gd name="connsiteY1" fmla="*/ 0 h 2171700"/>
+                  <a:gd name="connsiteX2" fmla="*/ 2876550 w 2876550"/>
+                  <a:gd name="connsiteY2" fmla="*/ 2171700 h 2171700"/>
+                </a:gdLst>
+                <a:ahLst/>
+                <a:cxnLst>
+                  <a:cxn ang="0">
+                    <a:pos x="connsiteX0" y="connsiteY0"/>
+                  </a:cxn>
+                  <a:cxn ang="0">
+                    <a:pos x="connsiteX1" y="connsiteY1"/>
+                  </a:cxn>
+                  <a:cxn ang="0">
+                    <a:pos x="connsiteX2" y="connsiteY2"/>
+                  </a:cxn>
+                </a:cxnLst>
+                <a:rect l="l" t="t" r="r" b="b"/>
+                <a:pathLst>
+                  <a:path w="2876550" h="2171700">
+                    <a:moveTo>
+                      <a:pt x="0" y="2171700"/>
+                    </a:moveTo>
+                    <a:cubicBezTo>
+                      <a:pt x="479425" y="1085850"/>
+                      <a:pt x="958850" y="0"/>
+                      <a:pt x="1438275" y="0"/>
+                    </a:cubicBezTo>
+                    <a:cubicBezTo>
+                      <a:pt x="1917700" y="0"/>
+                      <a:pt x="2397125" y="1085850"/>
+                      <a:pt x="2876550" y="2171700"/>
+                    </a:cubicBezTo>
+                  </a:path>
+                </a:pathLst>
+              </a:custGeom>
+              <a:solidFill>
+                <a:schemeClr val="bg1">
+                  <a:lumMod val="85000"/>
+                </a:schemeClr>
+              </a:solidFill>
+              <a:ln>
+                <a:solidFill>
+                  <a:schemeClr val="tx1"/>
+                </a:solidFill>
+              </a:ln>
+            </p:spPr>
+            <p:style>
+              <a:lnRef idx="2">
+                <a:schemeClr val="accent1">
+                  <a:shade val="50000"/>
+                </a:schemeClr>
+              </a:lnRef>
+              <a:fillRef idx="1">
+                <a:schemeClr val="accent1"/>
+              </a:fillRef>
+              <a:effectRef idx="0">
+                <a:schemeClr val="accent1"/>
+              </a:effectRef>
+              <a:fontRef idx="minor">
+                <a:schemeClr val="lt1"/>
+              </a:fontRef>
+            </p:style>
+            <p:txBody>
+              <a:bodyPr rtlCol="0" anchor="ctr"/>
+              <a:lstStyle/>
+              <a:p>
+                <a:pPr algn="ctr"/>
+                <a:endParaRPr lang="en-GB"/>
+              </a:p>
+            </p:txBody>
+          </p:sp>
+          <p:grpSp>
+            <p:nvGrpSpPr>
+              <p:cNvPr id="339" name="Group 338"/>
+              <p:cNvGrpSpPr/>
+              <p:nvPr/>
+            </p:nvGrpSpPr>
+            <p:grpSpPr>
+              <a:xfrm>
+                <a:off x="8005947" y="-521692"/>
+                <a:ext cx="3240024" cy="5688632"/>
+                <a:chOff x="5927128" y="408670"/>
+                <a:chExt cx="3240024" cy="5688632"/>
+              </a:xfrm>
+            </p:grpSpPr>
+            <p:grpSp>
+              <p:nvGrpSpPr>
+                <p:cNvPr id="340" name="Group 339"/>
+                <p:cNvGrpSpPr/>
+                <p:nvPr/>
+              </p:nvGrpSpPr>
+              <p:grpSpPr>
+                <a:xfrm>
+                  <a:off x="5927128" y="408670"/>
+                  <a:ext cx="3240024" cy="5688632"/>
+                  <a:chOff x="6263020" y="422318"/>
+                  <a:chExt cx="3240024" cy="5688632"/>
+                </a:xfrm>
+              </p:grpSpPr>
+              <p:sp>
+                <p:nvSpPr>
+                  <p:cNvPr id="344" name="Freeform 343"/>
+                  <p:cNvSpPr>
+                    <a:spLocks noChangeAspect="1"/>
+                  </p:cNvSpPr>
+                  <p:nvPr/>
+                </p:nvSpPr>
+                <p:spPr>
+                  <a:xfrm flipV="1">
+                    <a:off x="6946800" y="779375"/>
+                    <a:ext cx="1615680" cy="1624432"/>
+                  </a:xfrm>
+                  <a:custGeom>
+                    <a:avLst/>
+                    <a:gdLst>
+                      <a:gd name="connsiteX0" fmla="*/ 0 w 2876550"/>
+                      <a:gd name="connsiteY0" fmla="*/ 2171700 h 2171700"/>
+                      <a:gd name="connsiteX1" fmla="*/ 1438275 w 2876550"/>
+                      <a:gd name="connsiteY1" fmla="*/ 0 h 2171700"/>
+                      <a:gd name="connsiteX2" fmla="*/ 2876550 w 2876550"/>
+                      <a:gd name="connsiteY2" fmla="*/ 2171700 h 2171700"/>
+                    </a:gdLst>
+                    <a:ahLst/>
+                    <a:cxnLst>
+                      <a:cxn ang="0">
+                        <a:pos x="connsiteX0" y="connsiteY0"/>
+                      </a:cxn>
+                      <a:cxn ang="0">
+                        <a:pos x="connsiteX1" y="connsiteY1"/>
+                      </a:cxn>
+                      <a:cxn ang="0">
+                        <a:pos x="connsiteX2" y="connsiteY2"/>
+                      </a:cxn>
+                    </a:cxnLst>
+                    <a:rect l="l" t="t" r="r" b="b"/>
+                    <a:pathLst>
+                      <a:path w="2876550" h="2171700">
+                        <a:moveTo>
+                          <a:pt x="0" y="2171700"/>
+                        </a:moveTo>
+                        <a:cubicBezTo>
+                          <a:pt x="479425" y="1085850"/>
+                          <a:pt x="958850" y="0"/>
+                          <a:pt x="1438275" y="0"/>
+                        </a:cubicBezTo>
+                        <a:cubicBezTo>
+                          <a:pt x="1917700" y="0"/>
+                          <a:pt x="2397125" y="1085850"/>
+                          <a:pt x="2876550" y="2171700"/>
+                        </a:cubicBezTo>
+                      </a:path>
+                    </a:pathLst>
+                  </a:custGeom>
+                  <a:noFill/>
+                  <a:ln>
+                    <a:solidFill>
+                      <a:schemeClr val="tx1"/>
+                    </a:solidFill>
+                  </a:ln>
+                </p:spPr>
+                <p:style>
+                  <a:lnRef idx="2">
+                    <a:schemeClr val="accent1">
+                      <a:shade val="50000"/>
+                    </a:schemeClr>
+                  </a:lnRef>
+                  <a:fillRef idx="1">
+                    <a:schemeClr val="accent1"/>
+                  </a:fillRef>
+                  <a:effectRef idx="0">
+                    <a:schemeClr val="accent1"/>
+                  </a:effectRef>
+                  <a:fontRef idx="minor">
+                    <a:schemeClr val="lt1"/>
+                  </a:fontRef>
+                </p:style>
+                <p:txBody>
+                  <a:bodyPr rtlCol="0" anchor="ctr"/>
+                  <a:lstStyle/>
+                  <a:p>
+                    <a:pPr algn="ctr"/>
+                    <a:endParaRPr lang="en-GB"/>
+                  </a:p>
+                </p:txBody>
+              </p:sp>
+              <p:grpSp>
+                <p:nvGrpSpPr>
+                  <p:cNvPr id="345" name="Group 344"/>
+                  <p:cNvGrpSpPr/>
+                  <p:nvPr/>
+                </p:nvGrpSpPr>
+                <p:grpSpPr>
+                  <a:xfrm>
+                    <a:off x="6263020" y="494326"/>
+                    <a:ext cx="3024000" cy="5261776"/>
+                    <a:chOff x="4520540" y="2233045"/>
+                    <a:chExt cx="3024000" cy="5261776"/>
+                  </a:xfrm>
+                </p:grpSpPr>
+                <p:cxnSp>
+                  <p:nvCxnSpPr>
+                    <p:cNvPr id="348" name="Straight Arrow Connector 347"/>
+                    <p:cNvCxnSpPr/>
+                    <p:nvPr/>
+                  </p:nvCxnSpPr>
+                  <p:spPr>
+                    <a:xfrm flipV="1">
+                      <a:off x="6012160" y="2233045"/>
+                      <a:ext cx="0" cy="5261776"/>
+                    </a:xfrm>
+                    <a:prstGeom prst="straightConnector1">
+                      <a:avLst/>
+                    </a:prstGeom>
+                    <a:ln w="12700">
+                      <a:solidFill>
+                        <a:schemeClr val="tx1"/>
+                      </a:solidFill>
+                      <a:tailEnd type="arrow"/>
+                    </a:ln>
+                  </p:spPr>
+                  <p:style>
+                    <a:lnRef idx="1">
+                      <a:schemeClr val="accent1"/>
+                    </a:lnRef>
+                    <a:fillRef idx="0">
+                      <a:schemeClr val="accent1"/>
+                    </a:fillRef>
+                    <a:effectRef idx="0">
+                      <a:schemeClr val="accent1"/>
+                    </a:effectRef>
+                    <a:fontRef idx="minor">
+                      <a:schemeClr val="tx1"/>
+                    </a:fontRef>
+                  </p:style>
+                </p:cxnSp>
+                <p:cxnSp>
+                  <p:nvCxnSpPr>
+                    <p:cNvPr id="349" name="Straight Arrow Connector 348"/>
+                    <p:cNvCxnSpPr/>
+                    <p:nvPr/>
+                  </p:nvCxnSpPr>
+                  <p:spPr>
+                    <a:xfrm rot="5400000" flipV="1">
+                      <a:off x="6032540" y="5982820"/>
+                      <a:ext cx="0" cy="3024000"/>
+                    </a:xfrm>
+                    <a:prstGeom prst="straightConnector1">
+                      <a:avLst/>
+                    </a:prstGeom>
+                    <a:ln w="12700">
+                      <a:solidFill>
+                        <a:schemeClr val="tx1"/>
+                      </a:solidFill>
+                      <a:headEnd type="arrow" w="med" len="med"/>
+                      <a:tailEnd type="arrow" w="med" len="med"/>
+                    </a:ln>
+                  </p:spPr>
+                  <p:style>
+                    <a:lnRef idx="1">
+                      <a:schemeClr val="accent1"/>
+                    </a:lnRef>
+                    <a:fillRef idx="0">
+                      <a:schemeClr val="accent1"/>
+                    </a:fillRef>
+                    <a:effectRef idx="0">
+                      <a:schemeClr val="accent1"/>
+                    </a:effectRef>
+                    <a:fontRef idx="minor">
+                      <a:schemeClr val="tx1"/>
+                    </a:fontRef>
+                  </p:style>
+                </p:cxnSp>
+              </p:grpSp>
+              <p:sp>
+                <p:nvSpPr>
+                  <p:cNvPr id="346" name="TextBox 345"/>
+                  <p:cNvSpPr txBox="1"/>
+                  <p:nvPr/>
+                </p:nvSpPr>
+                <p:spPr>
+                  <a:xfrm>
+                    <a:off x="7438155" y="422318"/>
+                    <a:ext cx="432048" cy="369332"/>
+                  </a:xfrm>
+                  <a:prstGeom prst="rect">
+                    <a:avLst/>
+                  </a:prstGeom>
+                  <a:noFill/>
+                </p:spPr>
+                <p:txBody>
+                  <a:bodyPr wrap="square" rtlCol="0">
+                    <a:spAutoFit/>
+                  </a:bodyPr>
+                  <a:lstStyle/>
+                  <a:p>
+                    <a:r>
+                      <a:rPr lang="en-GB" dirty="0" smtClean="0"/>
+                      <a:t>E</a:t>
+                    </a:r>
+                    <a:endParaRPr lang="en-GB" dirty="0"/>
+                  </a:p>
+                </p:txBody>
+              </p:sp>
+              <p:sp>
+                <p:nvSpPr>
+                  <p:cNvPr id="347" name="TextBox 346"/>
+                  <p:cNvSpPr txBox="1"/>
+                  <p:nvPr/>
+                </p:nvSpPr>
+                <p:spPr>
+                  <a:xfrm>
+                    <a:off x="9070996" y="5741618"/>
+                    <a:ext cx="432048" cy="369332"/>
+                  </a:xfrm>
+                  <a:prstGeom prst="rect">
+                    <a:avLst/>
+                  </a:prstGeom>
+                  <a:noFill/>
+                </p:spPr>
+                <p:txBody>
+                  <a:bodyPr wrap="square" rtlCol="0">
+                    <a:spAutoFit/>
+                  </a:bodyPr>
+                  <a:lstStyle/>
+                  <a:p>
+                    <a:r>
+                      <a:rPr lang="en-GB" dirty="0" smtClean="0"/>
+                      <a:t>k</a:t>
+                    </a:r>
+                    <a:endParaRPr lang="en-GB" dirty="0"/>
+                  </a:p>
+                </p:txBody>
+              </p:sp>
+            </p:grpSp>
+            <p:cxnSp>
+              <p:nvCxnSpPr>
+                <p:cNvPr id="341" name="Straight Arrow Connector 340"/>
+                <p:cNvCxnSpPr/>
+                <p:nvPr/>
+              </p:nvCxnSpPr>
+              <p:spPr>
+                <a:xfrm>
+                  <a:off x="7416956" y="2397714"/>
+                  <a:ext cx="0" cy="1620000"/>
+                </a:xfrm>
+                <a:prstGeom prst="straightConnector1">
+                  <a:avLst/>
+                </a:prstGeom>
+                <a:ln w="19050">
+                  <a:solidFill>
+                    <a:srgbClr val="0070C0"/>
+                  </a:solidFill>
+                  <a:headEnd type="triangle" w="med" len="med"/>
+                  <a:tailEnd type="triangle" w="med" len="med"/>
+                </a:ln>
+              </p:spPr>
+              <p:style>
+                <a:lnRef idx="1">
+                  <a:schemeClr val="accent1"/>
+                </a:lnRef>
+                <a:fillRef idx="0">
+                  <a:schemeClr val="accent1"/>
+                </a:fillRef>
+                <a:effectRef idx="0">
+                  <a:schemeClr val="accent1"/>
+                </a:effectRef>
+                <a:fontRef idx="minor">
+                  <a:schemeClr val="tx1"/>
+                </a:fontRef>
+              </p:style>
+            </p:cxnSp>
+            <p:sp>
+              <p:nvSpPr>
+                <p:cNvPr id="342" name="TextBox 341"/>
+                <p:cNvSpPr txBox="1"/>
+                <p:nvPr/>
+              </p:nvSpPr>
+              <p:spPr>
+                <a:xfrm>
+                  <a:off x="6996152" y="3360998"/>
+                  <a:ext cx="576064" cy="432048"/>
+                </a:xfrm>
+                <a:prstGeom prst="rect">
+                  <a:avLst/>
+                </a:prstGeom>
+                <a:noFill/>
+              </p:spPr>
+              <p:txBody>
+                <a:bodyPr wrap="square" rtlCol="0">
+                  <a:spAutoFit/>
+                </a:bodyPr>
+                <a:lstStyle/>
+                <a:p>
+                  <a:r>
+                    <a:rPr lang="en-GB" sz="2200" dirty="0" err="1" smtClean="0">
+                      <a:solidFill>
+                        <a:srgbClr val="0070C0"/>
+                      </a:solidFill>
+                    </a:rPr>
+                    <a:t>E</a:t>
+                  </a:r>
+                  <a:r>
+                    <a:rPr lang="en-GB" sz="2200" baseline="-25000" dirty="0" err="1" smtClean="0">
+                      <a:solidFill>
+                        <a:srgbClr val="0070C0"/>
+                      </a:solidFill>
+                    </a:rPr>
+                    <a:t>g</a:t>
+                  </a:r>
+                  <a:endParaRPr lang="en-GB" sz="2200" dirty="0">
+                    <a:solidFill>
+                      <a:srgbClr val="0070C0"/>
+                    </a:solidFill>
+                  </a:endParaRPr>
+                </a:p>
+              </p:txBody>
+            </p:sp>
+            <p:sp>
+              <p:nvSpPr>
+                <p:cNvPr id="343" name="TextBox 342"/>
+                <p:cNvSpPr txBox="1"/>
+                <p:nvPr/>
+              </p:nvSpPr>
+              <p:spPr>
+                <a:xfrm>
+                  <a:off x="6132056" y="1183129"/>
+                  <a:ext cx="576064" cy="432048"/>
+                </a:xfrm>
+                <a:prstGeom prst="rect">
+                  <a:avLst/>
+                </a:prstGeom>
+                <a:noFill/>
+              </p:spPr>
+              <p:txBody>
+                <a:bodyPr wrap="square" rtlCol="0">
+                  <a:spAutoFit/>
+                </a:bodyPr>
+                <a:lstStyle/>
+                <a:p>
+                  <a:r>
+                    <a:rPr lang="en-GB" sz="2200" dirty="0"/>
+                    <a:t>C</a:t>
+                  </a:r>
+                  <a:r>
+                    <a:rPr lang="en-GB" sz="2200" dirty="0" smtClean="0"/>
+                    <a:t>B</a:t>
+                  </a:r>
+                  <a:endParaRPr lang="en-GB" sz="2200" dirty="0"/>
+                </a:p>
+              </p:txBody>
+            </p:sp>
+          </p:grpSp>
+        </p:grpSp>
+        <p:sp>
+          <p:nvSpPr>
+            <p:cNvPr id="350" name="TextBox 349"/>
+            <p:cNvSpPr txBox="1"/>
+            <p:nvPr/>
+          </p:nvSpPr>
+          <p:spPr>
+            <a:xfrm>
+              <a:off x="863990" y="-36947"/>
+              <a:ext cx="2088232" cy="477054"/>
+            </a:xfrm>
+            <a:prstGeom prst="rect">
+              <a:avLst/>
+            </a:prstGeom>
+            <a:noFill/>
+          </p:spPr>
+          <p:txBody>
+            <a:bodyPr wrap="square" rtlCol="0">
+              <a:spAutoFit/>
+            </a:bodyPr>
+            <a:lstStyle/>
+            <a:p>
+              <a:r>
+                <a:rPr lang="en-GB" sz="2500" dirty="0" smtClean="0"/>
+                <a:t>Single-particle</a:t>
+              </a:r>
+              <a:endParaRPr lang="en-GB" sz="2500" dirty="0"/>
+            </a:p>
+          </p:txBody>
+        </p:sp>
+        <p:sp>
+          <p:nvSpPr>
+            <p:cNvPr id="351" name="TextBox 350"/>
+            <p:cNvSpPr txBox="1"/>
+            <p:nvPr/>
+          </p:nvSpPr>
+          <p:spPr>
+            <a:xfrm>
+              <a:off x="4806600" y="-36947"/>
+              <a:ext cx="1836532" cy="477054"/>
+            </a:xfrm>
+            <a:prstGeom prst="rect">
+              <a:avLst/>
+            </a:prstGeom>
+            <a:noFill/>
+          </p:spPr>
+          <p:txBody>
+            <a:bodyPr wrap="square" rtlCol="0">
+              <a:spAutoFit/>
+            </a:bodyPr>
+            <a:lstStyle/>
+            <a:p>
+              <a:r>
+                <a:rPr lang="en-GB" sz="2500" dirty="0" smtClean="0"/>
+                <a:t>Two-particle</a:t>
+              </a:r>
+              <a:endParaRPr lang="en-GB" sz="2500" dirty="0"/>
+            </a:p>
+          </p:txBody>
+        </p:sp>
+        <p:sp>
+          <p:nvSpPr>
+            <p:cNvPr id="352" name="TextBox 351"/>
+            <p:cNvSpPr txBox="1"/>
+            <p:nvPr/>
+          </p:nvSpPr>
+          <p:spPr>
+            <a:xfrm>
+              <a:off x="540122" y="4821928"/>
+              <a:ext cx="576064" cy="432048"/>
+            </a:xfrm>
+            <a:prstGeom prst="rect">
+              <a:avLst/>
+            </a:prstGeom>
+            <a:noFill/>
+          </p:spPr>
+          <p:txBody>
+            <a:bodyPr wrap="square" rtlCol="0">
+              <a:spAutoFit/>
+            </a:bodyPr>
+            <a:lstStyle/>
+            <a:p>
+              <a:r>
+                <a:rPr lang="en-GB" sz="2200" dirty="0" smtClean="0"/>
+                <a:t>VB</a:t>
+              </a:r>
+              <a:endParaRPr lang="en-GB" sz="2200" dirty="0"/>
+            </a:p>
+          </p:txBody>
+        </p:sp>
+        <p:sp>
+          <p:nvSpPr>
+            <p:cNvPr id="353" name="TextBox 352"/>
+            <p:cNvSpPr txBox="1"/>
+            <p:nvPr/>
+          </p:nvSpPr>
+          <p:spPr>
+            <a:xfrm>
+              <a:off x="4500562" y="4821928"/>
+              <a:ext cx="576064" cy="432048"/>
+            </a:xfrm>
+            <a:prstGeom prst="rect">
+              <a:avLst/>
+            </a:prstGeom>
+            <a:noFill/>
+          </p:spPr>
+          <p:txBody>
+            <a:bodyPr wrap="square" rtlCol="0">
+              <a:spAutoFit/>
+            </a:bodyPr>
+            <a:lstStyle/>
+            <a:p>
+              <a:r>
+                <a:rPr lang="en-GB" sz="2200" dirty="0" smtClean="0"/>
+                <a:t>VB</a:t>
+              </a:r>
+              <a:endParaRPr lang="en-GB" sz="2200" dirty="0"/>
+            </a:p>
+          </p:txBody>
+        </p:sp>
+        <p:sp>
+          <p:nvSpPr>
+            <p:cNvPr id="354" name="Oval 353"/>
+            <p:cNvSpPr/>
+            <p:nvPr/>
+          </p:nvSpPr>
+          <p:spPr>
+            <a:xfrm>
+              <a:off x="2090642" y="4259180"/>
+              <a:ext cx="108000" cy="108000"/>
+            </a:xfrm>
+            <a:prstGeom prst="ellipse">
+              <a:avLst/>
+            </a:prstGeom>
+            <a:solidFill>
+              <a:schemeClr val="bg1"/>
+            </a:solidFill>
+            <a:ln w="28575">
+              <a:solidFill>
+                <a:schemeClr val="tx1"/>
+              </a:solidFill>
+            </a:ln>
+          </p:spPr>
+          <p:style>
+            <a:lnRef idx="2">
+              <a:schemeClr val="accent1">
+                <a:shade val="50000"/>
+              </a:schemeClr>
+            </a:lnRef>
+            <a:fillRef idx="1">
+              <a:schemeClr val="accent1"/>
+            </a:fillRef>
+            <a:effectRef idx="0">
+              <a:schemeClr val="accent1"/>
+            </a:effectRef>
+            <a:fontRef idx="minor">
+              <a:schemeClr val="lt1"/>
+            </a:fontRef>
+          </p:style>
+          <p:txBody>
+            <a:bodyPr rtlCol="0" anchor="ctr"/>
+            <a:lstStyle/>
+            <a:p>
+              <a:pPr algn="ctr"/>
+              <a:endParaRPr lang="en-GB"/>
+            </a:p>
+          </p:txBody>
+        </p:sp>
+        <p:sp>
+          <p:nvSpPr>
+            <p:cNvPr id="355" name="Freeform 354"/>
+            <p:cNvSpPr>
+              <a:spLocks noChangeAspect="1"/>
+            </p:cNvSpPr>
+            <p:nvPr/>
+          </p:nvSpPr>
+          <p:spPr>
+            <a:xfrm flipV="1">
+              <a:off x="1224298" y="2807355"/>
+              <a:ext cx="900000" cy="145048"/>
+            </a:xfrm>
+            <a:custGeom>
+              <a:avLst/>
+              <a:gdLst>
+                <a:gd name="connsiteX0" fmla="*/ 0 w 2885847"/>
+                <a:gd name="connsiteY0" fmla="*/ 721858 h 725515"/>
+                <a:gd name="connsiteX1" fmla="*/ 362103 w 2885847"/>
+                <a:gd name="connsiteY1" fmla="*/ 4968 h 725515"/>
+                <a:gd name="connsiteX2" fmla="*/ 724205 w 2885847"/>
+                <a:gd name="connsiteY2" fmla="*/ 725515 h 725515"/>
+                <a:gd name="connsiteX3" fmla="*/ 1078992 w 2885847"/>
+                <a:gd name="connsiteY3" fmla="*/ 4968 h 725515"/>
+                <a:gd name="connsiteX4" fmla="*/ 1441095 w 2885847"/>
+                <a:gd name="connsiteY4" fmla="*/ 725515 h 725515"/>
+                <a:gd name="connsiteX5" fmla="*/ 1795882 w 2885847"/>
+                <a:gd name="connsiteY5" fmla="*/ 4968 h 725515"/>
+                <a:gd name="connsiteX6" fmla="*/ 2165299 w 2885847"/>
+                <a:gd name="connsiteY6" fmla="*/ 410962 h 725515"/>
+                <a:gd name="connsiteX7" fmla="*/ 2885847 w 2885847"/>
+                <a:gd name="connsiteY7" fmla="*/ 487771 h 725515"/>
+                <a:gd name="connsiteX0" fmla="*/ 29690 w 2915537"/>
+                <a:gd name="connsiteY0" fmla="*/ 721858 h 769324"/>
+                <a:gd name="connsiteX1" fmla="*/ 26033 w 2915537"/>
+                <a:gd name="connsiteY1" fmla="*/ 714543 h 769324"/>
+                <a:gd name="connsiteX2" fmla="*/ 391793 w 2915537"/>
+                <a:gd name="connsiteY2" fmla="*/ 4968 h 769324"/>
+                <a:gd name="connsiteX3" fmla="*/ 753895 w 2915537"/>
+                <a:gd name="connsiteY3" fmla="*/ 725515 h 769324"/>
+                <a:gd name="connsiteX4" fmla="*/ 1108682 w 2915537"/>
+                <a:gd name="connsiteY4" fmla="*/ 4968 h 769324"/>
+                <a:gd name="connsiteX5" fmla="*/ 1470785 w 2915537"/>
+                <a:gd name="connsiteY5" fmla="*/ 725515 h 769324"/>
+                <a:gd name="connsiteX6" fmla="*/ 1825572 w 2915537"/>
+                <a:gd name="connsiteY6" fmla="*/ 4968 h 769324"/>
+                <a:gd name="connsiteX7" fmla="*/ 2194989 w 2915537"/>
+                <a:gd name="connsiteY7" fmla="*/ 410962 h 769324"/>
+                <a:gd name="connsiteX8" fmla="*/ 2915537 w 2915537"/>
+                <a:gd name="connsiteY8" fmla="*/ 487771 h 769324"/>
+                <a:gd name="connsiteX0" fmla="*/ 1 w 3108962"/>
+                <a:gd name="connsiteY0" fmla="*/ 579212 h 746320"/>
+                <a:gd name="connsiteX1" fmla="*/ 219458 w 3108962"/>
+                <a:gd name="connsiteY1" fmla="*/ 714543 h 746320"/>
+                <a:gd name="connsiteX2" fmla="*/ 585218 w 3108962"/>
+                <a:gd name="connsiteY2" fmla="*/ 4968 h 746320"/>
+                <a:gd name="connsiteX3" fmla="*/ 947320 w 3108962"/>
+                <a:gd name="connsiteY3" fmla="*/ 725515 h 746320"/>
+                <a:gd name="connsiteX4" fmla="*/ 1302107 w 3108962"/>
+                <a:gd name="connsiteY4" fmla="*/ 4968 h 746320"/>
+                <a:gd name="connsiteX5" fmla="*/ 1664210 w 3108962"/>
+                <a:gd name="connsiteY5" fmla="*/ 725515 h 746320"/>
+                <a:gd name="connsiteX6" fmla="*/ 2018997 w 3108962"/>
+                <a:gd name="connsiteY6" fmla="*/ 4968 h 746320"/>
+                <a:gd name="connsiteX7" fmla="*/ 2388414 w 3108962"/>
+                <a:gd name="connsiteY7" fmla="*/ 410962 h 746320"/>
+                <a:gd name="connsiteX8" fmla="*/ 3108962 w 3108962"/>
+                <a:gd name="connsiteY8" fmla="*/ 487771 h 746320"/>
+                <a:gd name="connsiteX0" fmla="*/ 0 w 3251607"/>
+                <a:gd name="connsiteY0" fmla="*/ 381701 h 734595"/>
+                <a:gd name="connsiteX1" fmla="*/ 362103 w 3251607"/>
+                <a:gd name="connsiteY1" fmla="*/ 714543 h 734595"/>
+                <a:gd name="connsiteX2" fmla="*/ 727863 w 3251607"/>
+                <a:gd name="connsiteY2" fmla="*/ 4968 h 734595"/>
+                <a:gd name="connsiteX3" fmla="*/ 1089965 w 3251607"/>
+                <a:gd name="connsiteY3" fmla="*/ 725515 h 734595"/>
+                <a:gd name="connsiteX4" fmla="*/ 1444752 w 3251607"/>
+                <a:gd name="connsiteY4" fmla="*/ 4968 h 734595"/>
+                <a:gd name="connsiteX5" fmla="*/ 1806855 w 3251607"/>
+                <a:gd name="connsiteY5" fmla="*/ 725515 h 734595"/>
+                <a:gd name="connsiteX6" fmla="*/ 2161642 w 3251607"/>
+                <a:gd name="connsiteY6" fmla="*/ 4968 h 734595"/>
+                <a:gd name="connsiteX7" fmla="*/ 2531059 w 3251607"/>
+                <a:gd name="connsiteY7" fmla="*/ 410962 h 734595"/>
+                <a:gd name="connsiteX8" fmla="*/ 3251607 w 3251607"/>
+                <a:gd name="connsiteY8" fmla="*/ 487771 h 734595"/>
+                <a:gd name="connsiteX0" fmla="*/ 26821 w 3278428"/>
+                <a:gd name="connsiteY0" fmla="*/ 381701 h 725515"/>
+                <a:gd name="connsiteX1" fmla="*/ 26822 w 3278428"/>
+                <a:gd name="connsiteY1" fmla="*/ 378043 h 725515"/>
+                <a:gd name="connsiteX2" fmla="*/ 388924 w 3278428"/>
+                <a:gd name="connsiteY2" fmla="*/ 714543 h 725515"/>
+                <a:gd name="connsiteX3" fmla="*/ 754684 w 3278428"/>
+                <a:gd name="connsiteY3" fmla="*/ 4968 h 725515"/>
+                <a:gd name="connsiteX4" fmla="*/ 1116786 w 3278428"/>
+                <a:gd name="connsiteY4" fmla="*/ 725515 h 725515"/>
+                <a:gd name="connsiteX5" fmla="*/ 1471573 w 3278428"/>
+                <a:gd name="connsiteY5" fmla="*/ 4968 h 725515"/>
+                <a:gd name="connsiteX6" fmla="*/ 1833676 w 3278428"/>
+                <a:gd name="connsiteY6" fmla="*/ 725515 h 725515"/>
+                <a:gd name="connsiteX7" fmla="*/ 2188463 w 3278428"/>
+                <a:gd name="connsiteY7" fmla="*/ 4968 h 725515"/>
+                <a:gd name="connsiteX8" fmla="*/ 2557880 w 3278428"/>
+                <a:gd name="connsiteY8" fmla="*/ 410962 h 725515"/>
+                <a:gd name="connsiteX9" fmla="*/ 3278428 w 3278428"/>
+                <a:gd name="connsiteY9" fmla="*/ 487771 h 725515"/>
+                <a:gd name="connsiteX0" fmla="*/ 0 w 3617367"/>
+                <a:gd name="connsiteY0" fmla="*/ 337810 h 725515"/>
+                <a:gd name="connsiteX1" fmla="*/ 365761 w 3617367"/>
+                <a:gd name="connsiteY1" fmla="*/ 378043 h 725515"/>
+                <a:gd name="connsiteX2" fmla="*/ 727863 w 3617367"/>
+                <a:gd name="connsiteY2" fmla="*/ 714543 h 725515"/>
+                <a:gd name="connsiteX3" fmla="*/ 1093623 w 3617367"/>
+                <a:gd name="connsiteY3" fmla="*/ 4968 h 725515"/>
+                <a:gd name="connsiteX4" fmla="*/ 1455725 w 3617367"/>
+                <a:gd name="connsiteY4" fmla="*/ 725515 h 725515"/>
+                <a:gd name="connsiteX5" fmla="*/ 1810512 w 3617367"/>
+                <a:gd name="connsiteY5" fmla="*/ 4968 h 725515"/>
+                <a:gd name="connsiteX6" fmla="*/ 2172615 w 3617367"/>
+                <a:gd name="connsiteY6" fmla="*/ 725515 h 725515"/>
+                <a:gd name="connsiteX7" fmla="*/ 2527402 w 3617367"/>
+                <a:gd name="connsiteY7" fmla="*/ 4968 h 725515"/>
+                <a:gd name="connsiteX8" fmla="*/ 2896819 w 3617367"/>
+                <a:gd name="connsiteY8" fmla="*/ 410962 h 725515"/>
+                <a:gd name="connsiteX9" fmla="*/ 3617367 w 3617367"/>
+                <a:gd name="connsiteY9" fmla="*/ 487771 h 725515"/>
+              </a:gdLst>
+              <a:ahLst/>
+              <a:cxnLst>
+                <a:cxn ang="0">
+                  <a:pos x="connsiteX0" y="connsiteY0"/>
+                </a:cxn>
+                <a:cxn ang="0">
+                  <a:pos x="connsiteX1" y="connsiteY1"/>
+                </a:cxn>
+                <a:cxn ang="0">
+                  <a:pos x="connsiteX2" y="connsiteY2"/>
+                </a:cxn>
+                <a:cxn ang="0">
+                  <a:pos x="connsiteX3" y="connsiteY3"/>
+                </a:cxn>
+                <a:cxn ang="0">
+                  <a:pos x="connsiteX4" y="connsiteY4"/>
+                </a:cxn>
+                <a:cxn ang="0">
+                  <a:pos x="connsiteX5" y="connsiteY5"/>
+                </a:cxn>
+                <a:cxn ang="0">
+                  <a:pos x="connsiteX6" y="connsiteY6"/>
+                </a:cxn>
+                <a:cxn ang="0">
+                  <a:pos x="connsiteX7" y="connsiteY7"/>
+                </a:cxn>
+                <a:cxn ang="0">
+                  <a:pos x="connsiteX8" y="connsiteY8"/>
+                </a:cxn>
+                <a:cxn ang="0">
+                  <a:pos x="connsiteX9" y="connsiteY9"/>
+                </a:cxn>
+              </a:cxnLst>
+              <a:rect l="l" t="t" r="r" b="b"/>
+              <a:pathLst>
+                <a:path w="3617367" h="725515">
+                  <a:moveTo>
+                    <a:pt x="0" y="337810"/>
+                  </a:moveTo>
+                  <a:cubicBezTo>
+                    <a:pt x="0" y="337200"/>
+                    <a:pt x="305411" y="322569"/>
+                    <a:pt x="365761" y="378043"/>
+                  </a:cubicBezTo>
+                  <a:cubicBezTo>
+                    <a:pt x="426111" y="433517"/>
+                    <a:pt x="606553" y="776722"/>
+                    <a:pt x="727863" y="714543"/>
+                  </a:cubicBezTo>
+                  <a:cubicBezTo>
+                    <a:pt x="849173" y="652364"/>
+                    <a:pt x="972313" y="3139"/>
+                    <a:pt x="1093623" y="4968"/>
+                  </a:cubicBezTo>
+                  <a:cubicBezTo>
+                    <a:pt x="1214933" y="6797"/>
+                    <a:pt x="1336244" y="725515"/>
+                    <a:pt x="1455725" y="725515"/>
+                  </a:cubicBezTo>
+                  <a:cubicBezTo>
+                    <a:pt x="1575206" y="725515"/>
+                    <a:pt x="1691030" y="4968"/>
+                    <a:pt x="1810512" y="4968"/>
+                  </a:cubicBezTo>
+                  <a:cubicBezTo>
+                    <a:pt x="1929994" y="4968"/>
+                    <a:pt x="2053133" y="725515"/>
+                    <a:pt x="2172615" y="725515"/>
+                  </a:cubicBezTo>
+                  <a:cubicBezTo>
+                    <a:pt x="2292097" y="725515"/>
+                    <a:pt x="2406701" y="57393"/>
+                    <a:pt x="2527402" y="4968"/>
+                  </a:cubicBezTo>
+                  <a:cubicBezTo>
+                    <a:pt x="2648103" y="-47457"/>
+                    <a:pt x="2715158" y="330495"/>
+                    <a:pt x="2896819" y="410962"/>
+                  </a:cubicBezTo>
+                  <a:cubicBezTo>
+                    <a:pt x="3078480" y="491429"/>
+                    <a:pt x="3347923" y="489600"/>
+                    <a:pt x="3617367" y="487771"/>
+                  </a:cubicBezTo>
+                </a:path>
+              </a:pathLst>
+            </a:custGeom>
+            <a:noFill/>
+            <a:ln>
+              <a:solidFill>
+                <a:srgbClr val="FF0000"/>
+              </a:solidFill>
+              <a:headEnd type="none" w="med" len="med"/>
+              <a:tailEnd type="arrow" w="med" len="med"/>
+            </a:ln>
+          </p:spPr>
+          <p:style>
+            <a:lnRef idx="2">
+              <a:schemeClr val="accent1">
+                <a:shade val="50000"/>
+              </a:schemeClr>
+            </a:lnRef>
+            <a:fillRef idx="1">
+              <a:schemeClr val="accent1"/>
+            </a:fillRef>
+            <a:effectRef idx="0">
+              <a:schemeClr val="accent1"/>
+            </a:effectRef>
+            <a:fontRef idx="minor">
+              <a:schemeClr val="lt1"/>
+            </a:fontRef>
+          </p:style>
+          <p:txBody>
+            <a:bodyPr rtlCol="0" anchor="ctr"/>
+            <a:lstStyle/>
+            <a:p>
+              <a:pPr algn="ctr"/>
+              <a:endParaRPr lang="en-GB"/>
+            </a:p>
+          </p:txBody>
+        </p:sp>
+        <p:sp>
+          <p:nvSpPr>
+            <p:cNvPr id="356" name="Oval 355"/>
+            <p:cNvSpPr/>
+            <p:nvPr/>
+          </p:nvSpPr>
+          <p:spPr>
+            <a:xfrm>
+              <a:off x="2090642" y="1959041"/>
+              <a:ext cx="108000" cy="108000"/>
+            </a:xfrm>
+            <a:prstGeom prst="ellipse">
+              <a:avLst/>
+            </a:prstGeom>
+            <a:solidFill>
+              <a:schemeClr val="tx1"/>
+            </a:solidFill>
+            <a:ln w="28575">
+              <a:solidFill>
+                <a:schemeClr val="tx1"/>
+              </a:solidFill>
+            </a:ln>
+          </p:spPr>
+          <p:style>
+            <a:lnRef idx="2">
+              <a:schemeClr val="accent1">
+                <a:shade val="50000"/>
+              </a:schemeClr>
+            </a:lnRef>
+            <a:fillRef idx="1">
+              <a:schemeClr val="accent1"/>
+            </a:fillRef>
+            <a:effectRef idx="0">
+              <a:schemeClr val="accent1"/>
+            </a:effectRef>
+            <a:fontRef idx="minor">
+              <a:schemeClr val="lt1"/>
+            </a:fontRef>
+          </p:style>
+          <p:txBody>
+            <a:bodyPr rtlCol="0" anchor="ctr"/>
+            <a:lstStyle/>
+            <a:p>
+              <a:pPr algn="ctr"/>
+              <a:endParaRPr lang="en-GB"/>
+            </a:p>
+          </p:txBody>
+        </p:sp>
+        <p:cxnSp>
+          <p:nvCxnSpPr>
+            <p:cNvPr id="357" name="Straight Arrow Connector 356"/>
+            <p:cNvCxnSpPr/>
+            <p:nvPr/>
+          </p:nvCxnSpPr>
+          <p:spPr>
+            <a:xfrm>
+              <a:off x="2141627" y="2067054"/>
+              <a:ext cx="0" cy="2196000"/>
+            </a:xfrm>
+            <a:prstGeom prst="straightConnector1">
+              <a:avLst/>
+            </a:prstGeom>
+            <a:ln w="28575">
+              <a:solidFill>
+                <a:srgbClr val="FF0000"/>
+              </a:solidFill>
+              <a:headEnd type="triangle" w="med" len="med"/>
+              <a:tailEnd type="none" w="med" len="med"/>
+            </a:ln>
+          </p:spPr>
+          <p:style>
+            <a:lnRef idx="1">
+              <a:schemeClr val="accent1"/>
+            </a:lnRef>
+            <a:fillRef idx="0">
+              <a:schemeClr val="accent1"/>
+            </a:fillRef>
+            <a:effectRef idx="0">
+              <a:schemeClr val="accent1"/>
+            </a:effectRef>
+            <a:fontRef idx="minor">
+              <a:schemeClr val="tx1"/>
+            </a:fontRef>
+          </p:style>
+        </p:cxnSp>
+        <p:sp>
+          <p:nvSpPr>
+            <p:cNvPr id="358" name="Oval 357"/>
+            <p:cNvSpPr/>
+            <p:nvPr/>
+          </p:nvSpPr>
+          <p:spPr>
+            <a:xfrm>
+              <a:off x="5940722" y="2670968"/>
+              <a:ext cx="108000" cy="108000"/>
+            </a:xfrm>
+            <a:prstGeom prst="ellipse">
+              <a:avLst/>
+            </a:prstGeom>
+            <a:solidFill>
+              <a:schemeClr val="tx1"/>
+            </a:solidFill>
+            <a:ln w="28575">
+              <a:solidFill>
+                <a:schemeClr val="tx1"/>
+              </a:solidFill>
+            </a:ln>
+          </p:spPr>
+          <p:style>
+            <a:lnRef idx="2">
+              <a:schemeClr val="accent1">
+                <a:shade val="50000"/>
+              </a:schemeClr>
+            </a:lnRef>
+            <a:fillRef idx="1">
+              <a:schemeClr val="accent1"/>
+            </a:fillRef>
+            <a:effectRef idx="0">
+              <a:schemeClr val="accent1"/>
+            </a:effectRef>
+            <a:fontRef idx="minor">
+              <a:schemeClr val="lt1"/>
+            </a:fontRef>
+          </p:style>
+          <p:txBody>
+            <a:bodyPr rtlCol="0" anchor="ctr"/>
+            <a:lstStyle/>
+            <a:p>
+              <a:pPr algn="ctr"/>
+              <a:endParaRPr lang="en-GB"/>
+            </a:p>
+          </p:txBody>
+        </p:sp>
+        <p:sp>
+          <p:nvSpPr>
+            <p:cNvPr id="359" name="TextBox 358"/>
+            <p:cNvSpPr txBox="1"/>
+            <p:nvPr/>
+          </p:nvSpPr>
+          <p:spPr>
+            <a:xfrm>
+              <a:off x="327320" y="2664371"/>
+              <a:ext cx="932882" cy="400110"/>
+            </a:xfrm>
+            <a:prstGeom prst="rect">
+              <a:avLst/>
+            </a:prstGeom>
+            <a:noFill/>
+          </p:spPr>
+          <p:txBody>
+            <a:bodyPr wrap="square" rtlCol="0">
+              <a:spAutoFit/>
+            </a:bodyPr>
+            <a:lstStyle/>
+            <a:p>
+              <a:r>
+                <a:rPr lang="en-GB" sz="2000" dirty="0" smtClean="0">
+                  <a:solidFill>
+                    <a:srgbClr val="FF0000"/>
+                  </a:solidFill>
+                </a:rPr>
+                <a:t>Photon</a:t>
+              </a:r>
+              <a:endParaRPr lang="en-GB" sz="2000" dirty="0">
+                <a:solidFill>
+                  <a:srgbClr val="FF0000"/>
+                </a:solidFill>
+              </a:endParaRPr>
+            </a:p>
+          </p:txBody>
+        </p:sp>
+        <p:sp>
+          <p:nvSpPr>
+            <p:cNvPr id="360" name="TextBox 359"/>
+            <p:cNvSpPr txBox="1"/>
+            <p:nvPr/>
+          </p:nvSpPr>
+          <p:spPr>
+            <a:xfrm>
+              <a:off x="468114" y="2952403"/>
+              <a:ext cx="576064" cy="432048"/>
+            </a:xfrm>
+            <a:prstGeom prst="rect">
+              <a:avLst/>
+            </a:prstGeom>
+            <a:noFill/>
+          </p:spPr>
+          <p:txBody>
+            <a:bodyPr wrap="square" rtlCol="0">
+              <a:spAutoFit/>
+            </a:bodyPr>
+            <a:lstStyle/>
+            <a:p>
+              <a:r>
+                <a:rPr lang="en-GB" sz="2200" dirty="0" smtClean="0"/>
+                <a:t>E</a:t>
+              </a:r>
+              <a:r>
+                <a:rPr lang="en-GB" sz="2200" baseline="-25000" dirty="0"/>
+                <a:t>F</a:t>
+              </a:r>
+              <a:endParaRPr lang="en-GB" sz="2200" dirty="0"/>
+            </a:p>
+          </p:txBody>
+        </p:sp>
+        <p:cxnSp>
+          <p:nvCxnSpPr>
+            <p:cNvPr id="361" name="Straight Arrow Connector 360"/>
+            <p:cNvCxnSpPr/>
+            <p:nvPr/>
+          </p:nvCxnSpPr>
+          <p:spPr>
+            <a:xfrm>
+              <a:off x="3431892" y="2853185"/>
+              <a:ext cx="966697" cy="0"/>
+            </a:xfrm>
+            <a:prstGeom prst="straightConnector1">
+              <a:avLst/>
+            </a:prstGeom>
+            <a:ln w="12700">
+              <a:solidFill>
+                <a:schemeClr val="tx1"/>
+              </a:solidFill>
+              <a:tailEnd type="arrow"/>
+            </a:ln>
+          </p:spPr>
+          <p:style>
+            <a:lnRef idx="1">
+              <a:schemeClr val="accent1"/>
+            </a:lnRef>
+            <a:fillRef idx="0">
+              <a:schemeClr val="accent1"/>
+            </a:fillRef>
+            <a:effectRef idx="0">
+              <a:schemeClr val="accent1"/>
+            </a:effectRef>
+            <a:fontRef idx="minor">
+              <a:schemeClr val="tx1"/>
+            </a:fontRef>
+          </p:style>
+        </p:cxnSp>
+        <p:sp>
+          <p:nvSpPr>
+            <p:cNvPr id="362" name="TextBox 361"/>
+            <p:cNvSpPr txBox="1"/>
+            <p:nvPr/>
+          </p:nvSpPr>
+          <p:spPr>
+            <a:xfrm>
+              <a:off x="2196306" y="1797597"/>
+              <a:ext cx="1136031" cy="430887"/>
+            </a:xfrm>
+            <a:prstGeom prst="rect">
+              <a:avLst/>
+            </a:prstGeom>
+            <a:noFill/>
+          </p:spPr>
+          <p:txBody>
+            <a:bodyPr wrap="square" rtlCol="0">
+              <a:spAutoFit/>
+            </a:bodyPr>
+            <a:lstStyle/>
+            <a:p>
+              <a:r>
+                <a:rPr lang="en-GB" sz="2200" dirty="0" smtClean="0"/>
+                <a:t>Electron</a:t>
+              </a:r>
+              <a:endParaRPr lang="en-GB" sz="2200" dirty="0"/>
+            </a:p>
+          </p:txBody>
+        </p:sp>
+        <p:sp>
+          <p:nvSpPr>
+            <p:cNvPr id="363" name="TextBox 362"/>
+            <p:cNvSpPr txBox="1"/>
+            <p:nvPr/>
+          </p:nvSpPr>
+          <p:spPr>
+            <a:xfrm>
+              <a:off x="2223163" y="4097736"/>
+              <a:ext cx="1136031" cy="430887"/>
+            </a:xfrm>
+            <a:prstGeom prst="rect">
+              <a:avLst/>
+            </a:prstGeom>
+            <a:noFill/>
+          </p:spPr>
+          <p:txBody>
+            <a:bodyPr wrap="square" rtlCol="0">
+              <a:spAutoFit/>
+            </a:bodyPr>
+            <a:lstStyle/>
+            <a:p>
+              <a:r>
+                <a:rPr lang="en-GB" sz="2200" dirty="0" smtClean="0"/>
+                <a:t>Hole</a:t>
+              </a:r>
+              <a:endParaRPr lang="en-GB" sz="2200" dirty="0"/>
+            </a:p>
+          </p:txBody>
+        </p:sp>
+        <p:sp>
+          <p:nvSpPr>
+            <p:cNvPr id="364" name="TextBox 363"/>
+            <p:cNvSpPr txBox="1"/>
+            <p:nvPr/>
+          </p:nvSpPr>
+          <p:spPr>
+            <a:xfrm>
+              <a:off x="5956819" y="2664371"/>
+              <a:ext cx="1136031" cy="430887"/>
+            </a:xfrm>
+            <a:prstGeom prst="rect">
+              <a:avLst/>
+            </a:prstGeom>
+            <a:noFill/>
+          </p:spPr>
+          <p:txBody>
+            <a:bodyPr wrap="square" rtlCol="0">
+              <a:spAutoFit/>
+            </a:bodyPr>
+            <a:lstStyle/>
+            <a:p>
+              <a:r>
+                <a:rPr lang="en-GB" sz="2200" dirty="0" smtClean="0"/>
+                <a:t>Exciton</a:t>
+              </a:r>
+              <a:endParaRPr lang="en-GB" sz="2200" dirty="0"/>
+            </a:p>
+          </p:txBody>
+        </p:sp>
+        <p:cxnSp>
+          <p:nvCxnSpPr>
+            <p:cNvPr id="365" name="Straight Arrow Connector 364"/>
+            <p:cNvCxnSpPr/>
+            <p:nvPr/>
+          </p:nvCxnSpPr>
+          <p:spPr>
+            <a:xfrm flipH="1">
+              <a:off x="5719337" y="2765855"/>
+              <a:ext cx="275385" cy="1237796"/>
+            </a:xfrm>
+            <a:prstGeom prst="straightConnector1">
+              <a:avLst/>
+            </a:prstGeom>
+            <a:ln w="28575">
+              <a:solidFill>
+                <a:srgbClr val="FF0000"/>
+              </a:solidFill>
+              <a:headEnd type="triangle" w="med" len="med"/>
+              <a:tailEnd type="none" w="med" len="med"/>
+            </a:ln>
+          </p:spPr>
+          <p:style>
+            <a:lnRef idx="1">
+              <a:schemeClr val="accent1"/>
+            </a:lnRef>
+            <a:fillRef idx="0">
+              <a:schemeClr val="accent1"/>
+            </a:fillRef>
+            <a:effectRef idx="0">
+              <a:schemeClr val="accent1"/>
+            </a:effectRef>
+            <a:fontRef idx="minor">
+              <a:schemeClr val="tx1"/>
+            </a:fontRef>
+          </p:style>
+        </p:cxnSp>
+        <p:sp>
+          <p:nvSpPr>
+            <p:cNvPr id="366" name="Freeform 365"/>
+            <p:cNvSpPr>
+              <a:spLocks noChangeAspect="1"/>
+            </p:cNvSpPr>
+            <p:nvPr/>
+          </p:nvSpPr>
+          <p:spPr>
+            <a:xfrm flipV="1">
+              <a:off x="4938001" y="3312229"/>
+              <a:ext cx="900000" cy="145048"/>
+            </a:xfrm>
+            <a:custGeom>
+              <a:avLst/>
+              <a:gdLst>
+                <a:gd name="connsiteX0" fmla="*/ 0 w 2885847"/>
+                <a:gd name="connsiteY0" fmla="*/ 721858 h 725515"/>
+                <a:gd name="connsiteX1" fmla="*/ 362103 w 2885847"/>
+                <a:gd name="connsiteY1" fmla="*/ 4968 h 725515"/>
+                <a:gd name="connsiteX2" fmla="*/ 724205 w 2885847"/>
+                <a:gd name="connsiteY2" fmla="*/ 725515 h 725515"/>
+                <a:gd name="connsiteX3" fmla="*/ 1078992 w 2885847"/>
+                <a:gd name="connsiteY3" fmla="*/ 4968 h 725515"/>
+                <a:gd name="connsiteX4" fmla="*/ 1441095 w 2885847"/>
+                <a:gd name="connsiteY4" fmla="*/ 725515 h 725515"/>
+                <a:gd name="connsiteX5" fmla="*/ 1795882 w 2885847"/>
+                <a:gd name="connsiteY5" fmla="*/ 4968 h 725515"/>
+                <a:gd name="connsiteX6" fmla="*/ 2165299 w 2885847"/>
+                <a:gd name="connsiteY6" fmla="*/ 410962 h 725515"/>
+                <a:gd name="connsiteX7" fmla="*/ 2885847 w 2885847"/>
+                <a:gd name="connsiteY7" fmla="*/ 487771 h 725515"/>
+                <a:gd name="connsiteX0" fmla="*/ 29690 w 2915537"/>
+                <a:gd name="connsiteY0" fmla="*/ 721858 h 769324"/>
+                <a:gd name="connsiteX1" fmla="*/ 26033 w 2915537"/>
+                <a:gd name="connsiteY1" fmla="*/ 714543 h 769324"/>
+                <a:gd name="connsiteX2" fmla="*/ 391793 w 2915537"/>
+                <a:gd name="connsiteY2" fmla="*/ 4968 h 769324"/>
+                <a:gd name="connsiteX3" fmla="*/ 753895 w 2915537"/>
+                <a:gd name="connsiteY3" fmla="*/ 725515 h 769324"/>
+                <a:gd name="connsiteX4" fmla="*/ 1108682 w 2915537"/>
+                <a:gd name="connsiteY4" fmla="*/ 4968 h 769324"/>
+                <a:gd name="connsiteX5" fmla="*/ 1470785 w 2915537"/>
+                <a:gd name="connsiteY5" fmla="*/ 725515 h 769324"/>
+                <a:gd name="connsiteX6" fmla="*/ 1825572 w 2915537"/>
+                <a:gd name="connsiteY6" fmla="*/ 4968 h 769324"/>
+                <a:gd name="connsiteX7" fmla="*/ 2194989 w 2915537"/>
+                <a:gd name="connsiteY7" fmla="*/ 410962 h 769324"/>
+                <a:gd name="connsiteX8" fmla="*/ 2915537 w 2915537"/>
+                <a:gd name="connsiteY8" fmla="*/ 487771 h 769324"/>
+                <a:gd name="connsiteX0" fmla="*/ 1 w 3108962"/>
+                <a:gd name="connsiteY0" fmla="*/ 579212 h 746320"/>
+                <a:gd name="connsiteX1" fmla="*/ 219458 w 3108962"/>
+                <a:gd name="connsiteY1" fmla="*/ 714543 h 746320"/>
+                <a:gd name="connsiteX2" fmla="*/ 585218 w 3108962"/>
+                <a:gd name="connsiteY2" fmla="*/ 4968 h 746320"/>
+                <a:gd name="connsiteX3" fmla="*/ 947320 w 3108962"/>
+                <a:gd name="connsiteY3" fmla="*/ 725515 h 746320"/>
+                <a:gd name="connsiteX4" fmla="*/ 1302107 w 3108962"/>
+                <a:gd name="connsiteY4" fmla="*/ 4968 h 746320"/>
+                <a:gd name="connsiteX5" fmla="*/ 1664210 w 3108962"/>
+                <a:gd name="connsiteY5" fmla="*/ 725515 h 746320"/>
+                <a:gd name="connsiteX6" fmla="*/ 2018997 w 3108962"/>
+                <a:gd name="connsiteY6" fmla="*/ 4968 h 746320"/>
+                <a:gd name="connsiteX7" fmla="*/ 2388414 w 3108962"/>
+                <a:gd name="connsiteY7" fmla="*/ 410962 h 746320"/>
+                <a:gd name="connsiteX8" fmla="*/ 3108962 w 3108962"/>
+                <a:gd name="connsiteY8" fmla="*/ 487771 h 746320"/>
+                <a:gd name="connsiteX0" fmla="*/ 0 w 3251607"/>
+                <a:gd name="connsiteY0" fmla="*/ 381701 h 734595"/>
+                <a:gd name="connsiteX1" fmla="*/ 362103 w 3251607"/>
+                <a:gd name="connsiteY1" fmla="*/ 714543 h 734595"/>
+                <a:gd name="connsiteX2" fmla="*/ 727863 w 3251607"/>
+                <a:gd name="connsiteY2" fmla="*/ 4968 h 734595"/>
+                <a:gd name="connsiteX3" fmla="*/ 1089965 w 3251607"/>
+                <a:gd name="connsiteY3" fmla="*/ 725515 h 734595"/>
+                <a:gd name="connsiteX4" fmla="*/ 1444752 w 3251607"/>
+                <a:gd name="connsiteY4" fmla="*/ 4968 h 734595"/>
+                <a:gd name="connsiteX5" fmla="*/ 1806855 w 3251607"/>
+                <a:gd name="connsiteY5" fmla="*/ 725515 h 734595"/>
+                <a:gd name="connsiteX6" fmla="*/ 2161642 w 3251607"/>
+                <a:gd name="connsiteY6" fmla="*/ 4968 h 734595"/>
+                <a:gd name="connsiteX7" fmla="*/ 2531059 w 3251607"/>
+                <a:gd name="connsiteY7" fmla="*/ 410962 h 734595"/>
+                <a:gd name="connsiteX8" fmla="*/ 3251607 w 3251607"/>
+                <a:gd name="connsiteY8" fmla="*/ 487771 h 734595"/>
+                <a:gd name="connsiteX0" fmla="*/ 26821 w 3278428"/>
+                <a:gd name="connsiteY0" fmla="*/ 381701 h 725515"/>
+                <a:gd name="connsiteX1" fmla="*/ 26822 w 3278428"/>
+                <a:gd name="connsiteY1" fmla="*/ 378043 h 725515"/>
+                <a:gd name="connsiteX2" fmla="*/ 388924 w 3278428"/>
+                <a:gd name="connsiteY2" fmla="*/ 714543 h 725515"/>
+                <a:gd name="connsiteX3" fmla="*/ 754684 w 3278428"/>
+                <a:gd name="connsiteY3" fmla="*/ 4968 h 725515"/>
+                <a:gd name="connsiteX4" fmla="*/ 1116786 w 3278428"/>
+                <a:gd name="connsiteY4" fmla="*/ 725515 h 725515"/>
+                <a:gd name="connsiteX5" fmla="*/ 1471573 w 3278428"/>
+                <a:gd name="connsiteY5" fmla="*/ 4968 h 725515"/>
+                <a:gd name="connsiteX6" fmla="*/ 1833676 w 3278428"/>
+                <a:gd name="connsiteY6" fmla="*/ 725515 h 725515"/>
+                <a:gd name="connsiteX7" fmla="*/ 2188463 w 3278428"/>
+                <a:gd name="connsiteY7" fmla="*/ 4968 h 725515"/>
+                <a:gd name="connsiteX8" fmla="*/ 2557880 w 3278428"/>
+                <a:gd name="connsiteY8" fmla="*/ 410962 h 725515"/>
+                <a:gd name="connsiteX9" fmla="*/ 3278428 w 3278428"/>
+                <a:gd name="connsiteY9" fmla="*/ 487771 h 725515"/>
+                <a:gd name="connsiteX0" fmla="*/ 0 w 3617367"/>
+                <a:gd name="connsiteY0" fmla="*/ 337810 h 725515"/>
+                <a:gd name="connsiteX1" fmla="*/ 365761 w 3617367"/>
+                <a:gd name="connsiteY1" fmla="*/ 378043 h 725515"/>
+                <a:gd name="connsiteX2" fmla="*/ 727863 w 3617367"/>
+                <a:gd name="connsiteY2" fmla="*/ 714543 h 725515"/>
+                <a:gd name="connsiteX3" fmla="*/ 1093623 w 3617367"/>
+                <a:gd name="connsiteY3" fmla="*/ 4968 h 725515"/>
+                <a:gd name="connsiteX4" fmla="*/ 1455725 w 3617367"/>
+                <a:gd name="connsiteY4" fmla="*/ 725515 h 725515"/>
+                <a:gd name="connsiteX5" fmla="*/ 1810512 w 3617367"/>
+                <a:gd name="connsiteY5" fmla="*/ 4968 h 725515"/>
+                <a:gd name="connsiteX6" fmla="*/ 2172615 w 3617367"/>
+                <a:gd name="connsiteY6" fmla="*/ 725515 h 725515"/>
+                <a:gd name="connsiteX7" fmla="*/ 2527402 w 3617367"/>
+                <a:gd name="connsiteY7" fmla="*/ 4968 h 725515"/>
+                <a:gd name="connsiteX8" fmla="*/ 2896819 w 3617367"/>
+                <a:gd name="connsiteY8" fmla="*/ 410962 h 725515"/>
+                <a:gd name="connsiteX9" fmla="*/ 3617367 w 3617367"/>
+                <a:gd name="connsiteY9" fmla="*/ 487771 h 725515"/>
+              </a:gdLst>
+              <a:ahLst/>
+              <a:cxnLst>
+                <a:cxn ang="0">
+                  <a:pos x="connsiteX0" y="connsiteY0"/>
+                </a:cxn>
+                <a:cxn ang="0">
+                  <a:pos x="connsiteX1" y="connsiteY1"/>
+                </a:cxn>
+                <a:cxn ang="0">
+                  <a:pos x="connsiteX2" y="connsiteY2"/>
+                </a:cxn>
+                <a:cxn ang="0">
+                  <a:pos x="connsiteX3" y="connsiteY3"/>
+                </a:cxn>
+                <a:cxn ang="0">
+                  <a:pos x="connsiteX4" y="connsiteY4"/>
+                </a:cxn>
+                <a:cxn ang="0">
+                  <a:pos x="connsiteX5" y="connsiteY5"/>
+                </a:cxn>
+                <a:cxn ang="0">
+                  <a:pos x="connsiteX6" y="connsiteY6"/>
+                </a:cxn>
+                <a:cxn ang="0">
+                  <a:pos x="connsiteX7" y="connsiteY7"/>
+                </a:cxn>
+                <a:cxn ang="0">
+                  <a:pos x="connsiteX8" y="connsiteY8"/>
+                </a:cxn>
+                <a:cxn ang="0">
+                  <a:pos x="connsiteX9" y="connsiteY9"/>
+                </a:cxn>
+              </a:cxnLst>
+              <a:rect l="l" t="t" r="r" b="b"/>
+              <a:pathLst>
+                <a:path w="3617367" h="725515">
+                  <a:moveTo>
+                    <a:pt x="0" y="337810"/>
+                  </a:moveTo>
+                  <a:cubicBezTo>
+                    <a:pt x="0" y="337200"/>
+                    <a:pt x="305411" y="322569"/>
+                    <a:pt x="365761" y="378043"/>
+                  </a:cubicBezTo>
+                  <a:cubicBezTo>
+                    <a:pt x="426111" y="433517"/>
+                    <a:pt x="606553" y="776722"/>
+                    <a:pt x="727863" y="714543"/>
+                  </a:cubicBezTo>
+                  <a:cubicBezTo>
+                    <a:pt x="849173" y="652364"/>
+                    <a:pt x="972313" y="3139"/>
+                    <a:pt x="1093623" y="4968"/>
+                  </a:cubicBezTo>
+                  <a:cubicBezTo>
+                    <a:pt x="1214933" y="6797"/>
+                    <a:pt x="1336244" y="725515"/>
+                    <a:pt x="1455725" y="725515"/>
+                  </a:cubicBezTo>
+                  <a:cubicBezTo>
+                    <a:pt x="1575206" y="725515"/>
+                    <a:pt x="1691030" y="4968"/>
+                    <a:pt x="1810512" y="4968"/>
+                  </a:cubicBezTo>
+                  <a:cubicBezTo>
+                    <a:pt x="1929994" y="4968"/>
+                    <a:pt x="2053133" y="725515"/>
+                    <a:pt x="2172615" y="725515"/>
+                  </a:cubicBezTo>
+                  <a:cubicBezTo>
+                    <a:pt x="2292097" y="725515"/>
+                    <a:pt x="2406701" y="57393"/>
+                    <a:pt x="2527402" y="4968"/>
+                  </a:cubicBezTo>
+                  <a:cubicBezTo>
+                    <a:pt x="2648103" y="-47457"/>
+                    <a:pt x="2715158" y="330495"/>
+                    <a:pt x="2896819" y="410962"/>
+                  </a:cubicBezTo>
+                  <a:cubicBezTo>
+                    <a:pt x="3078480" y="491429"/>
+                    <a:pt x="3347923" y="489600"/>
+                    <a:pt x="3617367" y="487771"/>
+                  </a:cubicBezTo>
+                </a:path>
+              </a:pathLst>
+            </a:custGeom>
+            <a:noFill/>
+            <a:ln>
+              <a:solidFill>
+                <a:srgbClr val="FF0000"/>
+              </a:solidFill>
+              <a:headEnd type="none" w="med" len="med"/>
+              <a:tailEnd type="arrow" w="med" len="med"/>
+            </a:ln>
+          </p:spPr>
+          <p:style>
+            <a:lnRef idx="2">
+              <a:schemeClr val="accent1">
+                <a:shade val="50000"/>
+              </a:schemeClr>
+            </a:lnRef>
+            <a:fillRef idx="1">
+              <a:schemeClr val="accent1"/>
+            </a:fillRef>
+            <a:effectRef idx="0">
+              <a:schemeClr val="accent1"/>
+            </a:effectRef>
+            <a:fontRef idx="minor">
+              <a:schemeClr val="lt1"/>
+            </a:fontRef>
+          </p:style>
+          <p:txBody>
+            <a:bodyPr rtlCol="0" anchor="ctr"/>
+            <a:lstStyle/>
+            <a:p>
+              <a:pPr algn="ctr"/>
+              <a:endParaRPr lang="en-GB"/>
+            </a:p>
+          </p:txBody>
+        </p:sp>
+        <p:sp>
+          <p:nvSpPr>
+            <p:cNvPr id="367" name="TextBox 366"/>
+            <p:cNvSpPr txBox="1"/>
+            <p:nvPr/>
+          </p:nvSpPr>
+          <p:spPr>
+            <a:xfrm>
+              <a:off x="4041023" y="3169245"/>
+              <a:ext cx="932882" cy="400110"/>
+            </a:xfrm>
+            <a:prstGeom prst="rect">
+              <a:avLst/>
+            </a:prstGeom>
+            <a:noFill/>
+          </p:spPr>
+          <p:txBody>
+            <a:bodyPr wrap="square" rtlCol="0">
+              <a:spAutoFit/>
+            </a:bodyPr>
+            <a:lstStyle/>
+            <a:p>
+              <a:r>
+                <a:rPr lang="en-GB" sz="2000" dirty="0" smtClean="0">
+                  <a:solidFill>
+                    <a:srgbClr val="FF0000"/>
+                  </a:solidFill>
+                </a:rPr>
+                <a:t>Photon</a:t>
+              </a:r>
+              <a:endParaRPr lang="en-GB" sz="2000" dirty="0">
+                <a:solidFill>
+                  <a:srgbClr val="FF0000"/>
+                </a:solidFill>
+              </a:endParaRPr>
+            </a:p>
+          </p:txBody>
+        </p:sp>
+      </p:grpSp>
     </p:spTree>
     <p:extLst>
       <p:ext uri="{BB962C8B-B14F-4D97-AF65-F5344CB8AC3E}">

--- a/Chapter2/Figures/Fig1.pptx
+++ b/Chapter2/Figures/Fig1.pptx
@@ -10,7 +10,7 @@
   <p:sldIdLst>
     <p:sldId id="256" r:id="rId2"/>
   </p:sldIdLst>
-  <p:sldSz cx="8640763" cy="9361488"/>
+  <p:sldSz cx="8640763" cy="9540875"/>
   <p:notesSz cx="6858000" cy="9144000"/>
   <p:defaultTextStyle>
     <a:defPPr>
@@ -192,7 +192,7 @@
           <a:p>
             <a:fld id="{05FA83E1-7CE7-4EF2-A677-370A5994ADD2}" type="datetimeFigureOut">
               <a:rPr lang="en-GB" smtClean="0"/>
-              <a:t>08/07/2014</a:t>
+              <a:t>31/08/2014</a:t>
             </a:fld>
             <a:endParaRPr lang="en-GB"/>
           </a:p>
@@ -210,8 +210,8 @@
         </p:nvSpPr>
         <p:spPr>
           <a:xfrm>
-            <a:off x="1847850" y="685800"/>
-            <a:ext cx="3162300" cy="3429000"/>
+            <a:off x="1876425" y="685800"/>
+            <a:ext cx="3105150" cy="3429000"/>
           </a:xfrm>
           <a:prstGeom prst="rect">
             <a:avLst/>
@@ -489,8 +489,8 @@
         </p:nvSpPr>
         <p:spPr>
           <a:xfrm>
-            <a:off x="1847850" y="685800"/>
-            <a:ext cx="3162300" cy="3429000"/>
+            <a:off x="1876425" y="685800"/>
+            <a:ext cx="3105150" cy="3429000"/>
           </a:xfrm>
         </p:spPr>
       </p:sp>
@@ -578,8 +578,8 @@
         </p:nvSpPr>
         <p:spPr>
           <a:xfrm>
-            <a:off x="648058" y="2908131"/>
-            <a:ext cx="7344648" cy="2006652"/>
+            <a:off x="648058" y="2963857"/>
+            <a:ext cx="7344648" cy="2045104"/>
           </a:xfrm>
         </p:spPr>
         <p:txBody>
@@ -606,8 +606,8 @@
         </p:nvSpPr>
         <p:spPr>
           <a:xfrm>
-            <a:off x="1296114" y="5304844"/>
-            <a:ext cx="6048535" cy="2392379"/>
+            <a:off x="1296117" y="5406498"/>
+            <a:ext cx="6048535" cy="2438222"/>
           </a:xfrm>
         </p:spPr>
         <p:txBody>
@@ -730,7 +730,7 @@
           <a:p>
             <a:fld id="{FBA5243F-5F84-4526-99E0-A0D09F3BFEDC}" type="datetimeFigureOut">
               <a:rPr lang="en-GB" smtClean="0"/>
-              <a:t>08/07/2014</a:t>
+              <a:t>31/08/2014</a:t>
             </a:fld>
             <a:endParaRPr lang="en-GB"/>
           </a:p>
@@ -900,7 +900,7 @@
           <a:p>
             <a:fld id="{FBA5243F-5F84-4526-99E0-A0D09F3BFEDC}" type="datetimeFigureOut">
               <a:rPr lang="en-GB" smtClean="0"/>
-              <a:t>08/07/2014</a:t>
+              <a:t>31/08/2014</a:t>
             </a:fld>
             <a:endParaRPr lang="en-GB"/>
           </a:p>
@@ -990,8 +990,8 @@
         </p:nvSpPr>
         <p:spPr>
           <a:xfrm>
-            <a:off x="6264554" y="374897"/>
-            <a:ext cx="1944172" cy="7987603"/>
+            <a:off x="6264554" y="382082"/>
+            <a:ext cx="1944172" cy="8140664"/>
           </a:xfrm>
         </p:spPr>
         <p:txBody>
@@ -1018,8 +1018,8 @@
         </p:nvSpPr>
         <p:spPr>
           <a:xfrm>
-            <a:off x="432042" y="374897"/>
-            <a:ext cx="5688503" cy="7987603"/>
+            <a:off x="432045" y="382082"/>
+            <a:ext cx="5688503" cy="8140664"/>
           </a:xfrm>
         </p:spPr>
         <p:txBody>
@@ -1080,7 +1080,7 @@
           <a:p>
             <a:fld id="{FBA5243F-5F84-4526-99E0-A0D09F3BFEDC}" type="datetimeFigureOut">
               <a:rPr lang="en-GB" smtClean="0"/>
-              <a:t>08/07/2014</a:t>
+              <a:t>31/08/2014</a:t>
             </a:fld>
             <a:endParaRPr lang="en-GB"/>
           </a:p>
@@ -1250,7 +1250,7 @@
           <a:p>
             <a:fld id="{FBA5243F-5F84-4526-99E0-A0D09F3BFEDC}" type="datetimeFigureOut">
               <a:rPr lang="en-GB" smtClean="0"/>
-              <a:t>08/07/2014</a:t>
+              <a:t>31/08/2014</a:t>
             </a:fld>
             <a:endParaRPr lang="en-GB"/>
           </a:p>
@@ -1340,8 +1340,8 @@
         </p:nvSpPr>
         <p:spPr>
           <a:xfrm>
-            <a:off x="682561" y="6015624"/>
-            <a:ext cx="7344648" cy="1859295"/>
+            <a:off x="682561" y="6130898"/>
+            <a:ext cx="7344648" cy="1894923"/>
           </a:xfrm>
         </p:spPr>
         <p:txBody>
@@ -1372,8 +1372,8 @@
         </p:nvSpPr>
         <p:spPr>
           <a:xfrm>
-            <a:off x="682561" y="3967802"/>
-            <a:ext cx="7344648" cy="2047824"/>
+            <a:off x="682561" y="4043834"/>
+            <a:ext cx="7344648" cy="2087065"/>
           </a:xfrm>
         </p:spPr>
         <p:txBody>
@@ -1496,7 +1496,7 @@
           <a:p>
             <a:fld id="{FBA5243F-5F84-4526-99E0-A0D09F3BFEDC}" type="datetimeFigureOut">
               <a:rPr lang="en-GB" smtClean="0"/>
-              <a:t>08/07/2014</a:t>
+              <a:t>31/08/2014</a:t>
             </a:fld>
             <a:endParaRPr lang="en-GB"/>
           </a:p>
@@ -1609,8 +1609,8 @@
         </p:nvSpPr>
         <p:spPr>
           <a:xfrm>
-            <a:off x="432042" y="2184348"/>
-            <a:ext cx="3816337" cy="6178150"/>
+            <a:off x="432045" y="2226205"/>
+            <a:ext cx="3816337" cy="6296537"/>
           </a:xfrm>
         </p:spPr>
         <p:txBody>
@@ -1694,8 +1694,8 @@
         </p:nvSpPr>
         <p:spPr>
           <a:xfrm>
-            <a:off x="4392392" y="2184348"/>
-            <a:ext cx="3816337" cy="6178150"/>
+            <a:off x="4392395" y="2226205"/>
+            <a:ext cx="3816337" cy="6296537"/>
           </a:xfrm>
         </p:spPr>
         <p:txBody>
@@ -1784,7 +1784,7 @@
           <a:p>
             <a:fld id="{FBA5243F-5F84-4526-99E0-A0D09F3BFEDC}" type="datetimeFigureOut">
               <a:rPr lang="en-GB" smtClean="0"/>
-              <a:t>08/07/2014</a:t>
+              <a:t>31/08/2014</a:t>
             </a:fld>
             <a:endParaRPr lang="en-GB"/>
           </a:p>
@@ -1901,8 +1901,8 @@
         </p:nvSpPr>
         <p:spPr>
           <a:xfrm>
-            <a:off x="432038" y="2095501"/>
-            <a:ext cx="3817838" cy="873306"/>
+            <a:off x="432038" y="2135657"/>
+            <a:ext cx="3817838" cy="890040"/>
           </a:xfrm>
         </p:spPr>
         <p:txBody>
@@ -1966,8 +1966,8 @@
         </p:nvSpPr>
         <p:spPr>
           <a:xfrm>
-            <a:off x="432038" y="2968805"/>
-            <a:ext cx="3817838" cy="5393693"/>
+            <a:off x="432038" y="3025694"/>
+            <a:ext cx="3817838" cy="5497048"/>
           </a:xfrm>
         </p:spPr>
         <p:txBody>
@@ -2051,8 +2051,8 @@
         </p:nvSpPr>
         <p:spPr>
           <a:xfrm>
-            <a:off x="4389388" y="2095501"/>
-            <a:ext cx="3819337" cy="873306"/>
+            <a:off x="4389391" y="2135657"/>
+            <a:ext cx="3819337" cy="890040"/>
           </a:xfrm>
         </p:spPr>
         <p:txBody>
@@ -2116,8 +2116,8 @@
         </p:nvSpPr>
         <p:spPr>
           <a:xfrm>
-            <a:off x="4389388" y="2968805"/>
-            <a:ext cx="3819337" cy="5393693"/>
+            <a:off x="4389391" y="3025694"/>
+            <a:ext cx="3819337" cy="5497048"/>
           </a:xfrm>
         </p:spPr>
         <p:txBody>
@@ -2206,7 +2206,7 @@
           <a:p>
             <a:fld id="{FBA5243F-5F84-4526-99E0-A0D09F3BFEDC}" type="datetimeFigureOut">
               <a:rPr lang="en-GB" smtClean="0"/>
-              <a:t>08/07/2014</a:t>
+              <a:t>31/08/2014</a:t>
             </a:fld>
             <a:endParaRPr lang="en-GB"/>
           </a:p>
@@ -2324,7 +2324,7 @@
           <a:p>
             <a:fld id="{FBA5243F-5F84-4526-99E0-A0D09F3BFEDC}" type="datetimeFigureOut">
               <a:rPr lang="en-GB" smtClean="0"/>
-              <a:t>08/07/2014</a:t>
+              <a:t>31/08/2014</a:t>
             </a:fld>
             <a:endParaRPr lang="en-GB"/>
           </a:p>
@@ -2419,7 +2419,7 @@
           <a:p>
             <a:fld id="{FBA5243F-5F84-4526-99E0-A0D09F3BFEDC}" type="datetimeFigureOut">
               <a:rPr lang="en-GB" smtClean="0"/>
-              <a:t>08/07/2014</a:t>
+              <a:t>31/08/2014</a:t>
             </a:fld>
             <a:endParaRPr lang="en-GB"/>
           </a:p>
@@ -2509,8 +2509,8 @@
         </p:nvSpPr>
         <p:spPr>
           <a:xfrm>
-            <a:off x="432039" y="372729"/>
-            <a:ext cx="2842751" cy="1586253"/>
+            <a:off x="432042" y="379873"/>
+            <a:ext cx="2842751" cy="1616650"/>
           </a:xfrm>
         </p:spPr>
         <p:txBody>
@@ -2541,8 +2541,8 @@
         </p:nvSpPr>
         <p:spPr>
           <a:xfrm>
-            <a:off x="3378301" y="372731"/>
-            <a:ext cx="4830427" cy="7989771"/>
+            <a:off x="3378304" y="379874"/>
+            <a:ext cx="4830427" cy="8142873"/>
           </a:xfrm>
         </p:spPr>
         <p:txBody>
@@ -2626,8 +2626,8 @@
         </p:nvSpPr>
         <p:spPr>
           <a:xfrm>
-            <a:off x="432039" y="1958980"/>
-            <a:ext cx="2842751" cy="6403518"/>
+            <a:off x="432042" y="1996518"/>
+            <a:ext cx="2842751" cy="6526224"/>
           </a:xfrm>
         </p:spPr>
         <p:txBody>
@@ -2696,7 +2696,7 @@
           <a:p>
             <a:fld id="{FBA5243F-5F84-4526-99E0-A0D09F3BFEDC}" type="datetimeFigureOut">
               <a:rPr lang="en-GB" smtClean="0"/>
-              <a:t>08/07/2014</a:t>
+              <a:t>31/08/2014</a:t>
             </a:fld>
             <a:endParaRPr lang="en-GB"/>
           </a:p>
@@ -2786,8 +2786,8 @@
         </p:nvSpPr>
         <p:spPr>
           <a:xfrm>
-            <a:off x="1693655" y="6553044"/>
-            <a:ext cx="5184458" cy="773624"/>
+            <a:off x="1693655" y="6678616"/>
+            <a:ext cx="5184458" cy="788448"/>
           </a:xfrm>
         </p:spPr>
         <p:txBody>
@@ -2818,8 +2818,8 @@
         </p:nvSpPr>
         <p:spPr>
           <a:xfrm>
-            <a:off x="1693655" y="836467"/>
-            <a:ext cx="5184458" cy="5616893"/>
+            <a:off x="1693655" y="852497"/>
+            <a:ext cx="5184458" cy="5724525"/>
           </a:xfrm>
         </p:spPr>
         <p:txBody>
@@ -2879,8 +2879,8 @@
         </p:nvSpPr>
         <p:spPr>
           <a:xfrm>
-            <a:off x="1693655" y="7326667"/>
-            <a:ext cx="5184458" cy="1098674"/>
+            <a:off x="1693655" y="7467063"/>
+            <a:ext cx="5184458" cy="1119728"/>
           </a:xfrm>
         </p:spPr>
         <p:txBody>
@@ -2949,7 +2949,7 @@
           <a:p>
             <a:fld id="{FBA5243F-5F84-4526-99E0-A0D09F3BFEDC}" type="datetimeFigureOut">
               <a:rPr lang="en-GB" smtClean="0"/>
-              <a:t>08/07/2014</a:t>
+              <a:t>31/08/2014</a:t>
             </a:fld>
             <a:endParaRPr lang="en-GB"/>
           </a:p>
@@ -3044,8 +3044,8 @@
         </p:nvSpPr>
         <p:spPr>
           <a:xfrm>
-            <a:off x="432042" y="374895"/>
-            <a:ext cx="7776687" cy="1560249"/>
+            <a:off x="432045" y="382081"/>
+            <a:ext cx="7776687" cy="1590146"/>
           </a:xfrm>
           <a:prstGeom prst="rect">
             <a:avLst/>
@@ -3077,8 +3077,8 @@
         </p:nvSpPr>
         <p:spPr>
           <a:xfrm>
-            <a:off x="432042" y="2184348"/>
-            <a:ext cx="7776687" cy="6178150"/>
+            <a:off x="432045" y="2226205"/>
+            <a:ext cx="7776687" cy="6296537"/>
           </a:xfrm>
           <a:prstGeom prst="rect">
             <a:avLst/>
@@ -3139,8 +3139,8 @@
         </p:nvSpPr>
         <p:spPr>
           <a:xfrm>
-            <a:off x="432042" y="8676714"/>
-            <a:ext cx="2016179" cy="498414"/>
+            <a:off x="432045" y="8842980"/>
+            <a:ext cx="2016179" cy="507965"/>
           </a:xfrm>
           <a:prstGeom prst="rect">
             <a:avLst/>
@@ -3162,7 +3162,7 @@
           <a:p>
             <a:fld id="{FBA5243F-5F84-4526-99E0-A0D09F3BFEDC}" type="datetimeFigureOut">
               <a:rPr lang="en-GB" smtClean="0"/>
-              <a:t>08/07/2014</a:t>
+              <a:t>31/08/2014</a:t>
             </a:fld>
             <a:endParaRPr lang="en-GB"/>
           </a:p>
@@ -3180,8 +3180,8 @@
         </p:nvSpPr>
         <p:spPr>
           <a:xfrm>
-            <a:off x="2952261" y="8676714"/>
-            <a:ext cx="2736241" cy="498414"/>
+            <a:off x="2952264" y="8842980"/>
+            <a:ext cx="2736241" cy="507965"/>
           </a:xfrm>
           <a:prstGeom prst="rect">
             <a:avLst/>
@@ -3217,8 +3217,8 @@
         </p:nvSpPr>
         <p:spPr>
           <a:xfrm>
-            <a:off x="6192551" y="8676714"/>
-            <a:ext cx="2016179" cy="498414"/>
+            <a:off x="6192554" y="8842980"/>
+            <a:ext cx="2016179" cy="507965"/>
           </a:xfrm>
           <a:prstGeom prst="rect">
             <a:avLst/>
@@ -3539,7 +3539,7 @@
       </p:grpSpPr>
       <p:sp>
         <p:nvSpPr>
-          <p:cNvPr id="243" name="TextBox 242"/>
+          <p:cNvPr id="210" name="TextBox 209"/>
           <p:cNvSpPr txBox="1"/>
           <p:nvPr/>
         </p:nvSpPr>
@@ -3569,7 +3569,7 @@
       </p:sp>
       <p:pic>
         <p:nvPicPr>
-          <p:cNvPr id="244" name="Picture 2"/>
+          <p:cNvPr id="211" name="Picture 2"/>
           <p:cNvPicPr>
             <a:picLocks noChangeAspect="1" noChangeArrowheads="1"/>
           </p:cNvPicPr>
@@ -3590,7 +3590,7 @@
         </p:blipFill>
         <p:spPr bwMode="auto">
           <a:xfrm>
-            <a:off x="4468525" y="5959818"/>
+            <a:off x="4468525" y="6248574"/>
             <a:ext cx="4320000" cy="3296000"/>
           </a:xfrm>
           <a:prstGeom prst="rect">
@@ -3623,13 +3623,13 @@
       </p:pic>
       <p:sp>
         <p:nvSpPr>
-          <p:cNvPr id="302" name="TextBox 301"/>
+          <p:cNvPr id="212" name="TextBox 211"/>
           <p:cNvSpPr txBox="1"/>
           <p:nvPr/>
         </p:nvSpPr>
         <p:spPr>
           <a:xfrm>
-            <a:off x="-90534" y="5937315"/>
+            <a:off x="-90534" y="6226071"/>
             <a:ext cx="576064" cy="477054"/>
           </a:xfrm>
           <a:prstGeom prst="rect">
@@ -3645,7 +3645,7 @@
           <a:p>
             <a:r>
               <a:rPr lang="en-GB" sz="2500" dirty="0" smtClean="0"/>
-              <a:t>(c)</a:t>
+              <a:t>(b)</a:t>
             </a:r>
             <a:endParaRPr lang="en-GB" sz="2500" dirty="0"/>
           </a:p>
@@ -3653,13 +3653,13 @@
       </p:sp>
       <p:grpSp>
         <p:nvGrpSpPr>
-          <p:cNvPr id="303" name="Group 302"/>
+          <p:cNvPr id="213" name="Group 212"/>
           <p:cNvGrpSpPr/>
           <p:nvPr/>
         </p:nvGrpSpPr>
         <p:grpSpPr>
           <a:xfrm>
-            <a:off x="612158" y="6175842"/>
+            <a:off x="612158" y="6464598"/>
             <a:ext cx="3713733" cy="2664296"/>
             <a:chOff x="594742" y="3780482"/>
             <a:chExt cx="3713733" cy="2664296"/>
@@ -3667,7 +3667,7 @@
         </p:grpSpPr>
         <p:cxnSp>
           <p:nvCxnSpPr>
-            <p:cNvPr id="304" name="Straight Arrow Connector 303"/>
+            <p:cNvPr id="214" name="Straight Arrow Connector 213"/>
             <p:cNvCxnSpPr/>
             <p:nvPr/>
           </p:nvCxnSpPr>
@@ -3703,7 +3703,7 @@
         </p:cxnSp>
         <p:cxnSp>
           <p:nvCxnSpPr>
-            <p:cNvPr id="305" name="Straight Arrow Connector 304"/>
+            <p:cNvPr id="215" name="Straight Arrow Connector 214"/>
             <p:cNvCxnSpPr/>
             <p:nvPr/>
           </p:nvCxnSpPr>
@@ -3740,13 +3740,13 @@
       </p:grpSp>
       <p:sp>
         <p:nvSpPr>
-          <p:cNvPr id="306" name="TextBox 305"/>
+          <p:cNvPr id="216" name="TextBox 215"/>
           <p:cNvSpPr txBox="1"/>
           <p:nvPr/>
         </p:nvSpPr>
         <p:spPr>
           <a:xfrm>
-            <a:off x="4140522" y="5937315"/>
+            <a:off x="4140522" y="6226071"/>
             <a:ext cx="576064" cy="477054"/>
           </a:xfrm>
           <a:prstGeom prst="rect">
@@ -3762,7 +3762,7 @@
           <a:p>
             <a:r>
               <a:rPr lang="en-GB" sz="2500" dirty="0" smtClean="0"/>
-              <a:t>(d)</a:t>
+              <a:t>(c)</a:t>
             </a:r>
             <a:endParaRPr lang="en-GB" sz="2500" dirty="0"/>
           </a:p>
@@ -3770,13 +3770,13 @@
       </p:sp>
       <p:cxnSp>
         <p:nvCxnSpPr>
-          <p:cNvPr id="307" name="Straight Connector 306"/>
+          <p:cNvPr id="217" name="Straight Connector 216"/>
           <p:cNvCxnSpPr/>
           <p:nvPr/>
         </p:nvCxnSpPr>
         <p:spPr>
           <a:xfrm>
-            <a:off x="1205610" y="6502447"/>
+            <a:off x="1205610" y="6791203"/>
             <a:ext cx="0" cy="2340000"/>
           </a:xfrm>
           <a:prstGeom prst="line">
@@ -3805,13 +3805,13 @@
       </p:cxnSp>
       <p:sp>
         <p:nvSpPr>
-          <p:cNvPr id="308" name="Freeform 307"/>
+          <p:cNvPr id="218" name="Freeform 217"/>
           <p:cNvSpPr/>
           <p:nvPr/>
         </p:nvSpPr>
         <p:spPr>
           <a:xfrm>
-            <a:off x="2825836" y="8043210"/>
+            <a:off x="2825836" y="8331966"/>
             <a:ext cx="1212112" cy="148856"/>
           </a:xfrm>
           <a:custGeom>
@@ -3889,13 +3889,13 @@
       </p:sp>
       <p:sp>
         <p:nvSpPr>
-          <p:cNvPr id="309" name="Freeform 308"/>
+          <p:cNvPr id="219" name="Freeform 218"/>
           <p:cNvSpPr/>
           <p:nvPr/>
         </p:nvSpPr>
         <p:spPr>
           <a:xfrm rot="5400000" flipV="1">
-            <a:off x="3136590" y="7902986"/>
+            <a:off x="3136590" y="8191742"/>
             <a:ext cx="650380" cy="1228544"/>
           </a:xfrm>
           <a:custGeom>
@@ -3973,13 +3973,13 @@
       </p:sp>
       <p:cxnSp>
         <p:nvCxnSpPr>
-          <p:cNvPr id="310" name="Straight Connector 309"/>
+          <p:cNvPr id="220" name="Straight Connector 219"/>
           <p:cNvCxnSpPr/>
           <p:nvPr/>
         </p:nvCxnSpPr>
         <p:spPr>
           <a:xfrm>
-            <a:off x="2457042" y="7327970"/>
+            <a:off x="2457042" y="7616726"/>
             <a:ext cx="0" cy="1512000"/>
           </a:xfrm>
           <a:prstGeom prst="line">
@@ -4008,13 +4008,13 @@
       </p:cxnSp>
       <p:cxnSp>
         <p:nvCxnSpPr>
-          <p:cNvPr id="311" name="Straight Connector 310"/>
+          <p:cNvPr id="221" name="Straight Connector 220"/>
           <p:cNvCxnSpPr/>
           <p:nvPr/>
         </p:nvCxnSpPr>
         <p:spPr>
           <a:xfrm>
-            <a:off x="2768382" y="7904138"/>
+            <a:off x="2768382" y="8192894"/>
             <a:ext cx="0" cy="936000"/>
           </a:xfrm>
           <a:prstGeom prst="line">
@@ -4043,13 +4043,13 @@
       </p:cxnSp>
       <p:sp>
         <p:nvSpPr>
-          <p:cNvPr id="312" name="TextBox 311"/>
+          <p:cNvPr id="222" name="TextBox 221"/>
           <p:cNvSpPr txBox="1"/>
           <p:nvPr/>
         </p:nvSpPr>
         <p:spPr>
           <a:xfrm>
-            <a:off x="838506" y="6032987"/>
+            <a:off x="838506" y="6321743"/>
             <a:ext cx="802136" cy="430887"/>
           </a:xfrm>
           <a:prstGeom prst="rect">
@@ -4073,13 +4073,13 @@
       </p:sp>
       <p:sp>
         <p:nvSpPr>
-          <p:cNvPr id="313" name="TextBox 312"/>
+          <p:cNvPr id="223" name="TextBox 222"/>
           <p:cNvSpPr txBox="1"/>
           <p:nvPr/>
         </p:nvSpPr>
         <p:spPr>
           <a:xfrm>
-            <a:off x="2285710" y="6861640"/>
+            <a:off x="2285710" y="7150396"/>
             <a:ext cx="401068" cy="430887"/>
           </a:xfrm>
           <a:prstGeom prst="rect">
@@ -4103,13 +4103,13 @@
       </p:sp>
       <p:sp>
         <p:nvSpPr>
-          <p:cNvPr id="314" name="TextBox 313"/>
+          <p:cNvPr id="224" name="TextBox 223"/>
           <p:cNvSpPr txBox="1"/>
           <p:nvPr/>
         </p:nvSpPr>
         <p:spPr>
           <a:xfrm>
-            <a:off x="2645770" y="7473251"/>
+            <a:off x="2645770" y="7762007"/>
             <a:ext cx="401068" cy="430887"/>
           </a:xfrm>
           <a:prstGeom prst="rect">
@@ -4133,13 +4133,13 @@
       </p:sp>
       <p:sp>
         <p:nvSpPr>
-          <p:cNvPr id="315" name="TextBox 314"/>
+          <p:cNvPr id="225" name="TextBox 224"/>
           <p:cNvSpPr txBox="1"/>
           <p:nvPr/>
         </p:nvSpPr>
         <p:spPr>
           <a:xfrm>
-            <a:off x="2686494" y="8781778"/>
+            <a:off x="2686494" y="9070534"/>
             <a:ext cx="576064" cy="432048"/>
           </a:xfrm>
           <a:prstGeom prst="rect">
@@ -4167,13 +4167,13 @@
       </p:sp>
       <p:sp>
         <p:nvSpPr>
-          <p:cNvPr id="316" name="TextBox 315"/>
+          <p:cNvPr id="226" name="TextBox 225"/>
           <p:cNvSpPr txBox="1"/>
           <p:nvPr/>
         </p:nvSpPr>
         <p:spPr>
           <a:xfrm>
-            <a:off x="4157940" y="8858220"/>
+            <a:off x="4157940" y="9146976"/>
             <a:ext cx="599999" cy="430887"/>
           </a:xfrm>
           <a:prstGeom prst="rect">
@@ -4197,13 +4197,13 @@
       </p:sp>
       <p:sp>
         <p:nvSpPr>
-          <p:cNvPr id="317" name="TextBox 316"/>
+          <p:cNvPr id="227" name="TextBox 226"/>
           <p:cNvSpPr txBox="1"/>
           <p:nvPr/>
         </p:nvSpPr>
         <p:spPr>
           <a:xfrm>
-            <a:off x="269506" y="6032987"/>
+            <a:off x="269506" y="6321743"/>
             <a:ext cx="599999" cy="430887"/>
           </a:xfrm>
           <a:prstGeom prst="rect">
@@ -4224,887 +4224,685 @@
           </a:p>
         </p:txBody>
       </p:sp>
+      <p:cxnSp>
+        <p:nvCxnSpPr>
+          <p:cNvPr id="228" name="Straight Connector 227"/>
+          <p:cNvCxnSpPr/>
+          <p:nvPr/>
+        </p:nvCxnSpPr>
+        <p:spPr>
+          <a:xfrm>
+            <a:off x="1296045" y="3479390"/>
+            <a:ext cx="6912768" cy="0"/>
+          </a:xfrm>
+          <a:prstGeom prst="line">
+            <a:avLst/>
+          </a:prstGeom>
+          <a:ln>
+            <a:solidFill>
+              <a:schemeClr val="tx1"/>
+            </a:solidFill>
+            <a:prstDash val="dash"/>
+          </a:ln>
+        </p:spPr>
+        <p:style>
+          <a:lnRef idx="1">
+            <a:schemeClr val="accent1"/>
+          </a:lnRef>
+          <a:fillRef idx="0">
+            <a:schemeClr val="accent1"/>
+          </a:fillRef>
+          <a:effectRef idx="0">
+            <a:schemeClr val="accent1"/>
+          </a:effectRef>
+          <a:fontRef idx="minor">
+            <a:schemeClr val="tx1"/>
+          </a:fontRef>
+        </p:style>
+      </p:cxnSp>
       <p:grpSp>
         <p:nvGrpSpPr>
-          <p:cNvPr id="23" name="Group 22"/>
+          <p:cNvPr id="229" name="Group 228"/>
           <p:cNvGrpSpPr/>
           <p:nvPr/>
         </p:nvGrpSpPr>
         <p:grpSpPr>
           <a:xfrm>
-            <a:off x="795211" y="-36947"/>
-            <a:ext cx="7413602" cy="6085719"/>
-            <a:chOff x="327320" y="-36947"/>
-            <a:chExt cx="7413602" cy="6085719"/>
+            <a:off x="4680757" y="648896"/>
+            <a:ext cx="3240024" cy="5688632"/>
+            <a:chOff x="8005947" y="-521692"/>
+            <a:chExt cx="3240024" cy="5688632"/>
           </a:xfrm>
         </p:grpSpPr>
-        <p:cxnSp>
-          <p:nvCxnSpPr>
-            <p:cNvPr id="242" name="Straight Connector 241"/>
-            <p:cNvCxnSpPr/>
+        <p:sp>
+          <p:nvSpPr>
+            <p:cNvPr id="230" name="Freeform 229"/>
+            <p:cNvSpPr>
+              <a:spLocks noChangeAspect="1"/>
+            </p:cNvSpPr>
             <p:nvPr/>
-          </p:nvCxnSpPr>
+          </p:nvSpPr>
           <p:spPr>
             <a:xfrm>
-              <a:off x="828154" y="3190634"/>
-              <a:ext cx="6912768" cy="0"/>
+              <a:off x="8683029" y="3098634"/>
+              <a:ext cx="1615680" cy="1624432"/>
             </a:xfrm>
-            <a:prstGeom prst="line">
+            <a:custGeom>
               <a:avLst/>
-            </a:prstGeom>
+              <a:gdLst>
+                <a:gd name="connsiteX0" fmla="*/ 0 w 2876550"/>
+                <a:gd name="connsiteY0" fmla="*/ 2171700 h 2171700"/>
+                <a:gd name="connsiteX1" fmla="*/ 1438275 w 2876550"/>
+                <a:gd name="connsiteY1" fmla="*/ 0 h 2171700"/>
+                <a:gd name="connsiteX2" fmla="*/ 2876550 w 2876550"/>
+                <a:gd name="connsiteY2" fmla="*/ 2171700 h 2171700"/>
+              </a:gdLst>
+              <a:ahLst/>
+              <a:cxnLst>
+                <a:cxn ang="0">
+                  <a:pos x="connsiteX0" y="connsiteY0"/>
+                </a:cxn>
+                <a:cxn ang="0">
+                  <a:pos x="connsiteX1" y="connsiteY1"/>
+                </a:cxn>
+                <a:cxn ang="0">
+                  <a:pos x="connsiteX2" y="connsiteY2"/>
+                </a:cxn>
+              </a:cxnLst>
+              <a:rect l="l" t="t" r="r" b="b"/>
+              <a:pathLst>
+                <a:path w="2876550" h="2171700">
+                  <a:moveTo>
+                    <a:pt x="0" y="2171700"/>
+                  </a:moveTo>
+                  <a:cubicBezTo>
+                    <a:pt x="479425" y="1085850"/>
+                    <a:pt x="958850" y="0"/>
+                    <a:pt x="1438275" y="0"/>
+                  </a:cubicBezTo>
+                  <a:cubicBezTo>
+                    <a:pt x="1917700" y="0"/>
+                    <a:pt x="2397125" y="1085850"/>
+                    <a:pt x="2876550" y="2171700"/>
+                  </a:cubicBezTo>
+                </a:path>
+              </a:pathLst>
+            </a:custGeom>
+            <a:solidFill>
+              <a:schemeClr val="bg1">
+                <a:lumMod val="85000"/>
+              </a:schemeClr>
+            </a:solidFill>
             <a:ln>
               <a:solidFill>
-                <a:schemeClr val="tx1"/>
+                <a:schemeClr val="tx1">
+                  <a:lumMod val="50000"/>
+                  <a:lumOff val="50000"/>
+                </a:schemeClr>
               </a:solidFill>
-              <a:prstDash val="dash"/>
             </a:ln>
           </p:spPr>
           <p:style>
-            <a:lnRef idx="1">
-              <a:schemeClr val="accent1"/>
+            <a:lnRef idx="2">
+              <a:schemeClr val="accent1">
+                <a:shade val="50000"/>
+              </a:schemeClr>
             </a:lnRef>
-            <a:fillRef idx="0">
+            <a:fillRef idx="1">
               <a:schemeClr val="accent1"/>
             </a:fillRef>
             <a:effectRef idx="0">
               <a:schemeClr val="accent1"/>
             </a:effectRef>
             <a:fontRef idx="minor">
-              <a:schemeClr val="tx1"/>
+              <a:schemeClr val="lt1"/>
             </a:fontRef>
           </p:style>
-        </p:cxnSp>
+          <p:txBody>
+            <a:bodyPr rtlCol="0" anchor="ctr"/>
+            <a:lstStyle/>
+            <a:p>
+              <a:pPr algn="ctr"/>
+              <a:endParaRPr lang="en-GB"/>
+            </a:p>
+          </p:txBody>
+        </p:sp>
         <p:grpSp>
           <p:nvGrpSpPr>
-            <p:cNvPr id="318" name="Group 317"/>
+            <p:cNvPr id="231" name="Group 230"/>
             <p:cNvGrpSpPr/>
             <p:nvPr/>
           </p:nvGrpSpPr>
           <p:grpSpPr>
             <a:xfrm>
-              <a:off x="4212866" y="360140"/>
+              <a:off x="8005947" y="-521692"/>
               <a:ext cx="3240024" cy="5688632"/>
-              <a:chOff x="8005947" y="-521692"/>
+              <a:chOff x="5927128" y="408670"/>
               <a:chExt cx="3240024" cy="5688632"/>
             </a:xfrm>
           </p:grpSpPr>
-          <p:sp>
-            <p:nvSpPr>
-              <p:cNvPr id="319" name="Freeform 318"/>
-              <p:cNvSpPr>
-                <a:spLocks noChangeAspect="1"/>
-              </p:cNvSpPr>
-              <p:nvPr/>
-            </p:nvSpPr>
-            <p:spPr>
-              <a:xfrm>
-                <a:off x="8683029" y="3098634"/>
-                <a:ext cx="1615680" cy="1624432"/>
-              </a:xfrm>
-              <a:custGeom>
-                <a:avLst/>
-                <a:gdLst>
-                  <a:gd name="connsiteX0" fmla="*/ 0 w 2876550"/>
-                  <a:gd name="connsiteY0" fmla="*/ 2171700 h 2171700"/>
-                  <a:gd name="connsiteX1" fmla="*/ 1438275 w 2876550"/>
-                  <a:gd name="connsiteY1" fmla="*/ 0 h 2171700"/>
-                  <a:gd name="connsiteX2" fmla="*/ 2876550 w 2876550"/>
-                  <a:gd name="connsiteY2" fmla="*/ 2171700 h 2171700"/>
-                </a:gdLst>
-                <a:ahLst/>
-                <a:cxnLst>
-                  <a:cxn ang="0">
-                    <a:pos x="connsiteX0" y="connsiteY0"/>
-                  </a:cxn>
-                  <a:cxn ang="0">
-                    <a:pos x="connsiteX1" y="connsiteY1"/>
-                  </a:cxn>
-                  <a:cxn ang="0">
-                    <a:pos x="connsiteX2" y="connsiteY2"/>
-                  </a:cxn>
-                </a:cxnLst>
-                <a:rect l="l" t="t" r="r" b="b"/>
-                <a:pathLst>
-                  <a:path w="2876550" h="2171700">
-                    <a:moveTo>
-                      <a:pt x="0" y="2171700"/>
-                    </a:moveTo>
-                    <a:cubicBezTo>
-                      <a:pt x="479425" y="1085850"/>
-                      <a:pt x="958850" y="0"/>
-                      <a:pt x="1438275" y="0"/>
-                    </a:cubicBezTo>
-                    <a:cubicBezTo>
-                      <a:pt x="1917700" y="0"/>
-                      <a:pt x="2397125" y="1085850"/>
-                      <a:pt x="2876550" y="2171700"/>
-                    </a:cubicBezTo>
-                  </a:path>
-                </a:pathLst>
-              </a:custGeom>
-              <a:solidFill>
-                <a:schemeClr val="bg1">
-                  <a:lumMod val="85000"/>
-                </a:schemeClr>
-              </a:solidFill>
-              <a:ln>
-                <a:solidFill>
-                  <a:schemeClr val="tx1">
-                    <a:lumMod val="50000"/>
-                    <a:lumOff val="50000"/>
-                  </a:schemeClr>
-                </a:solidFill>
-              </a:ln>
-            </p:spPr>
-            <p:style>
-              <a:lnRef idx="2">
-                <a:schemeClr val="accent1">
-                  <a:shade val="50000"/>
-                </a:schemeClr>
-              </a:lnRef>
-              <a:fillRef idx="1">
-                <a:schemeClr val="accent1"/>
-              </a:fillRef>
-              <a:effectRef idx="0">
-                <a:schemeClr val="accent1"/>
-              </a:effectRef>
-              <a:fontRef idx="minor">
-                <a:schemeClr val="lt1"/>
-              </a:fontRef>
-            </p:style>
-            <p:txBody>
-              <a:bodyPr rtlCol="0" anchor="ctr"/>
-              <a:lstStyle/>
-              <a:p>
-                <a:pPr algn="ctr"/>
-                <a:endParaRPr lang="en-GB"/>
-              </a:p>
-            </p:txBody>
-          </p:sp>
           <p:grpSp>
             <p:nvGrpSpPr>
-              <p:cNvPr id="320" name="Group 319"/>
+              <p:cNvPr id="232" name="Group 231"/>
               <p:cNvGrpSpPr/>
               <p:nvPr/>
             </p:nvGrpSpPr>
             <p:grpSpPr>
               <a:xfrm>
-                <a:off x="8005947" y="-521692"/>
+                <a:off x="5927128" y="408670"/>
                 <a:ext cx="3240024" cy="5688632"/>
-                <a:chOff x="5927128" y="408670"/>
+                <a:chOff x="6263020" y="422318"/>
                 <a:chExt cx="3240024" cy="5688632"/>
               </a:xfrm>
             </p:grpSpPr>
+            <p:sp>
+              <p:nvSpPr>
+                <p:cNvPr id="236" name="Freeform 235"/>
+                <p:cNvSpPr>
+                  <a:spLocks noChangeAspect="1"/>
+                </p:cNvSpPr>
+                <p:nvPr/>
+              </p:nvSpPr>
+              <p:spPr>
+                <a:xfrm flipV="1">
+                  <a:off x="6946800" y="779375"/>
+                  <a:ext cx="1615680" cy="1624432"/>
+                </a:xfrm>
+                <a:custGeom>
+                  <a:avLst/>
+                  <a:gdLst>
+                    <a:gd name="connsiteX0" fmla="*/ 0 w 2876550"/>
+                    <a:gd name="connsiteY0" fmla="*/ 2171700 h 2171700"/>
+                    <a:gd name="connsiteX1" fmla="*/ 1438275 w 2876550"/>
+                    <a:gd name="connsiteY1" fmla="*/ 0 h 2171700"/>
+                    <a:gd name="connsiteX2" fmla="*/ 2876550 w 2876550"/>
+                    <a:gd name="connsiteY2" fmla="*/ 2171700 h 2171700"/>
+                  </a:gdLst>
+                  <a:ahLst/>
+                  <a:cxnLst>
+                    <a:cxn ang="0">
+                      <a:pos x="connsiteX0" y="connsiteY0"/>
+                    </a:cxn>
+                    <a:cxn ang="0">
+                      <a:pos x="connsiteX1" y="connsiteY1"/>
+                    </a:cxn>
+                    <a:cxn ang="0">
+                      <a:pos x="connsiteX2" y="connsiteY2"/>
+                    </a:cxn>
+                  </a:cxnLst>
+                  <a:rect l="l" t="t" r="r" b="b"/>
+                  <a:pathLst>
+                    <a:path w="2876550" h="2171700">
+                      <a:moveTo>
+                        <a:pt x="0" y="2171700"/>
+                      </a:moveTo>
+                      <a:cubicBezTo>
+                        <a:pt x="479425" y="1085850"/>
+                        <a:pt x="958850" y="0"/>
+                        <a:pt x="1438275" y="0"/>
+                      </a:cubicBezTo>
+                      <a:cubicBezTo>
+                        <a:pt x="1917700" y="0"/>
+                        <a:pt x="2397125" y="1085850"/>
+                        <a:pt x="2876550" y="2171700"/>
+                      </a:cubicBezTo>
+                    </a:path>
+                  </a:pathLst>
+                </a:custGeom>
+                <a:noFill/>
+                <a:ln>
+                  <a:solidFill>
+                    <a:schemeClr val="tx1">
+                      <a:lumMod val="50000"/>
+                      <a:lumOff val="50000"/>
+                    </a:schemeClr>
+                  </a:solidFill>
+                </a:ln>
+              </p:spPr>
+              <p:style>
+                <a:lnRef idx="2">
+                  <a:schemeClr val="accent1">
+                    <a:shade val="50000"/>
+                  </a:schemeClr>
+                </a:lnRef>
+                <a:fillRef idx="1">
+                  <a:schemeClr val="accent1"/>
+                </a:fillRef>
+                <a:effectRef idx="0">
+                  <a:schemeClr val="accent1"/>
+                </a:effectRef>
+                <a:fontRef idx="minor">
+                  <a:schemeClr val="lt1"/>
+                </a:fontRef>
+              </p:style>
+              <p:txBody>
+                <a:bodyPr rtlCol="0" anchor="ctr"/>
+                <a:lstStyle/>
+                <a:p>
+                  <a:pPr algn="ctr"/>
+                  <a:endParaRPr lang="en-GB"/>
+                </a:p>
+              </p:txBody>
+            </p:sp>
             <p:grpSp>
               <p:nvGrpSpPr>
-                <p:cNvPr id="321" name="Group 320"/>
+                <p:cNvPr id="237" name="Group 236"/>
                 <p:cNvGrpSpPr/>
                 <p:nvPr/>
               </p:nvGrpSpPr>
               <p:grpSpPr>
                 <a:xfrm>
-                  <a:off x="5927128" y="408670"/>
-                  <a:ext cx="3240024" cy="5688632"/>
-                  <a:chOff x="6263020" y="422318"/>
-                  <a:chExt cx="3240024" cy="5688632"/>
+                  <a:off x="6263020" y="494326"/>
+                  <a:ext cx="3024000" cy="5261776"/>
+                  <a:chOff x="4520540" y="2233045"/>
+                  <a:chExt cx="3024000" cy="5261776"/>
                 </a:xfrm>
               </p:grpSpPr>
-              <p:sp>
-                <p:nvSpPr>
-                  <p:cNvPr id="325" name="Freeform 324"/>
-                  <p:cNvSpPr>
-                    <a:spLocks noChangeAspect="1"/>
-                  </p:cNvSpPr>
+              <p:cxnSp>
+                <p:nvCxnSpPr>
+                  <p:cNvPr id="249" name="Straight Arrow Connector 248"/>
+                  <p:cNvCxnSpPr/>
                   <p:nvPr/>
-                </p:nvSpPr>
+                </p:nvCxnSpPr>
                 <p:spPr>
                   <a:xfrm flipV="1">
-                    <a:off x="6946800" y="779375"/>
-                    <a:ext cx="1615680" cy="1624432"/>
+                    <a:off x="6012160" y="2233045"/>
+                    <a:ext cx="0" cy="5261776"/>
                   </a:xfrm>
-                  <a:custGeom>
+                  <a:prstGeom prst="straightConnector1">
                     <a:avLst/>
-                    <a:gdLst>
-                      <a:gd name="connsiteX0" fmla="*/ 0 w 2876550"/>
-                      <a:gd name="connsiteY0" fmla="*/ 2171700 h 2171700"/>
-                      <a:gd name="connsiteX1" fmla="*/ 1438275 w 2876550"/>
-                      <a:gd name="connsiteY1" fmla="*/ 0 h 2171700"/>
-                      <a:gd name="connsiteX2" fmla="*/ 2876550 w 2876550"/>
-                      <a:gd name="connsiteY2" fmla="*/ 2171700 h 2171700"/>
-                    </a:gdLst>
-                    <a:ahLst/>
-                    <a:cxnLst>
-                      <a:cxn ang="0">
-                        <a:pos x="connsiteX0" y="connsiteY0"/>
-                      </a:cxn>
-                      <a:cxn ang="0">
-                        <a:pos x="connsiteX1" y="connsiteY1"/>
-                      </a:cxn>
-                      <a:cxn ang="0">
-                        <a:pos x="connsiteX2" y="connsiteY2"/>
-                      </a:cxn>
-                    </a:cxnLst>
-                    <a:rect l="l" t="t" r="r" b="b"/>
-                    <a:pathLst>
-                      <a:path w="2876550" h="2171700">
-                        <a:moveTo>
-                          <a:pt x="0" y="2171700"/>
-                        </a:moveTo>
-                        <a:cubicBezTo>
-                          <a:pt x="479425" y="1085850"/>
-                          <a:pt x="958850" y="0"/>
-                          <a:pt x="1438275" y="0"/>
-                        </a:cubicBezTo>
-                        <a:cubicBezTo>
-                          <a:pt x="1917700" y="0"/>
-                          <a:pt x="2397125" y="1085850"/>
-                          <a:pt x="2876550" y="2171700"/>
-                        </a:cubicBezTo>
-                      </a:path>
-                    </a:pathLst>
-                  </a:custGeom>
-                  <a:noFill/>
-                  <a:ln>
+                  </a:prstGeom>
+                  <a:ln w="12700">
                     <a:solidFill>
-                      <a:schemeClr val="tx1">
-                        <a:lumMod val="50000"/>
-                        <a:lumOff val="50000"/>
-                      </a:schemeClr>
+                      <a:schemeClr val="tx1"/>
                     </a:solidFill>
+                    <a:tailEnd type="arrow"/>
                   </a:ln>
                 </p:spPr>
                 <p:style>
-                  <a:lnRef idx="2">
-                    <a:schemeClr val="accent1">
-                      <a:shade val="50000"/>
-                    </a:schemeClr>
+                  <a:lnRef idx="1">
+                    <a:schemeClr val="accent1"/>
                   </a:lnRef>
-                  <a:fillRef idx="1">
+                  <a:fillRef idx="0">
                     <a:schemeClr val="accent1"/>
                   </a:fillRef>
                   <a:effectRef idx="0">
                     <a:schemeClr val="accent1"/>
                   </a:effectRef>
                   <a:fontRef idx="minor">
-                    <a:schemeClr val="lt1"/>
+                    <a:schemeClr val="tx1"/>
                   </a:fontRef>
                 </p:style>
-                <p:txBody>
-                  <a:bodyPr rtlCol="0" anchor="ctr"/>
-                  <a:lstStyle/>
-                  <a:p>
-                    <a:pPr algn="ctr"/>
-                    <a:endParaRPr lang="en-GB"/>
-                  </a:p>
-                </p:txBody>
-              </p:sp>
-              <p:grpSp>
-                <p:nvGrpSpPr>
-                  <p:cNvPr id="326" name="Group 325"/>
-                  <p:cNvGrpSpPr/>
+              </p:cxnSp>
+              <p:cxnSp>
+                <p:nvCxnSpPr>
+                  <p:cNvPr id="250" name="Straight Arrow Connector 249"/>
+                  <p:cNvCxnSpPr/>
                   <p:nvPr/>
-                </p:nvGrpSpPr>
-                <p:grpSpPr>
-                  <a:xfrm>
-                    <a:off x="6263020" y="494326"/>
-                    <a:ext cx="3024000" cy="5261776"/>
-                    <a:chOff x="4520540" y="2233045"/>
-                    <a:chExt cx="3024000" cy="5261776"/>
+                </p:nvCxnSpPr>
+                <p:spPr>
+                  <a:xfrm rot="5400000" flipV="1">
+                    <a:off x="6032540" y="5982820"/>
+                    <a:ext cx="0" cy="3024000"/>
                   </a:xfrm>
-                </p:grpSpPr>
-                <p:cxnSp>
-                  <p:nvCxnSpPr>
-                    <p:cNvPr id="335" name="Straight Arrow Connector 334"/>
-                    <p:cNvCxnSpPr/>
-                    <p:nvPr/>
-                  </p:nvCxnSpPr>
-                  <p:spPr>
-                    <a:xfrm flipV="1">
-                      <a:off x="6012160" y="2233045"/>
-                      <a:ext cx="0" cy="5261776"/>
-                    </a:xfrm>
-                    <a:prstGeom prst="straightConnector1">
-                      <a:avLst/>
-                    </a:prstGeom>
-                    <a:ln w="12700">
-                      <a:solidFill>
-                        <a:schemeClr val="tx1"/>
-                      </a:solidFill>
-                      <a:tailEnd type="arrow"/>
-                    </a:ln>
-                  </p:spPr>
-                  <p:style>
-                    <a:lnRef idx="1">
-                      <a:schemeClr val="accent1"/>
-                    </a:lnRef>
-                    <a:fillRef idx="0">
-                      <a:schemeClr val="accent1"/>
-                    </a:fillRef>
-                    <a:effectRef idx="0">
-                      <a:schemeClr val="accent1"/>
-                    </a:effectRef>
-                    <a:fontRef idx="minor">
-                      <a:schemeClr val="tx1"/>
-                    </a:fontRef>
-                  </p:style>
-                </p:cxnSp>
-                <p:cxnSp>
-                  <p:nvCxnSpPr>
-                    <p:cNvPr id="336" name="Straight Arrow Connector 335"/>
-                    <p:cNvCxnSpPr/>
-                    <p:nvPr/>
-                  </p:nvCxnSpPr>
-                  <p:spPr>
-                    <a:xfrm rot="5400000" flipV="1">
-                      <a:off x="6032540" y="5982820"/>
-                      <a:ext cx="0" cy="3024000"/>
-                    </a:xfrm>
-                    <a:prstGeom prst="straightConnector1">
-                      <a:avLst/>
-                    </a:prstGeom>
-                    <a:ln w="12700">
-                      <a:solidFill>
-                        <a:schemeClr val="tx1"/>
-                      </a:solidFill>
-                      <a:headEnd type="arrow" w="med" len="med"/>
-                      <a:tailEnd type="arrow" w="med" len="med"/>
-                    </a:ln>
-                  </p:spPr>
-                  <p:style>
-                    <a:lnRef idx="1">
-                      <a:schemeClr val="accent1"/>
-                    </a:lnRef>
-                    <a:fillRef idx="0">
-                      <a:schemeClr val="accent1"/>
-                    </a:fillRef>
-                    <a:effectRef idx="0">
-                      <a:schemeClr val="accent1"/>
-                    </a:effectRef>
-                    <a:fontRef idx="minor">
-                      <a:schemeClr val="tx1"/>
-                    </a:fontRef>
-                  </p:style>
-                </p:cxnSp>
-              </p:grpSp>
-              <p:sp>
-                <p:nvSpPr>
-                  <p:cNvPr id="327" name="Freeform 326"/>
-                  <p:cNvSpPr/>
-                  <p:nvPr/>
-                </p:nvSpPr>
-                <p:spPr>
-                  <a:xfrm flipV="1">
-                    <a:off x="7237491" y="1912658"/>
-                    <a:ext cx="1020903" cy="535082"/>
-                  </a:xfrm>
-                  <a:custGeom>
+                  <a:prstGeom prst="straightConnector1">
                     <a:avLst/>
-                    <a:gdLst>
-                      <a:gd name="connsiteX0" fmla="*/ 0 w 2876550"/>
-                      <a:gd name="connsiteY0" fmla="*/ 2171700 h 2171700"/>
-                      <a:gd name="connsiteX1" fmla="*/ 1438275 w 2876550"/>
-                      <a:gd name="connsiteY1" fmla="*/ 0 h 2171700"/>
-                      <a:gd name="connsiteX2" fmla="*/ 2876550 w 2876550"/>
-                      <a:gd name="connsiteY2" fmla="*/ 2171700 h 2171700"/>
-                      <a:gd name="connsiteX0" fmla="*/ 0 w 2810557"/>
-                      <a:gd name="connsiteY0" fmla="*/ 2202460 h 2202460"/>
-                      <a:gd name="connsiteX1" fmla="*/ 1372282 w 2810557"/>
-                      <a:gd name="connsiteY1" fmla="*/ 17 h 2202460"/>
-                      <a:gd name="connsiteX2" fmla="*/ 2810557 w 2810557"/>
-                      <a:gd name="connsiteY2" fmla="*/ 2171717 h 2202460"/>
-                      <a:gd name="connsiteX0" fmla="*/ 0 w 2706854"/>
-                      <a:gd name="connsiteY0" fmla="*/ 2202515 h 2202515"/>
-                      <a:gd name="connsiteX1" fmla="*/ 1372282 w 2706854"/>
-                      <a:gd name="connsiteY1" fmla="*/ 72 h 2202515"/>
-                      <a:gd name="connsiteX2" fmla="*/ 2706854 w 2706854"/>
-                      <a:gd name="connsiteY2" fmla="*/ 2141025 h 2202515"/>
-                      <a:gd name="connsiteX0" fmla="*/ 0 w 2706854"/>
-                      <a:gd name="connsiteY0" fmla="*/ 2202515 h 2202515"/>
-                      <a:gd name="connsiteX1" fmla="*/ 1372282 w 2706854"/>
-                      <a:gd name="connsiteY1" fmla="*/ 72 h 2202515"/>
-                      <a:gd name="connsiteX2" fmla="*/ 2706854 w 2706854"/>
-                      <a:gd name="connsiteY2" fmla="*/ 2141025 h 2202515"/>
-                      <a:gd name="connsiteX0" fmla="*/ 0 w 2706854"/>
-                      <a:gd name="connsiteY0" fmla="*/ 2202515 h 2202515"/>
-                      <a:gd name="connsiteX1" fmla="*/ 1372282 w 2706854"/>
-                      <a:gd name="connsiteY1" fmla="*/ 72 h 2202515"/>
-                      <a:gd name="connsiteX2" fmla="*/ 2706854 w 2706854"/>
-                      <a:gd name="connsiteY2" fmla="*/ 2141025 h 2202515"/>
-                      <a:gd name="connsiteX0" fmla="*/ 0 w 2669144"/>
-                      <a:gd name="connsiteY0" fmla="*/ 2248779 h 2248779"/>
-                      <a:gd name="connsiteX1" fmla="*/ 1334572 w 2669144"/>
-                      <a:gd name="connsiteY1" fmla="*/ 219 h 2248779"/>
-                      <a:gd name="connsiteX2" fmla="*/ 2669144 w 2669144"/>
-                      <a:gd name="connsiteY2" fmla="*/ 2141172 h 2248779"/>
-                      <a:gd name="connsiteX0" fmla="*/ 0 w 2631432"/>
-                      <a:gd name="connsiteY0" fmla="*/ 2248779 h 2248779"/>
-                      <a:gd name="connsiteX1" fmla="*/ 1334572 w 2631432"/>
-                      <a:gd name="connsiteY1" fmla="*/ 219 h 2248779"/>
-                      <a:gd name="connsiteX2" fmla="*/ 2631432 w 2631432"/>
-                      <a:gd name="connsiteY2" fmla="*/ 2141172 h 2248779"/>
-                      <a:gd name="connsiteX0" fmla="*/ 0 w 2631432"/>
-                      <a:gd name="connsiteY0" fmla="*/ 2248779 h 2248779"/>
-                      <a:gd name="connsiteX1" fmla="*/ 1334572 w 2631432"/>
-                      <a:gd name="connsiteY1" fmla="*/ 219 h 2248779"/>
-                      <a:gd name="connsiteX2" fmla="*/ 2631432 w 2631432"/>
-                      <a:gd name="connsiteY2" fmla="*/ 2141172 h 2248779"/>
-                      <a:gd name="connsiteX0" fmla="*/ 0 w 2631432"/>
-                      <a:gd name="connsiteY0" fmla="*/ 2248813 h 2248813"/>
-                      <a:gd name="connsiteX1" fmla="*/ 1334572 w 2631432"/>
-                      <a:gd name="connsiteY1" fmla="*/ 253 h 2248813"/>
-                      <a:gd name="connsiteX2" fmla="*/ 2631432 w 2631432"/>
-                      <a:gd name="connsiteY2" fmla="*/ 2141206 h 2248813"/>
-                      <a:gd name="connsiteX0" fmla="*/ 0 w 2631432"/>
-                      <a:gd name="connsiteY0" fmla="*/ 2248813 h 2248813"/>
-                      <a:gd name="connsiteX1" fmla="*/ 1334572 w 2631432"/>
-                      <a:gd name="connsiteY1" fmla="*/ 253 h 2248813"/>
-                      <a:gd name="connsiteX2" fmla="*/ 2631432 w 2631432"/>
-                      <a:gd name="connsiteY2" fmla="*/ 2141206 h 2248813"/>
-                    </a:gdLst>
-                    <a:ahLst/>
-                    <a:cxnLst>
-                      <a:cxn ang="0">
-                        <a:pos x="connsiteX0" y="connsiteY0"/>
-                      </a:cxn>
-                      <a:cxn ang="0">
-                        <a:pos x="connsiteX1" y="connsiteY1"/>
-                      </a:cxn>
-                      <a:cxn ang="0">
-                        <a:pos x="connsiteX2" y="connsiteY2"/>
-                      </a:cxn>
-                    </a:cxnLst>
-                    <a:rect l="l" t="t" r="r" b="b"/>
-                    <a:pathLst>
-                      <a:path w="2631432" h="2248813">
-                        <a:moveTo>
-                          <a:pt x="0" y="2248813"/>
-                        </a:moveTo>
-                        <a:cubicBezTo>
-                          <a:pt x="460565" y="809411"/>
-                          <a:pt x="896000" y="18188"/>
-                          <a:pt x="1334572" y="253"/>
-                        </a:cubicBezTo>
-                        <a:cubicBezTo>
-                          <a:pt x="1773144" y="-17682"/>
-                          <a:pt x="2236855" y="917010"/>
-                          <a:pt x="2631432" y="2141206"/>
-                        </a:cubicBezTo>
-                      </a:path>
-                    </a:pathLst>
-                  </a:custGeom>
-                  <a:noFill/>
-                  <a:ln w="19050">
+                  </a:prstGeom>
+                  <a:ln w="12700">
                     <a:solidFill>
                       <a:schemeClr val="tx1"/>
                     </a:solidFill>
-                    <a:prstDash val="solid"/>
+                    <a:headEnd type="arrow" w="med" len="med"/>
+                    <a:tailEnd type="arrow" w="med" len="med"/>
                   </a:ln>
                 </p:spPr>
                 <p:style>
-                  <a:lnRef idx="2">
-                    <a:schemeClr val="accent1">
-                      <a:shade val="50000"/>
-                    </a:schemeClr>
+                  <a:lnRef idx="1">
+                    <a:schemeClr val="accent1"/>
                   </a:lnRef>
-                  <a:fillRef idx="1">
+                  <a:fillRef idx="0">
                     <a:schemeClr val="accent1"/>
                   </a:fillRef>
                   <a:effectRef idx="0">
                     <a:schemeClr val="accent1"/>
                   </a:effectRef>
                   <a:fontRef idx="minor">
-                    <a:schemeClr val="lt1"/>
+                    <a:schemeClr val="tx1"/>
                   </a:fontRef>
                 </p:style>
-                <p:txBody>
-                  <a:bodyPr rtlCol="0" anchor="ctr"/>
-                  <a:lstStyle/>
-                  <a:p>
-                    <a:pPr algn="ctr"/>
-                    <a:endParaRPr lang="en-GB"/>
-                  </a:p>
-                </p:txBody>
-              </p:sp>
-              <p:sp>
-                <p:nvSpPr>
-                  <p:cNvPr id="328" name="Freeform 327"/>
-                  <p:cNvSpPr/>
-                  <p:nvPr/>
-                </p:nvSpPr>
-                <p:spPr>
-                  <a:xfrm flipV="1">
-                    <a:off x="7212848" y="2007986"/>
-                    <a:ext cx="1080000" cy="516734"/>
-                  </a:xfrm>
-                  <a:custGeom>
-                    <a:avLst/>
-                    <a:gdLst>
-                      <a:gd name="connsiteX0" fmla="*/ 0 w 2876550"/>
-                      <a:gd name="connsiteY0" fmla="*/ 2171700 h 2171700"/>
-                      <a:gd name="connsiteX1" fmla="*/ 1438275 w 2876550"/>
-                      <a:gd name="connsiteY1" fmla="*/ 0 h 2171700"/>
-                      <a:gd name="connsiteX2" fmla="*/ 2876550 w 2876550"/>
-                      <a:gd name="connsiteY2" fmla="*/ 2171700 h 2171700"/>
-                      <a:gd name="connsiteX0" fmla="*/ 0 w 2876550"/>
-                      <a:gd name="connsiteY0" fmla="*/ 2171700 h 2171700"/>
-                      <a:gd name="connsiteX1" fmla="*/ 1438275 w 2876550"/>
-                      <a:gd name="connsiteY1" fmla="*/ 0 h 2171700"/>
-                      <a:gd name="connsiteX2" fmla="*/ 2876550 w 2876550"/>
-                      <a:gd name="connsiteY2" fmla="*/ 2171700 h 2171700"/>
-                      <a:gd name="connsiteX0" fmla="*/ 0 w 2876550"/>
-                      <a:gd name="connsiteY0" fmla="*/ 2171700 h 2171700"/>
-                      <a:gd name="connsiteX1" fmla="*/ 1438275 w 2876550"/>
-                      <a:gd name="connsiteY1" fmla="*/ 0 h 2171700"/>
-                      <a:gd name="connsiteX2" fmla="*/ 2876550 w 2876550"/>
-                      <a:gd name="connsiteY2" fmla="*/ 2171700 h 2171700"/>
-                    </a:gdLst>
-                    <a:ahLst/>
-                    <a:cxnLst>
-                      <a:cxn ang="0">
-                        <a:pos x="connsiteX0" y="connsiteY0"/>
-                      </a:cxn>
-                      <a:cxn ang="0">
-                        <a:pos x="connsiteX1" y="connsiteY1"/>
-                      </a:cxn>
-                      <a:cxn ang="0">
-                        <a:pos x="connsiteX2" y="connsiteY2"/>
-                      </a:cxn>
-                    </a:cxnLst>
-                    <a:rect l="l" t="t" r="r" b="b"/>
-                    <a:pathLst>
-                      <a:path w="2876550" h="2171700">
-                        <a:moveTo>
-                          <a:pt x="0" y="2171700"/>
-                        </a:moveTo>
-                        <a:cubicBezTo>
-                          <a:pt x="420975" y="962878"/>
-                          <a:pt x="958850" y="0"/>
-                          <a:pt x="1438275" y="0"/>
-                        </a:cubicBezTo>
-                        <a:cubicBezTo>
-                          <a:pt x="1917700" y="0"/>
-                          <a:pt x="2494544" y="993617"/>
-                          <a:pt x="2876550" y="2171700"/>
-                        </a:cubicBezTo>
-                      </a:path>
-                    </a:pathLst>
-                  </a:custGeom>
-                  <a:noFill/>
-                  <a:ln w="19050">
-                    <a:solidFill>
-                      <a:schemeClr val="tx1"/>
-                    </a:solidFill>
-                    <a:prstDash val="solid"/>
-                  </a:ln>
-                </p:spPr>
-                <p:style>
-                  <a:lnRef idx="2">
-                    <a:schemeClr val="accent1">
-                      <a:shade val="50000"/>
-                    </a:schemeClr>
-                  </a:lnRef>
-                  <a:fillRef idx="1">
-                    <a:schemeClr val="accent1"/>
-                  </a:fillRef>
-                  <a:effectRef idx="0">
-                    <a:schemeClr val="accent1"/>
-                  </a:effectRef>
-                  <a:fontRef idx="minor">
-                    <a:schemeClr val="lt1"/>
-                  </a:fontRef>
-                </p:style>
-                <p:txBody>
-                  <a:bodyPr rtlCol="0" anchor="ctr"/>
-                  <a:lstStyle/>
-                  <a:p>
-                    <a:pPr algn="ctr"/>
-                    <a:endParaRPr lang="en-GB"/>
-                  </a:p>
-                </p:txBody>
-              </p:sp>
-              <p:sp>
-                <p:nvSpPr>
-                  <p:cNvPr id="329" name="Freeform 328"/>
-                  <p:cNvSpPr/>
-                  <p:nvPr/>
-                </p:nvSpPr>
-                <p:spPr>
-                  <a:xfrm flipV="1">
-                    <a:off x="7067152" y="2403186"/>
-                    <a:ext cx="1368000" cy="516734"/>
-                  </a:xfrm>
-                  <a:custGeom>
-                    <a:avLst/>
-                    <a:gdLst>
-                      <a:gd name="connsiteX0" fmla="*/ 0 w 2876550"/>
-                      <a:gd name="connsiteY0" fmla="*/ 2171700 h 2171700"/>
-                      <a:gd name="connsiteX1" fmla="*/ 1438275 w 2876550"/>
-                      <a:gd name="connsiteY1" fmla="*/ 0 h 2171700"/>
-                      <a:gd name="connsiteX2" fmla="*/ 2876550 w 2876550"/>
-                      <a:gd name="connsiteY2" fmla="*/ 2171700 h 2171700"/>
-                    </a:gdLst>
-                    <a:ahLst/>
-                    <a:cxnLst>
-                      <a:cxn ang="0">
-                        <a:pos x="connsiteX0" y="connsiteY0"/>
-                      </a:cxn>
-                      <a:cxn ang="0">
-                        <a:pos x="connsiteX1" y="connsiteY1"/>
-                      </a:cxn>
-                      <a:cxn ang="0">
-                        <a:pos x="connsiteX2" y="connsiteY2"/>
-                      </a:cxn>
-                    </a:cxnLst>
-                    <a:rect l="l" t="t" r="r" b="b"/>
-                    <a:pathLst>
-                      <a:path w="2876550" h="2171700">
-                        <a:moveTo>
-                          <a:pt x="0" y="2171700"/>
-                        </a:moveTo>
-                        <a:cubicBezTo>
-                          <a:pt x="479425" y="1085850"/>
-                          <a:pt x="958850" y="0"/>
-                          <a:pt x="1438275" y="0"/>
-                        </a:cubicBezTo>
-                        <a:cubicBezTo>
-                          <a:pt x="1917700" y="0"/>
-                          <a:pt x="2397125" y="1085850"/>
-                          <a:pt x="2876550" y="2171700"/>
-                        </a:cubicBezTo>
-                      </a:path>
-                    </a:pathLst>
-                  </a:custGeom>
-                  <a:noFill/>
-                  <a:ln w="19050">
-                    <a:solidFill>
-                      <a:schemeClr val="tx1"/>
-                    </a:solidFill>
-                    <a:prstDash val="solid"/>
-                  </a:ln>
-                </p:spPr>
-                <p:style>
-                  <a:lnRef idx="2">
-                    <a:schemeClr val="accent1">
-                      <a:shade val="50000"/>
-                    </a:schemeClr>
-                  </a:lnRef>
-                  <a:fillRef idx="1">
-                    <a:schemeClr val="accent1"/>
-                  </a:fillRef>
-                  <a:effectRef idx="0">
-                    <a:schemeClr val="accent1"/>
-                  </a:effectRef>
-                  <a:fontRef idx="minor">
-                    <a:schemeClr val="lt1"/>
-                  </a:fontRef>
-                </p:style>
-                <p:txBody>
-                  <a:bodyPr rtlCol="0" anchor="ctr"/>
-                  <a:lstStyle/>
-                  <a:p>
-                    <a:pPr algn="ctr"/>
-                    <a:endParaRPr lang="en-GB"/>
-                  </a:p>
-                </p:txBody>
-              </p:sp>
-              <p:sp>
-                <p:nvSpPr>
-                  <p:cNvPr id="330" name="TextBox 329"/>
-                  <p:cNvSpPr txBox="1"/>
-                  <p:nvPr/>
-                </p:nvSpPr>
-                <p:spPr>
-                  <a:xfrm>
-                    <a:off x="8206900" y="2397146"/>
-                    <a:ext cx="802136" cy="430887"/>
-                  </a:xfrm>
-                  <a:prstGeom prst="rect">
-                    <a:avLst/>
-                  </a:prstGeom>
-                  <a:noFill/>
-                </p:spPr>
-                <p:txBody>
-                  <a:bodyPr wrap="square" rtlCol="0">
-                    <a:spAutoFit/>
-                  </a:bodyPr>
-                  <a:lstStyle/>
-                  <a:p>
-                    <a:r>
-                      <a:rPr lang="en-GB" sz="2200" dirty="0" smtClean="0"/>
-                      <a:t>n = 1</a:t>
-                    </a:r>
-                    <a:endParaRPr lang="en-GB" sz="2200" dirty="0"/>
-                  </a:p>
-                </p:txBody>
-              </p:sp>
-              <p:sp>
-                <p:nvSpPr>
-                  <p:cNvPr id="331" name="TextBox 330"/>
-                  <p:cNvSpPr txBox="1"/>
-                  <p:nvPr/>
-                </p:nvSpPr>
-                <p:spPr>
-                  <a:xfrm>
-                    <a:off x="8184275" y="1990001"/>
-                    <a:ext cx="802136" cy="430887"/>
-                  </a:xfrm>
-                  <a:prstGeom prst="rect">
-                    <a:avLst/>
-                  </a:prstGeom>
-                  <a:noFill/>
-                </p:spPr>
-                <p:txBody>
-                  <a:bodyPr wrap="square" rtlCol="0">
-                    <a:spAutoFit/>
-                  </a:bodyPr>
-                  <a:lstStyle/>
-                  <a:p>
-                    <a:r>
-                      <a:rPr lang="en-GB" sz="2200" dirty="0" smtClean="0"/>
-                      <a:t>n = 2</a:t>
-                    </a:r>
-                    <a:endParaRPr lang="en-GB" sz="2200" dirty="0"/>
-                  </a:p>
-                </p:txBody>
-              </p:sp>
-              <p:sp>
-                <p:nvSpPr>
-                  <p:cNvPr id="332" name="TextBox 331"/>
-                  <p:cNvSpPr txBox="1"/>
-                  <p:nvPr/>
-                </p:nvSpPr>
-                <p:spPr>
-                  <a:xfrm>
-                    <a:off x="8186860" y="1654386"/>
-                    <a:ext cx="802136" cy="430887"/>
-                  </a:xfrm>
-                  <a:prstGeom prst="rect">
-                    <a:avLst/>
-                  </a:prstGeom>
-                  <a:noFill/>
-                </p:spPr>
-                <p:txBody>
-                  <a:bodyPr wrap="square" rtlCol="0">
-                    <a:spAutoFit/>
-                  </a:bodyPr>
-                  <a:lstStyle/>
-                  <a:p>
-                    <a:r>
-                      <a:rPr lang="en-GB" sz="2200" dirty="0" smtClean="0"/>
-                      <a:t>n = 3</a:t>
-                    </a:r>
-                    <a:endParaRPr lang="en-GB" sz="2200" dirty="0"/>
-                  </a:p>
-                </p:txBody>
-              </p:sp>
-              <p:sp>
-                <p:nvSpPr>
-                  <p:cNvPr id="333" name="TextBox 332"/>
-                  <p:cNvSpPr txBox="1"/>
-                  <p:nvPr/>
-                </p:nvSpPr>
-                <p:spPr>
-                  <a:xfrm>
-                    <a:off x="7438155" y="422318"/>
-                    <a:ext cx="432048" cy="369332"/>
-                  </a:xfrm>
-                  <a:prstGeom prst="rect">
-                    <a:avLst/>
-                  </a:prstGeom>
-                  <a:noFill/>
-                </p:spPr>
-                <p:txBody>
-                  <a:bodyPr wrap="square" rtlCol="0">
-                    <a:spAutoFit/>
-                  </a:bodyPr>
-                  <a:lstStyle/>
-                  <a:p>
-                    <a:r>
-                      <a:rPr lang="en-GB" dirty="0" smtClean="0"/>
-                      <a:t>E</a:t>
-                    </a:r>
-                    <a:endParaRPr lang="en-GB" dirty="0"/>
-                  </a:p>
-                </p:txBody>
-              </p:sp>
-              <p:sp>
-                <p:nvSpPr>
-                  <p:cNvPr id="334" name="TextBox 333"/>
-                  <p:cNvSpPr txBox="1"/>
-                  <p:nvPr/>
-                </p:nvSpPr>
-                <p:spPr>
-                  <a:xfrm>
-                    <a:off x="9070996" y="5741618"/>
-                    <a:ext cx="432048" cy="369332"/>
-                  </a:xfrm>
-                  <a:prstGeom prst="rect">
-                    <a:avLst/>
-                  </a:prstGeom>
-                  <a:noFill/>
-                </p:spPr>
-                <p:txBody>
-                  <a:bodyPr wrap="square" rtlCol="0">
-                    <a:spAutoFit/>
-                  </a:bodyPr>
-                  <a:lstStyle/>
-                  <a:p>
-                    <a:r>
-                      <a:rPr lang="en-GB" dirty="0" smtClean="0"/>
-                      <a:t>k</a:t>
-                    </a:r>
-                    <a:endParaRPr lang="en-GB" dirty="0"/>
-                  </a:p>
-                </p:txBody>
-              </p:sp>
+              </p:cxnSp>
             </p:grpSp>
-            <p:cxnSp>
-              <p:nvCxnSpPr>
-                <p:cNvPr id="322" name="Straight Arrow Connector 321"/>
-                <p:cNvCxnSpPr/>
+            <p:sp>
+              <p:nvSpPr>
+                <p:cNvPr id="238" name="Freeform 237"/>
+                <p:cNvSpPr/>
                 <p:nvPr/>
-              </p:nvCxnSpPr>
+              </p:nvSpPr>
               <p:spPr>
-                <a:xfrm>
-                  <a:off x="7427589" y="2397715"/>
-                  <a:ext cx="0" cy="504000"/>
+                <a:xfrm flipV="1">
+                  <a:off x="7237491" y="1912658"/>
+                  <a:ext cx="1020903" cy="535082"/>
                 </a:xfrm>
-                <a:prstGeom prst="straightConnector1">
+                <a:custGeom>
                   <a:avLst/>
-                </a:prstGeom>
+                  <a:gdLst>
+                    <a:gd name="connsiteX0" fmla="*/ 0 w 2876550"/>
+                    <a:gd name="connsiteY0" fmla="*/ 2171700 h 2171700"/>
+                    <a:gd name="connsiteX1" fmla="*/ 1438275 w 2876550"/>
+                    <a:gd name="connsiteY1" fmla="*/ 0 h 2171700"/>
+                    <a:gd name="connsiteX2" fmla="*/ 2876550 w 2876550"/>
+                    <a:gd name="connsiteY2" fmla="*/ 2171700 h 2171700"/>
+                    <a:gd name="connsiteX0" fmla="*/ 0 w 2810557"/>
+                    <a:gd name="connsiteY0" fmla="*/ 2202460 h 2202460"/>
+                    <a:gd name="connsiteX1" fmla="*/ 1372282 w 2810557"/>
+                    <a:gd name="connsiteY1" fmla="*/ 17 h 2202460"/>
+                    <a:gd name="connsiteX2" fmla="*/ 2810557 w 2810557"/>
+                    <a:gd name="connsiteY2" fmla="*/ 2171717 h 2202460"/>
+                    <a:gd name="connsiteX0" fmla="*/ 0 w 2706854"/>
+                    <a:gd name="connsiteY0" fmla="*/ 2202515 h 2202515"/>
+                    <a:gd name="connsiteX1" fmla="*/ 1372282 w 2706854"/>
+                    <a:gd name="connsiteY1" fmla="*/ 72 h 2202515"/>
+                    <a:gd name="connsiteX2" fmla="*/ 2706854 w 2706854"/>
+                    <a:gd name="connsiteY2" fmla="*/ 2141025 h 2202515"/>
+                    <a:gd name="connsiteX0" fmla="*/ 0 w 2706854"/>
+                    <a:gd name="connsiteY0" fmla="*/ 2202515 h 2202515"/>
+                    <a:gd name="connsiteX1" fmla="*/ 1372282 w 2706854"/>
+                    <a:gd name="connsiteY1" fmla="*/ 72 h 2202515"/>
+                    <a:gd name="connsiteX2" fmla="*/ 2706854 w 2706854"/>
+                    <a:gd name="connsiteY2" fmla="*/ 2141025 h 2202515"/>
+                    <a:gd name="connsiteX0" fmla="*/ 0 w 2706854"/>
+                    <a:gd name="connsiteY0" fmla="*/ 2202515 h 2202515"/>
+                    <a:gd name="connsiteX1" fmla="*/ 1372282 w 2706854"/>
+                    <a:gd name="connsiteY1" fmla="*/ 72 h 2202515"/>
+                    <a:gd name="connsiteX2" fmla="*/ 2706854 w 2706854"/>
+                    <a:gd name="connsiteY2" fmla="*/ 2141025 h 2202515"/>
+                    <a:gd name="connsiteX0" fmla="*/ 0 w 2669144"/>
+                    <a:gd name="connsiteY0" fmla="*/ 2248779 h 2248779"/>
+                    <a:gd name="connsiteX1" fmla="*/ 1334572 w 2669144"/>
+                    <a:gd name="connsiteY1" fmla="*/ 219 h 2248779"/>
+                    <a:gd name="connsiteX2" fmla="*/ 2669144 w 2669144"/>
+                    <a:gd name="connsiteY2" fmla="*/ 2141172 h 2248779"/>
+                    <a:gd name="connsiteX0" fmla="*/ 0 w 2631432"/>
+                    <a:gd name="connsiteY0" fmla="*/ 2248779 h 2248779"/>
+                    <a:gd name="connsiteX1" fmla="*/ 1334572 w 2631432"/>
+                    <a:gd name="connsiteY1" fmla="*/ 219 h 2248779"/>
+                    <a:gd name="connsiteX2" fmla="*/ 2631432 w 2631432"/>
+                    <a:gd name="connsiteY2" fmla="*/ 2141172 h 2248779"/>
+                    <a:gd name="connsiteX0" fmla="*/ 0 w 2631432"/>
+                    <a:gd name="connsiteY0" fmla="*/ 2248779 h 2248779"/>
+                    <a:gd name="connsiteX1" fmla="*/ 1334572 w 2631432"/>
+                    <a:gd name="connsiteY1" fmla="*/ 219 h 2248779"/>
+                    <a:gd name="connsiteX2" fmla="*/ 2631432 w 2631432"/>
+                    <a:gd name="connsiteY2" fmla="*/ 2141172 h 2248779"/>
+                    <a:gd name="connsiteX0" fmla="*/ 0 w 2631432"/>
+                    <a:gd name="connsiteY0" fmla="*/ 2248813 h 2248813"/>
+                    <a:gd name="connsiteX1" fmla="*/ 1334572 w 2631432"/>
+                    <a:gd name="connsiteY1" fmla="*/ 253 h 2248813"/>
+                    <a:gd name="connsiteX2" fmla="*/ 2631432 w 2631432"/>
+                    <a:gd name="connsiteY2" fmla="*/ 2141206 h 2248813"/>
+                    <a:gd name="connsiteX0" fmla="*/ 0 w 2631432"/>
+                    <a:gd name="connsiteY0" fmla="*/ 2248813 h 2248813"/>
+                    <a:gd name="connsiteX1" fmla="*/ 1334572 w 2631432"/>
+                    <a:gd name="connsiteY1" fmla="*/ 253 h 2248813"/>
+                    <a:gd name="connsiteX2" fmla="*/ 2631432 w 2631432"/>
+                    <a:gd name="connsiteY2" fmla="*/ 2141206 h 2248813"/>
+                  </a:gdLst>
+                  <a:ahLst/>
+                  <a:cxnLst>
+                    <a:cxn ang="0">
+                      <a:pos x="connsiteX0" y="connsiteY0"/>
+                    </a:cxn>
+                    <a:cxn ang="0">
+                      <a:pos x="connsiteX1" y="connsiteY1"/>
+                    </a:cxn>
+                    <a:cxn ang="0">
+                      <a:pos x="connsiteX2" y="connsiteY2"/>
+                    </a:cxn>
+                  </a:cxnLst>
+                  <a:rect l="l" t="t" r="r" b="b"/>
+                  <a:pathLst>
+                    <a:path w="2631432" h="2248813">
+                      <a:moveTo>
+                        <a:pt x="0" y="2248813"/>
+                      </a:moveTo>
+                      <a:cubicBezTo>
+                        <a:pt x="460565" y="809411"/>
+                        <a:pt x="896000" y="18188"/>
+                        <a:pt x="1334572" y="253"/>
+                      </a:cubicBezTo>
+                      <a:cubicBezTo>
+                        <a:pt x="1773144" y="-17682"/>
+                        <a:pt x="2236855" y="917010"/>
+                        <a:pt x="2631432" y="2141206"/>
+                      </a:cubicBezTo>
+                    </a:path>
+                  </a:pathLst>
+                </a:custGeom>
+                <a:noFill/>
                 <a:ln w="19050">
                   <a:solidFill>
-                    <a:srgbClr val="0070C0"/>
+                    <a:schemeClr val="tx1"/>
                   </a:solidFill>
-                  <a:headEnd type="triangle" w="med" len="med"/>
-                  <a:tailEnd type="triangle" w="med" len="med"/>
+                  <a:prstDash val="solid"/>
                 </a:ln>
               </p:spPr>
               <p:style>
-                <a:lnRef idx="1">
-                  <a:schemeClr val="accent1"/>
+                <a:lnRef idx="2">
+                  <a:schemeClr val="accent1">
+                    <a:shade val="50000"/>
+                  </a:schemeClr>
                 </a:lnRef>
-                <a:fillRef idx="0">
+                <a:fillRef idx="1">
                   <a:schemeClr val="accent1"/>
                 </a:fillRef>
                 <a:effectRef idx="0">
                   <a:schemeClr val="accent1"/>
                 </a:effectRef>
                 <a:fontRef idx="minor">
-                  <a:schemeClr val="tx1"/>
+                  <a:schemeClr val="lt1"/>
                 </a:fontRef>
               </p:style>
-            </p:cxnSp>
+              <p:txBody>
+                <a:bodyPr rtlCol="0" anchor="ctr"/>
+                <a:lstStyle/>
+                <a:p>
+                  <a:pPr algn="ctr"/>
+                  <a:endParaRPr lang="en-GB"/>
+                </a:p>
+              </p:txBody>
+            </p:sp>
             <p:sp>
               <p:nvSpPr>
-                <p:cNvPr id="323" name="TextBox 322"/>
+                <p:cNvPr id="239" name="Freeform 238"/>
+                <p:cNvSpPr/>
+                <p:nvPr/>
+              </p:nvSpPr>
+              <p:spPr>
+                <a:xfrm flipV="1">
+                  <a:off x="7212848" y="2007986"/>
+                  <a:ext cx="1080000" cy="516734"/>
+                </a:xfrm>
+                <a:custGeom>
+                  <a:avLst/>
+                  <a:gdLst>
+                    <a:gd name="connsiteX0" fmla="*/ 0 w 2876550"/>
+                    <a:gd name="connsiteY0" fmla="*/ 2171700 h 2171700"/>
+                    <a:gd name="connsiteX1" fmla="*/ 1438275 w 2876550"/>
+                    <a:gd name="connsiteY1" fmla="*/ 0 h 2171700"/>
+                    <a:gd name="connsiteX2" fmla="*/ 2876550 w 2876550"/>
+                    <a:gd name="connsiteY2" fmla="*/ 2171700 h 2171700"/>
+                    <a:gd name="connsiteX0" fmla="*/ 0 w 2876550"/>
+                    <a:gd name="connsiteY0" fmla="*/ 2171700 h 2171700"/>
+                    <a:gd name="connsiteX1" fmla="*/ 1438275 w 2876550"/>
+                    <a:gd name="connsiteY1" fmla="*/ 0 h 2171700"/>
+                    <a:gd name="connsiteX2" fmla="*/ 2876550 w 2876550"/>
+                    <a:gd name="connsiteY2" fmla="*/ 2171700 h 2171700"/>
+                    <a:gd name="connsiteX0" fmla="*/ 0 w 2876550"/>
+                    <a:gd name="connsiteY0" fmla="*/ 2171700 h 2171700"/>
+                    <a:gd name="connsiteX1" fmla="*/ 1438275 w 2876550"/>
+                    <a:gd name="connsiteY1" fmla="*/ 0 h 2171700"/>
+                    <a:gd name="connsiteX2" fmla="*/ 2876550 w 2876550"/>
+                    <a:gd name="connsiteY2" fmla="*/ 2171700 h 2171700"/>
+                  </a:gdLst>
+                  <a:ahLst/>
+                  <a:cxnLst>
+                    <a:cxn ang="0">
+                      <a:pos x="connsiteX0" y="connsiteY0"/>
+                    </a:cxn>
+                    <a:cxn ang="0">
+                      <a:pos x="connsiteX1" y="connsiteY1"/>
+                    </a:cxn>
+                    <a:cxn ang="0">
+                      <a:pos x="connsiteX2" y="connsiteY2"/>
+                    </a:cxn>
+                  </a:cxnLst>
+                  <a:rect l="l" t="t" r="r" b="b"/>
+                  <a:pathLst>
+                    <a:path w="2876550" h="2171700">
+                      <a:moveTo>
+                        <a:pt x="0" y="2171700"/>
+                      </a:moveTo>
+                      <a:cubicBezTo>
+                        <a:pt x="420975" y="962878"/>
+                        <a:pt x="958850" y="0"/>
+                        <a:pt x="1438275" y="0"/>
+                      </a:cubicBezTo>
+                      <a:cubicBezTo>
+                        <a:pt x="1917700" y="0"/>
+                        <a:pt x="2494544" y="993617"/>
+                        <a:pt x="2876550" y="2171700"/>
+                      </a:cubicBezTo>
+                    </a:path>
+                  </a:pathLst>
+                </a:custGeom>
+                <a:noFill/>
+                <a:ln w="19050">
+                  <a:solidFill>
+                    <a:schemeClr val="tx1"/>
+                  </a:solidFill>
+                  <a:prstDash val="solid"/>
+                </a:ln>
+              </p:spPr>
+              <p:style>
+                <a:lnRef idx="2">
+                  <a:schemeClr val="accent1">
+                    <a:shade val="50000"/>
+                  </a:schemeClr>
+                </a:lnRef>
+                <a:fillRef idx="1">
+                  <a:schemeClr val="accent1"/>
+                </a:fillRef>
+                <a:effectRef idx="0">
+                  <a:schemeClr val="accent1"/>
+                </a:effectRef>
+                <a:fontRef idx="minor">
+                  <a:schemeClr val="lt1"/>
+                </a:fontRef>
+              </p:style>
+              <p:txBody>
+                <a:bodyPr rtlCol="0" anchor="ctr"/>
+                <a:lstStyle/>
+                <a:p>
+                  <a:pPr algn="ctr"/>
+                  <a:endParaRPr lang="en-GB"/>
+                </a:p>
+              </p:txBody>
+            </p:sp>
+            <p:sp>
+              <p:nvSpPr>
+                <p:cNvPr id="240" name="Freeform 239"/>
+                <p:cNvSpPr/>
+                <p:nvPr/>
+              </p:nvSpPr>
+              <p:spPr>
+                <a:xfrm flipV="1">
+                  <a:off x="7067152" y="2403186"/>
+                  <a:ext cx="1368000" cy="516734"/>
+                </a:xfrm>
+                <a:custGeom>
+                  <a:avLst/>
+                  <a:gdLst>
+                    <a:gd name="connsiteX0" fmla="*/ 0 w 2876550"/>
+                    <a:gd name="connsiteY0" fmla="*/ 2171700 h 2171700"/>
+                    <a:gd name="connsiteX1" fmla="*/ 1438275 w 2876550"/>
+                    <a:gd name="connsiteY1" fmla="*/ 0 h 2171700"/>
+                    <a:gd name="connsiteX2" fmla="*/ 2876550 w 2876550"/>
+                    <a:gd name="connsiteY2" fmla="*/ 2171700 h 2171700"/>
+                  </a:gdLst>
+                  <a:ahLst/>
+                  <a:cxnLst>
+                    <a:cxn ang="0">
+                      <a:pos x="connsiteX0" y="connsiteY0"/>
+                    </a:cxn>
+                    <a:cxn ang="0">
+                      <a:pos x="connsiteX1" y="connsiteY1"/>
+                    </a:cxn>
+                    <a:cxn ang="0">
+                      <a:pos x="connsiteX2" y="connsiteY2"/>
+                    </a:cxn>
+                  </a:cxnLst>
+                  <a:rect l="l" t="t" r="r" b="b"/>
+                  <a:pathLst>
+                    <a:path w="2876550" h="2171700">
+                      <a:moveTo>
+                        <a:pt x="0" y="2171700"/>
+                      </a:moveTo>
+                      <a:cubicBezTo>
+                        <a:pt x="479425" y="1085850"/>
+                        <a:pt x="958850" y="0"/>
+                        <a:pt x="1438275" y="0"/>
+                      </a:cubicBezTo>
+                      <a:cubicBezTo>
+                        <a:pt x="1917700" y="0"/>
+                        <a:pt x="2397125" y="1085850"/>
+                        <a:pt x="2876550" y="2171700"/>
+                      </a:cubicBezTo>
+                    </a:path>
+                  </a:pathLst>
+                </a:custGeom>
+                <a:noFill/>
+                <a:ln w="19050">
+                  <a:solidFill>
+                    <a:schemeClr val="tx1"/>
+                  </a:solidFill>
+                  <a:prstDash val="solid"/>
+                </a:ln>
+              </p:spPr>
+              <p:style>
+                <a:lnRef idx="2">
+                  <a:schemeClr val="accent1">
+                    <a:shade val="50000"/>
+                  </a:schemeClr>
+                </a:lnRef>
+                <a:fillRef idx="1">
+                  <a:schemeClr val="accent1"/>
+                </a:fillRef>
+                <a:effectRef idx="0">
+                  <a:schemeClr val="accent1"/>
+                </a:effectRef>
+                <a:fontRef idx="minor">
+                  <a:schemeClr val="lt1"/>
+                </a:fontRef>
+              </p:style>
+              <p:txBody>
+                <a:bodyPr rtlCol="0" anchor="ctr"/>
+                <a:lstStyle/>
+                <a:p>
+                  <a:pPr algn="ctr"/>
+                  <a:endParaRPr lang="en-GB"/>
+                </a:p>
+              </p:txBody>
+            </p:sp>
+            <p:sp>
+              <p:nvSpPr>
+                <p:cNvPr id="241" name="TextBox 240"/>
                 <p:cNvSpPr txBox="1"/>
                 <p:nvPr/>
               </p:nvSpPr>
               <p:spPr>
                 <a:xfrm>
-                  <a:off x="6982172" y="2395475"/>
-                  <a:ext cx="576064" cy="432048"/>
+                  <a:off x="8206900" y="2397146"/>
+                  <a:ext cx="802136" cy="430887"/>
                 </a:xfrm>
                 <a:prstGeom prst="rect">
                   <a:avLst/>
@@ -5118,39 +4916,23 @@
                 <a:lstStyle/>
                 <a:p>
                   <a:r>
-                    <a:rPr lang="en-GB" sz="2200" dirty="0" smtClean="0">
-                      <a:solidFill>
-                        <a:srgbClr val="0070C0"/>
-                      </a:solidFill>
-                    </a:rPr>
-                    <a:t>E</a:t>
+                    <a:rPr lang="en-GB" sz="2200" dirty="0" smtClean="0"/>
+                    <a:t>n = 1</a:t>
                   </a:r>
-                  <a:r>
-                    <a:rPr lang="en-GB" sz="2200" baseline="-25000" dirty="0" smtClean="0">
-                      <a:solidFill>
-                        <a:srgbClr val="0070C0"/>
-                      </a:solidFill>
-                    </a:rPr>
-                    <a:t>B</a:t>
-                  </a:r>
-                  <a:endParaRPr lang="en-GB" sz="2200" dirty="0">
-                    <a:solidFill>
-                      <a:srgbClr val="0070C0"/>
-                    </a:solidFill>
-                  </a:endParaRPr>
+                  <a:endParaRPr lang="en-GB" sz="2200" dirty="0"/>
                 </a:p>
               </p:txBody>
             </p:sp>
             <p:sp>
               <p:nvSpPr>
-                <p:cNvPr id="324" name="TextBox 323"/>
+                <p:cNvPr id="245" name="TextBox 244"/>
                 <p:cNvSpPr txBox="1"/>
                 <p:nvPr/>
               </p:nvSpPr>
               <p:spPr>
                 <a:xfrm>
-                  <a:off x="6214824" y="1183104"/>
-                  <a:ext cx="576064" cy="432048"/>
+                  <a:off x="8184275" y="1990001"/>
+                  <a:ext cx="802136" cy="430887"/>
                 </a:xfrm>
                 <a:prstGeom prst="rect">
                   <a:avLst/>
@@ -5164,433 +4946,23 @@
                 <a:lstStyle/>
                 <a:p>
                   <a:r>
-                    <a:rPr lang="en-GB" sz="2200" dirty="0"/>
-                    <a:t>C</a:t>
-                  </a:r>
-                  <a:r>
                     <a:rPr lang="en-GB" sz="2200" dirty="0" smtClean="0"/>
-                    <a:t>B</a:t>
+                    <a:t>n = 2</a:t>
                   </a:r>
                   <a:endParaRPr lang="en-GB" sz="2200" dirty="0"/>
                 </a:p>
               </p:txBody>
             </p:sp>
-          </p:grpSp>
-        </p:grpSp>
-        <p:grpSp>
-          <p:nvGrpSpPr>
-            <p:cNvPr id="337" name="Group 336"/>
-            <p:cNvGrpSpPr/>
-            <p:nvPr/>
-          </p:nvGrpSpPr>
-          <p:grpSpPr>
-            <a:xfrm>
-              <a:off x="335194" y="360115"/>
-              <a:ext cx="3240024" cy="5688632"/>
-              <a:chOff x="8005947" y="-521692"/>
-              <a:chExt cx="3240024" cy="5688632"/>
-            </a:xfrm>
-          </p:grpSpPr>
-          <p:sp>
-            <p:nvSpPr>
-              <p:cNvPr id="338" name="Freeform 337"/>
-              <p:cNvSpPr>
-                <a:spLocks noChangeAspect="1"/>
-              </p:cNvSpPr>
-              <p:nvPr/>
-            </p:nvSpPr>
-            <p:spPr>
-              <a:xfrm>
-                <a:off x="8683029" y="3098634"/>
-                <a:ext cx="1615680" cy="1624432"/>
-              </a:xfrm>
-              <a:custGeom>
-                <a:avLst/>
-                <a:gdLst>
-                  <a:gd name="connsiteX0" fmla="*/ 0 w 2876550"/>
-                  <a:gd name="connsiteY0" fmla="*/ 2171700 h 2171700"/>
-                  <a:gd name="connsiteX1" fmla="*/ 1438275 w 2876550"/>
-                  <a:gd name="connsiteY1" fmla="*/ 0 h 2171700"/>
-                  <a:gd name="connsiteX2" fmla="*/ 2876550 w 2876550"/>
-                  <a:gd name="connsiteY2" fmla="*/ 2171700 h 2171700"/>
-                </a:gdLst>
-                <a:ahLst/>
-                <a:cxnLst>
-                  <a:cxn ang="0">
-                    <a:pos x="connsiteX0" y="connsiteY0"/>
-                  </a:cxn>
-                  <a:cxn ang="0">
-                    <a:pos x="connsiteX1" y="connsiteY1"/>
-                  </a:cxn>
-                  <a:cxn ang="0">
-                    <a:pos x="connsiteX2" y="connsiteY2"/>
-                  </a:cxn>
-                </a:cxnLst>
-                <a:rect l="l" t="t" r="r" b="b"/>
-                <a:pathLst>
-                  <a:path w="2876550" h="2171700">
-                    <a:moveTo>
-                      <a:pt x="0" y="2171700"/>
-                    </a:moveTo>
-                    <a:cubicBezTo>
-                      <a:pt x="479425" y="1085850"/>
-                      <a:pt x="958850" y="0"/>
-                      <a:pt x="1438275" y="0"/>
-                    </a:cubicBezTo>
-                    <a:cubicBezTo>
-                      <a:pt x="1917700" y="0"/>
-                      <a:pt x="2397125" y="1085850"/>
-                      <a:pt x="2876550" y="2171700"/>
-                    </a:cubicBezTo>
-                  </a:path>
-                </a:pathLst>
-              </a:custGeom>
-              <a:solidFill>
-                <a:schemeClr val="bg1">
-                  <a:lumMod val="85000"/>
-                </a:schemeClr>
-              </a:solidFill>
-              <a:ln>
-                <a:solidFill>
-                  <a:schemeClr val="tx1"/>
-                </a:solidFill>
-              </a:ln>
-            </p:spPr>
-            <p:style>
-              <a:lnRef idx="2">
-                <a:schemeClr val="accent1">
-                  <a:shade val="50000"/>
-                </a:schemeClr>
-              </a:lnRef>
-              <a:fillRef idx="1">
-                <a:schemeClr val="accent1"/>
-              </a:fillRef>
-              <a:effectRef idx="0">
-                <a:schemeClr val="accent1"/>
-              </a:effectRef>
-              <a:fontRef idx="minor">
-                <a:schemeClr val="lt1"/>
-              </a:fontRef>
-            </p:style>
-            <p:txBody>
-              <a:bodyPr rtlCol="0" anchor="ctr"/>
-              <a:lstStyle/>
-              <a:p>
-                <a:pPr algn="ctr"/>
-                <a:endParaRPr lang="en-GB"/>
-              </a:p>
-            </p:txBody>
-          </p:sp>
-          <p:grpSp>
-            <p:nvGrpSpPr>
-              <p:cNvPr id="339" name="Group 338"/>
-              <p:cNvGrpSpPr/>
-              <p:nvPr/>
-            </p:nvGrpSpPr>
-            <p:grpSpPr>
-              <a:xfrm>
-                <a:off x="8005947" y="-521692"/>
-                <a:ext cx="3240024" cy="5688632"/>
-                <a:chOff x="5927128" y="408670"/>
-                <a:chExt cx="3240024" cy="5688632"/>
-              </a:xfrm>
-            </p:grpSpPr>
-            <p:grpSp>
-              <p:nvGrpSpPr>
-                <p:cNvPr id="340" name="Group 339"/>
-                <p:cNvGrpSpPr/>
-                <p:nvPr/>
-              </p:nvGrpSpPr>
-              <p:grpSpPr>
-                <a:xfrm>
-                  <a:off x="5927128" y="408670"/>
-                  <a:ext cx="3240024" cy="5688632"/>
-                  <a:chOff x="6263020" y="422318"/>
-                  <a:chExt cx="3240024" cy="5688632"/>
-                </a:xfrm>
-              </p:grpSpPr>
-              <p:sp>
-                <p:nvSpPr>
-                  <p:cNvPr id="344" name="Freeform 343"/>
-                  <p:cNvSpPr>
-                    <a:spLocks noChangeAspect="1"/>
-                  </p:cNvSpPr>
-                  <p:nvPr/>
-                </p:nvSpPr>
-                <p:spPr>
-                  <a:xfrm flipV="1">
-                    <a:off x="6946800" y="779375"/>
-                    <a:ext cx="1615680" cy="1624432"/>
-                  </a:xfrm>
-                  <a:custGeom>
-                    <a:avLst/>
-                    <a:gdLst>
-                      <a:gd name="connsiteX0" fmla="*/ 0 w 2876550"/>
-                      <a:gd name="connsiteY0" fmla="*/ 2171700 h 2171700"/>
-                      <a:gd name="connsiteX1" fmla="*/ 1438275 w 2876550"/>
-                      <a:gd name="connsiteY1" fmla="*/ 0 h 2171700"/>
-                      <a:gd name="connsiteX2" fmla="*/ 2876550 w 2876550"/>
-                      <a:gd name="connsiteY2" fmla="*/ 2171700 h 2171700"/>
-                    </a:gdLst>
-                    <a:ahLst/>
-                    <a:cxnLst>
-                      <a:cxn ang="0">
-                        <a:pos x="connsiteX0" y="connsiteY0"/>
-                      </a:cxn>
-                      <a:cxn ang="0">
-                        <a:pos x="connsiteX1" y="connsiteY1"/>
-                      </a:cxn>
-                      <a:cxn ang="0">
-                        <a:pos x="connsiteX2" y="connsiteY2"/>
-                      </a:cxn>
-                    </a:cxnLst>
-                    <a:rect l="l" t="t" r="r" b="b"/>
-                    <a:pathLst>
-                      <a:path w="2876550" h="2171700">
-                        <a:moveTo>
-                          <a:pt x="0" y="2171700"/>
-                        </a:moveTo>
-                        <a:cubicBezTo>
-                          <a:pt x="479425" y="1085850"/>
-                          <a:pt x="958850" y="0"/>
-                          <a:pt x="1438275" y="0"/>
-                        </a:cubicBezTo>
-                        <a:cubicBezTo>
-                          <a:pt x="1917700" y="0"/>
-                          <a:pt x="2397125" y="1085850"/>
-                          <a:pt x="2876550" y="2171700"/>
-                        </a:cubicBezTo>
-                      </a:path>
-                    </a:pathLst>
-                  </a:custGeom>
-                  <a:noFill/>
-                  <a:ln>
-                    <a:solidFill>
-                      <a:schemeClr val="tx1"/>
-                    </a:solidFill>
-                  </a:ln>
-                </p:spPr>
-                <p:style>
-                  <a:lnRef idx="2">
-                    <a:schemeClr val="accent1">
-                      <a:shade val="50000"/>
-                    </a:schemeClr>
-                  </a:lnRef>
-                  <a:fillRef idx="1">
-                    <a:schemeClr val="accent1"/>
-                  </a:fillRef>
-                  <a:effectRef idx="0">
-                    <a:schemeClr val="accent1"/>
-                  </a:effectRef>
-                  <a:fontRef idx="minor">
-                    <a:schemeClr val="lt1"/>
-                  </a:fontRef>
-                </p:style>
-                <p:txBody>
-                  <a:bodyPr rtlCol="0" anchor="ctr"/>
-                  <a:lstStyle/>
-                  <a:p>
-                    <a:pPr algn="ctr"/>
-                    <a:endParaRPr lang="en-GB"/>
-                  </a:p>
-                </p:txBody>
-              </p:sp>
-              <p:grpSp>
-                <p:nvGrpSpPr>
-                  <p:cNvPr id="345" name="Group 344"/>
-                  <p:cNvGrpSpPr/>
-                  <p:nvPr/>
-                </p:nvGrpSpPr>
-                <p:grpSpPr>
-                  <a:xfrm>
-                    <a:off x="6263020" y="494326"/>
-                    <a:ext cx="3024000" cy="5261776"/>
-                    <a:chOff x="4520540" y="2233045"/>
-                    <a:chExt cx="3024000" cy="5261776"/>
-                  </a:xfrm>
-                </p:grpSpPr>
-                <p:cxnSp>
-                  <p:nvCxnSpPr>
-                    <p:cNvPr id="348" name="Straight Arrow Connector 347"/>
-                    <p:cNvCxnSpPr/>
-                    <p:nvPr/>
-                  </p:nvCxnSpPr>
-                  <p:spPr>
-                    <a:xfrm flipV="1">
-                      <a:off x="6012160" y="2233045"/>
-                      <a:ext cx="0" cy="5261776"/>
-                    </a:xfrm>
-                    <a:prstGeom prst="straightConnector1">
-                      <a:avLst/>
-                    </a:prstGeom>
-                    <a:ln w="12700">
-                      <a:solidFill>
-                        <a:schemeClr val="tx1"/>
-                      </a:solidFill>
-                      <a:tailEnd type="arrow"/>
-                    </a:ln>
-                  </p:spPr>
-                  <p:style>
-                    <a:lnRef idx="1">
-                      <a:schemeClr val="accent1"/>
-                    </a:lnRef>
-                    <a:fillRef idx="0">
-                      <a:schemeClr val="accent1"/>
-                    </a:fillRef>
-                    <a:effectRef idx="0">
-                      <a:schemeClr val="accent1"/>
-                    </a:effectRef>
-                    <a:fontRef idx="minor">
-                      <a:schemeClr val="tx1"/>
-                    </a:fontRef>
-                  </p:style>
-                </p:cxnSp>
-                <p:cxnSp>
-                  <p:nvCxnSpPr>
-                    <p:cNvPr id="349" name="Straight Arrow Connector 348"/>
-                    <p:cNvCxnSpPr/>
-                    <p:nvPr/>
-                  </p:nvCxnSpPr>
-                  <p:spPr>
-                    <a:xfrm rot="5400000" flipV="1">
-                      <a:off x="6032540" y="5982820"/>
-                      <a:ext cx="0" cy="3024000"/>
-                    </a:xfrm>
-                    <a:prstGeom prst="straightConnector1">
-                      <a:avLst/>
-                    </a:prstGeom>
-                    <a:ln w="12700">
-                      <a:solidFill>
-                        <a:schemeClr val="tx1"/>
-                      </a:solidFill>
-                      <a:headEnd type="arrow" w="med" len="med"/>
-                      <a:tailEnd type="arrow" w="med" len="med"/>
-                    </a:ln>
-                  </p:spPr>
-                  <p:style>
-                    <a:lnRef idx="1">
-                      <a:schemeClr val="accent1"/>
-                    </a:lnRef>
-                    <a:fillRef idx="0">
-                      <a:schemeClr val="accent1"/>
-                    </a:fillRef>
-                    <a:effectRef idx="0">
-                      <a:schemeClr val="accent1"/>
-                    </a:effectRef>
-                    <a:fontRef idx="minor">
-                      <a:schemeClr val="tx1"/>
-                    </a:fontRef>
-                  </p:style>
-                </p:cxnSp>
-              </p:grpSp>
-              <p:sp>
-                <p:nvSpPr>
-                  <p:cNvPr id="346" name="TextBox 345"/>
-                  <p:cNvSpPr txBox="1"/>
-                  <p:nvPr/>
-                </p:nvSpPr>
-                <p:spPr>
-                  <a:xfrm>
-                    <a:off x="7438155" y="422318"/>
-                    <a:ext cx="432048" cy="369332"/>
-                  </a:xfrm>
-                  <a:prstGeom prst="rect">
-                    <a:avLst/>
-                  </a:prstGeom>
-                  <a:noFill/>
-                </p:spPr>
-                <p:txBody>
-                  <a:bodyPr wrap="square" rtlCol="0">
-                    <a:spAutoFit/>
-                  </a:bodyPr>
-                  <a:lstStyle/>
-                  <a:p>
-                    <a:r>
-                      <a:rPr lang="en-GB" dirty="0" smtClean="0"/>
-                      <a:t>E</a:t>
-                    </a:r>
-                    <a:endParaRPr lang="en-GB" dirty="0"/>
-                  </a:p>
-                </p:txBody>
-              </p:sp>
-              <p:sp>
-                <p:nvSpPr>
-                  <p:cNvPr id="347" name="TextBox 346"/>
-                  <p:cNvSpPr txBox="1"/>
-                  <p:nvPr/>
-                </p:nvSpPr>
-                <p:spPr>
-                  <a:xfrm>
-                    <a:off x="9070996" y="5741618"/>
-                    <a:ext cx="432048" cy="369332"/>
-                  </a:xfrm>
-                  <a:prstGeom prst="rect">
-                    <a:avLst/>
-                  </a:prstGeom>
-                  <a:noFill/>
-                </p:spPr>
-                <p:txBody>
-                  <a:bodyPr wrap="square" rtlCol="0">
-                    <a:spAutoFit/>
-                  </a:bodyPr>
-                  <a:lstStyle/>
-                  <a:p>
-                    <a:r>
-                      <a:rPr lang="en-GB" dirty="0" smtClean="0"/>
-                      <a:t>k</a:t>
-                    </a:r>
-                    <a:endParaRPr lang="en-GB" dirty="0"/>
-                  </a:p>
-                </p:txBody>
-              </p:sp>
-            </p:grpSp>
-            <p:cxnSp>
-              <p:nvCxnSpPr>
-                <p:cNvPr id="341" name="Straight Arrow Connector 340"/>
-                <p:cNvCxnSpPr/>
-                <p:nvPr/>
-              </p:nvCxnSpPr>
-              <p:spPr>
-                <a:xfrm>
-                  <a:off x="7416956" y="2397714"/>
-                  <a:ext cx="0" cy="1620000"/>
-                </a:xfrm>
-                <a:prstGeom prst="straightConnector1">
-                  <a:avLst/>
-                </a:prstGeom>
-                <a:ln w="19050">
-                  <a:solidFill>
-                    <a:srgbClr val="0070C0"/>
-                  </a:solidFill>
-                  <a:headEnd type="triangle" w="med" len="med"/>
-                  <a:tailEnd type="triangle" w="med" len="med"/>
-                </a:ln>
-              </p:spPr>
-              <p:style>
-                <a:lnRef idx="1">
-                  <a:schemeClr val="accent1"/>
-                </a:lnRef>
-                <a:fillRef idx="0">
-                  <a:schemeClr val="accent1"/>
-                </a:fillRef>
-                <a:effectRef idx="0">
-                  <a:schemeClr val="accent1"/>
-                </a:effectRef>
-                <a:fontRef idx="minor">
-                  <a:schemeClr val="tx1"/>
-                </a:fontRef>
-              </p:style>
-            </p:cxnSp>
             <p:sp>
               <p:nvSpPr>
-                <p:cNvPr id="342" name="TextBox 341"/>
+                <p:cNvPr id="246" name="TextBox 245"/>
                 <p:cNvSpPr txBox="1"/>
                 <p:nvPr/>
               </p:nvSpPr>
               <p:spPr>
                 <a:xfrm>
-                  <a:off x="6996152" y="3360998"/>
-                  <a:ext cx="576064" cy="432048"/>
+                  <a:off x="8186860" y="1654386"/>
+                  <a:ext cx="802136" cy="430887"/>
                 </a:xfrm>
                 <a:prstGeom prst="rect">
                   <a:avLst/>
@@ -5604,39 +4976,23 @@
                 <a:lstStyle/>
                 <a:p>
                   <a:r>
-                    <a:rPr lang="en-GB" sz="2200" dirty="0" err="1" smtClean="0">
-                      <a:solidFill>
-                        <a:srgbClr val="0070C0"/>
-                      </a:solidFill>
-                    </a:rPr>
-                    <a:t>E</a:t>
+                    <a:rPr lang="en-GB" sz="2200" dirty="0" smtClean="0"/>
+                    <a:t>n = 3</a:t>
                   </a:r>
-                  <a:r>
-                    <a:rPr lang="en-GB" sz="2200" baseline="-25000" dirty="0" err="1" smtClean="0">
-                      <a:solidFill>
-                        <a:srgbClr val="0070C0"/>
-                      </a:solidFill>
-                    </a:rPr>
-                    <a:t>g</a:t>
-                  </a:r>
-                  <a:endParaRPr lang="en-GB" sz="2200" dirty="0">
-                    <a:solidFill>
-                      <a:srgbClr val="0070C0"/>
-                    </a:solidFill>
-                  </a:endParaRPr>
+                  <a:endParaRPr lang="en-GB" sz="2200" dirty="0"/>
                 </a:p>
               </p:txBody>
             </p:sp>
             <p:sp>
               <p:nvSpPr>
-                <p:cNvPr id="343" name="TextBox 342"/>
+                <p:cNvPr id="247" name="TextBox 246"/>
                 <p:cNvSpPr txBox="1"/>
                 <p:nvPr/>
               </p:nvSpPr>
               <p:spPr>
                 <a:xfrm>
-                  <a:off x="6132056" y="1183129"/>
-                  <a:ext cx="576064" cy="432048"/>
+                  <a:off x="7438155" y="422318"/>
+                  <a:ext cx="432048" cy="369332"/>
                 </a:xfrm>
                 <a:prstGeom prst="rect">
                   <a:avLst/>
@@ -5650,157 +5006,237 @@
                 <a:lstStyle/>
                 <a:p>
                   <a:r>
-                    <a:rPr lang="en-GB" sz="2200" dirty="0"/>
-                    <a:t>C</a:t>
+                    <a:rPr lang="en-GB" dirty="0" smtClean="0"/>
+                    <a:t>E</a:t>
                   </a:r>
+                  <a:endParaRPr lang="en-GB" dirty="0"/>
+                </a:p>
+              </p:txBody>
+            </p:sp>
+            <p:sp>
+              <p:nvSpPr>
+                <p:cNvPr id="248" name="TextBox 247"/>
+                <p:cNvSpPr txBox="1"/>
+                <p:nvPr/>
+              </p:nvSpPr>
+              <p:spPr>
+                <a:xfrm>
+                  <a:off x="9070996" y="5741618"/>
+                  <a:ext cx="432048" cy="369332"/>
+                </a:xfrm>
+                <a:prstGeom prst="rect">
+                  <a:avLst/>
+                </a:prstGeom>
+                <a:noFill/>
+              </p:spPr>
+              <p:txBody>
+                <a:bodyPr wrap="square" rtlCol="0">
+                  <a:spAutoFit/>
+                </a:bodyPr>
+                <a:lstStyle/>
+                <a:p>
                   <a:r>
-                    <a:rPr lang="en-GB" sz="2200" dirty="0" smtClean="0"/>
-                    <a:t>B</a:t>
+                    <a:rPr lang="en-GB" dirty="0" smtClean="0"/>
+                    <a:t>k</a:t>
                   </a:r>
-                  <a:endParaRPr lang="en-GB" sz="2200" dirty="0"/>
+                  <a:endParaRPr lang="en-GB" dirty="0"/>
                 </a:p>
               </p:txBody>
             </p:sp>
           </p:grpSp>
+          <p:cxnSp>
+            <p:nvCxnSpPr>
+              <p:cNvPr id="233" name="Straight Arrow Connector 232"/>
+              <p:cNvCxnSpPr/>
+              <p:nvPr/>
+            </p:nvCxnSpPr>
+            <p:spPr>
+              <a:xfrm>
+                <a:off x="7427589" y="2397715"/>
+                <a:ext cx="0" cy="504000"/>
+              </a:xfrm>
+              <a:prstGeom prst="straightConnector1">
+                <a:avLst/>
+              </a:prstGeom>
+              <a:ln w="19050">
+                <a:solidFill>
+                  <a:srgbClr val="0070C0"/>
+                </a:solidFill>
+                <a:headEnd type="triangle" w="med" len="med"/>
+                <a:tailEnd type="triangle" w="med" len="med"/>
+              </a:ln>
+            </p:spPr>
+            <p:style>
+              <a:lnRef idx="1">
+                <a:schemeClr val="accent1"/>
+              </a:lnRef>
+              <a:fillRef idx="0">
+                <a:schemeClr val="accent1"/>
+              </a:fillRef>
+              <a:effectRef idx="0">
+                <a:schemeClr val="accent1"/>
+              </a:effectRef>
+              <a:fontRef idx="minor">
+                <a:schemeClr val="tx1"/>
+              </a:fontRef>
+            </p:style>
+          </p:cxnSp>
+          <p:sp>
+            <p:nvSpPr>
+              <p:cNvPr id="234" name="TextBox 233"/>
+              <p:cNvSpPr txBox="1"/>
+              <p:nvPr/>
+            </p:nvSpPr>
+            <p:spPr>
+              <a:xfrm>
+                <a:off x="6982172" y="2395475"/>
+                <a:ext cx="576064" cy="432048"/>
+              </a:xfrm>
+              <a:prstGeom prst="rect">
+                <a:avLst/>
+              </a:prstGeom>
+              <a:noFill/>
+            </p:spPr>
+            <p:txBody>
+              <a:bodyPr wrap="square" rtlCol="0">
+                <a:spAutoFit/>
+              </a:bodyPr>
+              <a:lstStyle/>
+              <a:p>
+                <a:r>
+                  <a:rPr lang="en-GB" sz="2200" dirty="0" smtClean="0">
+                    <a:solidFill>
+                      <a:srgbClr val="0070C0"/>
+                    </a:solidFill>
+                  </a:rPr>
+                  <a:t>E</a:t>
+                </a:r>
+                <a:r>
+                  <a:rPr lang="en-GB" sz="2200" baseline="-25000" dirty="0" smtClean="0">
+                    <a:solidFill>
+                      <a:srgbClr val="0070C0"/>
+                    </a:solidFill>
+                  </a:rPr>
+                  <a:t>B</a:t>
+                </a:r>
+                <a:endParaRPr lang="en-GB" sz="2200" dirty="0">
+                  <a:solidFill>
+                    <a:srgbClr val="0070C0"/>
+                  </a:solidFill>
+                </a:endParaRPr>
+              </a:p>
+            </p:txBody>
+          </p:sp>
+          <p:sp>
+            <p:nvSpPr>
+              <p:cNvPr id="235" name="TextBox 234"/>
+              <p:cNvSpPr txBox="1"/>
+              <p:nvPr/>
+            </p:nvSpPr>
+            <p:spPr>
+              <a:xfrm>
+                <a:off x="6214824" y="1183104"/>
+                <a:ext cx="576064" cy="432048"/>
+              </a:xfrm>
+              <a:prstGeom prst="rect">
+                <a:avLst/>
+              </a:prstGeom>
+              <a:noFill/>
+            </p:spPr>
+            <p:txBody>
+              <a:bodyPr wrap="square" rtlCol="0">
+                <a:spAutoFit/>
+              </a:bodyPr>
+              <a:lstStyle/>
+              <a:p>
+                <a:r>
+                  <a:rPr lang="en-GB" sz="2200" dirty="0"/>
+                  <a:t>C</a:t>
+                </a:r>
+                <a:r>
+                  <a:rPr lang="en-GB" sz="2200" dirty="0" smtClean="0"/>
+                  <a:t>B</a:t>
+                </a:r>
+                <a:endParaRPr lang="en-GB" sz="2200" dirty="0"/>
+              </a:p>
+            </p:txBody>
+          </p:sp>
         </p:grpSp>
+      </p:grpSp>
+      <p:grpSp>
+        <p:nvGrpSpPr>
+          <p:cNvPr id="251" name="Group 250"/>
+          <p:cNvGrpSpPr/>
+          <p:nvPr/>
+        </p:nvGrpSpPr>
+        <p:grpSpPr>
+          <a:xfrm>
+            <a:off x="803085" y="648871"/>
+            <a:ext cx="3240024" cy="5688632"/>
+            <a:chOff x="8005947" y="-521692"/>
+            <a:chExt cx="3240024" cy="5688632"/>
+          </a:xfrm>
+        </p:grpSpPr>
         <p:sp>
           <p:nvSpPr>
-            <p:cNvPr id="350" name="TextBox 349"/>
-            <p:cNvSpPr txBox="1"/>
+            <p:cNvPr id="252" name="Freeform 251"/>
+            <p:cNvSpPr>
+              <a:spLocks noChangeAspect="1"/>
+            </p:cNvSpPr>
             <p:nvPr/>
           </p:nvSpPr>
           <p:spPr>
             <a:xfrm>
-              <a:off x="863990" y="-36947"/>
-              <a:ext cx="2088232" cy="477054"/>
+              <a:off x="8683029" y="3098634"/>
+              <a:ext cx="1615680" cy="1624432"/>
             </a:xfrm>
-            <a:prstGeom prst="rect">
+            <a:custGeom>
               <a:avLst/>
-            </a:prstGeom>
-            <a:noFill/>
-          </p:spPr>
-          <p:txBody>
-            <a:bodyPr wrap="square" rtlCol="0">
-              <a:spAutoFit/>
-            </a:bodyPr>
-            <a:lstStyle/>
-            <a:p>
-              <a:r>
-                <a:rPr lang="en-GB" sz="2500" dirty="0" smtClean="0"/>
-                <a:t>Single-particle</a:t>
-              </a:r>
-              <a:endParaRPr lang="en-GB" sz="2500" dirty="0"/>
-            </a:p>
-          </p:txBody>
-        </p:sp>
-        <p:sp>
-          <p:nvSpPr>
-            <p:cNvPr id="351" name="TextBox 350"/>
-            <p:cNvSpPr txBox="1"/>
-            <p:nvPr/>
-          </p:nvSpPr>
-          <p:spPr>
-            <a:xfrm>
-              <a:off x="4806600" y="-36947"/>
-              <a:ext cx="1836532" cy="477054"/>
-            </a:xfrm>
-            <a:prstGeom prst="rect">
-              <a:avLst/>
-            </a:prstGeom>
-            <a:noFill/>
-          </p:spPr>
-          <p:txBody>
-            <a:bodyPr wrap="square" rtlCol="0">
-              <a:spAutoFit/>
-            </a:bodyPr>
-            <a:lstStyle/>
-            <a:p>
-              <a:r>
-                <a:rPr lang="en-GB" sz="2500" dirty="0" smtClean="0"/>
-                <a:t>Two-particle</a:t>
-              </a:r>
-              <a:endParaRPr lang="en-GB" sz="2500" dirty="0"/>
-            </a:p>
-          </p:txBody>
-        </p:sp>
-        <p:sp>
-          <p:nvSpPr>
-            <p:cNvPr id="352" name="TextBox 351"/>
-            <p:cNvSpPr txBox="1"/>
-            <p:nvPr/>
-          </p:nvSpPr>
-          <p:spPr>
-            <a:xfrm>
-              <a:off x="540122" y="4821928"/>
-              <a:ext cx="576064" cy="432048"/>
-            </a:xfrm>
-            <a:prstGeom prst="rect">
-              <a:avLst/>
-            </a:prstGeom>
-            <a:noFill/>
-          </p:spPr>
-          <p:txBody>
-            <a:bodyPr wrap="square" rtlCol="0">
-              <a:spAutoFit/>
-            </a:bodyPr>
-            <a:lstStyle/>
-            <a:p>
-              <a:r>
-                <a:rPr lang="en-GB" sz="2200" dirty="0" smtClean="0"/>
-                <a:t>VB</a:t>
-              </a:r>
-              <a:endParaRPr lang="en-GB" sz="2200" dirty="0"/>
-            </a:p>
-          </p:txBody>
-        </p:sp>
-        <p:sp>
-          <p:nvSpPr>
-            <p:cNvPr id="353" name="TextBox 352"/>
-            <p:cNvSpPr txBox="1"/>
-            <p:nvPr/>
-          </p:nvSpPr>
-          <p:spPr>
-            <a:xfrm>
-              <a:off x="4500562" y="4821928"/>
-              <a:ext cx="576064" cy="432048"/>
-            </a:xfrm>
-            <a:prstGeom prst="rect">
-              <a:avLst/>
-            </a:prstGeom>
-            <a:noFill/>
-          </p:spPr>
-          <p:txBody>
-            <a:bodyPr wrap="square" rtlCol="0">
-              <a:spAutoFit/>
-            </a:bodyPr>
-            <a:lstStyle/>
-            <a:p>
-              <a:r>
-                <a:rPr lang="en-GB" sz="2200" dirty="0" smtClean="0"/>
-                <a:t>VB</a:t>
-              </a:r>
-              <a:endParaRPr lang="en-GB" sz="2200" dirty="0"/>
-            </a:p>
-          </p:txBody>
-        </p:sp>
-        <p:sp>
-          <p:nvSpPr>
-            <p:cNvPr id="354" name="Oval 353"/>
-            <p:cNvSpPr/>
-            <p:nvPr/>
-          </p:nvSpPr>
-          <p:spPr>
-            <a:xfrm>
-              <a:off x="2090642" y="4259180"/>
-              <a:ext cx="108000" cy="108000"/>
-            </a:xfrm>
-            <a:prstGeom prst="ellipse">
-              <a:avLst/>
-            </a:prstGeom>
+              <a:gdLst>
+                <a:gd name="connsiteX0" fmla="*/ 0 w 2876550"/>
+                <a:gd name="connsiteY0" fmla="*/ 2171700 h 2171700"/>
+                <a:gd name="connsiteX1" fmla="*/ 1438275 w 2876550"/>
+                <a:gd name="connsiteY1" fmla="*/ 0 h 2171700"/>
+                <a:gd name="connsiteX2" fmla="*/ 2876550 w 2876550"/>
+                <a:gd name="connsiteY2" fmla="*/ 2171700 h 2171700"/>
+              </a:gdLst>
+              <a:ahLst/>
+              <a:cxnLst>
+                <a:cxn ang="0">
+                  <a:pos x="connsiteX0" y="connsiteY0"/>
+                </a:cxn>
+                <a:cxn ang="0">
+                  <a:pos x="connsiteX1" y="connsiteY1"/>
+                </a:cxn>
+                <a:cxn ang="0">
+                  <a:pos x="connsiteX2" y="connsiteY2"/>
+                </a:cxn>
+              </a:cxnLst>
+              <a:rect l="l" t="t" r="r" b="b"/>
+              <a:pathLst>
+                <a:path w="2876550" h="2171700">
+                  <a:moveTo>
+                    <a:pt x="0" y="2171700"/>
+                  </a:moveTo>
+                  <a:cubicBezTo>
+                    <a:pt x="479425" y="1085850"/>
+                    <a:pt x="958850" y="0"/>
+                    <a:pt x="1438275" y="0"/>
+                  </a:cubicBezTo>
+                  <a:cubicBezTo>
+                    <a:pt x="1917700" y="0"/>
+                    <a:pt x="2397125" y="1085850"/>
+                    <a:pt x="2876550" y="2171700"/>
+                  </a:cubicBezTo>
+                </a:path>
+              </a:pathLst>
+            </a:custGeom>
             <a:solidFill>
-              <a:schemeClr val="bg1"/>
+              <a:schemeClr val="bg1">
+                <a:lumMod val="85000"/>
+              </a:schemeClr>
             </a:solidFill>
-            <a:ln w="28575">
+            <a:ln>
               <a:solidFill>
                 <a:schemeClr val="tx1"/>
               </a:solidFill>
@@ -5831,909 +5267,1460 @@
             </a:p>
           </p:txBody>
         </p:sp>
-        <p:sp>
-          <p:nvSpPr>
-            <p:cNvPr id="355" name="Freeform 354"/>
-            <p:cNvSpPr>
-              <a:spLocks noChangeAspect="1"/>
-            </p:cNvSpPr>
+        <p:grpSp>
+          <p:nvGrpSpPr>
+            <p:cNvPr id="253" name="Group 252"/>
+            <p:cNvGrpSpPr/>
             <p:nvPr/>
-          </p:nvSpPr>
-          <p:spPr>
-            <a:xfrm flipV="1">
-              <a:off x="1224298" y="2807355"/>
-              <a:ext cx="900000" cy="145048"/>
+          </p:nvGrpSpPr>
+          <p:grpSpPr>
+            <a:xfrm>
+              <a:off x="8005947" y="-521692"/>
+              <a:ext cx="3240024" cy="5688632"/>
+              <a:chOff x="5927128" y="408670"/>
+              <a:chExt cx="3240024" cy="5688632"/>
             </a:xfrm>
-            <a:custGeom>
-              <a:avLst/>
-              <a:gdLst>
-                <a:gd name="connsiteX0" fmla="*/ 0 w 2885847"/>
-                <a:gd name="connsiteY0" fmla="*/ 721858 h 725515"/>
-                <a:gd name="connsiteX1" fmla="*/ 362103 w 2885847"/>
-                <a:gd name="connsiteY1" fmla="*/ 4968 h 725515"/>
-                <a:gd name="connsiteX2" fmla="*/ 724205 w 2885847"/>
-                <a:gd name="connsiteY2" fmla="*/ 725515 h 725515"/>
-                <a:gd name="connsiteX3" fmla="*/ 1078992 w 2885847"/>
-                <a:gd name="connsiteY3" fmla="*/ 4968 h 725515"/>
-                <a:gd name="connsiteX4" fmla="*/ 1441095 w 2885847"/>
-                <a:gd name="connsiteY4" fmla="*/ 725515 h 725515"/>
-                <a:gd name="connsiteX5" fmla="*/ 1795882 w 2885847"/>
-                <a:gd name="connsiteY5" fmla="*/ 4968 h 725515"/>
-                <a:gd name="connsiteX6" fmla="*/ 2165299 w 2885847"/>
-                <a:gd name="connsiteY6" fmla="*/ 410962 h 725515"/>
-                <a:gd name="connsiteX7" fmla="*/ 2885847 w 2885847"/>
-                <a:gd name="connsiteY7" fmla="*/ 487771 h 725515"/>
-                <a:gd name="connsiteX0" fmla="*/ 29690 w 2915537"/>
-                <a:gd name="connsiteY0" fmla="*/ 721858 h 769324"/>
-                <a:gd name="connsiteX1" fmla="*/ 26033 w 2915537"/>
-                <a:gd name="connsiteY1" fmla="*/ 714543 h 769324"/>
-                <a:gd name="connsiteX2" fmla="*/ 391793 w 2915537"/>
-                <a:gd name="connsiteY2" fmla="*/ 4968 h 769324"/>
-                <a:gd name="connsiteX3" fmla="*/ 753895 w 2915537"/>
-                <a:gd name="connsiteY3" fmla="*/ 725515 h 769324"/>
-                <a:gd name="connsiteX4" fmla="*/ 1108682 w 2915537"/>
-                <a:gd name="connsiteY4" fmla="*/ 4968 h 769324"/>
-                <a:gd name="connsiteX5" fmla="*/ 1470785 w 2915537"/>
-                <a:gd name="connsiteY5" fmla="*/ 725515 h 769324"/>
-                <a:gd name="connsiteX6" fmla="*/ 1825572 w 2915537"/>
-                <a:gd name="connsiteY6" fmla="*/ 4968 h 769324"/>
-                <a:gd name="connsiteX7" fmla="*/ 2194989 w 2915537"/>
-                <a:gd name="connsiteY7" fmla="*/ 410962 h 769324"/>
-                <a:gd name="connsiteX8" fmla="*/ 2915537 w 2915537"/>
-                <a:gd name="connsiteY8" fmla="*/ 487771 h 769324"/>
-                <a:gd name="connsiteX0" fmla="*/ 1 w 3108962"/>
-                <a:gd name="connsiteY0" fmla="*/ 579212 h 746320"/>
-                <a:gd name="connsiteX1" fmla="*/ 219458 w 3108962"/>
-                <a:gd name="connsiteY1" fmla="*/ 714543 h 746320"/>
-                <a:gd name="connsiteX2" fmla="*/ 585218 w 3108962"/>
-                <a:gd name="connsiteY2" fmla="*/ 4968 h 746320"/>
-                <a:gd name="connsiteX3" fmla="*/ 947320 w 3108962"/>
-                <a:gd name="connsiteY3" fmla="*/ 725515 h 746320"/>
-                <a:gd name="connsiteX4" fmla="*/ 1302107 w 3108962"/>
-                <a:gd name="connsiteY4" fmla="*/ 4968 h 746320"/>
-                <a:gd name="connsiteX5" fmla="*/ 1664210 w 3108962"/>
-                <a:gd name="connsiteY5" fmla="*/ 725515 h 746320"/>
-                <a:gd name="connsiteX6" fmla="*/ 2018997 w 3108962"/>
-                <a:gd name="connsiteY6" fmla="*/ 4968 h 746320"/>
-                <a:gd name="connsiteX7" fmla="*/ 2388414 w 3108962"/>
-                <a:gd name="connsiteY7" fmla="*/ 410962 h 746320"/>
-                <a:gd name="connsiteX8" fmla="*/ 3108962 w 3108962"/>
-                <a:gd name="connsiteY8" fmla="*/ 487771 h 746320"/>
-                <a:gd name="connsiteX0" fmla="*/ 0 w 3251607"/>
-                <a:gd name="connsiteY0" fmla="*/ 381701 h 734595"/>
-                <a:gd name="connsiteX1" fmla="*/ 362103 w 3251607"/>
-                <a:gd name="connsiteY1" fmla="*/ 714543 h 734595"/>
-                <a:gd name="connsiteX2" fmla="*/ 727863 w 3251607"/>
-                <a:gd name="connsiteY2" fmla="*/ 4968 h 734595"/>
-                <a:gd name="connsiteX3" fmla="*/ 1089965 w 3251607"/>
-                <a:gd name="connsiteY3" fmla="*/ 725515 h 734595"/>
-                <a:gd name="connsiteX4" fmla="*/ 1444752 w 3251607"/>
-                <a:gd name="connsiteY4" fmla="*/ 4968 h 734595"/>
-                <a:gd name="connsiteX5" fmla="*/ 1806855 w 3251607"/>
-                <a:gd name="connsiteY5" fmla="*/ 725515 h 734595"/>
-                <a:gd name="connsiteX6" fmla="*/ 2161642 w 3251607"/>
-                <a:gd name="connsiteY6" fmla="*/ 4968 h 734595"/>
-                <a:gd name="connsiteX7" fmla="*/ 2531059 w 3251607"/>
-                <a:gd name="connsiteY7" fmla="*/ 410962 h 734595"/>
-                <a:gd name="connsiteX8" fmla="*/ 3251607 w 3251607"/>
-                <a:gd name="connsiteY8" fmla="*/ 487771 h 734595"/>
-                <a:gd name="connsiteX0" fmla="*/ 26821 w 3278428"/>
-                <a:gd name="connsiteY0" fmla="*/ 381701 h 725515"/>
-                <a:gd name="connsiteX1" fmla="*/ 26822 w 3278428"/>
-                <a:gd name="connsiteY1" fmla="*/ 378043 h 725515"/>
-                <a:gd name="connsiteX2" fmla="*/ 388924 w 3278428"/>
-                <a:gd name="connsiteY2" fmla="*/ 714543 h 725515"/>
-                <a:gd name="connsiteX3" fmla="*/ 754684 w 3278428"/>
-                <a:gd name="connsiteY3" fmla="*/ 4968 h 725515"/>
-                <a:gd name="connsiteX4" fmla="*/ 1116786 w 3278428"/>
-                <a:gd name="connsiteY4" fmla="*/ 725515 h 725515"/>
-                <a:gd name="connsiteX5" fmla="*/ 1471573 w 3278428"/>
-                <a:gd name="connsiteY5" fmla="*/ 4968 h 725515"/>
-                <a:gd name="connsiteX6" fmla="*/ 1833676 w 3278428"/>
-                <a:gd name="connsiteY6" fmla="*/ 725515 h 725515"/>
-                <a:gd name="connsiteX7" fmla="*/ 2188463 w 3278428"/>
-                <a:gd name="connsiteY7" fmla="*/ 4968 h 725515"/>
-                <a:gd name="connsiteX8" fmla="*/ 2557880 w 3278428"/>
-                <a:gd name="connsiteY8" fmla="*/ 410962 h 725515"/>
-                <a:gd name="connsiteX9" fmla="*/ 3278428 w 3278428"/>
-                <a:gd name="connsiteY9" fmla="*/ 487771 h 725515"/>
-                <a:gd name="connsiteX0" fmla="*/ 0 w 3617367"/>
-                <a:gd name="connsiteY0" fmla="*/ 337810 h 725515"/>
-                <a:gd name="connsiteX1" fmla="*/ 365761 w 3617367"/>
-                <a:gd name="connsiteY1" fmla="*/ 378043 h 725515"/>
-                <a:gd name="connsiteX2" fmla="*/ 727863 w 3617367"/>
-                <a:gd name="connsiteY2" fmla="*/ 714543 h 725515"/>
-                <a:gd name="connsiteX3" fmla="*/ 1093623 w 3617367"/>
-                <a:gd name="connsiteY3" fmla="*/ 4968 h 725515"/>
-                <a:gd name="connsiteX4" fmla="*/ 1455725 w 3617367"/>
-                <a:gd name="connsiteY4" fmla="*/ 725515 h 725515"/>
-                <a:gd name="connsiteX5" fmla="*/ 1810512 w 3617367"/>
-                <a:gd name="connsiteY5" fmla="*/ 4968 h 725515"/>
-                <a:gd name="connsiteX6" fmla="*/ 2172615 w 3617367"/>
-                <a:gd name="connsiteY6" fmla="*/ 725515 h 725515"/>
-                <a:gd name="connsiteX7" fmla="*/ 2527402 w 3617367"/>
-                <a:gd name="connsiteY7" fmla="*/ 4968 h 725515"/>
-                <a:gd name="connsiteX8" fmla="*/ 2896819 w 3617367"/>
-                <a:gd name="connsiteY8" fmla="*/ 410962 h 725515"/>
-                <a:gd name="connsiteX9" fmla="*/ 3617367 w 3617367"/>
-                <a:gd name="connsiteY9" fmla="*/ 487771 h 725515"/>
-              </a:gdLst>
-              <a:ahLst/>
-              <a:cxnLst>
-                <a:cxn ang="0">
-                  <a:pos x="connsiteX0" y="connsiteY0"/>
-                </a:cxn>
-                <a:cxn ang="0">
-                  <a:pos x="connsiteX1" y="connsiteY1"/>
-                </a:cxn>
-                <a:cxn ang="0">
-                  <a:pos x="connsiteX2" y="connsiteY2"/>
-                </a:cxn>
-                <a:cxn ang="0">
-                  <a:pos x="connsiteX3" y="connsiteY3"/>
-                </a:cxn>
-                <a:cxn ang="0">
-                  <a:pos x="connsiteX4" y="connsiteY4"/>
-                </a:cxn>
-                <a:cxn ang="0">
-                  <a:pos x="connsiteX5" y="connsiteY5"/>
-                </a:cxn>
-                <a:cxn ang="0">
-                  <a:pos x="connsiteX6" y="connsiteY6"/>
-                </a:cxn>
-                <a:cxn ang="0">
-                  <a:pos x="connsiteX7" y="connsiteY7"/>
-                </a:cxn>
-                <a:cxn ang="0">
-                  <a:pos x="connsiteX8" y="connsiteY8"/>
-                </a:cxn>
-                <a:cxn ang="0">
-                  <a:pos x="connsiteX9" y="connsiteY9"/>
-                </a:cxn>
-              </a:cxnLst>
-              <a:rect l="l" t="t" r="r" b="b"/>
-              <a:pathLst>
-                <a:path w="3617367" h="725515">
-                  <a:moveTo>
-                    <a:pt x="0" y="337810"/>
-                  </a:moveTo>
-                  <a:cubicBezTo>
-                    <a:pt x="0" y="337200"/>
-                    <a:pt x="305411" y="322569"/>
-                    <a:pt x="365761" y="378043"/>
-                  </a:cubicBezTo>
-                  <a:cubicBezTo>
-                    <a:pt x="426111" y="433517"/>
-                    <a:pt x="606553" y="776722"/>
-                    <a:pt x="727863" y="714543"/>
-                  </a:cubicBezTo>
-                  <a:cubicBezTo>
-                    <a:pt x="849173" y="652364"/>
-                    <a:pt x="972313" y="3139"/>
-                    <a:pt x="1093623" y="4968"/>
-                  </a:cubicBezTo>
-                  <a:cubicBezTo>
-                    <a:pt x="1214933" y="6797"/>
-                    <a:pt x="1336244" y="725515"/>
-                    <a:pt x="1455725" y="725515"/>
-                  </a:cubicBezTo>
-                  <a:cubicBezTo>
-                    <a:pt x="1575206" y="725515"/>
-                    <a:pt x="1691030" y="4968"/>
-                    <a:pt x="1810512" y="4968"/>
-                  </a:cubicBezTo>
-                  <a:cubicBezTo>
-                    <a:pt x="1929994" y="4968"/>
-                    <a:pt x="2053133" y="725515"/>
-                    <a:pt x="2172615" y="725515"/>
-                  </a:cubicBezTo>
-                  <a:cubicBezTo>
-                    <a:pt x="2292097" y="725515"/>
-                    <a:pt x="2406701" y="57393"/>
-                    <a:pt x="2527402" y="4968"/>
-                  </a:cubicBezTo>
-                  <a:cubicBezTo>
-                    <a:pt x="2648103" y="-47457"/>
-                    <a:pt x="2715158" y="330495"/>
-                    <a:pt x="2896819" y="410962"/>
-                  </a:cubicBezTo>
-                  <a:cubicBezTo>
-                    <a:pt x="3078480" y="491429"/>
-                    <a:pt x="3347923" y="489600"/>
-                    <a:pt x="3617367" y="487771"/>
-                  </a:cubicBezTo>
-                </a:path>
-              </a:pathLst>
-            </a:custGeom>
-            <a:noFill/>
-            <a:ln>
+          </p:grpSpPr>
+          <p:grpSp>
+            <p:nvGrpSpPr>
+              <p:cNvPr id="254" name="Group 253"/>
+              <p:cNvGrpSpPr/>
+              <p:nvPr/>
+            </p:nvGrpSpPr>
+            <p:grpSpPr>
+              <a:xfrm>
+                <a:off x="5927128" y="408670"/>
+                <a:ext cx="3240024" cy="5688632"/>
+                <a:chOff x="6263020" y="422318"/>
+                <a:chExt cx="3240024" cy="5688632"/>
+              </a:xfrm>
+            </p:grpSpPr>
+            <p:sp>
+              <p:nvSpPr>
+                <p:cNvPr id="258" name="Freeform 257"/>
+                <p:cNvSpPr>
+                  <a:spLocks noChangeAspect="1"/>
+                </p:cNvSpPr>
+                <p:nvPr/>
+              </p:nvSpPr>
+              <p:spPr>
+                <a:xfrm flipV="1">
+                  <a:off x="6946800" y="779375"/>
+                  <a:ext cx="1615680" cy="1624432"/>
+                </a:xfrm>
+                <a:custGeom>
+                  <a:avLst/>
+                  <a:gdLst>
+                    <a:gd name="connsiteX0" fmla="*/ 0 w 2876550"/>
+                    <a:gd name="connsiteY0" fmla="*/ 2171700 h 2171700"/>
+                    <a:gd name="connsiteX1" fmla="*/ 1438275 w 2876550"/>
+                    <a:gd name="connsiteY1" fmla="*/ 0 h 2171700"/>
+                    <a:gd name="connsiteX2" fmla="*/ 2876550 w 2876550"/>
+                    <a:gd name="connsiteY2" fmla="*/ 2171700 h 2171700"/>
+                  </a:gdLst>
+                  <a:ahLst/>
+                  <a:cxnLst>
+                    <a:cxn ang="0">
+                      <a:pos x="connsiteX0" y="connsiteY0"/>
+                    </a:cxn>
+                    <a:cxn ang="0">
+                      <a:pos x="connsiteX1" y="connsiteY1"/>
+                    </a:cxn>
+                    <a:cxn ang="0">
+                      <a:pos x="connsiteX2" y="connsiteY2"/>
+                    </a:cxn>
+                  </a:cxnLst>
+                  <a:rect l="l" t="t" r="r" b="b"/>
+                  <a:pathLst>
+                    <a:path w="2876550" h="2171700">
+                      <a:moveTo>
+                        <a:pt x="0" y="2171700"/>
+                      </a:moveTo>
+                      <a:cubicBezTo>
+                        <a:pt x="479425" y="1085850"/>
+                        <a:pt x="958850" y="0"/>
+                        <a:pt x="1438275" y="0"/>
+                      </a:cubicBezTo>
+                      <a:cubicBezTo>
+                        <a:pt x="1917700" y="0"/>
+                        <a:pt x="2397125" y="1085850"/>
+                        <a:pt x="2876550" y="2171700"/>
+                      </a:cubicBezTo>
+                    </a:path>
+                  </a:pathLst>
+                </a:custGeom>
+                <a:noFill/>
+                <a:ln>
+                  <a:solidFill>
+                    <a:schemeClr val="tx1"/>
+                  </a:solidFill>
+                </a:ln>
+              </p:spPr>
+              <p:style>
+                <a:lnRef idx="2">
+                  <a:schemeClr val="accent1">
+                    <a:shade val="50000"/>
+                  </a:schemeClr>
+                </a:lnRef>
+                <a:fillRef idx="1">
+                  <a:schemeClr val="accent1"/>
+                </a:fillRef>
+                <a:effectRef idx="0">
+                  <a:schemeClr val="accent1"/>
+                </a:effectRef>
+                <a:fontRef idx="minor">
+                  <a:schemeClr val="lt1"/>
+                </a:fontRef>
+              </p:style>
+              <p:txBody>
+                <a:bodyPr rtlCol="0" anchor="ctr"/>
+                <a:lstStyle/>
+                <a:p>
+                  <a:pPr algn="ctr"/>
+                  <a:endParaRPr lang="en-GB"/>
+                </a:p>
+              </p:txBody>
+            </p:sp>
+            <p:grpSp>
+              <p:nvGrpSpPr>
+                <p:cNvPr id="259" name="Group 258"/>
+                <p:cNvGrpSpPr/>
+                <p:nvPr/>
+              </p:nvGrpSpPr>
+              <p:grpSpPr>
+                <a:xfrm>
+                  <a:off x="6263020" y="494326"/>
+                  <a:ext cx="3024000" cy="5261776"/>
+                  <a:chOff x="4520540" y="2233045"/>
+                  <a:chExt cx="3024000" cy="5261776"/>
+                </a:xfrm>
+              </p:grpSpPr>
+              <p:cxnSp>
+                <p:nvCxnSpPr>
+                  <p:cNvPr id="262" name="Straight Arrow Connector 261"/>
+                  <p:cNvCxnSpPr/>
+                  <p:nvPr/>
+                </p:nvCxnSpPr>
+                <p:spPr>
+                  <a:xfrm flipV="1">
+                    <a:off x="6012160" y="2233045"/>
+                    <a:ext cx="0" cy="5261776"/>
+                  </a:xfrm>
+                  <a:prstGeom prst="straightConnector1">
+                    <a:avLst/>
+                  </a:prstGeom>
+                  <a:ln w="12700">
+                    <a:solidFill>
+                      <a:schemeClr val="tx1"/>
+                    </a:solidFill>
+                    <a:tailEnd type="arrow"/>
+                  </a:ln>
+                </p:spPr>
+                <p:style>
+                  <a:lnRef idx="1">
+                    <a:schemeClr val="accent1"/>
+                  </a:lnRef>
+                  <a:fillRef idx="0">
+                    <a:schemeClr val="accent1"/>
+                  </a:fillRef>
+                  <a:effectRef idx="0">
+                    <a:schemeClr val="accent1"/>
+                  </a:effectRef>
+                  <a:fontRef idx="minor">
+                    <a:schemeClr val="tx1"/>
+                  </a:fontRef>
+                </p:style>
+              </p:cxnSp>
+              <p:cxnSp>
+                <p:nvCxnSpPr>
+                  <p:cNvPr id="263" name="Straight Arrow Connector 262"/>
+                  <p:cNvCxnSpPr/>
+                  <p:nvPr/>
+                </p:nvCxnSpPr>
+                <p:spPr>
+                  <a:xfrm rot="5400000" flipV="1">
+                    <a:off x="6032540" y="5982820"/>
+                    <a:ext cx="0" cy="3024000"/>
+                  </a:xfrm>
+                  <a:prstGeom prst="straightConnector1">
+                    <a:avLst/>
+                  </a:prstGeom>
+                  <a:ln w="12700">
+                    <a:solidFill>
+                      <a:schemeClr val="tx1"/>
+                    </a:solidFill>
+                    <a:headEnd type="arrow" w="med" len="med"/>
+                    <a:tailEnd type="arrow" w="med" len="med"/>
+                  </a:ln>
+                </p:spPr>
+                <p:style>
+                  <a:lnRef idx="1">
+                    <a:schemeClr val="accent1"/>
+                  </a:lnRef>
+                  <a:fillRef idx="0">
+                    <a:schemeClr val="accent1"/>
+                  </a:fillRef>
+                  <a:effectRef idx="0">
+                    <a:schemeClr val="accent1"/>
+                  </a:effectRef>
+                  <a:fontRef idx="minor">
+                    <a:schemeClr val="tx1"/>
+                  </a:fontRef>
+                </p:style>
+              </p:cxnSp>
+            </p:grpSp>
+            <p:sp>
+              <p:nvSpPr>
+                <p:cNvPr id="260" name="TextBox 259"/>
+                <p:cNvSpPr txBox="1"/>
+                <p:nvPr/>
+              </p:nvSpPr>
+              <p:spPr>
+                <a:xfrm>
+                  <a:off x="7438155" y="422318"/>
+                  <a:ext cx="432048" cy="369332"/>
+                </a:xfrm>
+                <a:prstGeom prst="rect">
+                  <a:avLst/>
+                </a:prstGeom>
+                <a:noFill/>
+              </p:spPr>
+              <p:txBody>
+                <a:bodyPr wrap="square" rtlCol="0">
+                  <a:spAutoFit/>
+                </a:bodyPr>
+                <a:lstStyle/>
+                <a:p>
+                  <a:r>
+                    <a:rPr lang="en-GB" dirty="0" smtClean="0"/>
+                    <a:t>E</a:t>
+                  </a:r>
+                  <a:endParaRPr lang="en-GB" dirty="0"/>
+                </a:p>
+              </p:txBody>
+            </p:sp>
+            <p:sp>
+              <p:nvSpPr>
+                <p:cNvPr id="261" name="TextBox 260"/>
+                <p:cNvSpPr txBox="1"/>
+                <p:nvPr/>
+              </p:nvSpPr>
+              <p:spPr>
+                <a:xfrm>
+                  <a:off x="9070996" y="5741618"/>
+                  <a:ext cx="432048" cy="369332"/>
+                </a:xfrm>
+                <a:prstGeom prst="rect">
+                  <a:avLst/>
+                </a:prstGeom>
+                <a:noFill/>
+              </p:spPr>
+              <p:txBody>
+                <a:bodyPr wrap="square" rtlCol="0">
+                  <a:spAutoFit/>
+                </a:bodyPr>
+                <a:lstStyle/>
+                <a:p>
+                  <a:r>
+                    <a:rPr lang="en-GB" dirty="0" smtClean="0"/>
+                    <a:t>k</a:t>
+                  </a:r>
+                  <a:endParaRPr lang="en-GB" dirty="0"/>
+                </a:p>
+              </p:txBody>
+            </p:sp>
+          </p:grpSp>
+          <p:cxnSp>
+            <p:nvCxnSpPr>
+              <p:cNvPr id="255" name="Straight Arrow Connector 254"/>
+              <p:cNvCxnSpPr/>
+              <p:nvPr/>
+            </p:nvCxnSpPr>
+            <p:spPr>
+              <a:xfrm>
+                <a:off x="7416956" y="2397714"/>
+                <a:ext cx="0" cy="1620000"/>
+              </a:xfrm>
+              <a:prstGeom prst="straightConnector1">
+                <a:avLst/>
+              </a:prstGeom>
+              <a:ln w="19050">
+                <a:solidFill>
+                  <a:srgbClr val="0070C0"/>
+                </a:solidFill>
+                <a:headEnd type="triangle" w="med" len="med"/>
+                <a:tailEnd type="triangle" w="med" len="med"/>
+              </a:ln>
+            </p:spPr>
+            <p:style>
+              <a:lnRef idx="1">
+                <a:schemeClr val="accent1"/>
+              </a:lnRef>
+              <a:fillRef idx="0">
+                <a:schemeClr val="accent1"/>
+              </a:fillRef>
+              <a:effectRef idx="0">
+                <a:schemeClr val="accent1"/>
+              </a:effectRef>
+              <a:fontRef idx="minor">
+                <a:schemeClr val="tx1"/>
+              </a:fontRef>
+            </p:style>
+          </p:cxnSp>
+          <p:sp>
+            <p:nvSpPr>
+              <p:cNvPr id="256" name="TextBox 255"/>
+              <p:cNvSpPr txBox="1"/>
+              <p:nvPr/>
+            </p:nvSpPr>
+            <p:spPr>
+              <a:xfrm>
+                <a:off x="6996152" y="3360998"/>
+                <a:ext cx="576064" cy="432048"/>
+              </a:xfrm>
+              <a:prstGeom prst="rect">
+                <a:avLst/>
+              </a:prstGeom>
+              <a:noFill/>
+            </p:spPr>
+            <p:txBody>
+              <a:bodyPr wrap="square" rtlCol="0">
+                <a:spAutoFit/>
+              </a:bodyPr>
+              <a:lstStyle/>
+              <a:p>
+                <a:r>
+                  <a:rPr lang="en-GB" sz="2200" dirty="0" err="1" smtClean="0">
+                    <a:solidFill>
+                      <a:srgbClr val="0070C0"/>
+                    </a:solidFill>
+                  </a:rPr>
+                  <a:t>E</a:t>
+                </a:r>
+                <a:r>
+                  <a:rPr lang="en-GB" sz="2200" baseline="-25000" dirty="0" err="1" smtClean="0">
+                    <a:solidFill>
+                      <a:srgbClr val="0070C0"/>
+                    </a:solidFill>
+                  </a:rPr>
+                  <a:t>g</a:t>
+                </a:r>
+                <a:endParaRPr lang="en-GB" sz="2200" dirty="0">
+                  <a:solidFill>
+                    <a:srgbClr val="0070C0"/>
+                  </a:solidFill>
+                </a:endParaRPr>
+              </a:p>
+            </p:txBody>
+          </p:sp>
+          <p:sp>
+            <p:nvSpPr>
+              <p:cNvPr id="257" name="TextBox 256"/>
+              <p:cNvSpPr txBox="1"/>
+              <p:nvPr/>
+            </p:nvSpPr>
+            <p:spPr>
+              <a:xfrm>
+                <a:off x="6132056" y="1183129"/>
+                <a:ext cx="576064" cy="432048"/>
+              </a:xfrm>
+              <a:prstGeom prst="rect">
+                <a:avLst/>
+              </a:prstGeom>
+              <a:noFill/>
+            </p:spPr>
+            <p:txBody>
+              <a:bodyPr wrap="square" rtlCol="0">
+                <a:spAutoFit/>
+              </a:bodyPr>
+              <a:lstStyle/>
+              <a:p>
+                <a:r>
+                  <a:rPr lang="en-GB" sz="2200" dirty="0"/>
+                  <a:t>C</a:t>
+                </a:r>
+                <a:r>
+                  <a:rPr lang="en-GB" sz="2200" dirty="0" smtClean="0"/>
+                  <a:t>B</a:t>
+                </a:r>
+                <a:endParaRPr lang="en-GB" sz="2200" dirty="0"/>
+              </a:p>
+            </p:txBody>
+          </p:sp>
+        </p:grpSp>
+      </p:grpSp>
+      <p:sp>
+        <p:nvSpPr>
+          <p:cNvPr id="264" name="TextBox 263"/>
+          <p:cNvSpPr txBox="1"/>
+          <p:nvPr/>
+        </p:nvSpPr>
+        <p:spPr>
+          <a:xfrm>
+            <a:off x="1146120" y="-36947"/>
+            <a:ext cx="2279180" cy="861774"/>
+          </a:xfrm>
+          <a:prstGeom prst="rect">
+            <a:avLst/>
+          </a:prstGeom>
+          <a:noFill/>
+        </p:spPr>
+        <p:txBody>
+          <a:bodyPr wrap="square" rtlCol="0">
+            <a:spAutoFit/>
+          </a:bodyPr>
+          <a:lstStyle/>
+          <a:p>
+            <a:pPr algn="ctr"/>
+            <a:r>
+              <a:rPr lang="en-GB" sz="2500" dirty="0" smtClean="0"/>
+              <a:t>Single-particle representation</a:t>
+            </a:r>
+            <a:endParaRPr lang="en-GB" sz="2500" dirty="0"/>
+          </a:p>
+        </p:txBody>
+      </p:sp>
+      <p:sp>
+        <p:nvSpPr>
+          <p:cNvPr id="265" name="TextBox 264"/>
+          <p:cNvSpPr txBox="1"/>
+          <p:nvPr/>
+        </p:nvSpPr>
+        <p:spPr>
+          <a:xfrm>
+            <a:off x="5105756" y="-36947"/>
+            <a:ext cx="2129657" cy="861774"/>
+          </a:xfrm>
+          <a:prstGeom prst="rect">
+            <a:avLst/>
+          </a:prstGeom>
+          <a:noFill/>
+        </p:spPr>
+        <p:txBody>
+          <a:bodyPr wrap="square" rtlCol="0">
+            <a:spAutoFit/>
+          </a:bodyPr>
+          <a:lstStyle/>
+          <a:p>
+            <a:pPr algn="ctr"/>
+            <a:r>
+              <a:rPr lang="en-GB" sz="2500" dirty="0" smtClean="0"/>
+              <a:t>Two-particle representation</a:t>
+            </a:r>
+            <a:endParaRPr lang="en-GB" sz="2500" dirty="0"/>
+          </a:p>
+        </p:txBody>
+      </p:sp>
+      <p:sp>
+        <p:nvSpPr>
+          <p:cNvPr id="266" name="TextBox 265"/>
+          <p:cNvSpPr txBox="1"/>
+          <p:nvPr/>
+        </p:nvSpPr>
+        <p:spPr>
+          <a:xfrm>
+            <a:off x="1008013" y="5110684"/>
+            <a:ext cx="576064" cy="432048"/>
+          </a:xfrm>
+          <a:prstGeom prst="rect">
+            <a:avLst/>
+          </a:prstGeom>
+          <a:noFill/>
+        </p:spPr>
+        <p:txBody>
+          <a:bodyPr wrap="square" rtlCol="0">
+            <a:spAutoFit/>
+          </a:bodyPr>
+          <a:lstStyle/>
+          <a:p>
+            <a:r>
+              <a:rPr lang="en-GB" sz="2200" dirty="0" smtClean="0"/>
+              <a:t>VB</a:t>
+            </a:r>
+            <a:endParaRPr lang="en-GB" sz="2200" dirty="0"/>
+          </a:p>
+        </p:txBody>
+      </p:sp>
+      <p:sp>
+        <p:nvSpPr>
+          <p:cNvPr id="267" name="TextBox 266"/>
+          <p:cNvSpPr txBox="1"/>
+          <p:nvPr/>
+        </p:nvSpPr>
+        <p:spPr>
+          <a:xfrm>
+            <a:off x="4968453" y="5110684"/>
+            <a:ext cx="576064" cy="432048"/>
+          </a:xfrm>
+          <a:prstGeom prst="rect">
+            <a:avLst/>
+          </a:prstGeom>
+          <a:noFill/>
+        </p:spPr>
+        <p:txBody>
+          <a:bodyPr wrap="square" rtlCol="0">
+            <a:spAutoFit/>
+          </a:bodyPr>
+          <a:lstStyle/>
+          <a:p>
+            <a:r>
+              <a:rPr lang="en-GB" sz="2200" dirty="0" smtClean="0"/>
+              <a:t>VB</a:t>
+            </a:r>
+            <a:endParaRPr lang="en-GB" sz="2200" dirty="0"/>
+          </a:p>
+        </p:txBody>
+      </p:sp>
+      <p:sp>
+        <p:nvSpPr>
+          <p:cNvPr id="268" name="Oval 267"/>
+          <p:cNvSpPr/>
+          <p:nvPr/>
+        </p:nvSpPr>
+        <p:spPr>
+          <a:xfrm>
+            <a:off x="2558533" y="4547936"/>
+            <a:ext cx="108000" cy="108000"/>
+          </a:xfrm>
+          <a:prstGeom prst="ellipse">
+            <a:avLst/>
+          </a:prstGeom>
+          <a:solidFill>
+            <a:schemeClr val="bg1"/>
+          </a:solidFill>
+          <a:ln w="28575">
+            <a:solidFill>
+              <a:schemeClr val="tx1"/>
+            </a:solidFill>
+          </a:ln>
+        </p:spPr>
+        <p:style>
+          <a:lnRef idx="2">
+            <a:schemeClr val="accent1">
+              <a:shade val="50000"/>
+            </a:schemeClr>
+          </a:lnRef>
+          <a:fillRef idx="1">
+            <a:schemeClr val="accent1"/>
+          </a:fillRef>
+          <a:effectRef idx="0">
+            <a:schemeClr val="accent1"/>
+          </a:effectRef>
+          <a:fontRef idx="minor">
+            <a:schemeClr val="lt1"/>
+          </a:fontRef>
+        </p:style>
+        <p:txBody>
+          <a:bodyPr rtlCol="0" anchor="ctr"/>
+          <a:lstStyle/>
+          <a:p>
+            <a:pPr algn="ctr"/>
+            <a:endParaRPr lang="en-GB"/>
+          </a:p>
+        </p:txBody>
+      </p:sp>
+      <p:sp>
+        <p:nvSpPr>
+          <p:cNvPr id="269" name="Freeform 268"/>
+          <p:cNvSpPr>
+            <a:spLocks noChangeAspect="1"/>
+          </p:cNvSpPr>
+          <p:nvPr/>
+        </p:nvSpPr>
+        <p:spPr>
+          <a:xfrm flipV="1">
+            <a:off x="1692189" y="3096111"/>
+            <a:ext cx="900000" cy="145048"/>
+          </a:xfrm>
+          <a:custGeom>
+            <a:avLst/>
+            <a:gdLst>
+              <a:gd name="connsiteX0" fmla="*/ 0 w 2885847"/>
+              <a:gd name="connsiteY0" fmla="*/ 721858 h 725515"/>
+              <a:gd name="connsiteX1" fmla="*/ 362103 w 2885847"/>
+              <a:gd name="connsiteY1" fmla="*/ 4968 h 725515"/>
+              <a:gd name="connsiteX2" fmla="*/ 724205 w 2885847"/>
+              <a:gd name="connsiteY2" fmla="*/ 725515 h 725515"/>
+              <a:gd name="connsiteX3" fmla="*/ 1078992 w 2885847"/>
+              <a:gd name="connsiteY3" fmla="*/ 4968 h 725515"/>
+              <a:gd name="connsiteX4" fmla="*/ 1441095 w 2885847"/>
+              <a:gd name="connsiteY4" fmla="*/ 725515 h 725515"/>
+              <a:gd name="connsiteX5" fmla="*/ 1795882 w 2885847"/>
+              <a:gd name="connsiteY5" fmla="*/ 4968 h 725515"/>
+              <a:gd name="connsiteX6" fmla="*/ 2165299 w 2885847"/>
+              <a:gd name="connsiteY6" fmla="*/ 410962 h 725515"/>
+              <a:gd name="connsiteX7" fmla="*/ 2885847 w 2885847"/>
+              <a:gd name="connsiteY7" fmla="*/ 487771 h 725515"/>
+              <a:gd name="connsiteX0" fmla="*/ 29690 w 2915537"/>
+              <a:gd name="connsiteY0" fmla="*/ 721858 h 769324"/>
+              <a:gd name="connsiteX1" fmla="*/ 26033 w 2915537"/>
+              <a:gd name="connsiteY1" fmla="*/ 714543 h 769324"/>
+              <a:gd name="connsiteX2" fmla="*/ 391793 w 2915537"/>
+              <a:gd name="connsiteY2" fmla="*/ 4968 h 769324"/>
+              <a:gd name="connsiteX3" fmla="*/ 753895 w 2915537"/>
+              <a:gd name="connsiteY3" fmla="*/ 725515 h 769324"/>
+              <a:gd name="connsiteX4" fmla="*/ 1108682 w 2915537"/>
+              <a:gd name="connsiteY4" fmla="*/ 4968 h 769324"/>
+              <a:gd name="connsiteX5" fmla="*/ 1470785 w 2915537"/>
+              <a:gd name="connsiteY5" fmla="*/ 725515 h 769324"/>
+              <a:gd name="connsiteX6" fmla="*/ 1825572 w 2915537"/>
+              <a:gd name="connsiteY6" fmla="*/ 4968 h 769324"/>
+              <a:gd name="connsiteX7" fmla="*/ 2194989 w 2915537"/>
+              <a:gd name="connsiteY7" fmla="*/ 410962 h 769324"/>
+              <a:gd name="connsiteX8" fmla="*/ 2915537 w 2915537"/>
+              <a:gd name="connsiteY8" fmla="*/ 487771 h 769324"/>
+              <a:gd name="connsiteX0" fmla="*/ 1 w 3108962"/>
+              <a:gd name="connsiteY0" fmla="*/ 579212 h 746320"/>
+              <a:gd name="connsiteX1" fmla="*/ 219458 w 3108962"/>
+              <a:gd name="connsiteY1" fmla="*/ 714543 h 746320"/>
+              <a:gd name="connsiteX2" fmla="*/ 585218 w 3108962"/>
+              <a:gd name="connsiteY2" fmla="*/ 4968 h 746320"/>
+              <a:gd name="connsiteX3" fmla="*/ 947320 w 3108962"/>
+              <a:gd name="connsiteY3" fmla="*/ 725515 h 746320"/>
+              <a:gd name="connsiteX4" fmla="*/ 1302107 w 3108962"/>
+              <a:gd name="connsiteY4" fmla="*/ 4968 h 746320"/>
+              <a:gd name="connsiteX5" fmla="*/ 1664210 w 3108962"/>
+              <a:gd name="connsiteY5" fmla="*/ 725515 h 746320"/>
+              <a:gd name="connsiteX6" fmla="*/ 2018997 w 3108962"/>
+              <a:gd name="connsiteY6" fmla="*/ 4968 h 746320"/>
+              <a:gd name="connsiteX7" fmla="*/ 2388414 w 3108962"/>
+              <a:gd name="connsiteY7" fmla="*/ 410962 h 746320"/>
+              <a:gd name="connsiteX8" fmla="*/ 3108962 w 3108962"/>
+              <a:gd name="connsiteY8" fmla="*/ 487771 h 746320"/>
+              <a:gd name="connsiteX0" fmla="*/ 0 w 3251607"/>
+              <a:gd name="connsiteY0" fmla="*/ 381701 h 734595"/>
+              <a:gd name="connsiteX1" fmla="*/ 362103 w 3251607"/>
+              <a:gd name="connsiteY1" fmla="*/ 714543 h 734595"/>
+              <a:gd name="connsiteX2" fmla="*/ 727863 w 3251607"/>
+              <a:gd name="connsiteY2" fmla="*/ 4968 h 734595"/>
+              <a:gd name="connsiteX3" fmla="*/ 1089965 w 3251607"/>
+              <a:gd name="connsiteY3" fmla="*/ 725515 h 734595"/>
+              <a:gd name="connsiteX4" fmla="*/ 1444752 w 3251607"/>
+              <a:gd name="connsiteY4" fmla="*/ 4968 h 734595"/>
+              <a:gd name="connsiteX5" fmla="*/ 1806855 w 3251607"/>
+              <a:gd name="connsiteY5" fmla="*/ 725515 h 734595"/>
+              <a:gd name="connsiteX6" fmla="*/ 2161642 w 3251607"/>
+              <a:gd name="connsiteY6" fmla="*/ 4968 h 734595"/>
+              <a:gd name="connsiteX7" fmla="*/ 2531059 w 3251607"/>
+              <a:gd name="connsiteY7" fmla="*/ 410962 h 734595"/>
+              <a:gd name="connsiteX8" fmla="*/ 3251607 w 3251607"/>
+              <a:gd name="connsiteY8" fmla="*/ 487771 h 734595"/>
+              <a:gd name="connsiteX0" fmla="*/ 26821 w 3278428"/>
+              <a:gd name="connsiteY0" fmla="*/ 381701 h 725515"/>
+              <a:gd name="connsiteX1" fmla="*/ 26822 w 3278428"/>
+              <a:gd name="connsiteY1" fmla="*/ 378043 h 725515"/>
+              <a:gd name="connsiteX2" fmla="*/ 388924 w 3278428"/>
+              <a:gd name="connsiteY2" fmla="*/ 714543 h 725515"/>
+              <a:gd name="connsiteX3" fmla="*/ 754684 w 3278428"/>
+              <a:gd name="connsiteY3" fmla="*/ 4968 h 725515"/>
+              <a:gd name="connsiteX4" fmla="*/ 1116786 w 3278428"/>
+              <a:gd name="connsiteY4" fmla="*/ 725515 h 725515"/>
+              <a:gd name="connsiteX5" fmla="*/ 1471573 w 3278428"/>
+              <a:gd name="connsiteY5" fmla="*/ 4968 h 725515"/>
+              <a:gd name="connsiteX6" fmla="*/ 1833676 w 3278428"/>
+              <a:gd name="connsiteY6" fmla="*/ 725515 h 725515"/>
+              <a:gd name="connsiteX7" fmla="*/ 2188463 w 3278428"/>
+              <a:gd name="connsiteY7" fmla="*/ 4968 h 725515"/>
+              <a:gd name="connsiteX8" fmla="*/ 2557880 w 3278428"/>
+              <a:gd name="connsiteY8" fmla="*/ 410962 h 725515"/>
+              <a:gd name="connsiteX9" fmla="*/ 3278428 w 3278428"/>
+              <a:gd name="connsiteY9" fmla="*/ 487771 h 725515"/>
+              <a:gd name="connsiteX0" fmla="*/ 0 w 3617367"/>
+              <a:gd name="connsiteY0" fmla="*/ 337810 h 725515"/>
+              <a:gd name="connsiteX1" fmla="*/ 365761 w 3617367"/>
+              <a:gd name="connsiteY1" fmla="*/ 378043 h 725515"/>
+              <a:gd name="connsiteX2" fmla="*/ 727863 w 3617367"/>
+              <a:gd name="connsiteY2" fmla="*/ 714543 h 725515"/>
+              <a:gd name="connsiteX3" fmla="*/ 1093623 w 3617367"/>
+              <a:gd name="connsiteY3" fmla="*/ 4968 h 725515"/>
+              <a:gd name="connsiteX4" fmla="*/ 1455725 w 3617367"/>
+              <a:gd name="connsiteY4" fmla="*/ 725515 h 725515"/>
+              <a:gd name="connsiteX5" fmla="*/ 1810512 w 3617367"/>
+              <a:gd name="connsiteY5" fmla="*/ 4968 h 725515"/>
+              <a:gd name="connsiteX6" fmla="*/ 2172615 w 3617367"/>
+              <a:gd name="connsiteY6" fmla="*/ 725515 h 725515"/>
+              <a:gd name="connsiteX7" fmla="*/ 2527402 w 3617367"/>
+              <a:gd name="connsiteY7" fmla="*/ 4968 h 725515"/>
+              <a:gd name="connsiteX8" fmla="*/ 2896819 w 3617367"/>
+              <a:gd name="connsiteY8" fmla="*/ 410962 h 725515"/>
+              <a:gd name="connsiteX9" fmla="*/ 3617367 w 3617367"/>
+              <a:gd name="connsiteY9" fmla="*/ 487771 h 725515"/>
+            </a:gdLst>
+            <a:ahLst/>
+            <a:cxnLst>
+              <a:cxn ang="0">
+                <a:pos x="connsiteX0" y="connsiteY0"/>
+              </a:cxn>
+              <a:cxn ang="0">
+                <a:pos x="connsiteX1" y="connsiteY1"/>
+              </a:cxn>
+              <a:cxn ang="0">
+                <a:pos x="connsiteX2" y="connsiteY2"/>
+              </a:cxn>
+              <a:cxn ang="0">
+                <a:pos x="connsiteX3" y="connsiteY3"/>
+              </a:cxn>
+              <a:cxn ang="0">
+                <a:pos x="connsiteX4" y="connsiteY4"/>
+              </a:cxn>
+              <a:cxn ang="0">
+                <a:pos x="connsiteX5" y="connsiteY5"/>
+              </a:cxn>
+              <a:cxn ang="0">
+                <a:pos x="connsiteX6" y="connsiteY6"/>
+              </a:cxn>
+              <a:cxn ang="0">
+                <a:pos x="connsiteX7" y="connsiteY7"/>
+              </a:cxn>
+              <a:cxn ang="0">
+                <a:pos x="connsiteX8" y="connsiteY8"/>
+              </a:cxn>
+              <a:cxn ang="0">
+                <a:pos x="connsiteX9" y="connsiteY9"/>
+              </a:cxn>
+            </a:cxnLst>
+            <a:rect l="l" t="t" r="r" b="b"/>
+            <a:pathLst>
+              <a:path w="3617367" h="725515">
+                <a:moveTo>
+                  <a:pt x="0" y="337810"/>
+                </a:moveTo>
+                <a:cubicBezTo>
+                  <a:pt x="0" y="337200"/>
+                  <a:pt x="305411" y="322569"/>
+                  <a:pt x="365761" y="378043"/>
+                </a:cubicBezTo>
+                <a:cubicBezTo>
+                  <a:pt x="426111" y="433517"/>
+                  <a:pt x="606553" y="776722"/>
+                  <a:pt x="727863" y="714543"/>
+                </a:cubicBezTo>
+                <a:cubicBezTo>
+                  <a:pt x="849173" y="652364"/>
+                  <a:pt x="972313" y="3139"/>
+                  <a:pt x="1093623" y="4968"/>
+                </a:cubicBezTo>
+                <a:cubicBezTo>
+                  <a:pt x="1214933" y="6797"/>
+                  <a:pt x="1336244" y="725515"/>
+                  <a:pt x="1455725" y="725515"/>
+                </a:cubicBezTo>
+                <a:cubicBezTo>
+                  <a:pt x="1575206" y="725515"/>
+                  <a:pt x="1691030" y="4968"/>
+                  <a:pt x="1810512" y="4968"/>
+                </a:cubicBezTo>
+                <a:cubicBezTo>
+                  <a:pt x="1929994" y="4968"/>
+                  <a:pt x="2053133" y="725515"/>
+                  <a:pt x="2172615" y="725515"/>
+                </a:cubicBezTo>
+                <a:cubicBezTo>
+                  <a:pt x="2292097" y="725515"/>
+                  <a:pt x="2406701" y="57393"/>
+                  <a:pt x="2527402" y="4968"/>
+                </a:cubicBezTo>
+                <a:cubicBezTo>
+                  <a:pt x="2648103" y="-47457"/>
+                  <a:pt x="2715158" y="330495"/>
+                  <a:pt x="2896819" y="410962"/>
+                </a:cubicBezTo>
+                <a:cubicBezTo>
+                  <a:pt x="3078480" y="491429"/>
+                  <a:pt x="3347923" y="489600"/>
+                  <a:pt x="3617367" y="487771"/>
+                </a:cubicBezTo>
+              </a:path>
+            </a:pathLst>
+          </a:custGeom>
+          <a:noFill/>
+          <a:ln>
+            <a:solidFill>
+              <a:srgbClr val="FF0000"/>
+            </a:solidFill>
+            <a:headEnd type="none" w="med" len="med"/>
+            <a:tailEnd type="arrow" w="med" len="med"/>
+          </a:ln>
+        </p:spPr>
+        <p:style>
+          <a:lnRef idx="2">
+            <a:schemeClr val="accent1">
+              <a:shade val="50000"/>
+            </a:schemeClr>
+          </a:lnRef>
+          <a:fillRef idx="1">
+            <a:schemeClr val="accent1"/>
+          </a:fillRef>
+          <a:effectRef idx="0">
+            <a:schemeClr val="accent1"/>
+          </a:effectRef>
+          <a:fontRef idx="minor">
+            <a:schemeClr val="lt1"/>
+          </a:fontRef>
+        </p:style>
+        <p:txBody>
+          <a:bodyPr rtlCol="0" anchor="ctr"/>
+          <a:lstStyle/>
+          <a:p>
+            <a:pPr algn="ctr"/>
+            <a:endParaRPr lang="en-GB"/>
+          </a:p>
+        </p:txBody>
+      </p:sp>
+      <p:sp>
+        <p:nvSpPr>
+          <p:cNvPr id="270" name="Oval 269"/>
+          <p:cNvSpPr/>
+          <p:nvPr/>
+        </p:nvSpPr>
+        <p:spPr>
+          <a:xfrm>
+            <a:off x="2558533" y="2247797"/>
+            <a:ext cx="108000" cy="108000"/>
+          </a:xfrm>
+          <a:prstGeom prst="ellipse">
+            <a:avLst/>
+          </a:prstGeom>
+          <a:solidFill>
+            <a:schemeClr val="tx1"/>
+          </a:solidFill>
+          <a:ln w="28575">
+            <a:solidFill>
+              <a:schemeClr val="tx1"/>
+            </a:solidFill>
+          </a:ln>
+        </p:spPr>
+        <p:style>
+          <a:lnRef idx="2">
+            <a:schemeClr val="accent1">
+              <a:shade val="50000"/>
+            </a:schemeClr>
+          </a:lnRef>
+          <a:fillRef idx="1">
+            <a:schemeClr val="accent1"/>
+          </a:fillRef>
+          <a:effectRef idx="0">
+            <a:schemeClr val="accent1"/>
+          </a:effectRef>
+          <a:fontRef idx="minor">
+            <a:schemeClr val="lt1"/>
+          </a:fontRef>
+        </p:style>
+        <p:txBody>
+          <a:bodyPr rtlCol="0" anchor="ctr"/>
+          <a:lstStyle/>
+          <a:p>
+            <a:pPr algn="ctr"/>
+            <a:endParaRPr lang="en-GB"/>
+          </a:p>
+        </p:txBody>
+      </p:sp>
+      <p:cxnSp>
+        <p:nvCxnSpPr>
+          <p:cNvPr id="271" name="Straight Arrow Connector 270"/>
+          <p:cNvCxnSpPr/>
+          <p:nvPr/>
+        </p:nvCxnSpPr>
+        <p:spPr>
+          <a:xfrm>
+            <a:off x="2609518" y="2355810"/>
+            <a:ext cx="0" cy="2196000"/>
+          </a:xfrm>
+          <a:prstGeom prst="straightConnector1">
+            <a:avLst/>
+          </a:prstGeom>
+          <a:ln w="28575">
+            <a:solidFill>
+              <a:srgbClr val="FF0000"/>
+            </a:solidFill>
+            <a:headEnd type="triangle" w="med" len="med"/>
+            <a:tailEnd type="none" w="med" len="med"/>
+          </a:ln>
+        </p:spPr>
+        <p:style>
+          <a:lnRef idx="1">
+            <a:schemeClr val="accent1"/>
+          </a:lnRef>
+          <a:fillRef idx="0">
+            <a:schemeClr val="accent1"/>
+          </a:fillRef>
+          <a:effectRef idx="0">
+            <a:schemeClr val="accent1"/>
+          </a:effectRef>
+          <a:fontRef idx="minor">
+            <a:schemeClr val="tx1"/>
+          </a:fontRef>
+        </p:style>
+      </p:cxnSp>
+      <p:sp>
+        <p:nvSpPr>
+          <p:cNvPr id="272" name="Oval 271"/>
+          <p:cNvSpPr/>
+          <p:nvPr/>
+        </p:nvSpPr>
+        <p:spPr>
+          <a:xfrm>
+            <a:off x="6408613" y="2959724"/>
+            <a:ext cx="108000" cy="108000"/>
+          </a:xfrm>
+          <a:prstGeom prst="ellipse">
+            <a:avLst/>
+          </a:prstGeom>
+          <a:solidFill>
+            <a:schemeClr val="tx1"/>
+          </a:solidFill>
+          <a:ln w="28575">
+            <a:solidFill>
+              <a:schemeClr val="tx1"/>
+            </a:solidFill>
+          </a:ln>
+        </p:spPr>
+        <p:style>
+          <a:lnRef idx="2">
+            <a:schemeClr val="accent1">
+              <a:shade val="50000"/>
+            </a:schemeClr>
+          </a:lnRef>
+          <a:fillRef idx="1">
+            <a:schemeClr val="accent1"/>
+          </a:fillRef>
+          <a:effectRef idx="0">
+            <a:schemeClr val="accent1"/>
+          </a:effectRef>
+          <a:fontRef idx="minor">
+            <a:schemeClr val="lt1"/>
+          </a:fontRef>
+        </p:style>
+        <p:txBody>
+          <a:bodyPr rtlCol="0" anchor="ctr"/>
+          <a:lstStyle/>
+          <a:p>
+            <a:pPr algn="ctr"/>
+            <a:endParaRPr lang="en-GB"/>
+          </a:p>
+        </p:txBody>
+      </p:sp>
+      <p:sp>
+        <p:nvSpPr>
+          <p:cNvPr id="273" name="TextBox 272"/>
+          <p:cNvSpPr txBox="1"/>
+          <p:nvPr/>
+        </p:nvSpPr>
+        <p:spPr>
+          <a:xfrm>
+            <a:off x="795211" y="2953127"/>
+            <a:ext cx="932882" cy="400110"/>
+          </a:xfrm>
+          <a:prstGeom prst="rect">
+            <a:avLst/>
+          </a:prstGeom>
+          <a:noFill/>
+        </p:spPr>
+        <p:txBody>
+          <a:bodyPr wrap="square" rtlCol="0">
+            <a:spAutoFit/>
+          </a:bodyPr>
+          <a:lstStyle/>
+          <a:p>
+            <a:r>
+              <a:rPr lang="en-GB" sz="2000" dirty="0" smtClean="0">
+                <a:solidFill>
+                  <a:srgbClr val="FF0000"/>
+                </a:solidFill>
+              </a:rPr>
+              <a:t>Photon</a:t>
+            </a:r>
+            <a:endParaRPr lang="en-GB" sz="2000" dirty="0">
               <a:solidFill>
                 <a:srgbClr val="FF0000"/>
               </a:solidFill>
-              <a:headEnd type="none" w="med" len="med"/>
-              <a:tailEnd type="arrow" w="med" len="med"/>
-            </a:ln>
-          </p:spPr>
-          <p:style>
-            <a:lnRef idx="2">
-              <a:schemeClr val="accent1">
-                <a:shade val="50000"/>
-              </a:schemeClr>
-            </a:lnRef>
-            <a:fillRef idx="1">
-              <a:schemeClr val="accent1"/>
-            </a:fillRef>
-            <a:effectRef idx="0">
-              <a:schemeClr val="accent1"/>
-            </a:effectRef>
-            <a:fontRef idx="minor">
-              <a:schemeClr val="lt1"/>
-            </a:fontRef>
-          </p:style>
-          <p:txBody>
-            <a:bodyPr rtlCol="0" anchor="ctr"/>
-            <a:lstStyle/>
-            <a:p>
-              <a:pPr algn="ctr"/>
-              <a:endParaRPr lang="en-GB"/>
-            </a:p>
-          </p:txBody>
-        </p:sp>
-        <p:sp>
-          <p:nvSpPr>
-            <p:cNvPr id="356" name="Oval 355"/>
-            <p:cNvSpPr/>
-            <p:nvPr/>
-          </p:nvSpPr>
-          <p:spPr>
-            <a:xfrm>
-              <a:off x="2090642" y="1959041"/>
-              <a:ext cx="108000" cy="108000"/>
-            </a:xfrm>
-            <a:prstGeom prst="ellipse">
-              <a:avLst/>
-            </a:prstGeom>
+            </a:endParaRPr>
+          </a:p>
+        </p:txBody>
+      </p:sp>
+      <p:sp>
+        <p:nvSpPr>
+          <p:cNvPr id="274" name="TextBox 273"/>
+          <p:cNvSpPr txBox="1"/>
+          <p:nvPr/>
+        </p:nvSpPr>
+        <p:spPr>
+          <a:xfrm>
+            <a:off x="936005" y="3241159"/>
+            <a:ext cx="576064" cy="432048"/>
+          </a:xfrm>
+          <a:prstGeom prst="rect">
+            <a:avLst/>
+          </a:prstGeom>
+          <a:noFill/>
+        </p:spPr>
+        <p:txBody>
+          <a:bodyPr wrap="square" rtlCol="0">
+            <a:spAutoFit/>
+          </a:bodyPr>
+          <a:lstStyle/>
+          <a:p>
+            <a:r>
+              <a:rPr lang="en-GB" sz="2200" dirty="0" smtClean="0"/>
+              <a:t>E</a:t>
+            </a:r>
+            <a:r>
+              <a:rPr lang="en-GB" sz="2200" baseline="-25000" dirty="0"/>
+              <a:t>F</a:t>
+            </a:r>
+            <a:endParaRPr lang="en-GB" sz="2200" dirty="0"/>
+          </a:p>
+        </p:txBody>
+      </p:sp>
+      <p:cxnSp>
+        <p:nvCxnSpPr>
+          <p:cNvPr id="275" name="Straight Arrow Connector 274"/>
+          <p:cNvCxnSpPr/>
+          <p:nvPr/>
+        </p:nvCxnSpPr>
+        <p:spPr>
+          <a:xfrm>
+            <a:off x="3899783" y="3141941"/>
+            <a:ext cx="966697" cy="0"/>
+          </a:xfrm>
+          <a:prstGeom prst="straightConnector1">
+            <a:avLst/>
+          </a:prstGeom>
+          <a:ln w="12700">
             <a:solidFill>
               <a:schemeClr val="tx1"/>
             </a:solidFill>
-            <a:ln w="28575">
-              <a:solidFill>
-                <a:schemeClr val="tx1"/>
-              </a:solidFill>
-            </a:ln>
-          </p:spPr>
-          <p:style>
-            <a:lnRef idx="2">
-              <a:schemeClr val="accent1">
-                <a:shade val="50000"/>
-              </a:schemeClr>
-            </a:lnRef>
-            <a:fillRef idx="1">
-              <a:schemeClr val="accent1"/>
-            </a:fillRef>
-            <a:effectRef idx="0">
-              <a:schemeClr val="accent1"/>
-            </a:effectRef>
-            <a:fontRef idx="minor">
-              <a:schemeClr val="lt1"/>
-            </a:fontRef>
-          </p:style>
-          <p:txBody>
-            <a:bodyPr rtlCol="0" anchor="ctr"/>
-            <a:lstStyle/>
-            <a:p>
-              <a:pPr algn="ctr"/>
-              <a:endParaRPr lang="en-GB"/>
-            </a:p>
-          </p:txBody>
-        </p:sp>
-        <p:cxnSp>
-          <p:nvCxnSpPr>
-            <p:cNvPr id="357" name="Straight Arrow Connector 356"/>
-            <p:cNvCxnSpPr/>
-            <p:nvPr/>
-          </p:nvCxnSpPr>
-          <p:spPr>
-            <a:xfrm>
-              <a:off x="2141627" y="2067054"/>
-              <a:ext cx="0" cy="2196000"/>
-            </a:xfrm>
-            <a:prstGeom prst="straightConnector1">
-              <a:avLst/>
-            </a:prstGeom>
-            <a:ln w="28575">
+            <a:tailEnd type="arrow"/>
+          </a:ln>
+        </p:spPr>
+        <p:style>
+          <a:lnRef idx="1">
+            <a:schemeClr val="accent1"/>
+          </a:lnRef>
+          <a:fillRef idx="0">
+            <a:schemeClr val="accent1"/>
+          </a:fillRef>
+          <a:effectRef idx="0">
+            <a:schemeClr val="accent1"/>
+          </a:effectRef>
+          <a:fontRef idx="minor">
+            <a:schemeClr val="tx1"/>
+          </a:fontRef>
+        </p:style>
+      </p:cxnSp>
+      <p:sp>
+        <p:nvSpPr>
+          <p:cNvPr id="276" name="TextBox 275"/>
+          <p:cNvSpPr txBox="1"/>
+          <p:nvPr/>
+        </p:nvSpPr>
+        <p:spPr>
+          <a:xfrm>
+            <a:off x="2664197" y="2086353"/>
+            <a:ext cx="1136031" cy="430887"/>
+          </a:xfrm>
+          <a:prstGeom prst="rect">
+            <a:avLst/>
+          </a:prstGeom>
+          <a:noFill/>
+        </p:spPr>
+        <p:txBody>
+          <a:bodyPr wrap="square" rtlCol="0">
+            <a:spAutoFit/>
+          </a:bodyPr>
+          <a:lstStyle/>
+          <a:p>
+            <a:r>
+              <a:rPr lang="en-GB" sz="2200" dirty="0" smtClean="0"/>
+              <a:t>Electron</a:t>
+            </a:r>
+            <a:endParaRPr lang="en-GB" sz="2200" dirty="0"/>
+          </a:p>
+        </p:txBody>
+      </p:sp>
+      <p:sp>
+        <p:nvSpPr>
+          <p:cNvPr id="277" name="TextBox 276"/>
+          <p:cNvSpPr txBox="1"/>
+          <p:nvPr/>
+        </p:nvSpPr>
+        <p:spPr>
+          <a:xfrm>
+            <a:off x="2691054" y="4386492"/>
+            <a:ext cx="1136031" cy="430887"/>
+          </a:xfrm>
+          <a:prstGeom prst="rect">
+            <a:avLst/>
+          </a:prstGeom>
+          <a:noFill/>
+        </p:spPr>
+        <p:txBody>
+          <a:bodyPr wrap="square" rtlCol="0">
+            <a:spAutoFit/>
+          </a:bodyPr>
+          <a:lstStyle/>
+          <a:p>
+            <a:r>
+              <a:rPr lang="en-GB" sz="2200" dirty="0" smtClean="0"/>
+              <a:t>Hole</a:t>
+            </a:r>
+            <a:endParaRPr lang="en-GB" sz="2200" dirty="0"/>
+          </a:p>
+        </p:txBody>
+      </p:sp>
+      <p:sp>
+        <p:nvSpPr>
+          <p:cNvPr id="278" name="TextBox 277"/>
+          <p:cNvSpPr txBox="1"/>
+          <p:nvPr/>
+        </p:nvSpPr>
+        <p:spPr>
+          <a:xfrm>
+            <a:off x="6424710" y="2953127"/>
+            <a:ext cx="1136031" cy="430887"/>
+          </a:xfrm>
+          <a:prstGeom prst="rect">
+            <a:avLst/>
+          </a:prstGeom>
+          <a:noFill/>
+        </p:spPr>
+        <p:txBody>
+          <a:bodyPr wrap="square" rtlCol="0">
+            <a:spAutoFit/>
+          </a:bodyPr>
+          <a:lstStyle/>
+          <a:p>
+            <a:r>
+              <a:rPr lang="en-GB" sz="2200" dirty="0" smtClean="0"/>
+              <a:t>Exciton</a:t>
+            </a:r>
+            <a:endParaRPr lang="en-GB" sz="2200" dirty="0"/>
+          </a:p>
+        </p:txBody>
+      </p:sp>
+      <p:cxnSp>
+        <p:nvCxnSpPr>
+          <p:cNvPr id="279" name="Straight Arrow Connector 278"/>
+          <p:cNvCxnSpPr/>
+          <p:nvPr/>
+        </p:nvCxnSpPr>
+        <p:spPr>
+          <a:xfrm flipH="1">
+            <a:off x="6187228" y="3054611"/>
+            <a:ext cx="275385" cy="1237796"/>
+          </a:xfrm>
+          <a:prstGeom prst="straightConnector1">
+            <a:avLst/>
+          </a:prstGeom>
+          <a:ln w="28575">
+            <a:solidFill>
+              <a:srgbClr val="FF0000"/>
+            </a:solidFill>
+            <a:headEnd type="triangle" w="med" len="med"/>
+            <a:tailEnd type="none" w="med" len="med"/>
+          </a:ln>
+        </p:spPr>
+        <p:style>
+          <a:lnRef idx="1">
+            <a:schemeClr val="accent1"/>
+          </a:lnRef>
+          <a:fillRef idx="0">
+            <a:schemeClr val="accent1"/>
+          </a:fillRef>
+          <a:effectRef idx="0">
+            <a:schemeClr val="accent1"/>
+          </a:effectRef>
+          <a:fontRef idx="minor">
+            <a:schemeClr val="tx1"/>
+          </a:fontRef>
+        </p:style>
+      </p:cxnSp>
+      <p:sp>
+        <p:nvSpPr>
+          <p:cNvPr id="280" name="Freeform 279"/>
+          <p:cNvSpPr>
+            <a:spLocks noChangeAspect="1"/>
+          </p:cNvSpPr>
+          <p:nvPr/>
+        </p:nvSpPr>
+        <p:spPr>
+          <a:xfrm flipV="1">
+            <a:off x="5405892" y="3600985"/>
+            <a:ext cx="900000" cy="145048"/>
+          </a:xfrm>
+          <a:custGeom>
+            <a:avLst/>
+            <a:gdLst>
+              <a:gd name="connsiteX0" fmla="*/ 0 w 2885847"/>
+              <a:gd name="connsiteY0" fmla="*/ 721858 h 725515"/>
+              <a:gd name="connsiteX1" fmla="*/ 362103 w 2885847"/>
+              <a:gd name="connsiteY1" fmla="*/ 4968 h 725515"/>
+              <a:gd name="connsiteX2" fmla="*/ 724205 w 2885847"/>
+              <a:gd name="connsiteY2" fmla="*/ 725515 h 725515"/>
+              <a:gd name="connsiteX3" fmla="*/ 1078992 w 2885847"/>
+              <a:gd name="connsiteY3" fmla="*/ 4968 h 725515"/>
+              <a:gd name="connsiteX4" fmla="*/ 1441095 w 2885847"/>
+              <a:gd name="connsiteY4" fmla="*/ 725515 h 725515"/>
+              <a:gd name="connsiteX5" fmla="*/ 1795882 w 2885847"/>
+              <a:gd name="connsiteY5" fmla="*/ 4968 h 725515"/>
+              <a:gd name="connsiteX6" fmla="*/ 2165299 w 2885847"/>
+              <a:gd name="connsiteY6" fmla="*/ 410962 h 725515"/>
+              <a:gd name="connsiteX7" fmla="*/ 2885847 w 2885847"/>
+              <a:gd name="connsiteY7" fmla="*/ 487771 h 725515"/>
+              <a:gd name="connsiteX0" fmla="*/ 29690 w 2915537"/>
+              <a:gd name="connsiteY0" fmla="*/ 721858 h 769324"/>
+              <a:gd name="connsiteX1" fmla="*/ 26033 w 2915537"/>
+              <a:gd name="connsiteY1" fmla="*/ 714543 h 769324"/>
+              <a:gd name="connsiteX2" fmla="*/ 391793 w 2915537"/>
+              <a:gd name="connsiteY2" fmla="*/ 4968 h 769324"/>
+              <a:gd name="connsiteX3" fmla="*/ 753895 w 2915537"/>
+              <a:gd name="connsiteY3" fmla="*/ 725515 h 769324"/>
+              <a:gd name="connsiteX4" fmla="*/ 1108682 w 2915537"/>
+              <a:gd name="connsiteY4" fmla="*/ 4968 h 769324"/>
+              <a:gd name="connsiteX5" fmla="*/ 1470785 w 2915537"/>
+              <a:gd name="connsiteY5" fmla="*/ 725515 h 769324"/>
+              <a:gd name="connsiteX6" fmla="*/ 1825572 w 2915537"/>
+              <a:gd name="connsiteY6" fmla="*/ 4968 h 769324"/>
+              <a:gd name="connsiteX7" fmla="*/ 2194989 w 2915537"/>
+              <a:gd name="connsiteY7" fmla="*/ 410962 h 769324"/>
+              <a:gd name="connsiteX8" fmla="*/ 2915537 w 2915537"/>
+              <a:gd name="connsiteY8" fmla="*/ 487771 h 769324"/>
+              <a:gd name="connsiteX0" fmla="*/ 1 w 3108962"/>
+              <a:gd name="connsiteY0" fmla="*/ 579212 h 746320"/>
+              <a:gd name="connsiteX1" fmla="*/ 219458 w 3108962"/>
+              <a:gd name="connsiteY1" fmla="*/ 714543 h 746320"/>
+              <a:gd name="connsiteX2" fmla="*/ 585218 w 3108962"/>
+              <a:gd name="connsiteY2" fmla="*/ 4968 h 746320"/>
+              <a:gd name="connsiteX3" fmla="*/ 947320 w 3108962"/>
+              <a:gd name="connsiteY3" fmla="*/ 725515 h 746320"/>
+              <a:gd name="connsiteX4" fmla="*/ 1302107 w 3108962"/>
+              <a:gd name="connsiteY4" fmla="*/ 4968 h 746320"/>
+              <a:gd name="connsiteX5" fmla="*/ 1664210 w 3108962"/>
+              <a:gd name="connsiteY5" fmla="*/ 725515 h 746320"/>
+              <a:gd name="connsiteX6" fmla="*/ 2018997 w 3108962"/>
+              <a:gd name="connsiteY6" fmla="*/ 4968 h 746320"/>
+              <a:gd name="connsiteX7" fmla="*/ 2388414 w 3108962"/>
+              <a:gd name="connsiteY7" fmla="*/ 410962 h 746320"/>
+              <a:gd name="connsiteX8" fmla="*/ 3108962 w 3108962"/>
+              <a:gd name="connsiteY8" fmla="*/ 487771 h 746320"/>
+              <a:gd name="connsiteX0" fmla="*/ 0 w 3251607"/>
+              <a:gd name="connsiteY0" fmla="*/ 381701 h 734595"/>
+              <a:gd name="connsiteX1" fmla="*/ 362103 w 3251607"/>
+              <a:gd name="connsiteY1" fmla="*/ 714543 h 734595"/>
+              <a:gd name="connsiteX2" fmla="*/ 727863 w 3251607"/>
+              <a:gd name="connsiteY2" fmla="*/ 4968 h 734595"/>
+              <a:gd name="connsiteX3" fmla="*/ 1089965 w 3251607"/>
+              <a:gd name="connsiteY3" fmla="*/ 725515 h 734595"/>
+              <a:gd name="connsiteX4" fmla="*/ 1444752 w 3251607"/>
+              <a:gd name="connsiteY4" fmla="*/ 4968 h 734595"/>
+              <a:gd name="connsiteX5" fmla="*/ 1806855 w 3251607"/>
+              <a:gd name="connsiteY5" fmla="*/ 725515 h 734595"/>
+              <a:gd name="connsiteX6" fmla="*/ 2161642 w 3251607"/>
+              <a:gd name="connsiteY6" fmla="*/ 4968 h 734595"/>
+              <a:gd name="connsiteX7" fmla="*/ 2531059 w 3251607"/>
+              <a:gd name="connsiteY7" fmla="*/ 410962 h 734595"/>
+              <a:gd name="connsiteX8" fmla="*/ 3251607 w 3251607"/>
+              <a:gd name="connsiteY8" fmla="*/ 487771 h 734595"/>
+              <a:gd name="connsiteX0" fmla="*/ 26821 w 3278428"/>
+              <a:gd name="connsiteY0" fmla="*/ 381701 h 725515"/>
+              <a:gd name="connsiteX1" fmla="*/ 26822 w 3278428"/>
+              <a:gd name="connsiteY1" fmla="*/ 378043 h 725515"/>
+              <a:gd name="connsiteX2" fmla="*/ 388924 w 3278428"/>
+              <a:gd name="connsiteY2" fmla="*/ 714543 h 725515"/>
+              <a:gd name="connsiteX3" fmla="*/ 754684 w 3278428"/>
+              <a:gd name="connsiteY3" fmla="*/ 4968 h 725515"/>
+              <a:gd name="connsiteX4" fmla="*/ 1116786 w 3278428"/>
+              <a:gd name="connsiteY4" fmla="*/ 725515 h 725515"/>
+              <a:gd name="connsiteX5" fmla="*/ 1471573 w 3278428"/>
+              <a:gd name="connsiteY5" fmla="*/ 4968 h 725515"/>
+              <a:gd name="connsiteX6" fmla="*/ 1833676 w 3278428"/>
+              <a:gd name="connsiteY6" fmla="*/ 725515 h 725515"/>
+              <a:gd name="connsiteX7" fmla="*/ 2188463 w 3278428"/>
+              <a:gd name="connsiteY7" fmla="*/ 4968 h 725515"/>
+              <a:gd name="connsiteX8" fmla="*/ 2557880 w 3278428"/>
+              <a:gd name="connsiteY8" fmla="*/ 410962 h 725515"/>
+              <a:gd name="connsiteX9" fmla="*/ 3278428 w 3278428"/>
+              <a:gd name="connsiteY9" fmla="*/ 487771 h 725515"/>
+              <a:gd name="connsiteX0" fmla="*/ 0 w 3617367"/>
+              <a:gd name="connsiteY0" fmla="*/ 337810 h 725515"/>
+              <a:gd name="connsiteX1" fmla="*/ 365761 w 3617367"/>
+              <a:gd name="connsiteY1" fmla="*/ 378043 h 725515"/>
+              <a:gd name="connsiteX2" fmla="*/ 727863 w 3617367"/>
+              <a:gd name="connsiteY2" fmla="*/ 714543 h 725515"/>
+              <a:gd name="connsiteX3" fmla="*/ 1093623 w 3617367"/>
+              <a:gd name="connsiteY3" fmla="*/ 4968 h 725515"/>
+              <a:gd name="connsiteX4" fmla="*/ 1455725 w 3617367"/>
+              <a:gd name="connsiteY4" fmla="*/ 725515 h 725515"/>
+              <a:gd name="connsiteX5" fmla="*/ 1810512 w 3617367"/>
+              <a:gd name="connsiteY5" fmla="*/ 4968 h 725515"/>
+              <a:gd name="connsiteX6" fmla="*/ 2172615 w 3617367"/>
+              <a:gd name="connsiteY6" fmla="*/ 725515 h 725515"/>
+              <a:gd name="connsiteX7" fmla="*/ 2527402 w 3617367"/>
+              <a:gd name="connsiteY7" fmla="*/ 4968 h 725515"/>
+              <a:gd name="connsiteX8" fmla="*/ 2896819 w 3617367"/>
+              <a:gd name="connsiteY8" fmla="*/ 410962 h 725515"/>
+              <a:gd name="connsiteX9" fmla="*/ 3617367 w 3617367"/>
+              <a:gd name="connsiteY9" fmla="*/ 487771 h 725515"/>
+            </a:gdLst>
+            <a:ahLst/>
+            <a:cxnLst>
+              <a:cxn ang="0">
+                <a:pos x="connsiteX0" y="connsiteY0"/>
+              </a:cxn>
+              <a:cxn ang="0">
+                <a:pos x="connsiteX1" y="connsiteY1"/>
+              </a:cxn>
+              <a:cxn ang="0">
+                <a:pos x="connsiteX2" y="connsiteY2"/>
+              </a:cxn>
+              <a:cxn ang="0">
+                <a:pos x="connsiteX3" y="connsiteY3"/>
+              </a:cxn>
+              <a:cxn ang="0">
+                <a:pos x="connsiteX4" y="connsiteY4"/>
+              </a:cxn>
+              <a:cxn ang="0">
+                <a:pos x="connsiteX5" y="connsiteY5"/>
+              </a:cxn>
+              <a:cxn ang="0">
+                <a:pos x="connsiteX6" y="connsiteY6"/>
+              </a:cxn>
+              <a:cxn ang="0">
+                <a:pos x="connsiteX7" y="connsiteY7"/>
+              </a:cxn>
+              <a:cxn ang="0">
+                <a:pos x="connsiteX8" y="connsiteY8"/>
+              </a:cxn>
+              <a:cxn ang="0">
+                <a:pos x="connsiteX9" y="connsiteY9"/>
+              </a:cxn>
+            </a:cxnLst>
+            <a:rect l="l" t="t" r="r" b="b"/>
+            <a:pathLst>
+              <a:path w="3617367" h="725515">
+                <a:moveTo>
+                  <a:pt x="0" y="337810"/>
+                </a:moveTo>
+                <a:cubicBezTo>
+                  <a:pt x="0" y="337200"/>
+                  <a:pt x="305411" y="322569"/>
+                  <a:pt x="365761" y="378043"/>
+                </a:cubicBezTo>
+                <a:cubicBezTo>
+                  <a:pt x="426111" y="433517"/>
+                  <a:pt x="606553" y="776722"/>
+                  <a:pt x="727863" y="714543"/>
+                </a:cubicBezTo>
+                <a:cubicBezTo>
+                  <a:pt x="849173" y="652364"/>
+                  <a:pt x="972313" y="3139"/>
+                  <a:pt x="1093623" y="4968"/>
+                </a:cubicBezTo>
+                <a:cubicBezTo>
+                  <a:pt x="1214933" y="6797"/>
+                  <a:pt x="1336244" y="725515"/>
+                  <a:pt x="1455725" y="725515"/>
+                </a:cubicBezTo>
+                <a:cubicBezTo>
+                  <a:pt x="1575206" y="725515"/>
+                  <a:pt x="1691030" y="4968"/>
+                  <a:pt x="1810512" y="4968"/>
+                </a:cubicBezTo>
+                <a:cubicBezTo>
+                  <a:pt x="1929994" y="4968"/>
+                  <a:pt x="2053133" y="725515"/>
+                  <a:pt x="2172615" y="725515"/>
+                </a:cubicBezTo>
+                <a:cubicBezTo>
+                  <a:pt x="2292097" y="725515"/>
+                  <a:pt x="2406701" y="57393"/>
+                  <a:pt x="2527402" y="4968"/>
+                </a:cubicBezTo>
+                <a:cubicBezTo>
+                  <a:pt x="2648103" y="-47457"/>
+                  <a:pt x="2715158" y="330495"/>
+                  <a:pt x="2896819" y="410962"/>
+                </a:cubicBezTo>
+                <a:cubicBezTo>
+                  <a:pt x="3078480" y="491429"/>
+                  <a:pt x="3347923" y="489600"/>
+                  <a:pt x="3617367" y="487771"/>
+                </a:cubicBezTo>
+              </a:path>
+            </a:pathLst>
+          </a:custGeom>
+          <a:noFill/>
+          <a:ln>
+            <a:solidFill>
+              <a:srgbClr val="FF0000"/>
+            </a:solidFill>
+            <a:headEnd type="none" w="med" len="med"/>
+            <a:tailEnd type="arrow" w="med" len="med"/>
+          </a:ln>
+        </p:spPr>
+        <p:style>
+          <a:lnRef idx="2">
+            <a:schemeClr val="accent1">
+              <a:shade val="50000"/>
+            </a:schemeClr>
+          </a:lnRef>
+          <a:fillRef idx="1">
+            <a:schemeClr val="accent1"/>
+          </a:fillRef>
+          <a:effectRef idx="0">
+            <a:schemeClr val="accent1"/>
+          </a:effectRef>
+          <a:fontRef idx="minor">
+            <a:schemeClr val="lt1"/>
+          </a:fontRef>
+        </p:style>
+        <p:txBody>
+          <a:bodyPr rtlCol="0" anchor="ctr"/>
+          <a:lstStyle/>
+          <a:p>
+            <a:pPr algn="ctr"/>
+            <a:endParaRPr lang="en-GB"/>
+          </a:p>
+        </p:txBody>
+      </p:sp>
+      <p:sp>
+        <p:nvSpPr>
+          <p:cNvPr id="281" name="TextBox 280"/>
+          <p:cNvSpPr txBox="1"/>
+          <p:nvPr/>
+        </p:nvSpPr>
+        <p:spPr>
+          <a:xfrm>
+            <a:off x="4508914" y="3458001"/>
+            <a:ext cx="932882" cy="400110"/>
+          </a:xfrm>
+          <a:prstGeom prst="rect">
+            <a:avLst/>
+          </a:prstGeom>
+          <a:noFill/>
+        </p:spPr>
+        <p:txBody>
+          <a:bodyPr wrap="square" rtlCol="0">
+            <a:spAutoFit/>
+          </a:bodyPr>
+          <a:lstStyle/>
+          <a:p>
+            <a:r>
+              <a:rPr lang="en-GB" sz="2000" dirty="0" smtClean="0">
+                <a:solidFill>
+                  <a:srgbClr val="FF0000"/>
+                </a:solidFill>
+              </a:rPr>
+              <a:t>Photon</a:t>
+            </a:r>
+            <a:endParaRPr lang="en-GB" sz="2000" dirty="0">
               <a:solidFill>
                 <a:srgbClr val="FF0000"/>
               </a:solidFill>
-              <a:headEnd type="triangle" w="med" len="med"/>
-              <a:tailEnd type="none" w="med" len="med"/>
-            </a:ln>
-          </p:spPr>
-          <p:style>
-            <a:lnRef idx="1">
-              <a:schemeClr val="accent1"/>
-            </a:lnRef>
-            <a:fillRef idx="0">
-              <a:schemeClr val="accent1"/>
-            </a:fillRef>
-            <a:effectRef idx="0">
-              <a:schemeClr val="accent1"/>
-            </a:effectRef>
-            <a:fontRef idx="minor">
-              <a:schemeClr val="tx1"/>
-            </a:fontRef>
-          </p:style>
-        </p:cxnSp>
-        <p:sp>
-          <p:nvSpPr>
-            <p:cNvPr id="358" name="Oval 357"/>
-            <p:cNvSpPr/>
-            <p:nvPr/>
-          </p:nvSpPr>
-          <p:spPr>
-            <a:xfrm>
-              <a:off x="5940722" y="2670968"/>
-              <a:ext cx="108000" cy="108000"/>
-            </a:xfrm>
-            <a:prstGeom prst="ellipse">
-              <a:avLst/>
-            </a:prstGeom>
-            <a:solidFill>
-              <a:schemeClr val="tx1"/>
-            </a:solidFill>
-            <a:ln w="28575">
-              <a:solidFill>
-                <a:schemeClr val="tx1"/>
-              </a:solidFill>
-            </a:ln>
-          </p:spPr>
-          <p:style>
-            <a:lnRef idx="2">
-              <a:schemeClr val="accent1">
-                <a:shade val="50000"/>
-              </a:schemeClr>
-            </a:lnRef>
-            <a:fillRef idx="1">
-              <a:schemeClr val="accent1"/>
-            </a:fillRef>
-            <a:effectRef idx="0">
-              <a:schemeClr val="accent1"/>
-            </a:effectRef>
-            <a:fontRef idx="minor">
-              <a:schemeClr val="lt1"/>
-            </a:fontRef>
-          </p:style>
-          <p:txBody>
-            <a:bodyPr rtlCol="0" anchor="ctr"/>
-            <a:lstStyle/>
-            <a:p>
-              <a:pPr algn="ctr"/>
-              <a:endParaRPr lang="en-GB"/>
-            </a:p>
-          </p:txBody>
-        </p:sp>
-        <p:sp>
-          <p:nvSpPr>
-            <p:cNvPr id="359" name="TextBox 358"/>
-            <p:cNvSpPr txBox="1"/>
-            <p:nvPr/>
-          </p:nvSpPr>
-          <p:spPr>
-            <a:xfrm>
-              <a:off x="327320" y="2664371"/>
-              <a:ext cx="932882" cy="400110"/>
-            </a:xfrm>
-            <a:prstGeom prst="rect">
-              <a:avLst/>
-            </a:prstGeom>
-            <a:noFill/>
-          </p:spPr>
-          <p:txBody>
-            <a:bodyPr wrap="square" rtlCol="0">
-              <a:spAutoFit/>
-            </a:bodyPr>
-            <a:lstStyle/>
-            <a:p>
-              <a:r>
-                <a:rPr lang="en-GB" sz="2000" dirty="0" smtClean="0">
-                  <a:solidFill>
-                    <a:srgbClr val="FF0000"/>
-                  </a:solidFill>
-                </a:rPr>
-                <a:t>Photon</a:t>
-              </a:r>
-              <a:endParaRPr lang="en-GB" sz="2000" dirty="0">
-                <a:solidFill>
-                  <a:srgbClr val="FF0000"/>
-                </a:solidFill>
-              </a:endParaRPr>
-            </a:p>
-          </p:txBody>
-        </p:sp>
-        <p:sp>
-          <p:nvSpPr>
-            <p:cNvPr id="360" name="TextBox 359"/>
-            <p:cNvSpPr txBox="1"/>
-            <p:nvPr/>
-          </p:nvSpPr>
-          <p:spPr>
-            <a:xfrm>
-              <a:off x="468114" y="2952403"/>
-              <a:ext cx="576064" cy="432048"/>
-            </a:xfrm>
-            <a:prstGeom prst="rect">
-              <a:avLst/>
-            </a:prstGeom>
-            <a:noFill/>
-          </p:spPr>
-          <p:txBody>
-            <a:bodyPr wrap="square" rtlCol="0">
-              <a:spAutoFit/>
-            </a:bodyPr>
-            <a:lstStyle/>
-            <a:p>
-              <a:r>
-                <a:rPr lang="en-GB" sz="2200" dirty="0" smtClean="0"/>
-                <a:t>E</a:t>
-              </a:r>
-              <a:r>
-                <a:rPr lang="en-GB" sz="2200" baseline="-25000" dirty="0"/>
-                <a:t>F</a:t>
-              </a:r>
-              <a:endParaRPr lang="en-GB" sz="2200" dirty="0"/>
-            </a:p>
-          </p:txBody>
-        </p:sp>
-        <p:cxnSp>
-          <p:nvCxnSpPr>
-            <p:cNvPr id="361" name="Straight Arrow Connector 360"/>
-            <p:cNvCxnSpPr/>
-            <p:nvPr/>
-          </p:nvCxnSpPr>
-          <p:spPr>
-            <a:xfrm>
-              <a:off x="3431892" y="2853185"/>
-              <a:ext cx="966697" cy="0"/>
-            </a:xfrm>
-            <a:prstGeom prst="straightConnector1">
-              <a:avLst/>
-            </a:prstGeom>
-            <a:ln w="12700">
-              <a:solidFill>
-                <a:schemeClr val="tx1"/>
-              </a:solidFill>
-              <a:tailEnd type="arrow"/>
-            </a:ln>
-          </p:spPr>
-          <p:style>
-            <a:lnRef idx="1">
-              <a:schemeClr val="accent1"/>
-            </a:lnRef>
-            <a:fillRef idx="0">
-              <a:schemeClr val="accent1"/>
-            </a:fillRef>
-            <a:effectRef idx="0">
-              <a:schemeClr val="accent1"/>
-            </a:effectRef>
-            <a:fontRef idx="minor">
-              <a:schemeClr val="tx1"/>
-            </a:fontRef>
-          </p:style>
-        </p:cxnSp>
-        <p:sp>
-          <p:nvSpPr>
-            <p:cNvPr id="362" name="TextBox 361"/>
-            <p:cNvSpPr txBox="1"/>
-            <p:nvPr/>
-          </p:nvSpPr>
-          <p:spPr>
-            <a:xfrm>
-              <a:off x="2196306" y="1797597"/>
-              <a:ext cx="1136031" cy="430887"/>
-            </a:xfrm>
-            <a:prstGeom prst="rect">
-              <a:avLst/>
-            </a:prstGeom>
-            <a:noFill/>
-          </p:spPr>
-          <p:txBody>
-            <a:bodyPr wrap="square" rtlCol="0">
-              <a:spAutoFit/>
-            </a:bodyPr>
-            <a:lstStyle/>
-            <a:p>
-              <a:r>
-                <a:rPr lang="en-GB" sz="2200" dirty="0" smtClean="0"/>
-                <a:t>Electron</a:t>
-              </a:r>
-              <a:endParaRPr lang="en-GB" sz="2200" dirty="0"/>
-            </a:p>
-          </p:txBody>
-        </p:sp>
-        <p:sp>
-          <p:nvSpPr>
-            <p:cNvPr id="363" name="TextBox 362"/>
-            <p:cNvSpPr txBox="1"/>
-            <p:nvPr/>
-          </p:nvSpPr>
-          <p:spPr>
-            <a:xfrm>
-              <a:off x="2223163" y="4097736"/>
-              <a:ext cx="1136031" cy="430887"/>
-            </a:xfrm>
-            <a:prstGeom prst="rect">
-              <a:avLst/>
-            </a:prstGeom>
-            <a:noFill/>
-          </p:spPr>
-          <p:txBody>
-            <a:bodyPr wrap="square" rtlCol="0">
-              <a:spAutoFit/>
-            </a:bodyPr>
-            <a:lstStyle/>
-            <a:p>
-              <a:r>
-                <a:rPr lang="en-GB" sz="2200" dirty="0" smtClean="0"/>
-                <a:t>Hole</a:t>
-              </a:r>
-              <a:endParaRPr lang="en-GB" sz="2200" dirty="0"/>
-            </a:p>
-          </p:txBody>
-        </p:sp>
-        <p:sp>
-          <p:nvSpPr>
-            <p:cNvPr id="364" name="TextBox 363"/>
-            <p:cNvSpPr txBox="1"/>
-            <p:nvPr/>
-          </p:nvSpPr>
-          <p:spPr>
-            <a:xfrm>
-              <a:off x="5956819" y="2664371"/>
-              <a:ext cx="1136031" cy="430887"/>
-            </a:xfrm>
-            <a:prstGeom prst="rect">
-              <a:avLst/>
-            </a:prstGeom>
-            <a:noFill/>
-          </p:spPr>
-          <p:txBody>
-            <a:bodyPr wrap="square" rtlCol="0">
-              <a:spAutoFit/>
-            </a:bodyPr>
-            <a:lstStyle/>
-            <a:p>
-              <a:r>
-                <a:rPr lang="en-GB" sz="2200" dirty="0" smtClean="0"/>
-                <a:t>Exciton</a:t>
-              </a:r>
-              <a:endParaRPr lang="en-GB" sz="2200" dirty="0"/>
-            </a:p>
-          </p:txBody>
-        </p:sp>
-        <p:cxnSp>
-          <p:nvCxnSpPr>
-            <p:cNvPr id="365" name="Straight Arrow Connector 364"/>
-            <p:cNvCxnSpPr/>
-            <p:nvPr/>
-          </p:nvCxnSpPr>
-          <p:spPr>
-            <a:xfrm flipH="1">
-              <a:off x="5719337" y="2765855"/>
-              <a:ext cx="275385" cy="1237796"/>
-            </a:xfrm>
-            <a:prstGeom prst="straightConnector1">
-              <a:avLst/>
-            </a:prstGeom>
-            <a:ln w="28575">
-              <a:solidFill>
-                <a:srgbClr val="FF0000"/>
-              </a:solidFill>
-              <a:headEnd type="triangle" w="med" len="med"/>
-              <a:tailEnd type="none" w="med" len="med"/>
-            </a:ln>
-          </p:spPr>
-          <p:style>
-            <a:lnRef idx="1">
-              <a:schemeClr val="accent1"/>
-            </a:lnRef>
-            <a:fillRef idx="0">
-              <a:schemeClr val="accent1"/>
-            </a:fillRef>
-            <a:effectRef idx="0">
-              <a:schemeClr val="accent1"/>
-            </a:effectRef>
-            <a:fontRef idx="minor">
-              <a:schemeClr val="tx1"/>
-            </a:fontRef>
-          </p:style>
-        </p:cxnSp>
-        <p:sp>
-          <p:nvSpPr>
-            <p:cNvPr id="366" name="Freeform 365"/>
-            <p:cNvSpPr>
-              <a:spLocks noChangeAspect="1"/>
-            </p:cNvSpPr>
-            <p:nvPr/>
-          </p:nvSpPr>
-          <p:spPr>
-            <a:xfrm flipV="1">
-              <a:off x="4938001" y="3312229"/>
-              <a:ext cx="900000" cy="145048"/>
-            </a:xfrm>
-            <a:custGeom>
-              <a:avLst/>
-              <a:gdLst>
-                <a:gd name="connsiteX0" fmla="*/ 0 w 2885847"/>
-                <a:gd name="connsiteY0" fmla="*/ 721858 h 725515"/>
-                <a:gd name="connsiteX1" fmla="*/ 362103 w 2885847"/>
-                <a:gd name="connsiteY1" fmla="*/ 4968 h 725515"/>
-                <a:gd name="connsiteX2" fmla="*/ 724205 w 2885847"/>
-                <a:gd name="connsiteY2" fmla="*/ 725515 h 725515"/>
-                <a:gd name="connsiteX3" fmla="*/ 1078992 w 2885847"/>
-                <a:gd name="connsiteY3" fmla="*/ 4968 h 725515"/>
-                <a:gd name="connsiteX4" fmla="*/ 1441095 w 2885847"/>
-                <a:gd name="connsiteY4" fmla="*/ 725515 h 725515"/>
-                <a:gd name="connsiteX5" fmla="*/ 1795882 w 2885847"/>
-                <a:gd name="connsiteY5" fmla="*/ 4968 h 725515"/>
-                <a:gd name="connsiteX6" fmla="*/ 2165299 w 2885847"/>
-                <a:gd name="connsiteY6" fmla="*/ 410962 h 725515"/>
-                <a:gd name="connsiteX7" fmla="*/ 2885847 w 2885847"/>
-                <a:gd name="connsiteY7" fmla="*/ 487771 h 725515"/>
-                <a:gd name="connsiteX0" fmla="*/ 29690 w 2915537"/>
-                <a:gd name="connsiteY0" fmla="*/ 721858 h 769324"/>
-                <a:gd name="connsiteX1" fmla="*/ 26033 w 2915537"/>
-                <a:gd name="connsiteY1" fmla="*/ 714543 h 769324"/>
-                <a:gd name="connsiteX2" fmla="*/ 391793 w 2915537"/>
-                <a:gd name="connsiteY2" fmla="*/ 4968 h 769324"/>
-                <a:gd name="connsiteX3" fmla="*/ 753895 w 2915537"/>
-                <a:gd name="connsiteY3" fmla="*/ 725515 h 769324"/>
-                <a:gd name="connsiteX4" fmla="*/ 1108682 w 2915537"/>
-                <a:gd name="connsiteY4" fmla="*/ 4968 h 769324"/>
-                <a:gd name="connsiteX5" fmla="*/ 1470785 w 2915537"/>
-                <a:gd name="connsiteY5" fmla="*/ 725515 h 769324"/>
-                <a:gd name="connsiteX6" fmla="*/ 1825572 w 2915537"/>
-                <a:gd name="connsiteY6" fmla="*/ 4968 h 769324"/>
-                <a:gd name="connsiteX7" fmla="*/ 2194989 w 2915537"/>
-                <a:gd name="connsiteY7" fmla="*/ 410962 h 769324"/>
-                <a:gd name="connsiteX8" fmla="*/ 2915537 w 2915537"/>
-                <a:gd name="connsiteY8" fmla="*/ 487771 h 769324"/>
-                <a:gd name="connsiteX0" fmla="*/ 1 w 3108962"/>
-                <a:gd name="connsiteY0" fmla="*/ 579212 h 746320"/>
-                <a:gd name="connsiteX1" fmla="*/ 219458 w 3108962"/>
-                <a:gd name="connsiteY1" fmla="*/ 714543 h 746320"/>
-                <a:gd name="connsiteX2" fmla="*/ 585218 w 3108962"/>
-                <a:gd name="connsiteY2" fmla="*/ 4968 h 746320"/>
-                <a:gd name="connsiteX3" fmla="*/ 947320 w 3108962"/>
-                <a:gd name="connsiteY3" fmla="*/ 725515 h 746320"/>
-                <a:gd name="connsiteX4" fmla="*/ 1302107 w 3108962"/>
-                <a:gd name="connsiteY4" fmla="*/ 4968 h 746320"/>
-                <a:gd name="connsiteX5" fmla="*/ 1664210 w 3108962"/>
-                <a:gd name="connsiteY5" fmla="*/ 725515 h 746320"/>
-                <a:gd name="connsiteX6" fmla="*/ 2018997 w 3108962"/>
-                <a:gd name="connsiteY6" fmla="*/ 4968 h 746320"/>
-                <a:gd name="connsiteX7" fmla="*/ 2388414 w 3108962"/>
-                <a:gd name="connsiteY7" fmla="*/ 410962 h 746320"/>
-                <a:gd name="connsiteX8" fmla="*/ 3108962 w 3108962"/>
-                <a:gd name="connsiteY8" fmla="*/ 487771 h 746320"/>
-                <a:gd name="connsiteX0" fmla="*/ 0 w 3251607"/>
-                <a:gd name="connsiteY0" fmla="*/ 381701 h 734595"/>
-                <a:gd name="connsiteX1" fmla="*/ 362103 w 3251607"/>
-                <a:gd name="connsiteY1" fmla="*/ 714543 h 734595"/>
-                <a:gd name="connsiteX2" fmla="*/ 727863 w 3251607"/>
-                <a:gd name="connsiteY2" fmla="*/ 4968 h 734595"/>
-                <a:gd name="connsiteX3" fmla="*/ 1089965 w 3251607"/>
-                <a:gd name="connsiteY3" fmla="*/ 725515 h 734595"/>
-                <a:gd name="connsiteX4" fmla="*/ 1444752 w 3251607"/>
-                <a:gd name="connsiteY4" fmla="*/ 4968 h 734595"/>
-                <a:gd name="connsiteX5" fmla="*/ 1806855 w 3251607"/>
-                <a:gd name="connsiteY5" fmla="*/ 725515 h 734595"/>
-                <a:gd name="connsiteX6" fmla="*/ 2161642 w 3251607"/>
-                <a:gd name="connsiteY6" fmla="*/ 4968 h 734595"/>
-                <a:gd name="connsiteX7" fmla="*/ 2531059 w 3251607"/>
-                <a:gd name="connsiteY7" fmla="*/ 410962 h 734595"/>
-                <a:gd name="connsiteX8" fmla="*/ 3251607 w 3251607"/>
-                <a:gd name="connsiteY8" fmla="*/ 487771 h 734595"/>
-                <a:gd name="connsiteX0" fmla="*/ 26821 w 3278428"/>
-                <a:gd name="connsiteY0" fmla="*/ 381701 h 725515"/>
-                <a:gd name="connsiteX1" fmla="*/ 26822 w 3278428"/>
-                <a:gd name="connsiteY1" fmla="*/ 378043 h 725515"/>
-                <a:gd name="connsiteX2" fmla="*/ 388924 w 3278428"/>
-                <a:gd name="connsiteY2" fmla="*/ 714543 h 725515"/>
-                <a:gd name="connsiteX3" fmla="*/ 754684 w 3278428"/>
-                <a:gd name="connsiteY3" fmla="*/ 4968 h 725515"/>
-                <a:gd name="connsiteX4" fmla="*/ 1116786 w 3278428"/>
-                <a:gd name="connsiteY4" fmla="*/ 725515 h 725515"/>
-                <a:gd name="connsiteX5" fmla="*/ 1471573 w 3278428"/>
-                <a:gd name="connsiteY5" fmla="*/ 4968 h 725515"/>
-                <a:gd name="connsiteX6" fmla="*/ 1833676 w 3278428"/>
-                <a:gd name="connsiteY6" fmla="*/ 725515 h 725515"/>
-                <a:gd name="connsiteX7" fmla="*/ 2188463 w 3278428"/>
-                <a:gd name="connsiteY7" fmla="*/ 4968 h 725515"/>
-                <a:gd name="connsiteX8" fmla="*/ 2557880 w 3278428"/>
-                <a:gd name="connsiteY8" fmla="*/ 410962 h 725515"/>
-                <a:gd name="connsiteX9" fmla="*/ 3278428 w 3278428"/>
-                <a:gd name="connsiteY9" fmla="*/ 487771 h 725515"/>
-                <a:gd name="connsiteX0" fmla="*/ 0 w 3617367"/>
-                <a:gd name="connsiteY0" fmla="*/ 337810 h 725515"/>
-                <a:gd name="connsiteX1" fmla="*/ 365761 w 3617367"/>
-                <a:gd name="connsiteY1" fmla="*/ 378043 h 725515"/>
-                <a:gd name="connsiteX2" fmla="*/ 727863 w 3617367"/>
-                <a:gd name="connsiteY2" fmla="*/ 714543 h 725515"/>
-                <a:gd name="connsiteX3" fmla="*/ 1093623 w 3617367"/>
-                <a:gd name="connsiteY3" fmla="*/ 4968 h 725515"/>
-                <a:gd name="connsiteX4" fmla="*/ 1455725 w 3617367"/>
-                <a:gd name="connsiteY4" fmla="*/ 725515 h 725515"/>
-                <a:gd name="connsiteX5" fmla="*/ 1810512 w 3617367"/>
-                <a:gd name="connsiteY5" fmla="*/ 4968 h 725515"/>
-                <a:gd name="connsiteX6" fmla="*/ 2172615 w 3617367"/>
-                <a:gd name="connsiteY6" fmla="*/ 725515 h 725515"/>
-                <a:gd name="connsiteX7" fmla="*/ 2527402 w 3617367"/>
-                <a:gd name="connsiteY7" fmla="*/ 4968 h 725515"/>
-                <a:gd name="connsiteX8" fmla="*/ 2896819 w 3617367"/>
-                <a:gd name="connsiteY8" fmla="*/ 410962 h 725515"/>
-                <a:gd name="connsiteX9" fmla="*/ 3617367 w 3617367"/>
-                <a:gd name="connsiteY9" fmla="*/ 487771 h 725515"/>
-              </a:gdLst>
-              <a:ahLst/>
-              <a:cxnLst>
-                <a:cxn ang="0">
-                  <a:pos x="connsiteX0" y="connsiteY0"/>
-                </a:cxn>
-                <a:cxn ang="0">
-                  <a:pos x="connsiteX1" y="connsiteY1"/>
-                </a:cxn>
-                <a:cxn ang="0">
-                  <a:pos x="connsiteX2" y="connsiteY2"/>
-                </a:cxn>
-                <a:cxn ang="0">
-                  <a:pos x="connsiteX3" y="connsiteY3"/>
-                </a:cxn>
-                <a:cxn ang="0">
-                  <a:pos x="connsiteX4" y="connsiteY4"/>
-                </a:cxn>
-                <a:cxn ang="0">
-                  <a:pos x="connsiteX5" y="connsiteY5"/>
-                </a:cxn>
-                <a:cxn ang="0">
-                  <a:pos x="connsiteX6" y="connsiteY6"/>
-                </a:cxn>
-                <a:cxn ang="0">
-                  <a:pos x="connsiteX7" y="connsiteY7"/>
-                </a:cxn>
-                <a:cxn ang="0">
-                  <a:pos x="connsiteX8" y="connsiteY8"/>
-                </a:cxn>
-                <a:cxn ang="0">
-                  <a:pos x="connsiteX9" y="connsiteY9"/>
-                </a:cxn>
-              </a:cxnLst>
-              <a:rect l="l" t="t" r="r" b="b"/>
-              <a:pathLst>
-                <a:path w="3617367" h="725515">
-                  <a:moveTo>
-                    <a:pt x="0" y="337810"/>
-                  </a:moveTo>
-                  <a:cubicBezTo>
-                    <a:pt x="0" y="337200"/>
-                    <a:pt x="305411" y="322569"/>
-                    <a:pt x="365761" y="378043"/>
-                  </a:cubicBezTo>
-                  <a:cubicBezTo>
-                    <a:pt x="426111" y="433517"/>
-                    <a:pt x="606553" y="776722"/>
-                    <a:pt x="727863" y="714543"/>
-                  </a:cubicBezTo>
-                  <a:cubicBezTo>
-                    <a:pt x="849173" y="652364"/>
-                    <a:pt x="972313" y="3139"/>
-                    <a:pt x="1093623" y="4968"/>
-                  </a:cubicBezTo>
-                  <a:cubicBezTo>
-                    <a:pt x="1214933" y="6797"/>
-                    <a:pt x="1336244" y="725515"/>
-                    <a:pt x="1455725" y="725515"/>
-                  </a:cubicBezTo>
-                  <a:cubicBezTo>
-                    <a:pt x="1575206" y="725515"/>
-                    <a:pt x="1691030" y="4968"/>
-                    <a:pt x="1810512" y="4968"/>
-                  </a:cubicBezTo>
-                  <a:cubicBezTo>
-                    <a:pt x="1929994" y="4968"/>
-                    <a:pt x="2053133" y="725515"/>
-                    <a:pt x="2172615" y="725515"/>
-                  </a:cubicBezTo>
-                  <a:cubicBezTo>
-                    <a:pt x="2292097" y="725515"/>
-                    <a:pt x="2406701" y="57393"/>
-                    <a:pt x="2527402" y="4968"/>
-                  </a:cubicBezTo>
-                  <a:cubicBezTo>
-                    <a:pt x="2648103" y="-47457"/>
-                    <a:pt x="2715158" y="330495"/>
-                    <a:pt x="2896819" y="410962"/>
-                  </a:cubicBezTo>
-                  <a:cubicBezTo>
-                    <a:pt x="3078480" y="491429"/>
-                    <a:pt x="3347923" y="489600"/>
-                    <a:pt x="3617367" y="487771"/>
-                  </a:cubicBezTo>
-                </a:path>
-              </a:pathLst>
-            </a:custGeom>
-            <a:noFill/>
-            <a:ln>
-              <a:solidFill>
-                <a:srgbClr val="FF0000"/>
-              </a:solidFill>
-              <a:headEnd type="none" w="med" len="med"/>
-              <a:tailEnd type="arrow" w="med" len="med"/>
-            </a:ln>
-          </p:spPr>
-          <p:style>
-            <a:lnRef idx="2">
-              <a:schemeClr val="accent1">
-                <a:shade val="50000"/>
-              </a:schemeClr>
-            </a:lnRef>
-            <a:fillRef idx="1">
-              <a:schemeClr val="accent1"/>
-            </a:fillRef>
-            <a:effectRef idx="0">
-              <a:schemeClr val="accent1"/>
-            </a:effectRef>
-            <a:fontRef idx="minor">
-              <a:schemeClr val="lt1"/>
-            </a:fontRef>
-          </p:style>
-          <p:txBody>
-            <a:bodyPr rtlCol="0" anchor="ctr"/>
-            <a:lstStyle/>
-            <a:p>
-              <a:pPr algn="ctr"/>
-              <a:endParaRPr lang="en-GB"/>
-            </a:p>
-          </p:txBody>
-        </p:sp>
-        <p:sp>
-          <p:nvSpPr>
-            <p:cNvPr id="367" name="TextBox 366"/>
-            <p:cNvSpPr txBox="1"/>
-            <p:nvPr/>
-          </p:nvSpPr>
-          <p:spPr>
-            <a:xfrm>
-              <a:off x="4041023" y="3169245"/>
-              <a:ext cx="932882" cy="400110"/>
-            </a:xfrm>
-            <a:prstGeom prst="rect">
-              <a:avLst/>
-            </a:prstGeom>
-            <a:noFill/>
-          </p:spPr>
-          <p:txBody>
-            <a:bodyPr wrap="square" rtlCol="0">
-              <a:spAutoFit/>
-            </a:bodyPr>
-            <a:lstStyle/>
-            <a:p>
-              <a:r>
-                <a:rPr lang="en-GB" sz="2000" dirty="0" smtClean="0">
-                  <a:solidFill>
-                    <a:srgbClr val="FF0000"/>
-                  </a:solidFill>
-                </a:rPr>
-                <a:t>Photon</a:t>
-              </a:r>
-              <a:endParaRPr lang="en-GB" sz="2000" dirty="0">
-                <a:solidFill>
-                  <a:srgbClr val="FF0000"/>
-                </a:solidFill>
-              </a:endParaRPr>
-            </a:p>
-          </p:txBody>
-        </p:sp>
-      </p:grpSp>
+            </a:endParaRPr>
+          </a:p>
+        </p:txBody>
+      </p:sp>
     </p:spTree>
     <p:extLst>
       <p:ext uri="{BB962C8B-B14F-4D97-AF65-F5344CB8AC3E}">
